--- a/Why Hire Me.pptx
+++ b/Why Hire Me.pptx
@@ -5,16 +5,19 @@
     <p:sldMasterId id="2147483648" r:id="rId2"/>
   </p:sldMasterIdLst>
   <p:notesMasterIdLst>
-    <p:notesMasterId r:id="rId7"/>
+    <p:notesMasterId r:id="rId10"/>
   </p:notesMasterIdLst>
   <p:handoutMasterIdLst>
-    <p:handoutMasterId r:id="rId8"/>
+    <p:handoutMasterId r:id="rId11"/>
   </p:handoutMasterIdLst>
   <p:sldIdLst>
     <p:sldId id="267" r:id="rId3"/>
     <p:sldId id="268" r:id="rId4"/>
     <p:sldId id="269" r:id="rId5"/>
     <p:sldId id="270" r:id="rId6"/>
+    <p:sldId id="273" r:id="rId7"/>
+    <p:sldId id="271" r:id="rId8"/>
+    <p:sldId id="272" r:id="rId9"/>
   </p:sldIdLst>
   <p:sldSz cx="12192000" cy="6858000"/>
   <p:notesSz cx="6858000" cy="9144000"/>
@@ -217,7 +220,7 @@
           <a:p>
             <a:fld id="{8DA0FDE8-3B80-4AAC-92F2-E3D0667D4E72}" type="datetimeFigureOut">
               <a:rPr lang="en-US" smtClean="0"/>
-              <a:t>2/28/2017</a:t>
+              <a:t>3/1/2017</a:t>
             </a:fld>
             <a:endParaRPr lang="en-US"/>
           </a:p>
@@ -382,7 +385,7 @@
           <a:p>
             <a:fld id="{C5F25FBA-1311-468D-8115-8778B0F7BEEC}" type="datetimeFigureOut">
               <a:rPr lang="en-US" smtClean="0"/>
-              <a:t>2/28/2017</a:t>
+              <a:t>3/1/2017</a:t>
             </a:fld>
             <a:endParaRPr lang="en-US"/>
           </a:p>
@@ -677,7 +680,12 @@
             <p:ph type="sldImg"/>
           </p:nvPr>
         </p:nvSpPr>
-        <p:spPr/>
+        <p:spPr>
+          <a:xfrm>
+            <a:off x="685800" y="1143000"/>
+            <a:ext cx="5486400" cy="3086100"/>
+          </a:xfrm>
+        </p:spPr>
       </p:sp>
       <p:sp>
         <p:nvSpPr>
@@ -694,7 +702,39 @@
           <a:bodyPr/>
           <a:lstStyle/>
           <a:p>
-            <a:endParaRPr lang="en-US"/>
+            <a:r>
+              <a:rPr lang="en-US" dirty="0" smtClean="0"/>
+              <a:t>Hi xxx, </a:t>
+            </a:r>
+          </a:p>
+          <a:p>
+            <a:endParaRPr lang="en-US" dirty="0" smtClean="0"/>
+          </a:p>
+          <a:p>
+            <a:r>
+              <a:rPr lang="en-US" dirty="0" smtClean="0"/>
+              <a:t>As you know, There are many developers around the world but to find a developer who suitable and talents isn’t easy at all. </a:t>
+            </a:r>
+            <a:endParaRPr lang="en-US" dirty="0" smtClean="0"/>
+          </a:p>
+          <a:p>
+            <a:endParaRPr lang="en-US" dirty="0"/>
+          </a:p>
+          <a:p>
+            <a:r>
+              <a:rPr lang="en-US" dirty="0" smtClean="0"/>
+              <a:t>So that why we have this interview.</a:t>
+            </a:r>
+          </a:p>
+          <a:p>
+            <a:endParaRPr lang="en-US" dirty="0"/>
+          </a:p>
+          <a:p>
+            <a:r>
+              <a:rPr lang="en-US" dirty="0" smtClean="0"/>
+              <a:t>After this presentation, you will know my background, Motivation and especially Why you should Hire me ?</a:t>
+            </a:r>
+            <a:endParaRPr lang="en-US" dirty="0" smtClean="0"/>
           </a:p>
         </p:txBody>
       </p:sp>
@@ -778,7 +818,72 @@
           <a:bodyPr/>
           <a:lstStyle/>
           <a:p>
-            <a:endParaRPr lang="en-US"/>
+            <a:r>
+              <a:rPr lang="en-US" dirty="0" smtClean="0"/>
+              <a:t>A</a:t>
+            </a:r>
+            <a:r>
+              <a:rPr lang="en-US" dirty="0" smtClean="0"/>
+              <a:t>re you looking for a talent and experienced Developer? </a:t>
+            </a:r>
+          </a:p>
+          <a:p>
+            <a:r>
+              <a:rPr lang="en-US" dirty="0" smtClean="0"/>
+              <a:t>Here I am.</a:t>
+            </a:r>
+          </a:p>
+          <a:p>
+            <a:endParaRPr lang="en-US" dirty="0"/>
+          </a:p>
+          <a:p>
+            <a:r>
+              <a:rPr lang="en-US" dirty="0" smtClean="0"/>
+              <a:t>I have more than 4 years as a full-stack developer and developed many high quality web applications base on .NET FW.</a:t>
+            </a:r>
+          </a:p>
+          <a:p>
+            <a:endParaRPr lang="en-US" dirty="0"/>
+          </a:p>
+          <a:p>
+            <a:r>
+              <a:rPr lang="en-US" dirty="0" smtClean="0"/>
+              <a:t>I’m not only focus on the technologies but also algorithm and technical principles to improve my coding style. Moreover, we cant forget about communication. In my opinion communication is one of the keys to success in many aspect So I have rich </a:t>
+            </a:r>
+            <a:r>
+              <a:rPr lang="en-US" dirty="0" err="1" smtClean="0"/>
+              <a:t>exp</a:t>
+            </a:r>
+            <a:r>
+              <a:rPr lang="en-US" dirty="0" smtClean="0"/>
+              <a:t> in working and communicate with team members as well as coaching them.</a:t>
+            </a:r>
+          </a:p>
+          <a:p>
+            <a:endParaRPr lang="en-US" dirty="0"/>
+          </a:p>
+          <a:p>
+            <a:r>
+              <a:rPr lang="en-US" dirty="0" smtClean="0"/>
+              <a:t>Following my </a:t>
+            </a:r>
+            <a:r>
+              <a:rPr lang="en-US" dirty="0" err="1" smtClean="0"/>
+              <a:t>exp</a:t>
+            </a:r>
+            <a:r>
+              <a:rPr lang="en-US" dirty="0" smtClean="0"/>
+              <a:t>, I worked on many </a:t>
+            </a:r>
+            <a:r>
+              <a:rPr lang="en-US" dirty="0" err="1" smtClean="0"/>
+              <a:t>Enterise</a:t>
+            </a:r>
+            <a:r>
+              <a:rPr lang="en-US" dirty="0" smtClean="0"/>
+              <a:t> project with existing code. The problem that I always meet is maintainability and scalability  because they don’t have UT but luckily I’m a guy who knows UT as well as .NET framework</a:t>
+            </a:r>
+            <a:endParaRPr lang="en-US" dirty="0"/>
           </a:p>
         </p:txBody>
       </p:sp>
@@ -809,6 +914,629 @@
     <p:extLst>
       <p:ext uri="{BB962C8B-B14F-4D97-AF65-F5344CB8AC3E}">
         <p14:creationId xmlns:p14="http://schemas.microsoft.com/office/powerpoint/2010/main" val="3615306853"/>
+      </p:ext>
+    </p:extLst>
+  </p:cSld>
+  <p:clrMapOvr>
+    <a:masterClrMapping/>
+  </p:clrMapOvr>
+</p:notes>
+</file>
+
+<file path=ppt/notesSlides/notesSlide3.xml><?xml version="1.0" encoding="utf-8"?>
+<p:notes xmlns:a="http://schemas.openxmlformats.org/drawingml/2006/main" xmlns:r="http://schemas.openxmlformats.org/officeDocument/2006/relationships" xmlns:p="http://schemas.openxmlformats.org/presentationml/2006/main">
+  <p:cSld>
+    <p:spTree>
+      <p:nvGrpSpPr>
+        <p:cNvPr id="1" name=""/>
+        <p:cNvGrpSpPr/>
+        <p:nvPr/>
+      </p:nvGrpSpPr>
+      <p:grpSpPr>
+        <a:xfrm>
+          <a:off x="0" y="0"/>
+          <a:ext cx="0" cy="0"/>
+          <a:chOff x="0" y="0"/>
+          <a:chExt cx="0" cy="0"/>
+        </a:xfrm>
+      </p:grpSpPr>
+      <p:sp>
+        <p:nvSpPr>
+          <p:cNvPr id="2" name="Slide Image Placeholder 1"/>
+          <p:cNvSpPr>
+            <a:spLocks noGrp="1" noRot="1" noChangeAspect="1"/>
+          </p:cNvSpPr>
+          <p:nvPr>
+            <p:ph type="sldImg"/>
+          </p:nvPr>
+        </p:nvSpPr>
+        <p:spPr/>
+      </p:sp>
+      <p:sp>
+        <p:nvSpPr>
+          <p:cNvPr id="3" name="Notes Placeholder 2"/>
+          <p:cNvSpPr>
+            <a:spLocks noGrp="1"/>
+          </p:cNvSpPr>
+          <p:nvPr>
+            <p:ph type="body" idx="1"/>
+          </p:nvPr>
+        </p:nvSpPr>
+        <p:spPr/>
+        <p:txBody>
+          <a:bodyPr/>
+          <a:lstStyle/>
+          <a:p>
+            <a:r>
+              <a:rPr lang="en-US" dirty="0" smtClean="0"/>
+              <a:t>Firstly, I will show you my Motivation,  My desire is building the best product then deliver to the user and make them is what gets me out of the bed every morning. Beside, I love challenges  (especially start up environment ) because I can improve and collect experience from it not to mention I can learn from the others one’s problem by helping, listening and sharing with them and see people in progress.</a:t>
+            </a:r>
+          </a:p>
+          <a:p>
+            <a:endParaRPr lang="en-US" dirty="0"/>
+          </a:p>
+          <a:p>
+            <a:r>
+              <a:rPr lang="en-US" dirty="0" smtClean="0"/>
+              <a:t>Finally, about my Personality, I’m a positive, funny, open minds, responsible and </a:t>
+            </a:r>
+            <a:r>
+              <a:rPr lang="en-US" b="1" dirty="0" smtClean="0"/>
+              <a:t>Self-Motivated </a:t>
+            </a:r>
+            <a:r>
+              <a:rPr lang="en-US" dirty="0" smtClean="0"/>
+              <a:t>person. I love to work as team rather than work alone and my slogan is “Word Hard, Party Hard”</a:t>
+            </a:r>
+          </a:p>
+        </p:txBody>
+      </p:sp>
+      <p:sp>
+        <p:nvSpPr>
+          <p:cNvPr id="4" name="Slide Number Placeholder 3"/>
+          <p:cNvSpPr>
+            <a:spLocks noGrp="1"/>
+          </p:cNvSpPr>
+          <p:nvPr>
+            <p:ph type="sldNum" sz="quarter" idx="10"/>
+          </p:nvPr>
+        </p:nvSpPr>
+        <p:spPr/>
+        <p:txBody>
+          <a:bodyPr/>
+          <a:lstStyle/>
+          <a:p>
+            <a:fld id="{F0E67C00-F679-4C51-9894-9E2214E5C2F1}" type="slidenum">
+              <a:rPr lang="en-US" smtClean="0"/>
+              <a:t>3</a:t>
+            </a:fld>
+            <a:endParaRPr lang="en-US"/>
+          </a:p>
+        </p:txBody>
+      </p:sp>
+    </p:spTree>
+    <p:extLst>
+      <p:ext uri="{BB962C8B-B14F-4D97-AF65-F5344CB8AC3E}">
+        <p14:creationId xmlns:p14="http://schemas.microsoft.com/office/powerpoint/2010/main" val="2940045426"/>
+      </p:ext>
+    </p:extLst>
+  </p:cSld>
+  <p:clrMapOvr>
+    <a:masterClrMapping/>
+  </p:clrMapOvr>
+</p:notes>
+</file>
+
+<file path=ppt/notesSlides/notesSlide4.xml><?xml version="1.0" encoding="utf-8"?>
+<p:notes xmlns:a="http://schemas.openxmlformats.org/drawingml/2006/main" xmlns:r="http://schemas.openxmlformats.org/officeDocument/2006/relationships" xmlns:p="http://schemas.openxmlformats.org/presentationml/2006/main">
+  <p:cSld>
+    <p:spTree>
+      <p:nvGrpSpPr>
+        <p:cNvPr id="1" name=""/>
+        <p:cNvGrpSpPr/>
+        <p:nvPr/>
+      </p:nvGrpSpPr>
+      <p:grpSpPr>
+        <a:xfrm>
+          <a:off x="0" y="0"/>
+          <a:ext cx="0" cy="0"/>
+          <a:chOff x="0" y="0"/>
+          <a:chExt cx="0" cy="0"/>
+        </a:xfrm>
+      </p:grpSpPr>
+      <p:sp>
+        <p:nvSpPr>
+          <p:cNvPr id="2" name="Slide Image Placeholder 1"/>
+          <p:cNvSpPr>
+            <a:spLocks noGrp="1" noRot="1" noChangeAspect="1"/>
+          </p:cNvSpPr>
+          <p:nvPr>
+            <p:ph type="sldImg"/>
+          </p:nvPr>
+        </p:nvSpPr>
+        <p:spPr/>
+      </p:sp>
+      <p:sp>
+        <p:nvSpPr>
+          <p:cNvPr id="3" name="Notes Placeholder 2"/>
+          <p:cNvSpPr>
+            <a:spLocks noGrp="1"/>
+          </p:cNvSpPr>
+          <p:nvPr>
+            <p:ph type="body" idx="1"/>
+          </p:nvPr>
+        </p:nvSpPr>
+        <p:spPr/>
+        <p:txBody>
+          <a:bodyPr/>
+          <a:lstStyle/>
+          <a:p>
+            <a:r>
+              <a:rPr lang="en-US" dirty="0" smtClean="0"/>
+              <a:t>Before I apply for this job, I already read all the job requirement. You are looking for a .NET Full-Stack Developer with testing mind-set and Here Am I.</a:t>
+            </a:r>
+          </a:p>
+          <a:p>
+            <a:endParaRPr lang="en-US" dirty="0"/>
+          </a:p>
+          <a:p>
+            <a:r>
+              <a:rPr lang="en-US" dirty="0" smtClean="0"/>
+              <a:t>With more than 4 years’ experience in various .NET technologies such as …… and have rich </a:t>
+            </a:r>
+            <a:r>
+              <a:rPr lang="en-US" dirty="0" err="1" smtClean="0"/>
+              <a:t>exp</a:t>
+            </a:r>
+            <a:r>
+              <a:rPr lang="en-US" dirty="0" smtClean="0"/>
+              <a:t> in working with UT FW, not to mention I have much </a:t>
+            </a:r>
+            <a:r>
+              <a:rPr lang="en-US" dirty="0" err="1" smtClean="0"/>
+              <a:t>exp</a:t>
+            </a:r>
+            <a:r>
+              <a:rPr lang="en-US" dirty="0" smtClean="0"/>
+              <a:t> in Scrum Methodology and I can become a potential Scrum Master.</a:t>
+            </a:r>
+          </a:p>
+          <a:p>
+            <a:endParaRPr lang="en-US" dirty="0"/>
+          </a:p>
+          <a:p>
+            <a:r>
+              <a:rPr lang="en-US" dirty="0" smtClean="0"/>
+              <a:t>As a Full-Stack Developer, I have to handle from front-end to server and Database So I’m not only good at C# but also </a:t>
+            </a:r>
+            <a:r>
+              <a:rPr lang="en-US" dirty="0" err="1" smtClean="0"/>
+              <a:t>Javascript</a:t>
+            </a:r>
+            <a:r>
+              <a:rPr lang="en-US" dirty="0" smtClean="0"/>
+              <a:t>, HTML, CSS, other JS FW &amp; Libs such as </a:t>
+            </a:r>
+            <a:r>
+              <a:rPr lang="en-US" dirty="0" err="1" smtClean="0"/>
+              <a:t>AngularJs</a:t>
+            </a:r>
+            <a:r>
+              <a:rPr lang="en-US" dirty="0" smtClean="0"/>
+              <a:t>, </a:t>
+            </a:r>
+            <a:r>
+              <a:rPr lang="en-US" dirty="0" err="1" smtClean="0"/>
+              <a:t>jquery</a:t>
+            </a:r>
+            <a:r>
+              <a:rPr lang="en-US" dirty="0" smtClean="0"/>
+              <a:t> and we cant forget some tool and </a:t>
+            </a:r>
+            <a:r>
+              <a:rPr lang="en-US" b="1" dirty="0"/>
+              <a:t>CSS </a:t>
+            </a:r>
+            <a:r>
+              <a:rPr lang="en-US" b="1" dirty="0" smtClean="0"/>
+              <a:t>preprocessor I have knowledge and </a:t>
+            </a:r>
+            <a:r>
+              <a:rPr lang="en-US" b="1" dirty="0" err="1" smtClean="0"/>
+              <a:t>exp</a:t>
+            </a:r>
+            <a:r>
+              <a:rPr lang="en-US" b="1" dirty="0" smtClean="0"/>
+              <a:t> in Gulp, </a:t>
+            </a:r>
+            <a:r>
+              <a:rPr lang="en-US" b="1" dirty="0" err="1" smtClean="0"/>
+              <a:t>Nodejs</a:t>
+            </a:r>
+            <a:r>
+              <a:rPr lang="en-US" b="1" dirty="0" smtClean="0"/>
+              <a:t>, Sass, Less, etc….</a:t>
+            </a:r>
+            <a:r>
+              <a:rPr lang="en-US" dirty="0" smtClean="0"/>
+              <a:t>   </a:t>
+            </a:r>
+          </a:p>
+          <a:p>
+            <a:endParaRPr lang="en-US" dirty="0"/>
+          </a:p>
+          <a:p>
+            <a:r>
+              <a:rPr lang="en-US" dirty="0" smtClean="0"/>
+              <a:t>As I know, you prefer the one who have a good knowledge about </a:t>
+            </a:r>
+            <a:r>
+              <a:rPr lang="en-US" dirty="0" err="1" smtClean="0"/>
+              <a:t>Sql</a:t>
+            </a:r>
+            <a:r>
+              <a:rPr lang="en-US" dirty="0" smtClean="0"/>
+              <a:t> server So I have to remind you, here Am I. I have strong </a:t>
+            </a:r>
+            <a:r>
+              <a:rPr lang="en-US" dirty="0" err="1" smtClean="0"/>
+              <a:t>exp</a:t>
+            </a:r>
+            <a:r>
+              <a:rPr lang="en-US" dirty="0" smtClean="0"/>
+              <a:t> and knowledge in </a:t>
+            </a:r>
+            <a:r>
+              <a:rPr lang="en-US" dirty="0" err="1" smtClean="0"/>
+              <a:t>Sql</a:t>
+            </a:r>
+            <a:r>
+              <a:rPr lang="en-US" dirty="0" smtClean="0"/>
+              <a:t> server….. </a:t>
+            </a:r>
+          </a:p>
+          <a:p>
+            <a:r>
+              <a:rPr lang="en-US" dirty="0" smtClean="0"/>
+              <a:t>AS evidence by the </a:t>
+            </a:r>
+            <a:r>
+              <a:rPr lang="en-US" dirty="0" err="1" smtClean="0"/>
+              <a:t>kalibrate</a:t>
+            </a:r>
+            <a:r>
+              <a:rPr lang="en-US" dirty="0" smtClean="0"/>
+              <a:t> project, I didn’t work with EF, we used pure </a:t>
+            </a:r>
+            <a:r>
+              <a:rPr lang="en-US" dirty="0" err="1" smtClean="0"/>
+              <a:t>sql</a:t>
+            </a:r>
+            <a:r>
+              <a:rPr lang="en-US" dirty="0" smtClean="0"/>
+              <a:t> query to CRUD.</a:t>
+            </a:r>
+          </a:p>
+          <a:p>
+            <a:endParaRPr lang="en-US" dirty="0" smtClean="0"/>
+          </a:p>
+          <a:p>
+            <a:endParaRPr lang="en-US" dirty="0" smtClean="0"/>
+          </a:p>
+        </p:txBody>
+      </p:sp>
+      <p:sp>
+        <p:nvSpPr>
+          <p:cNvPr id="4" name="Slide Number Placeholder 3"/>
+          <p:cNvSpPr>
+            <a:spLocks noGrp="1"/>
+          </p:cNvSpPr>
+          <p:nvPr>
+            <p:ph type="sldNum" sz="quarter" idx="10"/>
+          </p:nvPr>
+        </p:nvSpPr>
+        <p:spPr/>
+        <p:txBody>
+          <a:bodyPr/>
+          <a:lstStyle/>
+          <a:p>
+            <a:fld id="{F0E67C00-F679-4C51-9894-9E2214E5C2F1}" type="slidenum">
+              <a:rPr lang="en-US" smtClean="0"/>
+              <a:t>4</a:t>
+            </a:fld>
+            <a:endParaRPr lang="en-US"/>
+          </a:p>
+        </p:txBody>
+      </p:sp>
+    </p:spTree>
+    <p:extLst>
+      <p:ext uri="{BB962C8B-B14F-4D97-AF65-F5344CB8AC3E}">
+        <p14:creationId xmlns:p14="http://schemas.microsoft.com/office/powerpoint/2010/main" val="2305279096"/>
+      </p:ext>
+    </p:extLst>
+  </p:cSld>
+  <p:clrMapOvr>
+    <a:masterClrMapping/>
+  </p:clrMapOvr>
+</p:notes>
+</file>
+
+<file path=ppt/notesSlides/notesSlide5.xml><?xml version="1.0" encoding="utf-8"?>
+<p:notes xmlns:a="http://schemas.openxmlformats.org/drawingml/2006/main" xmlns:r="http://schemas.openxmlformats.org/officeDocument/2006/relationships" xmlns:p="http://schemas.openxmlformats.org/presentationml/2006/main">
+  <p:cSld>
+    <p:spTree>
+      <p:nvGrpSpPr>
+        <p:cNvPr id="1" name=""/>
+        <p:cNvGrpSpPr/>
+        <p:nvPr/>
+      </p:nvGrpSpPr>
+      <p:grpSpPr>
+        <a:xfrm>
+          <a:off x="0" y="0"/>
+          <a:ext cx="0" cy="0"/>
+          <a:chOff x="0" y="0"/>
+          <a:chExt cx="0" cy="0"/>
+        </a:xfrm>
+      </p:grpSpPr>
+      <p:sp>
+        <p:nvSpPr>
+          <p:cNvPr id="2" name="Slide Image Placeholder 1"/>
+          <p:cNvSpPr>
+            <a:spLocks noGrp="1" noRot="1" noChangeAspect="1"/>
+          </p:cNvSpPr>
+          <p:nvPr>
+            <p:ph type="sldImg"/>
+          </p:nvPr>
+        </p:nvSpPr>
+        <p:spPr/>
+      </p:sp>
+      <p:sp>
+        <p:nvSpPr>
+          <p:cNvPr id="3" name="Notes Placeholder 2"/>
+          <p:cNvSpPr>
+            <a:spLocks noGrp="1"/>
+          </p:cNvSpPr>
+          <p:nvPr>
+            <p:ph type="body" idx="1"/>
+          </p:nvPr>
+        </p:nvSpPr>
+        <p:spPr/>
+        <p:txBody>
+          <a:bodyPr/>
+          <a:lstStyle/>
+          <a:p>
+            <a:r>
+              <a:rPr lang="en-US" dirty="0" smtClean="0"/>
+              <a:t>You already know my </a:t>
+            </a:r>
+            <a:r>
+              <a:rPr lang="en-US" dirty="0" err="1" smtClean="0"/>
+              <a:t>Exp</a:t>
+            </a:r>
+            <a:r>
+              <a:rPr lang="en-US" dirty="0" smtClean="0"/>
+              <a:t>, Motivation, Personality and my skill-set So know I will so you my contribution that I have done during 4 years. </a:t>
+            </a:r>
+          </a:p>
+          <a:p>
+            <a:endParaRPr lang="en-US" dirty="0"/>
+          </a:p>
+          <a:p>
+            <a:r>
+              <a:rPr lang="en-US" dirty="0" smtClean="0"/>
+              <a:t>For the first 2 years, I spent almost my time and my effort to learn new technologies because I want to have my base programming language(C#) and platform (Web application) then when I have a little </a:t>
+            </a:r>
+            <a:r>
+              <a:rPr lang="en-US" dirty="0" err="1" smtClean="0"/>
+              <a:t>exp</a:t>
+            </a:r>
+            <a:r>
+              <a:rPr lang="en-US" dirty="0" smtClean="0"/>
+              <a:t>, I started to research and I want to contribute my knowledge to the .NET world and my second home (Company) because I want to prove my value and  to satisfy my hunger </a:t>
+            </a:r>
+            <a:r>
+              <a:rPr lang="en-US" smtClean="0"/>
+              <a:t>of knowledge.</a:t>
+            </a:r>
+            <a:endParaRPr lang="en-US" dirty="0" smtClean="0"/>
+          </a:p>
+        </p:txBody>
+      </p:sp>
+      <p:sp>
+        <p:nvSpPr>
+          <p:cNvPr id="4" name="Slide Number Placeholder 3"/>
+          <p:cNvSpPr>
+            <a:spLocks noGrp="1"/>
+          </p:cNvSpPr>
+          <p:nvPr>
+            <p:ph type="sldNum" sz="quarter" idx="10"/>
+          </p:nvPr>
+        </p:nvSpPr>
+        <p:spPr/>
+        <p:txBody>
+          <a:bodyPr/>
+          <a:lstStyle/>
+          <a:p>
+            <a:fld id="{F0E67C00-F679-4C51-9894-9E2214E5C2F1}" type="slidenum">
+              <a:rPr lang="en-US" smtClean="0"/>
+              <a:t>5</a:t>
+            </a:fld>
+            <a:endParaRPr lang="en-US"/>
+          </a:p>
+        </p:txBody>
+      </p:sp>
+    </p:spTree>
+    <p:extLst>
+      <p:ext uri="{BB962C8B-B14F-4D97-AF65-F5344CB8AC3E}">
+        <p14:creationId xmlns:p14="http://schemas.microsoft.com/office/powerpoint/2010/main" val="1423454194"/>
+      </p:ext>
+    </p:extLst>
+  </p:cSld>
+  <p:clrMapOvr>
+    <a:masterClrMapping/>
+  </p:clrMapOvr>
+</p:notes>
+</file>
+
+<file path=ppt/notesSlides/notesSlide6.xml><?xml version="1.0" encoding="utf-8"?>
+<p:notes xmlns:a="http://schemas.openxmlformats.org/drawingml/2006/main" xmlns:r="http://schemas.openxmlformats.org/officeDocument/2006/relationships" xmlns:p="http://schemas.openxmlformats.org/presentationml/2006/main">
+  <p:cSld>
+    <p:spTree>
+      <p:nvGrpSpPr>
+        <p:cNvPr id="1" name=""/>
+        <p:cNvGrpSpPr/>
+        <p:nvPr/>
+      </p:nvGrpSpPr>
+      <p:grpSpPr>
+        <a:xfrm>
+          <a:off x="0" y="0"/>
+          <a:ext cx="0" cy="0"/>
+          <a:chOff x="0" y="0"/>
+          <a:chExt cx="0" cy="0"/>
+        </a:xfrm>
+      </p:grpSpPr>
+      <p:sp>
+        <p:nvSpPr>
+          <p:cNvPr id="2" name="Slide Image Placeholder 1"/>
+          <p:cNvSpPr>
+            <a:spLocks noGrp="1" noRot="1" noChangeAspect="1"/>
+          </p:cNvSpPr>
+          <p:nvPr>
+            <p:ph type="sldImg"/>
+          </p:nvPr>
+        </p:nvSpPr>
+        <p:spPr/>
+      </p:sp>
+      <p:sp>
+        <p:nvSpPr>
+          <p:cNvPr id="3" name="Notes Placeholder 2"/>
+          <p:cNvSpPr>
+            <a:spLocks noGrp="1"/>
+          </p:cNvSpPr>
+          <p:nvPr>
+            <p:ph type="body" idx="1"/>
+          </p:nvPr>
+        </p:nvSpPr>
+        <p:spPr/>
+        <p:txBody>
+          <a:bodyPr/>
+          <a:lstStyle/>
+          <a:p>
+            <a:endParaRPr lang="en-US"/>
+          </a:p>
+        </p:txBody>
+      </p:sp>
+      <p:sp>
+        <p:nvSpPr>
+          <p:cNvPr id="4" name="Slide Number Placeholder 3"/>
+          <p:cNvSpPr>
+            <a:spLocks noGrp="1"/>
+          </p:cNvSpPr>
+          <p:nvPr>
+            <p:ph type="sldNum" sz="quarter" idx="10"/>
+          </p:nvPr>
+        </p:nvSpPr>
+        <p:spPr/>
+        <p:txBody>
+          <a:bodyPr/>
+          <a:lstStyle/>
+          <a:p>
+            <a:fld id="{F0E67C00-F679-4C51-9894-9E2214E5C2F1}" type="slidenum">
+              <a:rPr lang="en-US" smtClean="0"/>
+              <a:t>6</a:t>
+            </a:fld>
+            <a:endParaRPr lang="en-US"/>
+          </a:p>
+        </p:txBody>
+      </p:sp>
+    </p:spTree>
+    <p:extLst>
+      <p:ext uri="{BB962C8B-B14F-4D97-AF65-F5344CB8AC3E}">
+        <p14:creationId xmlns:p14="http://schemas.microsoft.com/office/powerpoint/2010/main" val="2257285805"/>
+      </p:ext>
+    </p:extLst>
+  </p:cSld>
+  <p:clrMapOvr>
+    <a:masterClrMapping/>
+  </p:clrMapOvr>
+</p:notes>
+</file>
+
+<file path=ppt/notesSlides/notesSlide7.xml><?xml version="1.0" encoding="utf-8"?>
+<p:notes xmlns:a="http://schemas.openxmlformats.org/drawingml/2006/main" xmlns:r="http://schemas.openxmlformats.org/officeDocument/2006/relationships" xmlns:p="http://schemas.openxmlformats.org/presentationml/2006/main">
+  <p:cSld>
+    <p:spTree>
+      <p:nvGrpSpPr>
+        <p:cNvPr id="1" name=""/>
+        <p:cNvGrpSpPr/>
+        <p:nvPr/>
+      </p:nvGrpSpPr>
+      <p:grpSpPr>
+        <a:xfrm>
+          <a:off x="0" y="0"/>
+          <a:ext cx="0" cy="0"/>
+          <a:chOff x="0" y="0"/>
+          <a:chExt cx="0" cy="0"/>
+        </a:xfrm>
+      </p:grpSpPr>
+      <p:sp>
+        <p:nvSpPr>
+          <p:cNvPr id="2" name="Slide Image Placeholder 1"/>
+          <p:cNvSpPr>
+            <a:spLocks noGrp="1" noRot="1" noChangeAspect="1"/>
+          </p:cNvSpPr>
+          <p:nvPr>
+            <p:ph type="sldImg"/>
+          </p:nvPr>
+        </p:nvSpPr>
+        <p:spPr/>
+      </p:sp>
+      <p:sp>
+        <p:nvSpPr>
+          <p:cNvPr id="3" name="Notes Placeholder 2"/>
+          <p:cNvSpPr>
+            <a:spLocks noGrp="1"/>
+          </p:cNvSpPr>
+          <p:nvPr>
+            <p:ph type="body" idx="1"/>
+          </p:nvPr>
+        </p:nvSpPr>
+        <p:spPr/>
+        <p:txBody>
+          <a:bodyPr/>
+          <a:lstStyle/>
+          <a:p>
+            <a:endParaRPr lang="en-US"/>
+          </a:p>
+        </p:txBody>
+      </p:sp>
+      <p:sp>
+        <p:nvSpPr>
+          <p:cNvPr id="4" name="Slide Number Placeholder 3"/>
+          <p:cNvSpPr>
+            <a:spLocks noGrp="1"/>
+          </p:cNvSpPr>
+          <p:nvPr>
+            <p:ph type="sldNum" sz="quarter" idx="10"/>
+          </p:nvPr>
+        </p:nvSpPr>
+        <p:spPr/>
+        <p:txBody>
+          <a:bodyPr/>
+          <a:lstStyle/>
+          <a:p>
+            <a:fld id="{F0E67C00-F679-4C51-9894-9E2214E5C2F1}" type="slidenum">
+              <a:rPr lang="en-US" smtClean="0"/>
+              <a:t>7</a:t>
+            </a:fld>
+            <a:endParaRPr lang="en-US"/>
+          </a:p>
+        </p:txBody>
+      </p:sp>
+    </p:spTree>
+    <p:extLst>
+      <p:ext uri="{BB962C8B-B14F-4D97-AF65-F5344CB8AC3E}">
+        <p14:creationId xmlns:p14="http://schemas.microsoft.com/office/powerpoint/2010/main" val="2514915326"/>
       </p:ext>
     </p:extLst>
   </p:cSld>
@@ -1139,7 +1867,7 @@
           <a:p>
             <a:fld id="{13742600-E9F7-466C-8541-946554E93A49}" type="datetime1">
               <a:rPr lang="en-US" smtClean="0"/>
-              <a:t>2/28/2017</a:t>
+              <a:t>3/1/2017</a:t>
             </a:fld>
             <a:endParaRPr lang="en-US"/>
           </a:p>
@@ -1335,7 +2063,7 @@
           <a:p>
             <a:fld id="{1F61279A-C7BA-4635-9159-C91385B5DA0B}" type="datetime1">
               <a:rPr lang="en-US" smtClean="0"/>
-              <a:t>2/28/2017</a:t>
+              <a:t>3/1/2017</a:t>
             </a:fld>
             <a:endParaRPr lang="en-US"/>
           </a:p>
@@ -1521,7 +2249,7 @@
           <a:p>
             <a:fld id="{EEA75F16-E4FD-44DC-ABEF-20CBF1D994A7}" type="datetime1">
               <a:rPr lang="en-US" smtClean="0"/>
-              <a:t>2/28/2017</a:t>
+              <a:t>3/1/2017</a:t>
             </a:fld>
             <a:endParaRPr lang="en-US"/>
           </a:p>
@@ -2041,7 +2769,7 @@
           <a:p>
             <a:fld id="{E3A40731-8661-4FFF-B8F1-7CF57A4F1766}" type="datetime1">
               <a:rPr lang="en-US" smtClean="0"/>
-              <a:t>2/28/2017</a:t>
+              <a:t>3/1/2017</a:t>
             </a:fld>
             <a:endParaRPr lang="en-US"/>
           </a:p>
@@ -2483,7 +3211,7 @@
           <a:p>
             <a:fld id="{0DE50BE4-B926-4C15-BB6D-C1581FBE04A0}" type="datetime1">
               <a:rPr lang="en-US" smtClean="0"/>
-              <a:t>2/28/2017</a:t>
+              <a:t>3/1/2017</a:t>
             </a:fld>
             <a:endParaRPr lang="en-US"/>
           </a:p>
@@ -2617,7 +3345,7 @@
           <a:p>
             <a:fld id="{3269B25B-8606-4953-881D-CB3EAA35199E}" type="datetime1">
               <a:rPr lang="en-US" smtClean="0"/>
-              <a:t>2/28/2017</a:t>
+              <a:t>3/1/2017</a:t>
             </a:fld>
             <a:endParaRPr lang="en-US"/>
           </a:p>
@@ -2728,7 +3456,7 @@
           <a:p>
             <a:fld id="{608DA8D6-E31D-4D5B-8A84-3FCB4974326C}" type="datetime1">
               <a:rPr lang="en-US" smtClean="0"/>
-              <a:t>2/28/2017</a:t>
+              <a:t>3/1/2017</a:t>
             </a:fld>
             <a:endParaRPr lang="en-US"/>
           </a:p>
@@ -3088,7 +3816,7 @@
           <a:p>
             <a:fld id="{056E1295-DB2C-43BE-BA14-CDFA2BB48591}" type="datetime1">
               <a:rPr lang="en-US" smtClean="0"/>
-              <a:t>2/28/2017</a:t>
+              <a:t>3/1/2017</a:t>
             </a:fld>
             <a:endParaRPr lang="en-US"/>
           </a:p>
@@ -3438,7 +4166,7 @@
           <a:p>
             <a:fld id="{34D23F36-6146-4827-8004-A71EE2498398}" type="datetime1">
               <a:rPr lang="en-US" smtClean="0"/>
-              <a:t>2/28/2017</a:t>
+              <a:t>3/1/2017</a:t>
             </a:fld>
             <a:endParaRPr lang="en-US"/>
           </a:p>
@@ -3828,7 +4556,7 @@
           <a:p>
             <a:fld id="{5ED3E5D4-FB40-4063-82E1-8EAB01E413DD}" type="datetime1">
               <a:rPr lang="en-US" smtClean="0"/>
-              <a:t>2/28/2017</a:t>
+              <a:t>3/1/2017</a:t>
             </a:fld>
             <a:endParaRPr lang="en-US"/>
           </a:p>
@@ -4340,38 +5068,38 @@
               <a:rPr lang="en-US" dirty="0"/>
             </a:br>
             <a:r>
-              <a:rPr lang="en-US" i="1" dirty="0"/>
+              <a:rPr lang="en-US" sz="1800" i="1" dirty="0"/>
               <a:t>Performance</a:t>
             </a:r>
             <a:br>
-              <a:rPr lang="en-US" i="1" dirty="0"/>
+              <a:rPr lang="en-US" sz="1800" i="1" dirty="0"/>
             </a:br>
             <a:r>
-              <a:rPr lang="en-US" i="1" dirty="0"/>
+              <a:rPr lang="en-US" sz="1800" i="1" dirty="0"/>
               <a:t>Commitment</a:t>
             </a:r>
             <a:br>
-              <a:rPr lang="en-US" i="1" dirty="0"/>
+              <a:rPr lang="en-US" sz="1800" i="1" dirty="0"/>
             </a:br>
             <a:r>
-              <a:rPr lang="en-US" i="1" dirty="0"/>
+              <a:rPr lang="en-US" sz="1800" i="1" dirty="0"/>
               <a:t>Trust</a:t>
             </a:r>
             <a:br>
-              <a:rPr lang="en-US" i="1" dirty="0"/>
+              <a:rPr lang="en-US" sz="1800" i="1" dirty="0"/>
             </a:br>
             <a:r>
-              <a:rPr lang="en-US" i="1" dirty="0"/>
+              <a:rPr lang="en-US" sz="1800" i="1" dirty="0"/>
               <a:t>Boldness</a:t>
             </a:r>
             <a:br>
-              <a:rPr lang="en-US" i="1" dirty="0"/>
+              <a:rPr lang="en-US" sz="1800" i="1" dirty="0"/>
             </a:br>
             <a:r>
-              <a:rPr lang="en-US" i="1" dirty="0"/>
+              <a:rPr lang="en-US" sz="1800" i="1" dirty="0"/>
               <a:t>Independence </a:t>
             </a:r>
-            <a:endParaRPr lang="en-US" dirty="0"/>
+            <a:endParaRPr lang="en-US" sz="1800" dirty="0"/>
           </a:p>
         </p:txBody>
       </p:sp>
@@ -4468,43 +5196,37 @@
             </a:r>
             <a:r>
               <a:rPr lang="en-US" dirty="0" smtClean="0"/>
-              <a:t>years’ </a:t>
-            </a:r>
-            <a:r>
-              <a:rPr lang="en-US" dirty="0" smtClean="0"/>
-              <a:t>experience in building high traffic, quality and performance web application base on .NET Framework.</a:t>
-            </a:r>
-          </a:p>
-          <a:p>
-            <a:r>
-              <a:rPr lang="en-US" dirty="0" smtClean="0"/>
-              <a:t>More than 3 </a:t>
-            </a:r>
-            <a:r>
-              <a:rPr lang="en-US" dirty="0" smtClean="0"/>
-              <a:t>years’ </a:t>
-            </a:r>
-            <a:r>
-              <a:rPr lang="en-US" dirty="0" smtClean="0"/>
-              <a:t>experience as a Full-Stack </a:t>
-            </a:r>
-            <a:r>
-              <a:rPr lang="en-US" dirty="0" smtClean="0"/>
-              <a:t>Developer</a:t>
+              <a:t>years</a:t>
+            </a:r>
+            <a:r>
+              <a:rPr lang="en-US" dirty="0" smtClean="0"/>
+              <a:t> </a:t>
             </a:r>
             <a:r>
               <a:rPr lang="en-US" dirty="0"/>
-              <a:t> </a:t>
-            </a:r>
-            <a:r>
-              <a:rPr lang="en-US" dirty="0" smtClean="0"/>
-              <a:t>and handle from client-side to database.</a:t>
-            </a:r>
-          </a:p>
-          <a:p>
-            <a:r>
-              <a:rPr lang="en-US" dirty="0" smtClean="0"/>
-              <a:t>Worked and maintain many existing </a:t>
+              <a:t>as a Full-Stack </a:t>
+            </a:r>
+            <a:r>
+              <a:rPr lang="en-US" dirty="0" smtClean="0"/>
+              <a:t>Developer and </a:t>
+            </a:r>
+            <a:r>
+              <a:rPr lang="en-US" dirty="0" smtClean="0"/>
+              <a:t>experience </a:t>
+            </a:r>
+            <a:r>
+              <a:rPr lang="en-US" dirty="0" smtClean="0"/>
+              <a:t>in building high traffic, quality and performance web application base on .NET Framework.</a:t>
+            </a:r>
+          </a:p>
+          <a:p>
+            <a:r>
+              <a:rPr lang="en-US" dirty="0" smtClean="0"/>
+              <a:t>Worked </a:t>
+            </a:r>
+            <a:r>
+              <a:rPr lang="en-US" dirty="0" smtClean="0"/>
+              <a:t>and maintain many existing </a:t>
             </a:r>
             <a:r>
               <a:rPr lang="en-US" dirty="0"/>
@@ -4560,7 +5282,6 @@
               <a:rPr lang="en-US" dirty="0" smtClean="0"/>
               <a:t>Strong knowledge and experiences in UT follow XBB method as well as using UT frameworks. </a:t>
             </a:r>
-            <a:endParaRPr lang="en-US" dirty="0" smtClean="0"/>
           </a:p>
         </p:txBody>
       </p:sp>
@@ -4581,7 +5302,7 @@
           <a:p>
             <a:fld id="{03F97C3F-B23C-4104-A04B-E7D8F73D12BD}" type="datetime1">
               <a:rPr lang="en-US" smtClean="0"/>
-              <a:t>2/28/2017</a:t>
+              <a:t>3/1/2017</a:t>
             </a:fld>
             <a:endParaRPr lang="en-US"/>
           </a:p>
@@ -4705,7 +5426,7 @@
           <a:p>
             <a:fld id="{AC82F888-E352-4F14-8CA8-9773B3303DA3}" type="datetime1">
               <a:rPr lang="en-US" smtClean="0"/>
-              <a:t>2/28/2017</a:t>
+              <a:t>3/1/2017</a:t>
             </a:fld>
             <a:endParaRPr lang="en-US"/>
           </a:p>
@@ -4932,7 +5653,7 @@
           <a:p>
             <a:fld id="{AC82F888-E352-4F14-8CA8-9773B3303DA3}" type="datetime1">
               <a:rPr lang="en-US" smtClean="0"/>
-              <a:t>2/28/2017</a:t>
+              <a:t>3/1/2017</a:t>
             </a:fld>
             <a:endParaRPr lang="en-US"/>
           </a:p>
@@ -5047,7 +5768,15 @@
           <a:p>
             <a:r>
               <a:rPr lang="en-US" dirty="0" smtClean="0"/>
-              <a:t>Have rich knowledge ane experience in Scrum/Agile. </a:t>
+              <a:t>Have rich knowledge </a:t>
+            </a:r>
+            <a:r>
+              <a:rPr lang="en-US" dirty="0" smtClean="0"/>
+              <a:t>and </a:t>
+            </a:r>
+            <a:r>
+              <a:rPr lang="en-US" dirty="0" smtClean="0"/>
+              <a:t>experience in Scrum/Agile. </a:t>
             </a:r>
           </a:p>
           <a:p>
@@ -5072,6 +5801,599 @@
       </p:transition>
     </mc:Choice>
     <mc:Fallback xmlns="">
+      <p:transition spd="med">
+        <p:fade/>
+      </p:transition>
+    </mc:Fallback>
+  </mc:AlternateContent>
+  <p:timing>
+    <p:tnLst>
+      <p:par>
+        <p:cTn id="1" dur="indefinite" restart="never" nodeType="tmRoot"/>
+      </p:par>
+    </p:tnLst>
+  </p:timing>
+</p:sld>
+</file>
+
+<file path=ppt/slides/slide5.xml><?xml version="1.0" encoding="utf-8"?>
+<p:sld xmlns:a="http://schemas.openxmlformats.org/drawingml/2006/main" xmlns:r="http://schemas.openxmlformats.org/officeDocument/2006/relationships" xmlns:p="http://schemas.openxmlformats.org/presentationml/2006/main">
+  <p:cSld>
+    <p:spTree>
+      <p:nvGrpSpPr>
+        <p:cNvPr id="1" name=""/>
+        <p:cNvGrpSpPr/>
+        <p:nvPr/>
+      </p:nvGrpSpPr>
+      <p:grpSpPr>
+        <a:xfrm>
+          <a:off x="0" y="0"/>
+          <a:ext cx="0" cy="0"/>
+          <a:chOff x="0" y="0"/>
+          <a:chExt cx="0" cy="0"/>
+        </a:xfrm>
+      </p:grpSpPr>
+      <p:sp>
+        <p:nvSpPr>
+          <p:cNvPr id="2" name="Title 1"/>
+          <p:cNvSpPr>
+            <a:spLocks noGrp="1"/>
+          </p:cNvSpPr>
+          <p:nvPr>
+            <p:ph type="title"/>
+          </p:nvPr>
+        </p:nvSpPr>
+        <p:spPr/>
+        <p:txBody>
+          <a:bodyPr/>
+          <a:lstStyle/>
+          <a:p>
+            <a:r>
+              <a:rPr lang="en-US" dirty="0" smtClean="0"/>
+              <a:t>Contributions</a:t>
+            </a:r>
+            <a:endParaRPr lang="en-US" dirty="0"/>
+          </a:p>
+        </p:txBody>
+      </p:sp>
+      <p:sp>
+        <p:nvSpPr>
+          <p:cNvPr id="3" name="Content Placeholder 2"/>
+          <p:cNvSpPr>
+            <a:spLocks noGrp="1"/>
+          </p:cNvSpPr>
+          <p:nvPr>
+            <p:ph idx="1"/>
+          </p:nvPr>
+        </p:nvSpPr>
+        <p:spPr/>
+        <p:txBody>
+          <a:bodyPr/>
+          <a:lstStyle/>
+          <a:p>
+            <a:r>
+              <a:rPr lang="en-US" dirty="0" err="1" smtClean="0"/>
+              <a:t>Dijkstra’s</a:t>
+            </a:r>
+            <a:r>
+              <a:rPr lang="en-US" dirty="0" smtClean="0"/>
+              <a:t> Algorithm.</a:t>
+            </a:r>
+          </a:p>
+          <a:p>
+            <a:r>
+              <a:rPr lang="en-US" dirty="0" smtClean="0"/>
+              <a:t>Fractional Knapsack Problem.</a:t>
+            </a:r>
+          </a:p>
+          <a:p>
+            <a:r>
+              <a:rPr lang="en-US" dirty="0" smtClean="0"/>
+              <a:t>Code-First Migration In Entity Framework. (Amaris)</a:t>
+            </a:r>
+          </a:p>
+          <a:p>
+            <a:r>
+              <a:rPr lang="en-US" dirty="0" smtClean="0"/>
+              <a:t>Unit Testing Fundamental. (Amaris)</a:t>
+            </a:r>
+          </a:p>
+          <a:p>
+            <a:r>
+              <a:rPr lang="en-US" dirty="0" smtClean="0"/>
+              <a:t>Unit Testing With TDD Method. (Amaris)</a:t>
+            </a:r>
+          </a:p>
+          <a:p>
+            <a:endParaRPr lang="en-US" dirty="0" smtClean="0"/>
+          </a:p>
+          <a:p>
+            <a:endParaRPr lang="en-US" dirty="0" smtClean="0"/>
+          </a:p>
+        </p:txBody>
+      </p:sp>
+      <p:sp>
+        <p:nvSpPr>
+          <p:cNvPr id="4" name="Date Placeholder 3"/>
+          <p:cNvSpPr>
+            <a:spLocks noGrp="1"/>
+          </p:cNvSpPr>
+          <p:nvPr>
+            <p:ph type="dt" sz="half" idx="10"/>
+          </p:nvPr>
+        </p:nvSpPr>
+        <p:spPr/>
+        <p:txBody>
+          <a:bodyPr/>
+          <a:lstStyle/>
+          <a:p>
+            <a:fld id="{EEA75F16-E4FD-44DC-ABEF-20CBF1D994A7}" type="datetime1">
+              <a:rPr lang="en-US" smtClean="0"/>
+              <a:t>3/1/2017</a:t>
+            </a:fld>
+            <a:endParaRPr lang="en-US"/>
+          </a:p>
+        </p:txBody>
+      </p:sp>
+      <p:sp>
+        <p:nvSpPr>
+          <p:cNvPr id="6" name="Footer Placeholder 3"/>
+          <p:cNvSpPr>
+            <a:spLocks noGrp="1"/>
+          </p:cNvSpPr>
+          <p:nvPr>
+            <p:ph type="ftr" sz="quarter" idx="11"/>
+          </p:nvPr>
+        </p:nvSpPr>
+        <p:spPr>
+          <a:xfrm>
+            <a:off x="609600" y="6484777"/>
+            <a:ext cx="4123765" cy="274022"/>
+          </a:xfrm>
+        </p:spPr>
+        <p:txBody>
+          <a:bodyPr/>
+          <a:lstStyle/>
+          <a:p>
+            <a:r>
+              <a:rPr lang="en-US" sz="1600" dirty="0"/>
+              <a:t>Johnny Nguyen</a:t>
+            </a:r>
+            <a:endParaRPr lang="en-US" sz="1600" i="1" dirty="0"/>
+          </a:p>
+          <a:p>
+            <a:r>
+              <a:rPr lang="en-US" sz="1100" i="1" dirty="0"/>
+              <a:t>Performance, Commitment, Trust, Boldness, Independence</a:t>
+            </a:r>
+          </a:p>
+        </p:txBody>
+      </p:sp>
+    </p:spTree>
+    <p:extLst>
+      <p:ext uri="{BB962C8B-B14F-4D97-AF65-F5344CB8AC3E}">
+        <p14:creationId xmlns:p14="http://schemas.microsoft.com/office/powerpoint/2010/main" val="1885086581"/>
+      </p:ext>
+    </p:extLst>
+  </p:cSld>
+  <p:clrMapOvr>
+    <a:masterClrMapping/>
+  </p:clrMapOvr>
+  <mc:AlternateContent xmlns:mc="http://schemas.openxmlformats.org/markup-compatibility/2006">
+    <mc:Choice xmlns:p14="http://schemas.microsoft.com/office/powerpoint/2010/main" Requires="p14">
+      <p:transition spd="med" p14:dur="700">
+        <p:fade/>
+      </p:transition>
+    </mc:Choice>
+    <mc:Fallback>
+      <p:transition spd="med">
+        <p:fade/>
+      </p:transition>
+    </mc:Fallback>
+  </mc:AlternateContent>
+  <p:timing>
+    <p:tnLst>
+      <p:par>
+        <p:cTn id="1" dur="indefinite" restart="never" nodeType="tmRoot"/>
+      </p:par>
+    </p:tnLst>
+  </p:timing>
+</p:sld>
+</file>
+
+<file path=ppt/slides/slide6.xml><?xml version="1.0" encoding="utf-8"?>
+<p:sld xmlns:a="http://schemas.openxmlformats.org/drawingml/2006/main" xmlns:r="http://schemas.openxmlformats.org/officeDocument/2006/relationships" xmlns:p="http://schemas.openxmlformats.org/presentationml/2006/main">
+  <p:cSld>
+    <p:spTree>
+      <p:nvGrpSpPr>
+        <p:cNvPr id="1" name=""/>
+        <p:cNvGrpSpPr/>
+        <p:nvPr/>
+      </p:nvGrpSpPr>
+      <p:grpSpPr>
+        <a:xfrm>
+          <a:off x="0" y="0"/>
+          <a:ext cx="0" cy="0"/>
+          <a:chOff x="0" y="0"/>
+          <a:chExt cx="0" cy="0"/>
+        </a:xfrm>
+      </p:grpSpPr>
+      <p:sp>
+        <p:nvSpPr>
+          <p:cNvPr id="2" name="Title 1"/>
+          <p:cNvSpPr>
+            <a:spLocks noGrp="1"/>
+          </p:cNvSpPr>
+          <p:nvPr>
+            <p:ph type="title"/>
+          </p:nvPr>
+        </p:nvSpPr>
+        <p:spPr/>
+        <p:txBody>
+          <a:bodyPr/>
+          <a:lstStyle/>
+          <a:p>
+            <a:r>
+              <a:rPr lang="en-US" dirty="0" smtClean="0"/>
+              <a:t>How Do You Benefit?</a:t>
+            </a:r>
+            <a:endParaRPr lang="en-US" dirty="0"/>
+          </a:p>
+        </p:txBody>
+      </p:sp>
+      <p:sp>
+        <p:nvSpPr>
+          <p:cNvPr id="3" name="Content Placeholder 2"/>
+          <p:cNvSpPr>
+            <a:spLocks noGrp="1"/>
+          </p:cNvSpPr>
+          <p:nvPr>
+            <p:ph idx="1"/>
+          </p:nvPr>
+        </p:nvSpPr>
+        <p:spPr/>
+        <p:txBody>
+          <a:bodyPr/>
+          <a:lstStyle/>
+          <a:p>
+            <a:r>
+              <a:rPr lang="en-US" dirty="0" smtClean="0"/>
+              <a:t>If you hire me, you will have a Full-Stack developer who have highly skill, highly motivated and experienced professional and who will gets the things done.</a:t>
+            </a:r>
+          </a:p>
+          <a:p>
+            <a:pPr lvl="2"/>
+            <a:r>
+              <a:rPr lang="en-US" dirty="0" smtClean="0"/>
+              <a:t>Highly Skilled Full-Stack Developer</a:t>
+            </a:r>
+          </a:p>
+          <a:p>
+            <a:pPr lvl="3"/>
+            <a:r>
+              <a:rPr lang="en-US" dirty="0" smtClean="0"/>
+              <a:t>As evidence by 4 years of outstanding worked as a Full-Stack Developer who can completely handles from the Front-end to Database.</a:t>
+            </a:r>
+          </a:p>
+          <a:p>
+            <a:pPr lvl="2"/>
+            <a:r>
+              <a:rPr lang="en-US" dirty="0" smtClean="0"/>
+              <a:t>Highly Innovative and Creative</a:t>
+            </a:r>
+          </a:p>
+          <a:p>
+            <a:pPr lvl="3"/>
+            <a:r>
+              <a:rPr lang="en-US" dirty="0" smtClean="0"/>
+              <a:t>As evidence by the quality, contribution and variety my past projects and products.</a:t>
+            </a:r>
+          </a:p>
+          <a:p>
+            <a:pPr lvl="2"/>
+            <a:r>
+              <a:rPr lang="en-US" dirty="0"/>
+              <a:t>Highly Successful Team Player</a:t>
+            </a:r>
+          </a:p>
+          <a:p>
+            <a:pPr lvl="3"/>
+            <a:r>
+              <a:rPr lang="en-US" dirty="0" smtClean="0"/>
+              <a:t>As evidence by sharing and helping other members when their have conflict or problems. Moreover, I always motivate other members by making some Tech Talk meeting to help them improve their skills.</a:t>
+            </a:r>
+          </a:p>
+          <a:p>
+            <a:pPr lvl="2"/>
+            <a:r>
+              <a:rPr lang="en-US" dirty="0" smtClean="0"/>
+              <a:t>Contribution</a:t>
+            </a:r>
+            <a:endParaRPr lang="en-US" dirty="0"/>
+          </a:p>
+          <a:p>
+            <a:pPr lvl="3"/>
+            <a:r>
+              <a:rPr lang="en-US" dirty="0"/>
+              <a:t>As evidence </a:t>
+            </a:r>
+            <a:r>
+              <a:rPr lang="en-US" dirty="0" smtClean="0"/>
+              <a:t>by the contributions section, I love to contribute my knowledge and my ideas to my company by making some training, sharing or building new tool to improve the productivities.</a:t>
+            </a:r>
+          </a:p>
+        </p:txBody>
+      </p:sp>
+      <p:sp>
+        <p:nvSpPr>
+          <p:cNvPr id="4" name="Date Placeholder 3"/>
+          <p:cNvSpPr>
+            <a:spLocks noGrp="1"/>
+          </p:cNvSpPr>
+          <p:nvPr>
+            <p:ph type="dt" sz="half" idx="10"/>
+          </p:nvPr>
+        </p:nvSpPr>
+        <p:spPr/>
+        <p:txBody>
+          <a:bodyPr/>
+          <a:lstStyle/>
+          <a:p>
+            <a:fld id="{EEA75F16-E4FD-44DC-ABEF-20CBF1D994A7}" type="datetime1">
+              <a:rPr lang="en-US" smtClean="0"/>
+              <a:t>3/1/2017</a:t>
+            </a:fld>
+            <a:endParaRPr lang="en-US"/>
+          </a:p>
+        </p:txBody>
+      </p:sp>
+      <p:sp>
+        <p:nvSpPr>
+          <p:cNvPr id="6" name="Footer Placeholder 3"/>
+          <p:cNvSpPr>
+            <a:spLocks noGrp="1"/>
+          </p:cNvSpPr>
+          <p:nvPr>
+            <p:ph type="ftr" sz="quarter" idx="11"/>
+          </p:nvPr>
+        </p:nvSpPr>
+        <p:spPr/>
+        <p:txBody>
+          <a:bodyPr/>
+          <a:lstStyle/>
+          <a:p>
+            <a:r>
+              <a:rPr lang="en-US" sz="1600" dirty="0"/>
+              <a:t>Johnny Nguyen</a:t>
+            </a:r>
+            <a:endParaRPr lang="en-US" sz="1600" i="1" dirty="0"/>
+          </a:p>
+          <a:p>
+            <a:r>
+              <a:rPr lang="en-US" sz="1100" i="1" dirty="0"/>
+              <a:t>Performance, Commitment, Trust, Boldness, Independence</a:t>
+            </a:r>
+          </a:p>
+        </p:txBody>
+      </p:sp>
+    </p:spTree>
+    <p:extLst>
+      <p:ext uri="{BB962C8B-B14F-4D97-AF65-F5344CB8AC3E}">
+        <p14:creationId xmlns:p14="http://schemas.microsoft.com/office/powerpoint/2010/main" val="67219317"/>
+      </p:ext>
+    </p:extLst>
+  </p:cSld>
+  <p:clrMapOvr>
+    <a:masterClrMapping/>
+  </p:clrMapOvr>
+  <mc:AlternateContent xmlns:mc="http://schemas.openxmlformats.org/markup-compatibility/2006">
+    <mc:Choice xmlns:p14="http://schemas.microsoft.com/office/powerpoint/2010/main" Requires="p14">
+      <p:transition spd="med" p14:dur="700">
+        <p:fade/>
+      </p:transition>
+    </mc:Choice>
+    <mc:Fallback>
+      <p:transition spd="med">
+        <p:fade/>
+      </p:transition>
+    </mc:Fallback>
+  </mc:AlternateContent>
+  <p:timing>
+    <p:tnLst>
+      <p:par>
+        <p:cTn id="1" dur="indefinite" restart="never" nodeType="tmRoot"/>
+      </p:par>
+    </p:tnLst>
+  </p:timing>
+</p:sld>
+</file>
+
+<file path=ppt/slides/slide7.xml><?xml version="1.0" encoding="utf-8"?>
+<p:sld xmlns:a="http://schemas.openxmlformats.org/drawingml/2006/main" xmlns:r="http://schemas.openxmlformats.org/officeDocument/2006/relationships" xmlns:p="http://schemas.openxmlformats.org/presentationml/2006/main">
+  <p:cSld>
+    <p:spTree>
+      <p:nvGrpSpPr>
+        <p:cNvPr id="1" name=""/>
+        <p:cNvGrpSpPr/>
+        <p:nvPr/>
+      </p:nvGrpSpPr>
+      <p:grpSpPr>
+        <a:xfrm>
+          <a:off x="0" y="0"/>
+          <a:ext cx="0" cy="0"/>
+          <a:chOff x="0" y="0"/>
+          <a:chExt cx="0" cy="0"/>
+        </a:xfrm>
+      </p:grpSpPr>
+      <p:sp>
+        <p:nvSpPr>
+          <p:cNvPr id="2" name="Title 1"/>
+          <p:cNvSpPr>
+            <a:spLocks noGrp="1"/>
+          </p:cNvSpPr>
+          <p:nvPr>
+            <p:ph type="title"/>
+          </p:nvPr>
+        </p:nvSpPr>
+        <p:spPr/>
+        <p:txBody>
+          <a:bodyPr/>
+          <a:lstStyle/>
+          <a:p>
+            <a:r>
+              <a:rPr lang="en-US" dirty="0" smtClean="0"/>
+              <a:t>Why Am I A Full-Stack Developer</a:t>
+            </a:r>
+            <a:br>
+              <a:rPr lang="en-US" dirty="0" smtClean="0"/>
+            </a:br>
+            <a:r>
+              <a:rPr lang="en-US" dirty="0" smtClean="0"/>
+              <a:t>Do You </a:t>
+            </a:r>
+            <a:r>
+              <a:rPr lang="en-US" dirty="0"/>
+              <a:t>L</a:t>
+            </a:r>
+            <a:r>
+              <a:rPr lang="en-US" dirty="0" smtClean="0"/>
+              <a:t>ooking </a:t>
+            </a:r>
+            <a:r>
+              <a:rPr lang="en-US" dirty="0"/>
+              <a:t>F</a:t>
+            </a:r>
+            <a:r>
+              <a:rPr lang="en-US" dirty="0" smtClean="0"/>
+              <a:t>or ?</a:t>
+            </a:r>
+            <a:endParaRPr lang="en-US" dirty="0"/>
+          </a:p>
+        </p:txBody>
+      </p:sp>
+      <p:sp>
+        <p:nvSpPr>
+          <p:cNvPr id="3" name="Content Placeholder 2"/>
+          <p:cNvSpPr>
+            <a:spLocks noGrp="1"/>
+          </p:cNvSpPr>
+          <p:nvPr>
+            <p:ph idx="1"/>
+          </p:nvPr>
+        </p:nvSpPr>
+        <p:spPr/>
+        <p:txBody>
+          <a:bodyPr/>
+          <a:lstStyle/>
+          <a:p>
+            <a:r>
+              <a:rPr lang="en-US" dirty="0" smtClean="0"/>
+              <a:t>Because I can adapt you technical requirement, hungry to learn new languages and technologies and not to mention I love challenges, the start up environment is what I looking for.</a:t>
+            </a:r>
+          </a:p>
+          <a:p>
+            <a:pPr lvl="2"/>
+            <a:endParaRPr lang="en-US" dirty="0"/>
+          </a:p>
+          <a:p>
+            <a:pPr lvl="2"/>
+            <a:r>
+              <a:rPr lang="en-US" dirty="0" smtClean="0"/>
+              <a:t>An Experienced. Motivated and Personable Team Player.</a:t>
+            </a:r>
+          </a:p>
+          <a:p>
+            <a:pPr lvl="2"/>
+            <a:r>
+              <a:rPr lang="en-US" dirty="0" smtClean="0"/>
+              <a:t>A Highly Skilled and Solution Provider.</a:t>
+            </a:r>
+          </a:p>
+          <a:p>
+            <a:pPr lvl="2"/>
+            <a:r>
+              <a:rPr lang="en-US" dirty="0" smtClean="0"/>
+              <a:t>An Innovative and Creative Person.</a:t>
+            </a:r>
+          </a:p>
+          <a:p>
+            <a:pPr lvl="2"/>
+            <a:r>
+              <a:rPr lang="en-US" dirty="0" smtClean="0"/>
+              <a:t>A Trainer and ready to help, share or discuss anything.</a:t>
+            </a:r>
+          </a:p>
+        </p:txBody>
+      </p:sp>
+      <p:sp>
+        <p:nvSpPr>
+          <p:cNvPr id="4" name="Date Placeholder 3"/>
+          <p:cNvSpPr>
+            <a:spLocks noGrp="1"/>
+          </p:cNvSpPr>
+          <p:nvPr>
+            <p:ph type="dt" sz="half" idx="10"/>
+          </p:nvPr>
+        </p:nvSpPr>
+        <p:spPr/>
+        <p:txBody>
+          <a:bodyPr/>
+          <a:lstStyle/>
+          <a:p>
+            <a:fld id="{EEA75F16-E4FD-44DC-ABEF-20CBF1D994A7}" type="datetime1">
+              <a:rPr lang="en-US" smtClean="0"/>
+              <a:t>3/1/2017</a:t>
+            </a:fld>
+            <a:endParaRPr lang="en-US"/>
+          </a:p>
+        </p:txBody>
+      </p:sp>
+      <p:sp>
+        <p:nvSpPr>
+          <p:cNvPr id="6" name="Footer Placeholder 3"/>
+          <p:cNvSpPr>
+            <a:spLocks noGrp="1"/>
+          </p:cNvSpPr>
+          <p:nvPr>
+            <p:ph type="ftr" sz="quarter" idx="11"/>
+          </p:nvPr>
+        </p:nvSpPr>
+        <p:spPr/>
+        <p:txBody>
+          <a:bodyPr/>
+          <a:lstStyle/>
+          <a:p>
+            <a:r>
+              <a:rPr lang="en-US" sz="1600" dirty="0"/>
+              <a:t>Johnny Nguyen</a:t>
+            </a:r>
+            <a:endParaRPr lang="en-US" sz="1600" i="1" dirty="0"/>
+          </a:p>
+          <a:p>
+            <a:r>
+              <a:rPr lang="en-US" sz="1100" i="1" dirty="0"/>
+              <a:t>Performance, Commitment, Trust, Boldness, Independence</a:t>
+            </a:r>
+          </a:p>
+        </p:txBody>
+      </p:sp>
+    </p:spTree>
+    <p:extLst>
+      <p:ext uri="{BB962C8B-B14F-4D97-AF65-F5344CB8AC3E}">
+        <p14:creationId xmlns:p14="http://schemas.microsoft.com/office/powerpoint/2010/main" val="3661490518"/>
+      </p:ext>
+    </p:extLst>
+  </p:cSld>
+  <p:clrMapOvr>
+    <a:masterClrMapping/>
+  </p:clrMapOvr>
+  <mc:AlternateContent xmlns:mc="http://schemas.openxmlformats.org/markup-compatibility/2006">
+    <mc:Choice xmlns:p14="http://schemas.microsoft.com/office/powerpoint/2010/main" Requires="p14">
+      <p:transition spd="med" p14:dur="700">
+        <p:fade/>
+      </p:transition>
+    </mc:Choice>
+    <mc:Fallback>
       <p:transition spd="med">
         <p:fade/>
       </p:transition>

--- a/Why Hire Me.pptx
+++ b/Why Hire Me.pptx
@@ -715,7 +715,6 @@
               <a:rPr lang="en-US" dirty="0" smtClean="0"/>
               <a:t>As you know, There are many developers around the world but to find a developer who suitable and talents isn’t easy at all. </a:t>
             </a:r>
-            <a:endParaRPr lang="en-US" dirty="0" smtClean="0"/>
           </a:p>
           <a:p>
             <a:endParaRPr lang="en-US" dirty="0"/>
@@ -734,7 +733,6 @@
               <a:rPr lang="en-US" dirty="0" smtClean="0"/>
               <a:t>After this presentation, you will know my background, Motivation and especially Why you should Hire me ?</a:t>
             </a:r>
-            <a:endParaRPr lang="en-US" dirty="0" smtClean="0"/>
           </a:p>
         </p:txBody>
       </p:sp>
@@ -820,11 +818,7 @@
           <a:p>
             <a:r>
               <a:rPr lang="en-US" dirty="0" smtClean="0"/>
-              <a:t>A</a:t>
-            </a:r>
-            <a:r>
-              <a:rPr lang="en-US" dirty="0" smtClean="0"/>
-              <a:t>re you looking for a talent and experienced Developer? </a:t>
+              <a:t>Are you looking for a talent and experienced Developer? </a:t>
             </a:r>
           </a:p>
           <a:p>
@@ -5128,9 +5122,150 @@
   <p:timing>
     <p:tnLst>
       <p:par>
-        <p:cTn id="1" dur="indefinite" restart="never" nodeType="tmRoot"/>
+        <p:cTn id="1" dur="indefinite" restart="never" nodeType="tmRoot">
+          <p:childTnLst>
+            <p:seq concurrent="1" nextAc="seek">
+              <p:cTn id="2" dur="indefinite" nodeType="mainSeq">
+                <p:childTnLst>
+                  <p:par>
+                    <p:cTn id="3" fill="hold">
+                      <p:stCondLst>
+                        <p:cond delay="indefinite"/>
+                      </p:stCondLst>
+                      <p:childTnLst>
+                        <p:par>
+                          <p:cTn id="4" fill="hold">
+                            <p:stCondLst>
+                              <p:cond delay="0"/>
+                            </p:stCondLst>
+                            <p:childTnLst>
+                              <p:par>
+                                <p:cTn id="5" presetID="42" presetClass="entr" presetSubtype="0" fill="hold" grpId="0" nodeType="clickEffect">
+                                  <p:stCondLst>
+                                    <p:cond delay="0"/>
+                                  </p:stCondLst>
+                                  <p:childTnLst>
+                                    <p:set>
+                                      <p:cBhvr>
+                                        <p:cTn id="6" dur="1" fill="hold">
+                                          <p:stCondLst>
+                                            <p:cond delay="0"/>
+                                          </p:stCondLst>
+                                        </p:cTn>
+                                        <p:tgtEl>
+                                          <p:spTgt spid="7">
+                                            <p:txEl>
+                                              <p:pRg st="0" end="0"/>
+                                            </p:txEl>
+                                          </p:spTgt>
+                                        </p:tgtEl>
+                                        <p:attrNameLst>
+                                          <p:attrName>style.visibility</p:attrName>
+                                        </p:attrNameLst>
+                                      </p:cBhvr>
+                                      <p:to>
+                                        <p:strVal val="visible"/>
+                                      </p:to>
+                                    </p:set>
+                                    <p:animEffect transition="in" filter="fade">
+                                      <p:cBhvr>
+                                        <p:cTn id="7" dur="1000"/>
+                                        <p:tgtEl>
+                                          <p:spTgt spid="7">
+                                            <p:txEl>
+                                              <p:pRg st="0" end="0"/>
+                                            </p:txEl>
+                                          </p:spTgt>
+                                        </p:tgtEl>
+                                      </p:cBhvr>
+                                    </p:animEffect>
+                                    <p:anim calcmode="lin" valueType="num">
+                                      <p:cBhvr>
+                                        <p:cTn id="8" dur="1000" fill="hold"/>
+                                        <p:tgtEl>
+                                          <p:spTgt spid="7">
+                                            <p:txEl>
+                                              <p:pRg st="0" end="0"/>
+                                            </p:txEl>
+                                          </p:spTgt>
+                                        </p:tgtEl>
+                                        <p:attrNameLst>
+                                          <p:attrName>ppt_x</p:attrName>
+                                        </p:attrNameLst>
+                                      </p:cBhvr>
+                                      <p:tavLst>
+                                        <p:tav tm="0">
+                                          <p:val>
+                                            <p:strVal val="#ppt_x"/>
+                                          </p:val>
+                                        </p:tav>
+                                        <p:tav tm="100000">
+                                          <p:val>
+                                            <p:strVal val="#ppt_x"/>
+                                          </p:val>
+                                        </p:tav>
+                                      </p:tavLst>
+                                    </p:anim>
+                                    <p:anim calcmode="lin" valueType="num">
+                                      <p:cBhvr>
+                                        <p:cTn id="9" dur="1000" fill="hold"/>
+                                        <p:tgtEl>
+                                          <p:spTgt spid="7">
+                                            <p:txEl>
+                                              <p:pRg st="0" end="0"/>
+                                            </p:txEl>
+                                          </p:spTgt>
+                                        </p:tgtEl>
+                                        <p:attrNameLst>
+                                          <p:attrName>ppt_y</p:attrName>
+                                        </p:attrNameLst>
+                                      </p:cBhvr>
+                                      <p:tavLst>
+                                        <p:tav tm="0">
+                                          <p:val>
+                                            <p:strVal val="#ppt_y+.1"/>
+                                          </p:val>
+                                        </p:tav>
+                                        <p:tav tm="100000">
+                                          <p:val>
+                                            <p:strVal val="#ppt_y"/>
+                                          </p:val>
+                                        </p:tav>
+                                      </p:tavLst>
+                                    </p:anim>
+                                  </p:childTnLst>
+                                </p:cTn>
+                              </p:par>
+                            </p:childTnLst>
+                          </p:cTn>
+                        </p:par>
+                      </p:childTnLst>
+                    </p:cTn>
+                  </p:par>
+                </p:childTnLst>
+              </p:cTn>
+              <p:prevCondLst>
+                <p:cond evt="onPrev" delay="0">
+                  <p:tgtEl>
+                    <p:sldTgt/>
+                  </p:tgtEl>
+                </p:cond>
+              </p:prevCondLst>
+              <p:nextCondLst>
+                <p:cond evt="onNext" delay="0">
+                  <p:tgtEl>
+                    <p:sldTgt/>
+                  </p:tgtEl>
+                </p:cond>
+              </p:nextCondLst>
+            </p:seq>
+          </p:childTnLst>
+        </p:cTn>
       </p:par>
     </p:tnLst>
+    <p:bldLst>
+      <p:bldP spid="7" grpId="0" build="p"/>
+    </p:bldLst>
   </p:timing>
 </p:sld>
 </file>
@@ -5192,15 +5327,7 @@
           <a:p>
             <a:r>
               <a:rPr lang="en-US" dirty="0" smtClean="0"/>
-              <a:t>Over 4 </a:t>
-            </a:r>
-            <a:r>
-              <a:rPr lang="en-US" dirty="0" smtClean="0"/>
-              <a:t>years</a:t>
-            </a:r>
-            <a:r>
-              <a:rPr lang="en-US" dirty="0" smtClean="0"/>
-              <a:t> </a:t>
+              <a:t>Over 4 years </a:t>
             </a:r>
             <a:r>
               <a:rPr lang="en-US" dirty="0"/>
@@ -5208,33 +5335,33 @@
             </a:r>
             <a:r>
               <a:rPr lang="en-US" dirty="0" smtClean="0"/>
-              <a:t>Developer and </a:t>
-            </a:r>
+              <a:t>Developer and experience in building high traffic, quality and performance web application base on .NET Framework.</a:t>
+            </a:r>
+          </a:p>
+          <a:p>
             <a:r>
               <a:rPr lang="en-US" dirty="0" smtClean="0"/>
-              <a:t>experience </a:t>
+              <a:t>Worked and </a:t>
             </a:r>
             <a:r>
               <a:rPr lang="en-US" dirty="0" smtClean="0"/>
-              <a:t>in building high traffic, quality and performance web application base on .NET Framework.</a:t>
-            </a:r>
-          </a:p>
-          <a:p>
+              <a:t>maintained </a:t>
+            </a:r>
             <a:r>
               <a:rPr lang="en-US" dirty="0" smtClean="0"/>
-              <a:t>Worked </a:t>
+              <a:t>many existing </a:t>
             </a:r>
             <a:r>
               <a:rPr lang="en-US" dirty="0" smtClean="0"/>
-              <a:t>and maintain many existing </a:t>
-            </a:r>
-            <a:r>
-              <a:rPr lang="en-US" dirty="0"/>
-              <a:t>e</a:t>
+              <a:t>E</a:t>
             </a:r>
             <a:r>
               <a:rPr lang="en-US" dirty="0" smtClean="0"/>
-              <a:t>nterise projects.</a:t>
+              <a:t>nteprise </a:t>
+            </a:r>
+            <a:r>
+              <a:rPr lang="en-US" dirty="0" smtClean="0"/>
+              <a:t>projects.</a:t>
             </a:r>
           </a:p>
           <a:p>
@@ -5347,22 +5474,551 @@
   <p:clrMapOvr>
     <a:masterClrMapping/>
   </p:clrMapOvr>
-  <mc:AlternateContent xmlns:mc="http://schemas.openxmlformats.org/markup-compatibility/2006" xmlns:p14="http://schemas.microsoft.com/office/powerpoint/2010/main">
-    <mc:Choice Requires="p14">
-      <p:transition spd="med" p14:dur="700">
-        <p:fade/>
-      </p:transition>
-    </mc:Choice>
-    <mc:Fallback xmlns="">
-      <p:transition spd="med">
-        <p:fade/>
-      </p:transition>
-    </mc:Fallback>
-  </mc:AlternateContent>
+  <p:transition spd="slow">
+    <p:push dir="u"/>
+  </p:transition>
   <p:timing>
     <p:tnLst>
       <p:par>
-        <p:cTn id="1" dur="indefinite" restart="never" nodeType="tmRoot"/>
+        <p:cTn id="1" dur="indefinite" restart="never" nodeType="tmRoot">
+          <p:childTnLst>
+            <p:seq concurrent="1" nextAc="seek">
+              <p:cTn id="2" dur="indefinite" nodeType="mainSeq">
+                <p:childTnLst>
+                  <p:par>
+                    <p:cTn id="3" fill="hold">
+                      <p:stCondLst>
+                        <p:cond delay="indefinite"/>
+                      </p:stCondLst>
+                      <p:childTnLst>
+                        <p:par>
+                          <p:cTn id="4" fill="hold">
+                            <p:stCondLst>
+                              <p:cond delay="0"/>
+                            </p:stCondLst>
+                            <p:childTnLst>
+                              <p:par>
+                                <p:cTn id="5" presetID="2" presetClass="entr" presetSubtype="4" fill="hold" nodeType="clickEffect">
+                                  <p:stCondLst>
+                                    <p:cond delay="0"/>
+                                  </p:stCondLst>
+                                  <p:childTnLst>
+                                    <p:set>
+                                      <p:cBhvr>
+                                        <p:cTn id="6" dur="1" fill="hold">
+                                          <p:stCondLst>
+                                            <p:cond delay="0"/>
+                                          </p:stCondLst>
+                                        </p:cTn>
+                                        <p:tgtEl>
+                                          <p:spTgt spid="3">
+                                            <p:txEl>
+                                              <p:pRg st="0" end="0"/>
+                                            </p:txEl>
+                                          </p:spTgt>
+                                        </p:tgtEl>
+                                        <p:attrNameLst>
+                                          <p:attrName>style.visibility</p:attrName>
+                                        </p:attrNameLst>
+                                      </p:cBhvr>
+                                      <p:to>
+                                        <p:strVal val="visible"/>
+                                      </p:to>
+                                    </p:set>
+                                    <p:anim calcmode="lin" valueType="num">
+                                      <p:cBhvr additive="base">
+                                        <p:cTn id="7" dur="500" fill="hold"/>
+                                        <p:tgtEl>
+                                          <p:spTgt spid="3">
+                                            <p:txEl>
+                                              <p:pRg st="0" end="0"/>
+                                            </p:txEl>
+                                          </p:spTgt>
+                                        </p:tgtEl>
+                                        <p:attrNameLst>
+                                          <p:attrName>ppt_x</p:attrName>
+                                        </p:attrNameLst>
+                                      </p:cBhvr>
+                                      <p:tavLst>
+                                        <p:tav tm="0">
+                                          <p:val>
+                                            <p:strVal val="#ppt_x"/>
+                                          </p:val>
+                                        </p:tav>
+                                        <p:tav tm="100000">
+                                          <p:val>
+                                            <p:strVal val="#ppt_x"/>
+                                          </p:val>
+                                        </p:tav>
+                                      </p:tavLst>
+                                    </p:anim>
+                                    <p:anim calcmode="lin" valueType="num">
+                                      <p:cBhvr additive="base">
+                                        <p:cTn id="8" dur="500" fill="hold"/>
+                                        <p:tgtEl>
+                                          <p:spTgt spid="3">
+                                            <p:txEl>
+                                              <p:pRg st="0" end="0"/>
+                                            </p:txEl>
+                                          </p:spTgt>
+                                        </p:tgtEl>
+                                        <p:attrNameLst>
+                                          <p:attrName>ppt_y</p:attrName>
+                                        </p:attrNameLst>
+                                      </p:cBhvr>
+                                      <p:tavLst>
+                                        <p:tav tm="0">
+                                          <p:val>
+                                            <p:strVal val="1+#ppt_h/2"/>
+                                          </p:val>
+                                        </p:tav>
+                                        <p:tav tm="100000">
+                                          <p:val>
+                                            <p:strVal val="#ppt_y"/>
+                                          </p:val>
+                                        </p:tav>
+                                      </p:tavLst>
+                                    </p:anim>
+                                  </p:childTnLst>
+                                </p:cTn>
+                              </p:par>
+                            </p:childTnLst>
+                          </p:cTn>
+                        </p:par>
+                      </p:childTnLst>
+                    </p:cTn>
+                  </p:par>
+                  <p:par>
+                    <p:cTn id="9" fill="hold">
+                      <p:stCondLst>
+                        <p:cond delay="indefinite"/>
+                      </p:stCondLst>
+                      <p:childTnLst>
+                        <p:par>
+                          <p:cTn id="10" fill="hold">
+                            <p:stCondLst>
+                              <p:cond delay="0"/>
+                            </p:stCondLst>
+                            <p:childTnLst>
+                              <p:par>
+                                <p:cTn id="11" presetID="2" presetClass="entr" presetSubtype="4" fill="hold" nodeType="clickEffect">
+                                  <p:stCondLst>
+                                    <p:cond delay="0"/>
+                                  </p:stCondLst>
+                                  <p:childTnLst>
+                                    <p:set>
+                                      <p:cBhvr>
+                                        <p:cTn id="12" dur="1" fill="hold">
+                                          <p:stCondLst>
+                                            <p:cond delay="0"/>
+                                          </p:stCondLst>
+                                        </p:cTn>
+                                        <p:tgtEl>
+                                          <p:spTgt spid="3">
+                                            <p:txEl>
+                                              <p:pRg st="1" end="1"/>
+                                            </p:txEl>
+                                          </p:spTgt>
+                                        </p:tgtEl>
+                                        <p:attrNameLst>
+                                          <p:attrName>style.visibility</p:attrName>
+                                        </p:attrNameLst>
+                                      </p:cBhvr>
+                                      <p:to>
+                                        <p:strVal val="visible"/>
+                                      </p:to>
+                                    </p:set>
+                                    <p:anim calcmode="lin" valueType="num">
+                                      <p:cBhvr additive="base">
+                                        <p:cTn id="13" dur="500" fill="hold"/>
+                                        <p:tgtEl>
+                                          <p:spTgt spid="3">
+                                            <p:txEl>
+                                              <p:pRg st="1" end="1"/>
+                                            </p:txEl>
+                                          </p:spTgt>
+                                        </p:tgtEl>
+                                        <p:attrNameLst>
+                                          <p:attrName>ppt_x</p:attrName>
+                                        </p:attrNameLst>
+                                      </p:cBhvr>
+                                      <p:tavLst>
+                                        <p:tav tm="0">
+                                          <p:val>
+                                            <p:strVal val="#ppt_x"/>
+                                          </p:val>
+                                        </p:tav>
+                                        <p:tav tm="100000">
+                                          <p:val>
+                                            <p:strVal val="#ppt_x"/>
+                                          </p:val>
+                                        </p:tav>
+                                      </p:tavLst>
+                                    </p:anim>
+                                    <p:anim calcmode="lin" valueType="num">
+                                      <p:cBhvr additive="base">
+                                        <p:cTn id="14" dur="500" fill="hold"/>
+                                        <p:tgtEl>
+                                          <p:spTgt spid="3">
+                                            <p:txEl>
+                                              <p:pRg st="1" end="1"/>
+                                            </p:txEl>
+                                          </p:spTgt>
+                                        </p:tgtEl>
+                                        <p:attrNameLst>
+                                          <p:attrName>ppt_y</p:attrName>
+                                        </p:attrNameLst>
+                                      </p:cBhvr>
+                                      <p:tavLst>
+                                        <p:tav tm="0">
+                                          <p:val>
+                                            <p:strVal val="1+#ppt_h/2"/>
+                                          </p:val>
+                                        </p:tav>
+                                        <p:tav tm="100000">
+                                          <p:val>
+                                            <p:strVal val="#ppt_y"/>
+                                          </p:val>
+                                        </p:tav>
+                                      </p:tavLst>
+                                    </p:anim>
+                                  </p:childTnLst>
+                                </p:cTn>
+                              </p:par>
+                            </p:childTnLst>
+                          </p:cTn>
+                        </p:par>
+                      </p:childTnLst>
+                    </p:cTn>
+                  </p:par>
+                  <p:par>
+                    <p:cTn id="15" fill="hold">
+                      <p:stCondLst>
+                        <p:cond delay="indefinite"/>
+                      </p:stCondLst>
+                      <p:childTnLst>
+                        <p:par>
+                          <p:cTn id="16" fill="hold">
+                            <p:stCondLst>
+                              <p:cond delay="0"/>
+                            </p:stCondLst>
+                            <p:childTnLst>
+                              <p:par>
+                                <p:cTn id="17" presetID="2" presetClass="entr" presetSubtype="4" fill="hold" nodeType="clickEffect">
+                                  <p:stCondLst>
+                                    <p:cond delay="0"/>
+                                  </p:stCondLst>
+                                  <p:childTnLst>
+                                    <p:set>
+                                      <p:cBhvr>
+                                        <p:cTn id="18" dur="1" fill="hold">
+                                          <p:stCondLst>
+                                            <p:cond delay="0"/>
+                                          </p:stCondLst>
+                                        </p:cTn>
+                                        <p:tgtEl>
+                                          <p:spTgt spid="3">
+                                            <p:txEl>
+                                              <p:pRg st="2" end="2"/>
+                                            </p:txEl>
+                                          </p:spTgt>
+                                        </p:tgtEl>
+                                        <p:attrNameLst>
+                                          <p:attrName>style.visibility</p:attrName>
+                                        </p:attrNameLst>
+                                      </p:cBhvr>
+                                      <p:to>
+                                        <p:strVal val="visible"/>
+                                      </p:to>
+                                    </p:set>
+                                    <p:anim calcmode="lin" valueType="num">
+                                      <p:cBhvr additive="base">
+                                        <p:cTn id="19" dur="500" fill="hold"/>
+                                        <p:tgtEl>
+                                          <p:spTgt spid="3">
+                                            <p:txEl>
+                                              <p:pRg st="2" end="2"/>
+                                            </p:txEl>
+                                          </p:spTgt>
+                                        </p:tgtEl>
+                                        <p:attrNameLst>
+                                          <p:attrName>ppt_x</p:attrName>
+                                        </p:attrNameLst>
+                                      </p:cBhvr>
+                                      <p:tavLst>
+                                        <p:tav tm="0">
+                                          <p:val>
+                                            <p:strVal val="#ppt_x"/>
+                                          </p:val>
+                                        </p:tav>
+                                        <p:tav tm="100000">
+                                          <p:val>
+                                            <p:strVal val="#ppt_x"/>
+                                          </p:val>
+                                        </p:tav>
+                                      </p:tavLst>
+                                    </p:anim>
+                                    <p:anim calcmode="lin" valueType="num">
+                                      <p:cBhvr additive="base">
+                                        <p:cTn id="20" dur="500" fill="hold"/>
+                                        <p:tgtEl>
+                                          <p:spTgt spid="3">
+                                            <p:txEl>
+                                              <p:pRg st="2" end="2"/>
+                                            </p:txEl>
+                                          </p:spTgt>
+                                        </p:tgtEl>
+                                        <p:attrNameLst>
+                                          <p:attrName>ppt_y</p:attrName>
+                                        </p:attrNameLst>
+                                      </p:cBhvr>
+                                      <p:tavLst>
+                                        <p:tav tm="0">
+                                          <p:val>
+                                            <p:strVal val="1+#ppt_h/2"/>
+                                          </p:val>
+                                        </p:tav>
+                                        <p:tav tm="100000">
+                                          <p:val>
+                                            <p:strVal val="#ppt_y"/>
+                                          </p:val>
+                                        </p:tav>
+                                      </p:tavLst>
+                                    </p:anim>
+                                  </p:childTnLst>
+                                </p:cTn>
+                              </p:par>
+                            </p:childTnLst>
+                          </p:cTn>
+                        </p:par>
+                      </p:childTnLst>
+                    </p:cTn>
+                  </p:par>
+                  <p:par>
+                    <p:cTn id="21" fill="hold">
+                      <p:stCondLst>
+                        <p:cond delay="indefinite"/>
+                      </p:stCondLst>
+                      <p:childTnLst>
+                        <p:par>
+                          <p:cTn id="22" fill="hold">
+                            <p:stCondLst>
+                              <p:cond delay="0"/>
+                            </p:stCondLst>
+                            <p:childTnLst>
+                              <p:par>
+                                <p:cTn id="23" presetID="2" presetClass="entr" presetSubtype="4" fill="hold" nodeType="clickEffect">
+                                  <p:stCondLst>
+                                    <p:cond delay="0"/>
+                                  </p:stCondLst>
+                                  <p:childTnLst>
+                                    <p:set>
+                                      <p:cBhvr>
+                                        <p:cTn id="24" dur="1" fill="hold">
+                                          <p:stCondLst>
+                                            <p:cond delay="0"/>
+                                          </p:stCondLst>
+                                        </p:cTn>
+                                        <p:tgtEl>
+                                          <p:spTgt spid="3">
+                                            <p:txEl>
+                                              <p:pRg st="3" end="3"/>
+                                            </p:txEl>
+                                          </p:spTgt>
+                                        </p:tgtEl>
+                                        <p:attrNameLst>
+                                          <p:attrName>style.visibility</p:attrName>
+                                        </p:attrNameLst>
+                                      </p:cBhvr>
+                                      <p:to>
+                                        <p:strVal val="visible"/>
+                                      </p:to>
+                                    </p:set>
+                                    <p:anim calcmode="lin" valueType="num">
+                                      <p:cBhvr additive="base">
+                                        <p:cTn id="25" dur="500" fill="hold"/>
+                                        <p:tgtEl>
+                                          <p:spTgt spid="3">
+                                            <p:txEl>
+                                              <p:pRg st="3" end="3"/>
+                                            </p:txEl>
+                                          </p:spTgt>
+                                        </p:tgtEl>
+                                        <p:attrNameLst>
+                                          <p:attrName>ppt_x</p:attrName>
+                                        </p:attrNameLst>
+                                      </p:cBhvr>
+                                      <p:tavLst>
+                                        <p:tav tm="0">
+                                          <p:val>
+                                            <p:strVal val="#ppt_x"/>
+                                          </p:val>
+                                        </p:tav>
+                                        <p:tav tm="100000">
+                                          <p:val>
+                                            <p:strVal val="#ppt_x"/>
+                                          </p:val>
+                                        </p:tav>
+                                      </p:tavLst>
+                                    </p:anim>
+                                    <p:anim calcmode="lin" valueType="num">
+                                      <p:cBhvr additive="base">
+                                        <p:cTn id="26" dur="500" fill="hold"/>
+                                        <p:tgtEl>
+                                          <p:spTgt spid="3">
+                                            <p:txEl>
+                                              <p:pRg st="3" end="3"/>
+                                            </p:txEl>
+                                          </p:spTgt>
+                                        </p:tgtEl>
+                                        <p:attrNameLst>
+                                          <p:attrName>ppt_y</p:attrName>
+                                        </p:attrNameLst>
+                                      </p:cBhvr>
+                                      <p:tavLst>
+                                        <p:tav tm="0">
+                                          <p:val>
+                                            <p:strVal val="1+#ppt_h/2"/>
+                                          </p:val>
+                                        </p:tav>
+                                        <p:tav tm="100000">
+                                          <p:val>
+                                            <p:strVal val="#ppt_y"/>
+                                          </p:val>
+                                        </p:tav>
+                                      </p:tavLst>
+                                    </p:anim>
+                                  </p:childTnLst>
+                                </p:cTn>
+                              </p:par>
+                            </p:childTnLst>
+                          </p:cTn>
+                        </p:par>
+                      </p:childTnLst>
+                    </p:cTn>
+                  </p:par>
+                  <p:par>
+                    <p:cTn id="27" fill="hold">
+                      <p:stCondLst>
+                        <p:cond delay="indefinite"/>
+                      </p:stCondLst>
+                      <p:childTnLst>
+                        <p:par>
+                          <p:cTn id="28" fill="hold">
+                            <p:stCondLst>
+                              <p:cond delay="0"/>
+                            </p:stCondLst>
+                            <p:childTnLst>
+                              <p:par>
+                                <p:cTn id="29" presetID="2" presetClass="entr" presetSubtype="4" fill="hold" nodeType="clickEffect">
+                                  <p:stCondLst>
+                                    <p:cond delay="0"/>
+                                  </p:stCondLst>
+                                  <p:childTnLst>
+                                    <p:set>
+                                      <p:cBhvr>
+                                        <p:cTn id="30" dur="1" fill="hold">
+                                          <p:stCondLst>
+                                            <p:cond delay="0"/>
+                                          </p:stCondLst>
+                                        </p:cTn>
+                                        <p:tgtEl>
+                                          <p:spTgt spid="3">
+                                            <p:txEl>
+                                              <p:pRg st="4" end="4"/>
+                                            </p:txEl>
+                                          </p:spTgt>
+                                        </p:tgtEl>
+                                        <p:attrNameLst>
+                                          <p:attrName>style.visibility</p:attrName>
+                                        </p:attrNameLst>
+                                      </p:cBhvr>
+                                      <p:to>
+                                        <p:strVal val="visible"/>
+                                      </p:to>
+                                    </p:set>
+                                    <p:anim calcmode="lin" valueType="num">
+                                      <p:cBhvr additive="base">
+                                        <p:cTn id="31" dur="500" fill="hold"/>
+                                        <p:tgtEl>
+                                          <p:spTgt spid="3">
+                                            <p:txEl>
+                                              <p:pRg st="4" end="4"/>
+                                            </p:txEl>
+                                          </p:spTgt>
+                                        </p:tgtEl>
+                                        <p:attrNameLst>
+                                          <p:attrName>ppt_x</p:attrName>
+                                        </p:attrNameLst>
+                                      </p:cBhvr>
+                                      <p:tavLst>
+                                        <p:tav tm="0">
+                                          <p:val>
+                                            <p:strVal val="#ppt_x"/>
+                                          </p:val>
+                                        </p:tav>
+                                        <p:tav tm="100000">
+                                          <p:val>
+                                            <p:strVal val="#ppt_x"/>
+                                          </p:val>
+                                        </p:tav>
+                                      </p:tavLst>
+                                    </p:anim>
+                                    <p:anim calcmode="lin" valueType="num">
+                                      <p:cBhvr additive="base">
+                                        <p:cTn id="32" dur="500" fill="hold"/>
+                                        <p:tgtEl>
+                                          <p:spTgt spid="3">
+                                            <p:txEl>
+                                              <p:pRg st="4" end="4"/>
+                                            </p:txEl>
+                                          </p:spTgt>
+                                        </p:tgtEl>
+                                        <p:attrNameLst>
+                                          <p:attrName>ppt_y</p:attrName>
+                                        </p:attrNameLst>
+                                      </p:cBhvr>
+                                      <p:tavLst>
+                                        <p:tav tm="0">
+                                          <p:val>
+                                            <p:strVal val="1+#ppt_h/2"/>
+                                          </p:val>
+                                        </p:tav>
+                                        <p:tav tm="100000">
+                                          <p:val>
+                                            <p:strVal val="#ppt_y"/>
+                                          </p:val>
+                                        </p:tav>
+                                      </p:tavLst>
+                                    </p:anim>
+                                  </p:childTnLst>
+                                </p:cTn>
+                              </p:par>
+                            </p:childTnLst>
+                          </p:cTn>
+                        </p:par>
+                      </p:childTnLst>
+                    </p:cTn>
+                  </p:par>
+                </p:childTnLst>
+              </p:cTn>
+              <p:prevCondLst>
+                <p:cond evt="onPrev" delay="0">
+                  <p:tgtEl>
+                    <p:sldTgt/>
+                  </p:tgtEl>
+                </p:cond>
+              </p:prevCondLst>
+              <p:nextCondLst>
+                <p:cond evt="onNext" delay="0">
+                  <p:tgtEl>
+                    <p:sldTgt/>
+                  </p:tgtEl>
+                </p:cond>
+              </p:nextCondLst>
+            </p:seq>
+          </p:childTnLst>
+        </p:cTn>
       </p:par>
     </p:tnLst>
   </p:timing>
@@ -5574,22 +6230,788 @@
   <p:clrMapOvr>
     <a:masterClrMapping/>
   </p:clrMapOvr>
-  <mc:AlternateContent xmlns:mc="http://schemas.openxmlformats.org/markup-compatibility/2006" xmlns:p14="http://schemas.microsoft.com/office/powerpoint/2010/main">
-    <mc:Choice Requires="p14">
-      <p:transition spd="med" p14:dur="700">
-        <p:fade/>
-      </p:transition>
-    </mc:Choice>
-    <mc:Fallback xmlns="">
-      <p:transition spd="med">
-        <p:fade/>
-      </p:transition>
-    </mc:Fallback>
-  </mc:AlternateContent>
+  <p:transition spd="slow">
+    <p:cover/>
+  </p:transition>
   <p:timing>
     <p:tnLst>
       <p:par>
-        <p:cTn id="1" dur="indefinite" restart="never" nodeType="tmRoot"/>
+        <p:cTn id="1" dur="indefinite" restart="never" nodeType="tmRoot">
+          <p:childTnLst>
+            <p:seq concurrent="1" nextAc="seek">
+              <p:cTn id="2" dur="indefinite" nodeType="mainSeq">
+                <p:childTnLst>
+                  <p:par>
+                    <p:cTn id="3" fill="hold">
+                      <p:stCondLst>
+                        <p:cond delay="indefinite"/>
+                      </p:stCondLst>
+                      <p:childTnLst>
+                        <p:par>
+                          <p:cTn id="4" fill="hold">
+                            <p:stCondLst>
+                              <p:cond delay="0"/>
+                            </p:stCondLst>
+                            <p:childTnLst>
+                              <p:par>
+                                <p:cTn id="5" presetID="2" presetClass="entr" presetSubtype="4" fill="hold" nodeType="clickEffect">
+                                  <p:stCondLst>
+                                    <p:cond delay="0"/>
+                                  </p:stCondLst>
+                                  <p:childTnLst>
+                                    <p:set>
+                                      <p:cBhvr>
+                                        <p:cTn id="6" dur="1" fill="hold">
+                                          <p:stCondLst>
+                                            <p:cond delay="0"/>
+                                          </p:stCondLst>
+                                        </p:cTn>
+                                        <p:tgtEl>
+                                          <p:spTgt spid="4">
+                                            <p:txEl>
+                                              <p:pRg st="0" end="0"/>
+                                            </p:txEl>
+                                          </p:spTgt>
+                                        </p:tgtEl>
+                                        <p:attrNameLst>
+                                          <p:attrName>style.visibility</p:attrName>
+                                        </p:attrNameLst>
+                                      </p:cBhvr>
+                                      <p:to>
+                                        <p:strVal val="visible"/>
+                                      </p:to>
+                                    </p:set>
+                                    <p:anim calcmode="lin" valueType="num">
+                                      <p:cBhvr additive="base">
+                                        <p:cTn id="7" dur="500" fill="hold"/>
+                                        <p:tgtEl>
+                                          <p:spTgt spid="4">
+                                            <p:txEl>
+                                              <p:pRg st="0" end="0"/>
+                                            </p:txEl>
+                                          </p:spTgt>
+                                        </p:tgtEl>
+                                        <p:attrNameLst>
+                                          <p:attrName>ppt_x</p:attrName>
+                                        </p:attrNameLst>
+                                      </p:cBhvr>
+                                      <p:tavLst>
+                                        <p:tav tm="0">
+                                          <p:val>
+                                            <p:strVal val="#ppt_x"/>
+                                          </p:val>
+                                        </p:tav>
+                                        <p:tav tm="100000">
+                                          <p:val>
+                                            <p:strVal val="#ppt_x"/>
+                                          </p:val>
+                                        </p:tav>
+                                      </p:tavLst>
+                                    </p:anim>
+                                    <p:anim calcmode="lin" valueType="num">
+                                      <p:cBhvr additive="base">
+                                        <p:cTn id="8" dur="500" fill="hold"/>
+                                        <p:tgtEl>
+                                          <p:spTgt spid="4">
+                                            <p:txEl>
+                                              <p:pRg st="0" end="0"/>
+                                            </p:txEl>
+                                          </p:spTgt>
+                                        </p:tgtEl>
+                                        <p:attrNameLst>
+                                          <p:attrName>ppt_y</p:attrName>
+                                        </p:attrNameLst>
+                                      </p:cBhvr>
+                                      <p:tavLst>
+                                        <p:tav tm="0">
+                                          <p:val>
+                                            <p:strVal val="1+#ppt_h/2"/>
+                                          </p:val>
+                                        </p:tav>
+                                        <p:tav tm="100000">
+                                          <p:val>
+                                            <p:strVal val="#ppt_y"/>
+                                          </p:val>
+                                        </p:tav>
+                                      </p:tavLst>
+                                    </p:anim>
+                                  </p:childTnLst>
+                                </p:cTn>
+                              </p:par>
+                              <p:par>
+                                <p:cTn id="9" presetID="2" presetClass="entr" presetSubtype="4" fill="hold" nodeType="withEffect">
+                                  <p:stCondLst>
+                                    <p:cond delay="0"/>
+                                  </p:stCondLst>
+                                  <p:childTnLst>
+                                    <p:set>
+                                      <p:cBhvr>
+                                        <p:cTn id="10" dur="1" fill="hold">
+                                          <p:stCondLst>
+                                            <p:cond delay="0"/>
+                                          </p:stCondLst>
+                                        </p:cTn>
+                                        <p:tgtEl>
+                                          <p:spTgt spid="4">
+                                            <p:txEl>
+                                              <p:pRg st="1" end="1"/>
+                                            </p:txEl>
+                                          </p:spTgt>
+                                        </p:tgtEl>
+                                        <p:attrNameLst>
+                                          <p:attrName>style.visibility</p:attrName>
+                                        </p:attrNameLst>
+                                      </p:cBhvr>
+                                      <p:to>
+                                        <p:strVal val="visible"/>
+                                      </p:to>
+                                    </p:set>
+                                    <p:anim calcmode="lin" valueType="num">
+                                      <p:cBhvr additive="base">
+                                        <p:cTn id="11" dur="500" fill="hold"/>
+                                        <p:tgtEl>
+                                          <p:spTgt spid="4">
+                                            <p:txEl>
+                                              <p:pRg st="1" end="1"/>
+                                            </p:txEl>
+                                          </p:spTgt>
+                                        </p:tgtEl>
+                                        <p:attrNameLst>
+                                          <p:attrName>ppt_x</p:attrName>
+                                        </p:attrNameLst>
+                                      </p:cBhvr>
+                                      <p:tavLst>
+                                        <p:tav tm="0">
+                                          <p:val>
+                                            <p:strVal val="#ppt_x"/>
+                                          </p:val>
+                                        </p:tav>
+                                        <p:tav tm="100000">
+                                          <p:val>
+                                            <p:strVal val="#ppt_x"/>
+                                          </p:val>
+                                        </p:tav>
+                                      </p:tavLst>
+                                    </p:anim>
+                                    <p:anim calcmode="lin" valueType="num">
+                                      <p:cBhvr additive="base">
+                                        <p:cTn id="12" dur="500" fill="hold"/>
+                                        <p:tgtEl>
+                                          <p:spTgt spid="4">
+                                            <p:txEl>
+                                              <p:pRg st="1" end="1"/>
+                                            </p:txEl>
+                                          </p:spTgt>
+                                        </p:tgtEl>
+                                        <p:attrNameLst>
+                                          <p:attrName>ppt_y</p:attrName>
+                                        </p:attrNameLst>
+                                      </p:cBhvr>
+                                      <p:tavLst>
+                                        <p:tav tm="0">
+                                          <p:val>
+                                            <p:strVal val="1+#ppt_h/2"/>
+                                          </p:val>
+                                        </p:tav>
+                                        <p:tav tm="100000">
+                                          <p:val>
+                                            <p:strVal val="#ppt_y"/>
+                                          </p:val>
+                                        </p:tav>
+                                      </p:tavLst>
+                                    </p:anim>
+                                  </p:childTnLst>
+                                </p:cTn>
+                              </p:par>
+                              <p:par>
+                                <p:cTn id="13" presetID="2" presetClass="entr" presetSubtype="4" fill="hold" nodeType="withEffect">
+                                  <p:stCondLst>
+                                    <p:cond delay="0"/>
+                                  </p:stCondLst>
+                                  <p:childTnLst>
+                                    <p:set>
+                                      <p:cBhvr>
+                                        <p:cTn id="14" dur="1" fill="hold">
+                                          <p:stCondLst>
+                                            <p:cond delay="0"/>
+                                          </p:stCondLst>
+                                        </p:cTn>
+                                        <p:tgtEl>
+                                          <p:spTgt spid="4">
+                                            <p:txEl>
+                                              <p:pRg st="2" end="2"/>
+                                            </p:txEl>
+                                          </p:spTgt>
+                                        </p:tgtEl>
+                                        <p:attrNameLst>
+                                          <p:attrName>style.visibility</p:attrName>
+                                        </p:attrNameLst>
+                                      </p:cBhvr>
+                                      <p:to>
+                                        <p:strVal val="visible"/>
+                                      </p:to>
+                                    </p:set>
+                                    <p:anim calcmode="lin" valueType="num">
+                                      <p:cBhvr additive="base">
+                                        <p:cTn id="15" dur="500" fill="hold"/>
+                                        <p:tgtEl>
+                                          <p:spTgt spid="4">
+                                            <p:txEl>
+                                              <p:pRg st="2" end="2"/>
+                                            </p:txEl>
+                                          </p:spTgt>
+                                        </p:tgtEl>
+                                        <p:attrNameLst>
+                                          <p:attrName>ppt_x</p:attrName>
+                                        </p:attrNameLst>
+                                      </p:cBhvr>
+                                      <p:tavLst>
+                                        <p:tav tm="0">
+                                          <p:val>
+                                            <p:strVal val="#ppt_x"/>
+                                          </p:val>
+                                        </p:tav>
+                                        <p:tav tm="100000">
+                                          <p:val>
+                                            <p:strVal val="#ppt_x"/>
+                                          </p:val>
+                                        </p:tav>
+                                      </p:tavLst>
+                                    </p:anim>
+                                    <p:anim calcmode="lin" valueType="num">
+                                      <p:cBhvr additive="base">
+                                        <p:cTn id="16" dur="500" fill="hold"/>
+                                        <p:tgtEl>
+                                          <p:spTgt spid="4">
+                                            <p:txEl>
+                                              <p:pRg st="2" end="2"/>
+                                            </p:txEl>
+                                          </p:spTgt>
+                                        </p:tgtEl>
+                                        <p:attrNameLst>
+                                          <p:attrName>ppt_y</p:attrName>
+                                        </p:attrNameLst>
+                                      </p:cBhvr>
+                                      <p:tavLst>
+                                        <p:tav tm="0">
+                                          <p:val>
+                                            <p:strVal val="1+#ppt_h/2"/>
+                                          </p:val>
+                                        </p:tav>
+                                        <p:tav tm="100000">
+                                          <p:val>
+                                            <p:strVal val="#ppt_y"/>
+                                          </p:val>
+                                        </p:tav>
+                                      </p:tavLst>
+                                    </p:anim>
+                                  </p:childTnLst>
+                                </p:cTn>
+                              </p:par>
+                              <p:par>
+                                <p:cTn id="17" presetID="2" presetClass="entr" presetSubtype="4" fill="hold" nodeType="withEffect">
+                                  <p:stCondLst>
+                                    <p:cond delay="0"/>
+                                  </p:stCondLst>
+                                  <p:childTnLst>
+                                    <p:set>
+                                      <p:cBhvr>
+                                        <p:cTn id="18" dur="1" fill="hold">
+                                          <p:stCondLst>
+                                            <p:cond delay="0"/>
+                                          </p:stCondLst>
+                                        </p:cTn>
+                                        <p:tgtEl>
+                                          <p:spTgt spid="4">
+                                            <p:txEl>
+                                              <p:pRg st="3" end="3"/>
+                                            </p:txEl>
+                                          </p:spTgt>
+                                        </p:tgtEl>
+                                        <p:attrNameLst>
+                                          <p:attrName>style.visibility</p:attrName>
+                                        </p:attrNameLst>
+                                      </p:cBhvr>
+                                      <p:to>
+                                        <p:strVal val="visible"/>
+                                      </p:to>
+                                    </p:set>
+                                    <p:anim calcmode="lin" valueType="num">
+                                      <p:cBhvr additive="base">
+                                        <p:cTn id="19" dur="500" fill="hold"/>
+                                        <p:tgtEl>
+                                          <p:spTgt spid="4">
+                                            <p:txEl>
+                                              <p:pRg st="3" end="3"/>
+                                            </p:txEl>
+                                          </p:spTgt>
+                                        </p:tgtEl>
+                                        <p:attrNameLst>
+                                          <p:attrName>ppt_x</p:attrName>
+                                        </p:attrNameLst>
+                                      </p:cBhvr>
+                                      <p:tavLst>
+                                        <p:tav tm="0">
+                                          <p:val>
+                                            <p:strVal val="#ppt_x"/>
+                                          </p:val>
+                                        </p:tav>
+                                        <p:tav tm="100000">
+                                          <p:val>
+                                            <p:strVal val="#ppt_x"/>
+                                          </p:val>
+                                        </p:tav>
+                                      </p:tavLst>
+                                    </p:anim>
+                                    <p:anim calcmode="lin" valueType="num">
+                                      <p:cBhvr additive="base">
+                                        <p:cTn id="20" dur="500" fill="hold"/>
+                                        <p:tgtEl>
+                                          <p:spTgt spid="4">
+                                            <p:txEl>
+                                              <p:pRg st="3" end="3"/>
+                                            </p:txEl>
+                                          </p:spTgt>
+                                        </p:tgtEl>
+                                        <p:attrNameLst>
+                                          <p:attrName>ppt_y</p:attrName>
+                                        </p:attrNameLst>
+                                      </p:cBhvr>
+                                      <p:tavLst>
+                                        <p:tav tm="0">
+                                          <p:val>
+                                            <p:strVal val="1+#ppt_h/2"/>
+                                          </p:val>
+                                        </p:tav>
+                                        <p:tav tm="100000">
+                                          <p:val>
+                                            <p:strVal val="#ppt_y"/>
+                                          </p:val>
+                                        </p:tav>
+                                      </p:tavLst>
+                                    </p:anim>
+                                  </p:childTnLst>
+                                </p:cTn>
+                              </p:par>
+                              <p:par>
+                                <p:cTn id="21" presetID="2" presetClass="entr" presetSubtype="4" fill="hold" nodeType="withEffect">
+                                  <p:stCondLst>
+                                    <p:cond delay="0"/>
+                                  </p:stCondLst>
+                                  <p:childTnLst>
+                                    <p:set>
+                                      <p:cBhvr>
+                                        <p:cTn id="22" dur="1" fill="hold">
+                                          <p:stCondLst>
+                                            <p:cond delay="0"/>
+                                          </p:stCondLst>
+                                        </p:cTn>
+                                        <p:tgtEl>
+                                          <p:spTgt spid="4">
+                                            <p:txEl>
+                                              <p:pRg st="4" end="4"/>
+                                            </p:txEl>
+                                          </p:spTgt>
+                                        </p:tgtEl>
+                                        <p:attrNameLst>
+                                          <p:attrName>style.visibility</p:attrName>
+                                        </p:attrNameLst>
+                                      </p:cBhvr>
+                                      <p:to>
+                                        <p:strVal val="visible"/>
+                                      </p:to>
+                                    </p:set>
+                                    <p:anim calcmode="lin" valueType="num">
+                                      <p:cBhvr additive="base">
+                                        <p:cTn id="23" dur="500" fill="hold"/>
+                                        <p:tgtEl>
+                                          <p:spTgt spid="4">
+                                            <p:txEl>
+                                              <p:pRg st="4" end="4"/>
+                                            </p:txEl>
+                                          </p:spTgt>
+                                        </p:tgtEl>
+                                        <p:attrNameLst>
+                                          <p:attrName>ppt_x</p:attrName>
+                                        </p:attrNameLst>
+                                      </p:cBhvr>
+                                      <p:tavLst>
+                                        <p:tav tm="0">
+                                          <p:val>
+                                            <p:strVal val="#ppt_x"/>
+                                          </p:val>
+                                        </p:tav>
+                                        <p:tav tm="100000">
+                                          <p:val>
+                                            <p:strVal val="#ppt_x"/>
+                                          </p:val>
+                                        </p:tav>
+                                      </p:tavLst>
+                                    </p:anim>
+                                    <p:anim calcmode="lin" valueType="num">
+                                      <p:cBhvr additive="base">
+                                        <p:cTn id="24" dur="500" fill="hold"/>
+                                        <p:tgtEl>
+                                          <p:spTgt spid="4">
+                                            <p:txEl>
+                                              <p:pRg st="4" end="4"/>
+                                            </p:txEl>
+                                          </p:spTgt>
+                                        </p:tgtEl>
+                                        <p:attrNameLst>
+                                          <p:attrName>ppt_y</p:attrName>
+                                        </p:attrNameLst>
+                                      </p:cBhvr>
+                                      <p:tavLst>
+                                        <p:tav tm="0">
+                                          <p:val>
+                                            <p:strVal val="1+#ppt_h/2"/>
+                                          </p:val>
+                                        </p:tav>
+                                        <p:tav tm="100000">
+                                          <p:val>
+                                            <p:strVal val="#ppt_y"/>
+                                          </p:val>
+                                        </p:tav>
+                                      </p:tavLst>
+                                    </p:anim>
+                                  </p:childTnLst>
+                                </p:cTn>
+                              </p:par>
+                            </p:childTnLst>
+                          </p:cTn>
+                        </p:par>
+                      </p:childTnLst>
+                    </p:cTn>
+                  </p:par>
+                  <p:par>
+                    <p:cTn id="25" fill="hold">
+                      <p:stCondLst>
+                        <p:cond delay="indefinite"/>
+                      </p:stCondLst>
+                      <p:childTnLst>
+                        <p:par>
+                          <p:cTn id="26" fill="hold">
+                            <p:stCondLst>
+                              <p:cond delay="0"/>
+                            </p:stCondLst>
+                            <p:childTnLst>
+                              <p:par>
+                                <p:cTn id="27" presetID="53" presetClass="entr" presetSubtype="16" fill="hold" nodeType="clickEffect">
+                                  <p:stCondLst>
+                                    <p:cond delay="0"/>
+                                  </p:stCondLst>
+                                  <p:childTnLst>
+                                    <p:set>
+                                      <p:cBhvr>
+                                        <p:cTn id="28" dur="1" fill="hold">
+                                          <p:stCondLst>
+                                            <p:cond delay="0"/>
+                                          </p:stCondLst>
+                                        </p:cTn>
+                                        <p:tgtEl>
+                                          <p:spTgt spid="4">
+                                            <p:txEl>
+                                              <p:pRg st="5" end="5"/>
+                                            </p:txEl>
+                                          </p:spTgt>
+                                        </p:tgtEl>
+                                        <p:attrNameLst>
+                                          <p:attrName>style.visibility</p:attrName>
+                                        </p:attrNameLst>
+                                      </p:cBhvr>
+                                      <p:to>
+                                        <p:strVal val="visible"/>
+                                      </p:to>
+                                    </p:set>
+                                    <p:anim calcmode="lin" valueType="num">
+                                      <p:cBhvr>
+                                        <p:cTn id="29" dur="500" fill="hold"/>
+                                        <p:tgtEl>
+                                          <p:spTgt spid="4">
+                                            <p:txEl>
+                                              <p:pRg st="5" end="5"/>
+                                            </p:txEl>
+                                          </p:spTgt>
+                                        </p:tgtEl>
+                                        <p:attrNameLst>
+                                          <p:attrName>ppt_w</p:attrName>
+                                        </p:attrNameLst>
+                                      </p:cBhvr>
+                                      <p:tavLst>
+                                        <p:tav tm="0">
+                                          <p:val>
+                                            <p:fltVal val="0"/>
+                                          </p:val>
+                                        </p:tav>
+                                        <p:tav tm="100000">
+                                          <p:val>
+                                            <p:strVal val="#ppt_w"/>
+                                          </p:val>
+                                        </p:tav>
+                                      </p:tavLst>
+                                    </p:anim>
+                                    <p:anim calcmode="lin" valueType="num">
+                                      <p:cBhvr>
+                                        <p:cTn id="30" dur="500" fill="hold"/>
+                                        <p:tgtEl>
+                                          <p:spTgt spid="4">
+                                            <p:txEl>
+                                              <p:pRg st="5" end="5"/>
+                                            </p:txEl>
+                                          </p:spTgt>
+                                        </p:tgtEl>
+                                        <p:attrNameLst>
+                                          <p:attrName>ppt_h</p:attrName>
+                                        </p:attrNameLst>
+                                      </p:cBhvr>
+                                      <p:tavLst>
+                                        <p:tav tm="0">
+                                          <p:val>
+                                            <p:fltVal val="0"/>
+                                          </p:val>
+                                        </p:tav>
+                                        <p:tav tm="100000">
+                                          <p:val>
+                                            <p:strVal val="#ppt_h"/>
+                                          </p:val>
+                                        </p:tav>
+                                      </p:tavLst>
+                                    </p:anim>
+                                    <p:animEffect transition="in" filter="fade">
+                                      <p:cBhvr>
+                                        <p:cTn id="31" dur="500"/>
+                                        <p:tgtEl>
+                                          <p:spTgt spid="4">
+                                            <p:txEl>
+                                              <p:pRg st="5" end="5"/>
+                                            </p:txEl>
+                                          </p:spTgt>
+                                        </p:tgtEl>
+                                      </p:cBhvr>
+                                    </p:animEffect>
+                                  </p:childTnLst>
+                                </p:cTn>
+                              </p:par>
+                              <p:par>
+                                <p:cTn id="32" presetID="53" presetClass="entr" presetSubtype="16" fill="hold" nodeType="withEffect">
+                                  <p:stCondLst>
+                                    <p:cond delay="0"/>
+                                  </p:stCondLst>
+                                  <p:childTnLst>
+                                    <p:set>
+                                      <p:cBhvr>
+                                        <p:cTn id="33" dur="1" fill="hold">
+                                          <p:stCondLst>
+                                            <p:cond delay="0"/>
+                                          </p:stCondLst>
+                                        </p:cTn>
+                                        <p:tgtEl>
+                                          <p:spTgt spid="4">
+                                            <p:txEl>
+                                              <p:pRg st="6" end="6"/>
+                                            </p:txEl>
+                                          </p:spTgt>
+                                        </p:tgtEl>
+                                        <p:attrNameLst>
+                                          <p:attrName>style.visibility</p:attrName>
+                                        </p:attrNameLst>
+                                      </p:cBhvr>
+                                      <p:to>
+                                        <p:strVal val="visible"/>
+                                      </p:to>
+                                    </p:set>
+                                    <p:anim calcmode="lin" valueType="num">
+                                      <p:cBhvr>
+                                        <p:cTn id="34" dur="500" fill="hold"/>
+                                        <p:tgtEl>
+                                          <p:spTgt spid="4">
+                                            <p:txEl>
+                                              <p:pRg st="6" end="6"/>
+                                            </p:txEl>
+                                          </p:spTgt>
+                                        </p:tgtEl>
+                                        <p:attrNameLst>
+                                          <p:attrName>ppt_w</p:attrName>
+                                        </p:attrNameLst>
+                                      </p:cBhvr>
+                                      <p:tavLst>
+                                        <p:tav tm="0">
+                                          <p:val>
+                                            <p:fltVal val="0"/>
+                                          </p:val>
+                                        </p:tav>
+                                        <p:tav tm="100000">
+                                          <p:val>
+                                            <p:strVal val="#ppt_w"/>
+                                          </p:val>
+                                        </p:tav>
+                                      </p:tavLst>
+                                    </p:anim>
+                                    <p:anim calcmode="lin" valueType="num">
+                                      <p:cBhvr>
+                                        <p:cTn id="35" dur="500" fill="hold"/>
+                                        <p:tgtEl>
+                                          <p:spTgt spid="4">
+                                            <p:txEl>
+                                              <p:pRg st="6" end="6"/>
+                                            </p:txEl>
+                                          </p:spTgt>
+                                        </p:tgtEl>
+                                        <p:attrNameLst>
+                                          <p:attrName>ppt_h</p:attrName>
+                                        </p:attrNameLst>
+                                      </p:cBhvr>
+                                      <p:tavLst>
+                                        <p:tav tm="0">
+                                          <p:val>
+                                            <p:fltVal val="0"/>
+                                          </p:val>
+                                        </p:tav>
+                                        <p:tav tm="100000">
+                                          <p:val>
+                                            <p:strVal val="#ppt_h"/>
+                                          </p:val>
+                                        </p:tav>
+                                      </p:tavLst>
+                                    </p:anim>
+                                    <p:animEffect transition="in" filter="fade">
+                                      <p:cBhvr>
+                                        <p:cTn id="36" dur="500"/>
+                                        <p:tgtEl>
+                                          <p:spTgt spid="4">
+                                            <p:txEl>
+                                              <p:pRg st="6" end="6"/>
+                                            </p:txEl>
+                                          </p:spTgt>
+                                        </p:tgtEl>
+                                      </p:cBhvr>
+                                    </p:animEffect>
+                                  </p:childTnLst>
+                                </p:cTn>
+                              </p:par>
+                              <p:par>
+                                <p:cTn id="37" presetID="53" presetClass="entr" presetSubtype="16" fill="hold" nodeType="withEffect">
+                                  <p:stCondLst>
+                                    <p:cond delay="0"/>
+                                  </p:stCondLst>
+                                  <p:childTnLst>
+                                    <p:set>
+                                      <p:cBhvr>
+                                        <p:cTn id="38" dur="1" fill="hold">
+                                          <p:stCondLst>
+                                            <p:cond delay="0"/>
+                                          </p:stCondLst>
+                                        </p:cTn>
+                                        <p:tgtEl>
+                                          <p:spTgt spid="4">
+                                            <p:txEl>
+                                              <p:pRg st="7" end="7"/>
+                                            </p:txEl>
+                                          </p:spTgt>
+                                        </p:tgtEl>
+                                        <p:attrNameLst>
+                                          <p:attrName>style.visibility</p:attrName>
+                                        </p:attrNameLst>
+                                      </p:cBhvr>
+                                      <p:to>
+                                        <p:strVal val="visible"/>
+                                      </p:to>
+                                    </p:set>
+                                    <p:anim calcmode="lin" valueType="num">
+                                      <p:cBhvr>
+                                        <p:cTn id="39" dur="500" fill="hold"/>
+                                        <p:tgtEl>
+                                          <p:spTgt spid="4">
+                                            <p:txEl>
+                                              <p:pRg st="7" end="7"/>
+                                            </p:txEl>
+                                          </p:spTgt>
+                                        </p:tgtEl>
+                                        <p:attrNameLst>
+                                          <p:attrName>ppt_w</p:attrName>
+                                        </p:attrNameLst>
+                                      </p:cBhvr>
+                                      <p:tavLst>
+                                        <p:tav tm="0">
+                                          <p:val>
+                                            <p:fltVal val="0"/>
+                                          </p:val>
+                                        </p:tav>
+                                        <p:tav tm="100000">
+                                          <p:val>
+                                            <p:strVal val="#ppt_w"/>
+                                          </p:val>
+                                        </p:tav>
+                                      </p:tavLst>
+                                    </p:anim>
+                                    <p:anim calcmode="lin" valueType="num">
+                                      <p:cBhvr>
+                                        <p:cTn id="40" dur="500" fill="hold"/>
+                                        <p:tgtEl>
+                                          <p:spTgt spid="4">
+                                            <p:txEl>
+                                              <p:pRg st="7" end="7"/>
+                                            </p:txEl>
+                                          </p:spTgt>
+                                        </p:tgtEl>
+                                        <p:attrNameLst>
+                                          <p:attrName>ppt_h</p:attrName>
+                                        </p:attrNameLst>
+                                      </p:cBhvr>
+                                      <p:tavLst>
+                                        <p:tav tm="0">
+                                          <p:val>
+                                            <p:fltVal val="0"/>
+                                          </p:val>
+                                        </p:tav>
+                                        <p:tav tm="100000">
+                                          <p:val>
+                                            <p:strVal val="#ppt_h"/>
+                                          </p:val>
+                                        </p:tav>
+                                      </p:tavLst>
+                                    </p:anim>
+                                    <p:animEffect transition="in" filter="fade">
+                                      <p:cBhvr>
+                                        <p:cTn id="41" dur="500"/>
+                                        <p:tgtEl>
+                                          <p:spTgt spid="4">
+                                            <p:txEl>
+                                              <p:pRg st="7" end="7"/>
+                                            </p:txEl>
+                                          </p:spTgt>
+                                        </p:tgtEl>
+                                      </p:cBhvr>
+                                    </p:animEffect>
+                                  </p:childTnLst>
+                                </p:cTn>
+                              </p:par>
+                            </p:childTnLst>
+                          </p:cTn>
+                        </p:par>
+                      </p:childTnLst>
+                    </p:cTn>
+                  </p:par>
+                </p:childTnLst>
+              </p:cTn>
+              <p:prevCondLst>
+                <p:cond evt="onPrev" delay="0">
+                  <p:tgtEl>
+                    <p:sldTgt/>
+                  </p:tgtEl>
+                </p:cond>
+              </p:prevCondLst>
+              <p:nextCondLst>
+                <p:cond evt="onNext" delay="0">
+                  <p:tgtEl>
+                    <p:sldTgt/>
+                  </p:tgtEl>
+                </p:cond>
+              </p:nextCondLst>
+            </p:seq>
+          </p:childTnLst>
+        </p:cTn>
       </p:par>
     </p:tnLst>
   </p:timing>
@@ -5768,15 +7190,7 @@
           <a:p>
             <a:r>
               <a:rPr lang="en-US" dirty="0" smtClean="0"/>
-              <a:t>Have rich knowledge </a:t>
-            </a:r>
-            <a:r>
-              <a:rPr lang="en-US" dirty="0" smtClean="0"/>
-              <a:t>and </a:t>
-            </a:r>
-            <a:r>
-              <a:rPr lang="en-US" dirty="0" smtClean="0"/>
-              <a:t>experience in Scrum/Agile. </a:t>
+              <a:t>Have rich knowledge and experience in Scrum/Agile. </a:t>
             </a:r>
           </a:p>
           <a:p>
@@ -5794,22 +7208,605 @@
   <p:clrMapOvr>
     <a:masterClrMapping/>
   </p:clrMapOvr>
-  <mc:AlternateContent xmlns:mc="http://schemas.openxmlformats.org/markup-compatibility/2006" xmlns:p14="http://schemas.microsoft.com/office/powerpoint/2010/main">
-    <mc:Choice Requires="p14">
-      <p:transition spd="med" p14:dur="700">
-        <p:fade/>
+  <mc:AlternateContent xmlns:mc="http://schemas.openxmlformats.org/markup-compatibility/2006">
+    <mc:Choice xmlns:p14="http://schemas.microsoft.com/office/powerpoint/2010/main" Requires="p14">
+      <p:transition spd="slow" p14:dur="1500">
+        <p:split orient="vert"/>
       </p:transition>
     </mc:Choice>
-    <mc:Fallback xmlns="">
-      <p:transition spd="med">
-        <p:fade/>
+    <mc:Fallback>
+      <p:transition spd="slow">
+        <p:split orient="vert"/>
       </p:transition>
     </mc:Fallback>
   </mc:AlternateContent>
   <p:timing>
     <p:tnLst>
       <p:par>
-        <p:cTn id="1" dur="indefinite" restart="never" nodeType="tmRoot"/>
+        <p:cTn id="1" dur="indefinite" restart="never" nodeType="tmRoot">
+          <p:childTnLst>
+            <p:seq concurrent="1" nextAc="seek">
+              <p:cTn id="2" dur="indefinite" nodeType="mainSeq">
+                <p:childTnLst>
+                  <p:par>
+                    <p:cTn id="3" fill="hold">
+                      <p:stCondLst>
+                        <p:cond delay="indefinite"/>
+                      </p:stCondLst>
+                      <p:childTnLst>
+                        <p:par>
+                          <p:cTn id="4" fill="hold">
+                            <p:stCondLst>
+                              <p:cond delay="0"/>
+                            </p:stCondLst>
+                            <p:childTnLst>
+                              <p:par>
+                                <p:cTn id="5" presetID="16" presetClass="entr" presetSubtype="21" fill="hold" nodeType="clickEffect">
+                                  <p:stCondLst>
+                                    <p:cond delay="0"/>
+                                  </p:stCondLst>
+                                  <p:childTnLst>
+                                    <p:set>
+                                      <p:cBhvr>
+                                        <p:cTn id="6" dur="1" fill="hold">
+                                          <p:stCondLst>
+                                            <p:cond delay="0"/>
+                                          </p:stCondLst>
+                                        </p:cTn>
+                                        <p:tgtEl>
+                                          <p:spTgt spid="4">
+                                            <p:txEl>
+                                              <p:pRg st="0" end="0"/>
+                                            </p:txEl>
+                                          </p:spTgt>
+                                        </p:tgtEl>
+                                        <p:attrNameLst>
+                                          <p:attrName>style.visibility</p:attrName>
+                                        </p:attrNameLst>
+                                      </p:cBhvr>
+                                      <p:to>
+                                        <p:strVal val="visible"/>
+                                      </p:to>
+                                    </p:set>
+                                    <p:animEffect transition="in" filter="barn(inVertical)">
+                                      <p:cBhvr>
+                                        <p:cTn id="7" dur="500"/>
+                                        <p:tgtEl>
+                                          <p:spTgt spid="4">
+                                            <p:txEl>
+                                              <p:pRg st="0" end="0"/>
+                                            </p:txEl>
+                                          </p:spTgt>
+                                        </p:tgtEl>
+                                      </p:cBhvr>
+                                    </p:animEffect>
+                                  </p:childTnLst>
+                                </p:cTn>
+                              </p:par>
+                            </p:childTnLst>
+                          </p:cTn>
+                        </p:par>
+                      </p:childTnLst>
+                    </p:cTn>
+                  </p:par>
+                  <p:par>
+                    <p:cTn id="8" fill="hold">
+                      <p:stCondLst>
+                        <p:cond delay="indefinite"/>
+                      </p:stCondLst>
+                      <p:childTnLst>
+                        <p:par>
+                          <p:cTn id="9" fill="hold">
+                            <p:stCondLst>
+                              <p:cond delay="0"/>
+                            </p:stCondLst>
+                            <p:childTnLst>
+                              <p:par>
+                                <p:cTn id="10" presetID="2" presetClass="entr" presetSubtype="4" fill="hold" nodeType="clickEffect">
+                                  <p:stCondLst>
+                                    <p:cond delay="0"/>
+                                  </p:stCondLst>
+                                  <p:childTnLst>
+                                    <p:set>
+                                      <p:cBhvr>
+                                        <p:cTn id="11" dur="1" fill="hold">
+                                          <p:stCondLst>
+                                            <p:cond delay="0"/>
+                                          </p:stCondLst>
+                                        </p:cTn>
+                                        <p:tgtEl>
+                                          <p:spTgt spid="4">
+                                            <p:txEl>
+                                              <p:pRg st="1" end="1"/>
+                                            </p:txEl>
+                                          </p:spTgt>
+                                        </p:tgtEl>
+                                        <p:attrNameLst>
+                                          <p:attrName>style.visibility</p:attrName>
+                                        </p:attrNameLst>
+                                      </p:cBhvr>
+                                      <p:to>
+                                        <p:strVal val="visible"/>
+                                      </p:to>
+                                    </p:set>
+                                    <p:anim calcmode="lin" valueType="num">
+                                      <p:cBhvr additive="base">
+                                        <p:cTn id="12" dur="500" fill="hold"/>
+                                        <p:tgtEl>
+                                          <p:spTgt spid="4">
+                                            <p:txEl>
+                                              <p:pRg st="1" end="1"/>
+                                            </p:txEl>
+                                          </p:spTgt>
+                                        </p:tgtEl>
+                                        <p:attrNameLst>
+                                          <p:attrName>ppt_x</p:attrName>
+                                        </p:attrNameLst>
+                                      </p:cBhvr>
+                                      <p:tavLst>
+                                        <p:tav tm="0">
+                                          <p:val>
+                                            <p:strVal val="#ppt_x"/>
+                                          </p:val>
+                                        </p:tav>
+                                        <p:tav tm="100000">
+                                          <p:val>
+                                            <p:strVal val="#ppt_x"/>
+                                          </p:val>
+                                        </p:tav>
+                                      </p:tavLst>
+                                    </p:anim>
+                                    <p:anim calcmode="lin" valueType="num">
+                                      <p:cBhvr additive="base">
+                                        <p:cTn id="13" dur="500" fill="hold"/>
+                                        <p:tgtEl>
+                                          <p:spTgt spid="4">
+                                            <p:txEl>
+                                              <p:pRg st="1" end="1"/>
+                                            </p:txEl>
+                                          </p:spTgt>
+                                        </p:tgtEl>
+                                        <p:attrNameLst>
+                                          <p:attrName>ppt_y</p:attrName>
+                                        </p:attrNameLst>
+                                      </p:cBhvr>
+                                      <p:tavLst>
+                                        <p:tav tm="0">
+                                          <p:val>
+                                            <p:strVal val="1+#ppt_h/2"/>
+                                          </p:val>
+                                        </p:tav>
+                                        <p:tav tm="100000">
+                                          <p:val>
+                                            <p:strVal val="#ppt_y"/>
+                                          </p:val>
+                                        </p:tav>
+                                      </p:tavLst>
+                                    </p:anim>
+                                  </p:childTnLst>
+                                </p:cTn>
+                              </p:par>
+                            </p:childTnLst>
+                          </p:cTn>
+                        </p:par>
+                      </p:childTnLst>
+                    </p:cTn>
+                  </p:par>
+                  <p:par>
+                    <p:cTn id="14" fill="hold">
+                      <p:stCondLst>
+                        <p:cond delay="indefinite"/>
+                      </p:stCondLst>
+                      <p:childTnLst>
+                        <p:par>
+                          <p:cTn id="15" fill="hold">
+                            <p:stCondLst>
+                              <p:cond delay="0"/>
+                            </p:stCondLst>
+                            <p:childTnLst>
+                              <p:par>
+                                <p:cTn id="16" presetID="6" presetClass="entr" presetSubtype="16" fill="hold" nodeType="clickEffect">
+                                  <p:stCondLst>
+                                    <p:cond delay="0"/>
+                                  </p:stCondLst>
+                                  <p:childTnLst>
+                                    <p:set>
+                                      <p:cBhvr>
+                                        <p:cTn id="17" dur="1" fill="hold">
+                                          <p:stCondLst>
+                                            <p:cond delay="0"/>
+                                          </p:stCondLst>
+                                        </p:cTn>
+                                        <p:tgtEl>
+                                          <p:spTgt spid="4">
+                                            <p:txEl>
+                                              <p:pRg st="2" end="2"/>
+                                            </p:txEl>
+                                          </p:spTgt>
+                                        </p:tgtEl>
+                                        <p:attrNameLst>
+                                          <p:attrName>style.visibility</p:attrName>
+                                        </p:attrNameLst>
+                                      </p:cBhvr>
+                                      <p:to>
+                                        <p:strVal val="visible"/>
+                                      </p:to>
+                                    </p:set>
+                                    <p:animEffect transition="in" filter="circle(in)">
+                                      <p:cBhvr>
+                                        <p:cTn id="18" dur="2000"/>
+                                        <p:tgtEl>
+                                          <p:spTgt spid="4">
+                                            <p:txEl>
+                                              <p:pRg st="2" end="2"/>
+                                            </p:txEl>
+                                          </p:spTgt>
+                                        </p:tgtEl>
+                                      </p:cBhvr>
+                                    </p:animEffect>
+                                  </p:childTnLst>
+                                </p:cTn>
+                              </p:par>
+                              <p:par>
+                                <p:cTn id="19" presetID="6" presetClass="entr" presetSubtype="16" fill="hold" nodeType="withEffect">
+                                  <p:stCondLst>
+                                    <p:cond delay="0"/>
+                                  </p:stCondLst>
+                                  <p:childTnLst>
+                                    <p:set>
+                                      <p:cBhvr>
+                                        <p:cTn id="20" dur="1" fill="hold">
+                                          <p:stCondLst>
+                                            <p:cond delay="0"/>
+                                          </p:stCondLst>
+                                        </p:cTn>
+                                        <p:tgtEl>
+                                          <p:spTgt spid="4">
+                                            <p:txEl>
+                                              <p:pRg st="3" end="3"/>
+                                            </p:txEl>
+                                          </p:spTgt>
+                                        </p:tgtEl>
+                                        <p:attrNameLst>
+                                          <p:attrName>style.visibility</p:attrName>
+                                        </p:attrNameLst>
+                                      </p:cBhvr>
+                                      <p:to>
+                                        <p:strVal val="visible"/>
+                                      </p:to>
+                                    </p:set>
+                                    <p:animEffect transition="in" filter="circle(in)">
+                                      <p:cBhvr>
+                                        <p:cTn id="21" dur="2000"/>
+                                        <p:tgtEl>
+                                          <p:spTgt spid="4">
+                                            <p:txEl>
+                                              <p:pRg st="3" end="3"/>
+                                            </p:txEl>
+                                          </p:spTgt>
+                                        </p:tgtEl>
+                                      </p:cBhvr>
+                                    </p:animEffect>
+                                  </p:childTnLst>
+                                </p:cTn>
+                              </p:par>
+                              <p:par>
+                                <p:cTn id="22" presetID="6" presetClass="entr" presetSubtype="16" fill="hold" nodeType="withEffect">
+                                  <p:stCondLst>
+                                    <p:cond delay="0"/>
+                                  </p:stCondLst>
+                                  <p:childTnLst>
+                                    <p:set>
+                                      <p:cBhvr>
+                                        <p:cTn id="23" dur="1" fill="hold">
+                                          <p:stCondLst>
+                                            <p:cond delay="0"/>
+                                          </p:stCondLst>
+                                        </p:cTn>
+                                        <p:tgtEl>
+                                          <p:spTgt spid="4">
+                                            <p:txEl>
+                                              <p:pRg st="4" end="4"/>
+                                            </p:txEl>
+                                          </p:spTgt>
+                                        </p:tgtEl>
+                                        <p:attrNameLst>
+                                          <p:attrName>style.visibility</p:attrName>
+                                        </p:attrNameLst>
+                                      </p:cBhvr>
+                                      <p:to>
+                                        <p:strVal val="visible"/>
+                                      </p:to>
+                                    </p:set>
+                                    <p:animEffect transition="in" filter="circle(in)">
+                                      <p:cBhvr>
+                                        <p:cTn id="24" dur="2000"/>
+                                        <p:tgtEl>
+                                          <p:spTgt spid="4">
+                                            <p:txEl>
+                                              <p:pRg st="4" end="4"/>
+                                            </p:txEl>
+                                          </p:spTgt>
+                                        </p:tgtEl>
+                                      </p:cBhvr>
+                                    </p:animEffect>
+                                  </p:childTnLst>
+                                </p:cTn>
+                              </p:par>
+                            </p:childTnLst>
+                          </p:cTn>
+                        </p:par>
+                      </p:childTnLst>
+                    </p:cTn>
+                  </p:par>
+                  <p:par>
+                    <p:cTn id="25" fill="hold">
+                      <p:stCondLst>
+                        <p:cond delay="indefinite"/>
+                      </p:stCondLst>
+                      <p:childTnLst>
+                        <p:par>
+                          <p:cTn id="26" fill="hold">
+                            <p:stCondLst>
+                              <p:cond delay="0"/>
+                            </p:stCondLst>
+                            <p:childTnLst>
+                              <p:par>
+                                <p:cTn id="27" presetID="16" presetClass="entr" presetSubtype="21" fill="hold" nodeType="clickEffect">
+                                  <p:stCondLst>
+                                    <p:cond delay="0"/>
+                                  </p:stCondLst>
+                                  <p:childTnLst>
+                                    <p:set>
+                                      <p:cBhvr>
+                                        <p:cTn id="28" dur="1" fill="hold">
+                                          <p:stCondLst>
+                                            <p:cond delay="0"/>
+                                          </p:stCondLst>
+                                        </p:cTn>
+                                        <p:tgtEl>
+                                          <p:spTgt spid="4">
+                                            <p:txEl>
+                                              <p:pRg st="5" end="5"/>
+                                            </p:txEl>
+                                          </p:spTgt>
+                                        </p:tgtEl>
+                                        <p:attrNameLst>
+                                          <p:attrName>style.visibility</p:attrName>
+                                        </p:attrNameLst>
+                                      </p:cBhvr>
+                                      <p:to>
+                                        <p:strVal val="visible"/>
+                                      </p:to>
+                                    </p:set>
+                                    <p:animEffect transition="in" filter="barn(inVertical)">
+                                      <p:cBhvr>
+                                        <p:cTn id="29" dur="500"/>
+                                        <p:tgtEl>
+                                          <p:spTgt spid="4">
+                                            <p:txEl>
+                                              <p:pRg st="5" end="5"/>
+                                            </p:txEl>
+                                          </p:spTgt>
+                                        </p:tgtEl>
+                                      </p:cBhvr>
+                                    </p:animEffect>
+                                  </p:childTnLst>
+                                </p:cTn>
+                              </p:par>
+                            </p:childTnLst>
+                          </p:cTn>
+                        </p:par>
+                      </p:childTnLst>
+                    </p:cTn>
+                  </p:par>
+                  <p:par>
+                    <p:cTn id="30" fill="hold">
+                      <p:stCondLst>
+                        <p:cond delay="indefinite"/>
+                      </p:stCondLst>
+                      <p:childTnLst>
+                        <p:par>
+                          <p:cTn id="31" fill="hold">
+                            <p:stCondLst>
+                              <p:cond delay="0"/>
+                            </p:stCondLst>
+                            <p:childTnLst>
+                              <p:par>
+                                <p:cTn id="32" presetID="2" presetClass="entr" presetSubtype="4" fill="hold" nodeType="clickEffect">
+                                  <p:stCondLst>
+                                    <p:cond delay="0"/>
+                                  </p:stCondLst>
+                                  <p:childTnLst>
+                                    <p:set>
+                                      <p:cBhvr>
+                                        <p:cTn id="33" dur="1" fill="hold">
+                                          <p:stCondLst>
+                                            <p:cond delay="0"/>
+                                          </p:stCondLst>
+                                        </p:cTn>
+                                        <p:tgtEl>
+                                          <p:spTgt spid="4">
+                                            <p:txEl>
+                                              <p:pRg st="6" end="6"/>
+                                            </p:txEl>
+                                          </p:spTgt>
+                                        </p:tgtEl>
+                                        <p:attrNameLst>
+                                          <p:attrName>style.visibility</p:attrName>
+                                        </p:attrNameLst>
+                                      </p:cBhvr>
+                                      <p:to>
+                                        <p:strVal val="visible"/>
+                                      </p:to>
+                                    </p:set>
+                                    <p:anim calcmode="lin" valueType="num">
+                                      <p:cBhvr additive="base">
+                                        <p:cTn id="34" dur="500" fill="hold"/>
+                                        <p:tgtEl>
+                                          <p:spTgt spid="4">
+                                            <p:txEl>
+                                              <p:pRg st="6" end="6"/>
+                                            </p:txEl>
+                                          </p:spTgt>
+                                        </p:tgtEl>
+                                        <p:attrNameLst>
+                                          <p:attrName>ppt_x</p:attrName>
+                                        </p:attrNameLst>
+                                      </p:cBhvr>
+                                      <p:tavLst>
+                                        <p:tav tm="0">
+                                          <p:val>
+                                            <p:strVal val="#ppt_x"/>
+                                          </p:val>
+                                        </p:tav>
+                                        <p:tav tm="100000">
+                                          <p:val>
+                                            <p:strVal val="#ppt_x"/>
+                                          </p:val>
+                                        </p:tav>
+                                      </p:tavLst>
+                                    </p:anim>
+                                    <p:anim calcmode="lin" valueType="num">
+                                      <p:cBhvr additive="base">
+                                        <p:cTn id="35" dur="500" fill="hold"/>
+                                        <p:tgtEl>
+                                          <p:spTgt spid="4">
+                                            <p:txEl>
+                                              <p:pRg st="6" end="6"/>
+                                            </p:txEl>
+                                          </p:spTgt>
+                                        </p:tgtEl>
+                                        <p:attrNameLst>
+                                          <p:attrName>ppt_y</p:attrName>
+                                        </p:attrNameLst>
+                                      </p:cBhvr>
+                                      <p:tavLst>
+                                        <p:tav tm="0">
+                                          <p:val>
+                                            <p:strVal val="1+#ppt_h/2"/>
+                                          </p:val>
+                                        </p:tav>
+                                        <p:tav tm="100000">
+                                          <p:val>
+                                            <p:strVal val="#ppt_y"/>
+                                          </p:val>
+                                        </p:tav>
+                                      </p:tavLst>
+                                    </p:anim>
+                                  </p:childTnLst>
+                                </p:cTn>
+                              </p:par>
+                              <p:par>
+                                <p:cTn id="36" presetID="2" presetClass="entr" presetSubtype="4" fill="hold" nodeType="withEffect">
+                                  <p:stCondLst>
+                                    <p:cond delay="0"/>
+                                  </p:stCondLst>
+                                  <p:childTnLst>
+                                    <p:set>
+                                      <p:cBhvr>
+                                        <p:cTn id="37" dur="1" fill="hold">
+                                          <p:stCondLst>
+                                            <p:cond delay="0"/>
+                                          </p:stCondLst>
+                                        </p:cTn>
+                                        <p:tgtEl>
+                                          <p:spTgt spid="4">
+                                            <p:txEl>
+                                              <p:pRg st="7" end="7"/>
+                                            </p:txEl>
+                                          </p:spTgt>
+                                        </p:tgtEl>
+                                        <p:attrNameLst>
+                                          <p:attrName>style.visibility</p:attrName>
+                                        </p:attrNameLst>
+                                      </p:cBhvr>
+                                      <p:to>
+                                        <p:strVal val="visible"/>
+                                      </p:to>
+                                    </p:set>
+                                    <p:anim calcmode="lin" valueType="num">
+                                      <p:cBhvr additive="base">
+                                        <p:cTn id="38" dur="500" fill="hold"/>
+                                        <p:tgtEl>
+                                          <p:spTgt spid="4">
+                                            <p:txEl>
+                                              <p:pRg st="7" end="7"/>
+                                            </p:txEl>
+                                          </p:spTgt>
+                                        </p:tgtEl>
+                                        <p:attrNameLst>
+                                          <p:attrName>ppt_x</p:attrName>
+                                        </p:attrNameLst>
+                                      </p:cBhvr>
+                                      <p:tavLst>
+                                        <p:tav tm="0">
+                                          <p:val>
+                                            <p:strVal val="#ppt_x"/>
+                                          </p:val>
+                                        </p:tav>
+                                        <p:tav tm="100000">
+                                          <p:val>
+                                            <p:strVal val="#ppt_x"/>
+                                          </p:val>
+                                        </p:tav>
+                                      </p:tavLst>
+                                    </p:anim>
+                                    <p:anim calcmode="lin" valueType="num">
+                                      <p:cBhvr additive="base">
+                                        <p:cTn id="39" dur="500" fill="hold"/>
+                                        <p:tgtEl>
+                                          <p:spTgt spid="4">
+                                            <p:txEl>
+                                              <p:pRg st="7" end="7"/>
+                                            </p:txEl>
+                                          </p:spTgt>
+                                        </p:tgtEl>
+                                        <p:attrNameLst>
+                                          <p:attrName>ppt_y</p:attrName>
+                                        </p:attrNameLst>
+                                      </p:cBhvr>
+                                      <p:tavLst>
+                                        <p:tav tm="0">
+                                          <p:val>
+                                            <p:strVal val="1+#ppt_h/2"/>
+                                          </p:val>
+                                        </p:tav>
+                                        <p:tav tm="100000">
+                                          <p:val>
+                                            <p:strVal val="#ppt_y"/>
+                                          </p:val>
+                                        </p:tav>
+                                      </p:tavLst>
+                                    </p:anim>
+                                  </p:childTnLst>
+                                </p:cTn>
+                              </p:par>
+                            </p:childTnLst>
+                          </p:cTn>
+                        </p:par>
+                      </p:childTnLst>
+                    </p:cTn>
+                  </p:par>
+                </p:childTnLst>
+              </p:cTn>
+              <p:prevCondLst>
+                <p:cond evt="onPrev" delay="0">
+                  <p:tgtEl>
+                    <p:sldTgt/>
+                  </p:tgtEl>
+                </p:cond>
+              </p:prevCondLst>
+              <p:nextCondLst>
+                <p:cond evt="onNext" delay="0">
+                  <p:tgtEl>
+                    <p:sldTgt/>
+                  </p:tgtEl>
+                </p:cond>
+              </p:nextCondLst>
+            </p:seq>
+          </p:childTnLst>
+        </p:cTn>
       </p:par>
     </p:tnLst>
   </p:timing>
@@ -5981,20 +7978,558 @@
   </p:clrMapOvr>
   <mc:AlternateContent xmlns:mc="http://schemas.openxmlformats.org/markup-compatibility/2006">
     <mc:Choice xmlns:p14="http://schemas.microsoft.com/office/powerpoint/2010/main" Requires="p14">
-      <p:transition spd="med" p14:dur="700">
-        <p:fade/>
+      <p:transition spd="slow" p14:dur="800">
+        <p:circle/>
       </p:transition>
     </mc:Choice>
     <mc:Fallback>
-      <p:transition spd="med">
-        <p:fade/>
+      <p:transition spd="slow">
+        <p:circle/>
       </p:transition>
     </mc:Fallback>
   </mc:AlternateContent>
   <p:timing>
     <p:tnLst>
       <p:par>
-        <p:cTn id="1" dur="indefinite" restart="never" nodeType="tmRoot"/>
+        <p:cTn id="1" dur="indefinite" restart="never" nodeType="tmRoot">
+          <p:childTnLst>
+            <p:seq concurrent="1" nextAc="seek">
+              <p:cTn id="2" dur="indefinite" nodeType="mainSeq">
+                <p:childTnLst>
+                  <p:par>
+                    <p:cTn id="3" fill="hold">
+                      <p:stCondLst>
+                        <p:cond delay="indefinite"/>
+                      </p:stCondLst>
+                      <p:childTnLst>
+                        <p:par>
+                          <p:cTn id="4" fill="hold">
+                            <p:stCondLst>
+                              <p:cond delay="0"/>
+                            </p:stCondLst>
+                            <p:childTnLst>
+                              <p:par>
+                                <p:cTn id="5" presetID="2" presetClass="entr" presetSubtype="4" fill="hold" nodeType="clickEffect">
+                                  <p:stCondLst>
+                                    <p:cond delay="0"/>
+                                  </p:stCondLst>
+                                  <p:childTnLst>
+                                    <p:set>
+                                      <p:cBhvr>
+                                        <p:cTn id="6" dur="1" fill="hold">
+                                          <p:stCondLst>
+                                            <p:cond delay="0"/>
+                                          </p:stCondLst>
+                                        </p:cTn>
+                                        <p:tgtEl>
+                                          <p:spTgt spid="3">
+                                            <p:txEl>
+                                              <p:pRg st="0" end="0"/>
+                                            </p:txEl>
+                                          </p:spTgt>
+                                        </p:tgtEl>
+                                        <p:attrNameLst>
+                                          <p:attrName>style.visibility</p:attrName>
+                                        </p:attrNameLst>
+                                      </p:cBhvr>
+                                      <p:to>
+                                        <p:strVal val="visible"/>
+                                      </p:to>
+                                    </p:set>
+                                    <p:anim calcmode="lin" valueType="num">
+                                      <p:cBhvr additive="base">
+                                        <p:cTn id="7" dur="500" fill="hold"/>
+                                        <p:tgtEl>
+                                          <p:spTgt spid="3">
+                                            <p:txEl>
+                                              <p:pRg st="0" end="0"/>
+                                            </p:txEl>
+                                          </p:spTgt>
+                                        </p:tgtEl>
+                                        <p:attrNameLst>
+                                          <p:attrName>ppt_x</p:attrName>
+                                        </p:attrNameLst>
+                                      </p:cBhvr>
+                                      <p:tavLst>
+                                        <p:tav tm="0">
+                                          <p:val>
+                                            <p:strVal val="#ppt_x"/>
+                                          </p:val>
+                                        </p:tav>
+                                        <p:tav tm="100000">
+                                          <p:val>
+                                            <p:strVal val="#ppt_x"/>
+                                          </p:val>
+                                        </p:tav>
+                                      </p:tavLst>
+                                    </p:anim>
+                                    <p:anim calcmode="lin" valueType="num">
+                                      <p:cBhvr additive="base">
+                                        <p:cTn id="8" dur="500" fill="hold"/>
+                                        <p:tgtEl>
+                                          <p:spTgt spid="3">
+                                            <p:txEl>
+                                              <p:pRg st="0" end="0"/>
+                                            </p:txEl>
+                                          </p:spTgt>
+                                        </p:tgtEl>
+                                        <p:attrNameLst>
+                                          <p:attrName>ppt_y</p:attrName>
+                                        </p:attrNameLst>
+                                      </p:cBhvr>
+                                      <p:tavLst>
+                                        <p:tav tm="0">
+                                          <p:val>
+                                            <p:strVal val="1+#ppt_h/2"/>
+                                          </p:val>
+                                        </p:tav>
+                                        <p:tav tm="100000">
+                                          <p:val>
+                                            <p:strVal val="#ppt_y"/>
+                                          </p:val>
+                                        </p:tav>
+                                      </p:tavLst>
+                                    </p:anim>
+                                  </p:childTnLst>
+                                </p:cTn>
+                              </p:par>
+                            </p:childTnLst>
+                          </p:cTn>
+                        </p:par>
+                      </p:childTnLst>
+                    </p:cTn>
+                  </p:par>
+                  <p:par>
+                    <p:cTn id="9" fill="hold">
+                      <p:stCondLst>
+                        <p:cond delay="indefinite"/>
+                      </p:stCondLst>
+                      <p:childTnLst>
+                        <p:par>
+                          <p:cTn id="10" fill="hold">
+                            <p:stCondLst>
+                              <p:cond delay="0"/>
+                            </p:stCondLst>
+                            <p:childTnLst>
+                              <p:par>
+                                <p:cTn id="11" presetID="2" presetClass="entr" presetSubtype="4" fill="hold" nodeType="clickEffect">
+                                  <p:stCondLst>
+                                    <p:cond delay="0"/>
+                                  </p:stCondLst>
+                                  <p:childTnLst>
+                                    <p:set>
+                                      <p:cBhvr>
+                                        <p:cTn id="12" dur="1" fill="hold">
+                                          <p:stCondLst>
+                                            <p:cond delay="0"/>
+                                          </p:stCondLst>
+                                        </p:cTn>
+                                        <p:tgtEl>
+                                          <p:spTgt spid="3">
+                                            <p:txEl>
+                                              <p:pRg st="1" end="1"/>
+                                            </p:txEl>
+                                          </p:spTgt>
+                                        </p:tgtEl>
+                                        <p:attrNameLst>
+                                          <p:attrName>style.visibility</p:attrName>
+                                        </p:attrNameLst>
+                                      </p:cBhvr>
+                                      <p:to>
+                                        <p:strVal val="visible"/>
+                                      </p:to>
+                                    </p:set>
+                                    <p:anim calcmode="lin" valueType="num">
+                                      <p:cBhvr additive="base">
+                                        <p:cTn id="13" dur="500" fill="hold"/>
+                                        <p:tgtEl>
+                                          <p:spTgt spid="3">
+                                            <p:txEl>
+                                              <p:pRg st="1" end="1"/>
+                                            </p:txEl>
+                                          </p:spTgt>
+                                        </p:tgtEl>
+                                        <p:attrNameLst>
+                                          <p:attrName>ppt_x</p:attrName>
+                                        </p:attrNameLst>
+                                      </p:cBhvr>
+                                      <p:tavLst>
+                                        <p:tav tm="0">
+                                          <p:val>
+                                            <p:strVal val="#ppt_x"/>
+                                          </p:val>
+                                        </p:tav>
+                                        <p:tav tm="100000">
+                                          <p:val>
+                                            <p:strVal val="#ppt_x"/>
+                                          </p:val>
+                                        </p:tav>
+                                      </p:tavLst>
+                                    </p:anim>
+                                    <p:anim calcmode="lin" valueType="num">
+                                      <p:cBhvr additive="base">
+                                        <p:cTn id="14" dur="500" fill="hold"/>
+                                        <p:tgtEl>
+                                          <p:spTgt spid="3">
+                                            <p:txEl>
+                                              <p:pRg st="1" end="1"/>
+                                            </p:txEl>
+                                          </p:spTgt>
+                                        </p:tgtEl>
+                                        <p:attrNameLst>
+                                          <p:attrName>ppt_y</p:attrName>
+                                        </p:attrNameLst>
+                                      </p:cBhvr>
+                                      <p:tavLst>
+                                        <p:tav tm="0">
+                                          <p:val>
+                                            <p:strVal val="1+#ppt_h/2"/>
+                                          </p:val>
+                                        </p:tav>
+                                        <p:tav tm="100000">
+                                          <p:val>
+                                            <p:strVal val="#ppt_y"/>
+                                          </p:val>
+                                        </p:tav>
+                                      </p:tavLst>
+                                    </p:anim>
+                                  </p:childTnLst>
+                                </p:cTn>
+                              </p:par>
+                            </p:childTnLst>
+                          </p:cTn>
+                        </p:par>
+                      </p:childTnLst>
+                    </p:cTn>
+                  </p:par>
+                  <p:par>
+                    <p:cTn id="15" fill="hold">
+                      <p:stCondLst>
+                        <p:cond delay="indefinite"/>
+                      </p:stCondLst>
+                      <p:childTnLst>
+                        <p:par>
+                          <p:cTn id="16" fill="hold">
+                            <p:stCondLst>
+                              <p:cond delay="0"/>
+                            </p:stCondLst>
+                            <p:childTnLst>
+                              <p:par>
+                                <p:cTn id="17" presetID="2" presetClass="entr" presetSubtype="4" fill="hold" nodeType="clickEffect">
+                                  <p:stCondLst>
+                                    <p:cond delay="0"/>
+                                  </p:stCondLst>
+                                  <p:childTnLst>
+                                    <p:set>
+                                      <p:cBhvr>
+                                        <p:cTn id="18" dur="1" fill="hold">
+                                          <p:stCondLst>
+                                            <p:cond delay="0"/>
+                                          </p:stCondLst>
+                                        </p:cTn>
+                                        <p:tgtEl>
+                                          <p:spTgt spid="3">
+                                            <p:txEl>
+                                              <p:pRg st="2" end="2"/>
+                                            </p:txEl>
+                                          </p:spTgt>
+                                        </p:tgtEl>
+                                        <p:attrNameLst>
+                                          <p:attrName>style.visibility</p:attrName>
+                                        </p:attrNameLst>
+                                      </p:cBhvr>
+                                      <p:to>
+                                        <p:strVal val="visible"/>
+                                      </p:to>
+                                    </p:set>
+                                    <p:anim calcmode="lin" valueType="num">
+                                      <p:cBhvr additive="base">
+                                        <p:cTn id="19" dur="500" fill="hold"/>
+                                        <p:tgtEl>
+                                          <p:spTgt spid="3">
+                                            <p:txEl>
+                                              <p:pRg st="2" end="2"/>
+                                            </p:txEl>
+                                          </p:spTgt>
+                                        </p:tgtEl>
+                                        <p:attrNameLst>
+                                          <p:attrName>ppt_x</p:attrName>
+                                        </p:attrNameLst>
+                                      </p:cBhvr>
+                                      <p:tavLst>
+                                        <p:tav tm="0">
+                                          <p:val>
+                                            <p:strVal val="#ppt_x"/>
+                                          </p:val>
+                                        </p:tav>
+                                        <p:tav tm="100000">
+                                          <p:val>
+                                            <p:strVal val="#ppt_x"/>
+                                          </p:val>
+                                        </p:tav>
+                                      </p:tavLst>
+                                    </p:anim>
+                                    <p:anim calcmode="lin" valueType="num">
+                                      <p:cBhvr additive="base">
+                                        <p:cTn id="20" dur="500" fill="hold"/>
+                                        <p:tgtEl>
+                                          <p:spTgt spid="3">
+                                            <p:txEl>
+                                              <p:pRg st="2" end="2"/>
+                                            </p:txEl>
+                                          </p:spTgt>
+                                        </p:tgtEl>
+                                        <p:attrNameLst>
+                                          <p:attrName>ppt_y</p:attrName>
+                                        </p:attrNameLst>
+                                      </p:cBhvr>
+                                      <p:tavLst>
+                                        <p:tav tm="0">
+                                          <p:val>
+                                            <p:strVal val="1+#ppt_h/2"/>
+                                          </p:val>
+                                        </p:tav>
+                                        <p:tav tm="100000">
+                                          <p:val>
+                                            <p:strVal val="#ppt_y"/>
+                                          </p:val>
+                                        </p:tav>
+                                      </p:tavLst>
+                                    </p:anim>
+                                  </p:childTnLst>
+                                </p:cTn>
+                              </p:par>
+                            </p:childTnLst>
+                          </p:cTn>
+                        </p:par>
+                      </p:childTnLst>
+                    </p:cTn>
+                  </p:par>
+                  <p:par>
+                    <p:cTn id="21" fill="hold">
+                      <p:stCondLst>
+                        <p:cond delay="indefinite"/>
+                      </p:stCondLst>
+                      <p:childTnLst>
+                        <p:par>
+                          <p:cTn id="22" fill="hold">
+                            <p:stCondLst>
+                              <p:cond delay="0"/>
+                            </p:stCondLst>
+                            <p:childTnLst>
+                              <p:par>
+                                <p:cTn id="23" presetID="2" presetClass="entr" presetSubtype="4" fill="hold" nodeType="clickEffect">
+                                  <p:stCondLst>
+                                    <p:cond delay="0"/>
+                                  </p:stCondLst>
+                                  <p:childTnLst>
+                                    <p:set>
+                                      <p:cBhvr>
+                                        <p:cTn id="24" dur="1" fill="hold">
+                                          <p:stCondLst>
+                                            <p:cond delay="0"/>
+                                          </p:stCondLst>
+                                        </p:cTn>
+                                        <p:tgtEl>
+                                          <p:spTgt spid="3">
+                                            <p:txEl>
+                                              <p:pRg st="3" end="3"/>
+                                            </p:txEl>
+                                          </p:spTgt>
+                                        </p:tgtEl>
+                                        <p:attrNameLst>
+                                          <p:attrName>style.visibility</p:attrName>
+                                        </p:attrNameLst>
+                                      </p:cBhvr>
+                                      <p:to>
+                                        <p:strVal val="visible"/>
+                                      </p:to>
+                                    </p:set>
+                                    <p:anim calcmode="lin" valueType="num">
+                                      <p:cBhvr additive="base">
+                                        <p:cTn id="25" dur="500" fill="hold"/>
+                                        <p:tgtEl>
+                                          <p:spTgt spid="3">
+                                            <p:txEl>
+                                              <p:pRg st="3" end="3"/>
+                                            </p:txEl>
+                                          </p:spTgt>
+                                        </p:tgtEl>
+                                        <p:attrNameLst>
+                                          <p:attrName>ppt_x</p:attrName>
+                                        </p:attrNameLst>
+                                      </p:cBhvr>
+                                      <p:tavLst>
+                                        <p:tav tm="0">
+                                          <p:val>
+                                            <p:strVal val="#ppt_x"/>
+                                          </p:val>
+                                        </p:tav>
+                                        <p:tav tm="100000">
+                                          <p:val>
+                                            <p:strVal val="#ppt_x"/>
+                                          </p:val>
+                                        </p:tav>
+                                      </p:tavLst>
+                                    </p:anim>
+                                    <p:anim calcmode="lin" valueType="num">
+                                      <p:cBhvr additive="base">
+                                        <p:cTn id="26" dur="500" fill="hold"/>
+                                        <p:tgtEl>
+                                          <p:spTgt spid="3">
+                                            <p:txEl>
+                                              <p:pRg st="3" end="3"/>
+                                            </p:txEl>
+                                          </p:spTgt>
+                                        </p:tgtEl>
+                                        <p:attrNameLst>
+                                          <p:attrName>ppt_y</p:attrName>
+                                        </p:attrNameLst>
+                                      </p:cBhvr>
+                                      <p:tavLst>
+                                        <p:tav tm="0">
+                                          <p:val>
+                                            <p:strVal val="1+#ppt_h/2"/>
+                                          </p:val>
+                                        </p:tav>
+                                        <p:tav tm="100000">
+                                          <p:val>
+                                            <p:strVal val="#ppt_y"/>
+                                          </p:val>
+                                        </p:tav>
+                                      </p:tavLst>
+                                    </p:anim>
+                                  </p:childTnLst>
+                                </p:cTn>
+                              </p:par>
+                            </p:childTnLst>
+                          </p:cTn>
+                        </p:par>
+                      </p:childTnLst>
+                    </p:cTn>
+                  </p:par>
+                  <p:par>
+                    <p:cTn id="27" fill="hold">
+                      <p:stCondLst>
+                        <p:cond delay="indefinite"/>
+                      </p:stCondLst>
+                      <p:childTnLst>
+                        <p:par>
+                          <p:cTn id="28" fill="hold">
+                            <p:stCondLst>
+                              <p:cond delay="0"/>
+                            </p:stCondLst>
+                            <p:childTnLst>
+                              <p:par>
+                                <p:cTn id="29" presetID="2" presetClass="entr" presetSubtype="4" fill="hold" nodeType="clickEffect">
+                                  <p:stCondLst>
+                                    <p:cond delay="0"/>
+                                  </p:stCondLst>
+                                  <p:childTnLst>
+                                    <p:set>
+                                      <p:cBhvr>
+                                        <p:cTn id="30" dur="1" fill="hold">
+                                          <p:stCondLst>
+                                            <p:cond delay="0"/>
+                                          </p:stCondLst>
+                                        </p:cTn>
+                                        <p:tgtEl>
+                                          <p:spTgt spid="3">
+                                            <p:txEl>
+                                              <p:pRg st="4" end="4"/>
+                                            </p:txEl>
+                                          </p:spTgt>
+                                        </p:tgtEl>
+                                        <p:attrNameLst>
+                                          <p:attrName>style.visibility</p:attrName>
+                                        </p:attrNameLst>
+                                      </p:cBhvr>
+                                      <p:to>
+                                        <p:strVal val="visible"/>
+                                      </p:to>
+                                    </p:set>
+                                    <p:anim calcmode="lin" valueType="num">
+                                      <p:cBhvr additive="base">
+                                        <p:cTn id="31" dur="500" fill="hold"/>
+                                        <p:tgtEl>
+                                          <p:spTgt spid="3">
+                                            <p:txEl>
+                                              <p:pRg st="4" end="4"/>
+                                            </p:txEl>
+                                          </p:spTgt>
+                                        </p:tgtEl>
+                                        <p:attrNameLst>
+                                          <p:attrName>ppt_x</p:attrName>
+                                        </p:attrNameLst>
+                                      </p:cBhvr>
+                                      <p:tavLst>
+                                        <p:tav tm="0">
+                                          <p:val>
+                                            <p:strVal val="#ppt_x"/>
+                                          </p:val>
+                                        </p:tav>
+                                        <p:tav tm="100000">
+                                          <p:val>
+                                            <p:strVal val="#ppt_x"/>
+                                          </p:val>
+                                        </p:tav>
+                                      </p:tavLst>
+                                    </p:anim>
+                                    <p:anim calcmode="lin" valueType="num">
+                                      <p:cBhvr additive="base">
+                                        <p:cTn id="32" dur="500" fill="hold"/>
+                                        <p:tgtEl>
+                                          <p:spTgt spid="3">
+                                            <p:txEl>
+                                              <p:pRg st="4" end="4"/>
+                                            </p:txEl>
+                                          </p:spTgt>
+                                        </p:tgtEl>
+                                        <p:attrNameLst>
+                                          <p:attrName>ppt_y</p:attrName>
+                                        </p:attrNameLst>
+                                      </p:cBhvr>
+                                      <p:tavLst>
+                                        <p:tav tm="0">
+                                          <p:val>
+                                            <p:strVal val="1+#ppt_h/2"/>
+                                          </p:val>
+                                        </p:tav>
+                                        <p:tav tm="100000">
+                                          <p:val>
+                                            <p:strVal val="#ppt_y"/>
+                                          </p:val>
+                                        </p:tav>
+                                      </p:tavLst>
+                                    </p:anim>
+                                  </p:childTnLst>
+                                </p:cTn>
+                              </p:par>
+                            </p:childTnLst>
+                          </p:cTn>
+                        </p:par>
+                      </p:childTnLst>
+                    </p:cTn>
+                  </p:par>
+                </p:childTnLst>
+              </p:cTn>
+              <p:prevCondLst>
+                <p:cond evt="onPrev" delay="0">
+                  <p:tgtEl>
+                    <p:sldTgt/>
+                  </p:tgtEl>
+                </p:cond>
+              </p:prevCondLst>
+              <p:nextCondLst>
+                <p:cond evt="onNext" delay="0">
+                  <p:tgtEl>
+                    <p:sldTgt/>
+                  </p:tgtEl>
+                </p:cond>
+              </p:nextCondLst>
+            </p:seq>
+          </p:childTnLst>
+        </p:cTn>
       </p:par>
     </p:tnLst>
   </p:timing>
@@ -6188,20 +8723,574 @@
   </p:clrMapOvr>
   <mc:AlternateContent xmlns:mc="http://schemas.openxmlformats.org/markup-compatibility/2006">
     <mc:Choice xmlns:p14="http://schemas.microsoft.com/office/powerpoint/2010/main" Requires="p14">
-      <p:transition spd="med" p14:dur="700">
-        <p:fade/>
+      <p:transition spd="slow" p14:dur="2500">
+        <p:checker/>
       </p:transition>
     </mc:Choice>
     <mc:Fallback>
-      <p:transition spd="med">
-        <p:fade/>
+      <p:transition spd="slow">
+        <p:checker/>
       </p:transition>
     </mc:Fallback>
   </mc:AlternateContent>
   <p:timing>
     <p:tnLst>
       <p:par>
-        <p:cTn id="1" dur="indefinite" restart="never" nodeType="tmRoot"/>
+        <p:cTn id="1" dur="indefinite" restart="never" nodeType="tmRoot">
+          <p:childTnLst>
+            <p:seq concurrent="1" nextAc="seek">
+              <p:cTn id="2" dur="indefinite" nodeType="mainSeq">
+                <p:childTnLst>
+                  <p:par>
+                    <p:cTn id="3" fill="hold">
+                      <p:stCondLst>
+                        <p:cond delay="indefinite"/>
+                      </p:stCondLst>
+                      <p:childTnLst>
+                        <p:par>
+                          <p:cTn id="4" fill="hold">
+                            <p:stCondLst>
+                              <p:cond delay="0"/>
+                            </p:stCondLst>
+                            <p:childTnLst>
+                              <p:par>
+                                <p:cTn id="5" presetID="53" presetClass="entr" presetSubtype="16" fill="hold" nodeType="clickEffect">
+                                  <p:stCondLst>
+                                    <p:cond delay="0"/>
+                                  </p:stCondLst>
+                                  <p:childTnLst>
+                                    <p:set>
+                                      <p:cBhvr>
+                                        <p:cTn id="6" dur="1" fill="hold">
+                                          <p:stCondLst>
+                                            <p:cond delay="0"/>
+                                          </p:stCondLst>
+                                        </p:cTn>
+                                        <p:tgtEl>
+                                          <p:spTgt spid="3">
+                                            <p:txEl>
+                                              <p:pRg st="0" end="0"/>
+                                            </p:txEl>
+                                          </p:spTgt>
+                                        </p:tgtEl>
+                                        <p:attrNameLst>
+                                          <p:attrName>style.visibility</p:attrName>
+                                        </p:attrNameLst>
+                                      </p:cBhvr>
+                                      <p:to>
+                                        <p:strVal val="visible"/>
+                                      </p:to>
+                                    </p:set>
+                                    <p:anim calcmode="lin" valueType="num">
+                                      <p:cBhvr>
+                                        <p:cTn id="7" dur="500" fill="hold"/>
+                                        <p:tgtEl>
+                                          <p:spTgt spid="3">
+                                            <p:txEl>
+                                              <p:pRg st="0" end="0"/>
+                                            </p:txEl>
+                                          </p:spTgt>
+                                        </p:tgtEl>
+                                        <p:attrNameLst>
+                                          <p:attrName>ppt_w</p:attrName>
+                                        </p:attrNameLst>
+                                      </p:cBhvr>
+                                      <p:tavLst>
+                                        <p:tav tm="0">
+                                          <p:val>
+                                            <p:fltVal val="0"/>
+                                          </p:val>
+                                        </p:tav>
+                                        <p:tav tm="100000">
+                                          <p:val>
+                                            <p:strVal val="#ppt_w"/>
+                                          </p:val>
+                                        </p:tav>
+                                      </p:tavLst>
+                                    </p:anim>
+                                    <p:anim calcmode="lin" valueType="num">
+                                      <p:cBhvr>
+                                        <p:cTn id="8" dur="500" fill="hold"/>
+                                        <p:tgtEl>
+                                          <p:spTgt spid="3">
+                                            <p:txEl>
+                                              <p:pRg st="0" end="0"/>
+                                            </p:txEl>
+                                          </p:spTgt>
+                                        </p:tgtEl>
+                                        <p:attrNameLst>
+                                          <p:attrName>ppt_h</p:attrName>
+                                        </p:attrNameLst>
+                                      </p:cBhvr>
+                                      <p:tavLst>
+                                        <p:tav tm="0">
+                                          <p:val>
+                                            <p:fltVal val="0"/>
+                                          </p:val>
+                                        </p:tav>
+                                        <p:tav tm="100000">
+                                          <p:val>
+                                            <p:strVal val="#ppt_h"/>
+                                          </p:val>
+                                        </p:tav>
+                                      </p:tavLst>
+                                    </p:anim>
+                                    <p:animEffect transition="in" filter="fade">
+                                      <p:cBhvr>
+                                        <p:cTn id="9" dur="500"/>
+                                        <p:tgtEl>
+                                          <p:spTgt spid="3">
+                                            <p:txEl>
+                                              <p:pRg st="0" end="0"/>
+                                            </p:txEl>
+                                          </p:spTgt>
+                                        </p:tgtEl>
+                                      </p:cBhvr>
+                                    </p:animEffect>
+                                  </p:childTnLst>
+                                </p:cTn>
+                              </p:par>
+                            </p:childTnLst>
+                          </p:cTn>
+                        </p:par>
+                      </p:childTnLst>
+                    </p:cTn>
+                  </p:par>
+                  <p:par>
+                    <p:cTn id="10" fill="hold">
+                      <p:stCondLst>
+                        <p:cond delay="indefinite"/>
+                      </p:stCondLst>
+                      <p:childTnLst>
+                        <p:par>
+                          <p:cTn id="11" fill="hold">
+                            <p:stCondLst>
+                              <p:cond delay="0"/>
+                            </p:stCondLst>
+                            <p:childTnLst>
+                              <p:par>
+                                <p:cTn id="12" presetID="6" presetClass="entr" presetSubtype="16" fill="hold" nodeType="clickEffect">
+                                  <p:stCondLst>
+                                    <p:cond delay="0"/>
+                                  </p:stCondLst>
+                                  <p:childTnLst>
+                                    <p:set>
+                                      <p:cBhvr>
+                                        <p:cTn id="13" dur="1" fill="hold">
+                                          <p:stCondLst>
+                                            <p:cond delay="0"/>
+                                          </p:stCondLst>
+                                        </p:cTn>
+                                        <p:tgtEl>
+                                          <p:spTgt spid="3">
+                                            <p:txEl>
+                                              <p:pRg st="1" end="1"/>
+                                            </p:txEl>
+                                          </p:spTgt>
+                                        </p:tgtEl>
+                                        <p:attrNameLst>
+                                          <p:attrName>style.visibility</p:attrName>
+                                        </p:attrNameLst>
+                                      </p:cBhvr>
+                                      <p:to>
+                                        <p:strVal val="visible"/>
+                                      </p:to>
+                                    </p:set>
+                                    <p:animEffect transition="in" filter="circle(in)">
+                                      <p:cBhvr>
+                                        <p:cTn id="14" dur="2000"/>
+                                        <p:tgtEl>
+                                          <p:spTgt spid="3">
+                                            <p:txEl>
+                                              <p:pRg st="1" end="1"/>
+                                            </p:txEl>
+                                          </p:spTgt>
+                                        </p:tgtEl>
+                                      </p:cBhvr>
+                                    </p:animEffect>
+                                  </p:childTnLst>
+                                </p:cTn>
+                              </p:par>
+                              <p:par>
+                                <p:cTn id="15" presetID="6" presetClass="entr" presetSubtype="16" fill="hold" nodeType="withEffect">
+                                  <p:stCondLst>
+                                    <p:cond delay="0"/>
+                                  </p:stCondLst>
+                                  <p:childTnLst>
+                                    <p:set>
+                                      <p:cBhvr>
+                                        <p:cTn id="16" dur="1" fill="hold">
+                                          <p:stCondLst>
+                                            <p:cond delay="0"/>
+                                          </p:stCondLst>
+                                        </p:cTn>
+                                        <p:tgtEl>
+                                          <p:spTgt spid="3">
+                                            <p:txEl>
+                                              <p:pRg st="2" end="2"/>
+                                            </p:txEl>
+                                          </p:spTgt>
+                                        </p:tgtEl>
+                                        <p:attrNameLst>
+                                          <p:attrName>style.visibility</p:attrName>
+                                        </p:attrNameLst>
+                                      </p:cBhvr>
+                                      <p:to>
+                                        <p:strVal val="visible"/>
+                                      </p:to>
+                                    </p:set>
+                                    <p:animEffect transition="in" filter="circle(in)">
+                                      <p:cBhvr>
+                                        <p:cTn id="17" dur="2000"/>
+                                        <p:tgtEl>
+                                          <p:spTgt spid="3">
+                                            <p:txEl>
+                                              <p:pRg st="2" end="2"/>
+                                            </p:txEl>
+                                          </p:spTgt>
+                                        </p:tgtEl>
+                                      </p:cBhvr>
+                                    </p:animEffect>
+                                  </p:childTnLst>
+                                </p:cTn>
+                              </p:par>
+                            </p:childTnLst>
+                          </p:cTn>
+                        </p:par>
+                      </p:childTnLst>
+                    </p:cTn>
+                  </p:par>
+                  <p:par>
+                    <p:cTn id="18" fill="hold">
+                      <p:stCondLst>
+                        <p:cond delay="indefinite"/>
+                      </p:stCondLst>
+                      <p:childTnLst>
+                        <p:par>
+                          <p:cTn id="19" fill="hold">
+                            <p:stCondLst>
+                              <p:cond delay="0"/>
+                            </p:stCondLst>
+                            <p:childTnLst>
+                              <p:par>
+                                <p:cTn id="20" presetID="6" presetClass="entr" presetSubtype="16" fill="hold" nodeType="clickEffect">
+                                  <p:stCondLst>
+                                    <p:cond delay="0"/>
+                                  </p:stCondLst>
+                                  <p:childTnLst>
+                                    <p:set>
+                                      <p:cBhvr>
+                                        <p:cTn id="21" dur="1" fill="hold">
+                                          <p:stCondLst>
+                                            <p:cond delay="0"/>
+                                          </p:stCondLst>
+                                        </p:cTn>
+                                        <p:tgtEl>
+                                          <p:spTgt spid="3">
+                                            <p:txEl>
+                                              <p:pRg st="3" end="3"/>
+                                            </p:txEl>
+                                          </p:spTgt>
+                                        </p:tgtEl>
+                                        <p:attrNameLst>
+                                          <p:attrName>style.visibility</p:attrName>
+                                        </p:attrNameLst>
+                                      </p:cBhvr>
+                                      <p:to>
+                                        <p:strVal val="visible"/>
+                                      </p:to>
+                                    </p:set>
+                                    <p:animEffect transition="in" filter="circle(in)">
+                                      <p:cBhvr>
+                                        <p:cTn id="22" dur="2000"/>
+                                        <p:tgtEl>
+                                          <p:spTgt spid="3">
+                                            <p:txEl>
+                                              <p:pRg st="3" end="3"/>
+                                            </p:txEl>
+                                          </p:spTgt>
+                                        </p:tgtEl>
+                                      </p:cBhvr>
+                                    </p:animEffect>
+                                  </p:childTnLst>
+                                </p:cTn>
+                              </p:par>
+                              <p:par>
+                                <p:cTn id="23" presetID="6" presetClass="entr" presetSubtype="16" fill="hold" nodeType="withEffect">
+                                  <p:stCondLst>
+                                    <p:cond delay="0"/>
+                                  </p:stCondLst>
+                                  <p:childTnLst>
+                                    <p:set>
+                                      <p:cBhvr>
+                                        <p:cTn id="24" dur="1" fill="hold">
+                                          <p:stCondLst>
+                                            <p:cond delay="0"/>
+                                          </p:stCondLst>
+                                        </p:cTn>
+                                        <p:tgtEl>
+                                          <p:spTgt spid="3">
+                                            <p:txEl>
+                                              <p:pRg st="4" end="4"/>
+                                            </p:txEl>
+                                          </p:spTgt>
+                                        </p:tgtEl>
+                                        <p:attrNameLst>
+                                          <p:attrName>style.visibility</p:attrName>
+                                        </p:attrNameLst>
+                                      </p:cBhvr>
+                                      <p:to>
+                                        <p:strVal val="visible"/>
+                                      </p:to>
+                                    </p:set>
+                                    <p:animEffect transition="in" filter="circle(in)">
+                                      <p:cBhvr>
+                                        <p:cTn id="25" dur="2000"/>
+                                        <p:tgtEl>
+                                          <p:spTgt spid="3">
+                                            <p:txEl>
+                                              <p:pRg st="4" end="4"/>
+                                            </p:txEl>
+                                          </p:spTgt>
+                                        </p:tgtEl>
+                                      </p:cBhvr>
+                                    </p:animEffect>
+                                  </p:childTnLst>
+                                </p:cTn>
+                              </p:par>
+                            </p:childTnLst>
+                          </p:cTn>
+                        </p:par>
+                      </p:childTnLst>
+                    </p:cTn>
+                  </p:par>
+                  <p:par>
+                    <p:cTn id="26" fill="hold">
+                      <p:stCondLst>
+                        <p:cond delay="indefinite"/>
+                      </p:stCondLst>
+                      <p:childTnLst>
+                        <p:par>
+                          <p:cTn id="27" fill="hold">
+                            <p:stCondLst>
+                              <p:cond delay="0"/>
+                            </p:stCondLst>
+                            <p:childTnLst>
+                              <p:par>
+                                <p:cTn id="28" presetID="6" presetClass="entr" presetSubtype="16" fill="hold" nodeType="clickEffect">
+                                  <p:stCondLst>
+                                    <p:cond delay="0"/>
+                                  </p:stCondLst>
+                                  <p:childTnLst>
+                                    <p:set>
+                                      <p:cBhvr>
+                                        <p:cTn id="29" dur="1" fill="hold">
+                                          <p:stCondLst>
+                                            <p:cond delay="0"/>
+                                          </p:stCondLst>
+                                        </p:cTn>
+                                        <p:tgtEl>
+                                          <p:spTgt spid="3">
+                                            <p:txEl>
+                                              <p:pRg st="5" end="5"/>
+                                            </p:txEl>
+                                          </p:spTgt>
+                                        </p:tgtEl>
+                                        <p:attrNameLst>
+                                          <p:attrName>style.visibility</p:attrName>
+                                        </p:attrNameLst>
+                                      </p:cBhvr>
+                                      <p:to>
+                                        <p:strVal val="visible"/>
+                                      </p:to>
+                                    </p:set>
+                                    <p:animEffect transition="in" filter="circle(in)">
+                                      <p:cBhvr>
+                                        <p:cTn id="30" dur="2000"/>
+                                        <p:tgtEl>
+                                          <p:spTgt spid="3">
+                                            <p:txEl>
+                                              <p:pRg st="5" end="5"/>
+                                            </p:txEl>
+                                          </p:spTgt>
+                                        </p:tgtEl>
+                                      </p:cBhvr>
+                                    </p:animEffect>
+                                  </p:childTnLst>
+                                </p:cTn>
+                              </p:par>
+                              <p:par>
+                                <p:cTn id="31" presetID="6" presetClass="entr" presetSubtype="16" fill="hold" nodeType="withEffect">
+                                  <p:stCondLst>
+                                    <p:cond delay="0"/>
+                                  </p:stCondLst>
+                                  <p:childTnLst>
+                                    <p:set>
+                                      <p:cBhvr>
+                                        <p:cTn id="32" dur="1" fill="hold">
+                                          <p:stCondLst>
+                                            <p:cond delay="0"/>
+                                          </p:stCondLst>
+                                        </p:cTn>
+                                        <p:tgtEl>
+                                          <p:spTgt spid="3">
+                                            <p:txEl>
+                                              <p:pRg st="6" end="6"/>
+                                            </p:txEl>
+                                          </p:spTgt>
+                                        </p:tgtEl>
+                                        <p:attrNameLst>
+                                          <p:attrName>style.visibility</p:attrName>
+                                        </p:attrNameLst>
+                                      </p:cBhvr>
+                                      <p:to>
+                                        <p:strVal val="visible"/>
+                                      </p:to>
+                                    </p:set>
+                                    <p:animEffect transition="in" filter="circle(in)">
+                                      <p:cBhvr>
+                                        <p:cTn id="33" dur="2000"/>
+                                        <p:tgtEl>
+                                          <p:spTgt spid="3">
+                                            <p:txEl>
+                                              <p:pRg st="6" end="6"/>
+                                            </p:txEl>
+                                          </p:spTgt>
+                                        </p:tgtEl>
+                                      </p:cBhvr>
+                                    </p:animEffect>
+                                  </p:childTnLst>
+                                </p:cTn>
+                              </p:par>
+                            </p:childTnLst>
+                          </p:cTn>
+                        </p:par>
+                      </p:childTnLst>
+                    </p:cTn>
+                  </p:par>
+                  <p:par>
+                    <p:cTn id="34" fill="hold">
+                      <p:stCondLst>
+                        <p:cond delay="indefinite"/>
+                      </p:stCondLst>
+                      <p:childTnLst>
+                        <p:par>
+                          <p:cTn id="35" fill="hold">
+                            <p:stCondLst>
+                              <p:cond delay="0"/>
+                            </p:stCondLst>
+                            <p:childTnLst>
+                              <p:par>
+                                <p:cTn id="36" presetID="6" presetClass="entr" presetSubtype="16" fill="hold" nodeType="clickEffect">
+                                  <p:stCondLst>
+                                    <p:cond delay="0"/>
+                                  </p:stCondLst>
+                                  <p:childTnLst>
+                                    <p:set>
+                                      <p:cBhvr>
+                                        <p:cTn id="37" dur="1" fill="hold">
+                                          <p:stCondLst>
+                                            <p:cond delay="0"/>
+                                          </p:stCondLst>
+                                        </p:cTn>
+                                        <p:tgtEl>
+                                          <p:spTgt spid="3">
+                                            <p:txEl>
+                                              <p:pRg st="7" end="7"/>
+                                            </p:txEl>
+                                          </p:spTgt>
+                                        </p:tgtEl>
+                                        <p:attrNameLst>
+                                          <p:attrName>style.visibility</p:attrName>
+                                        </p:attrNameLst>
+                                      </p:cBhvr>
+                                      <p:to>
+                                        <p:strVal val="visible"/>
+                                      </p:to>
+                                    </p:set>
+                                    <p:animEffect transition="in" filter="circle(in)">
+                                      <p:cBhvr>
+                                        <p:cTn id="38" dur="2000"/>
+                                        <p:tgtEl>
+                                          <p:spTgt spid="3">
+                                            <p:txEl>
+                                              <p:pRg st="7" end="7"/>
+                                            </p:txEl>
+                                          </p:spTgt>
+                                        </p:tgtEl>
+                                      </p:cBhvr>
+                                    </p:animEffect>
+                                  </p:childTnLst>
+                                </p:cTn>
+                              </p:par>
+                              <p:par>
+                                <p:cTn id="39" presetID="6" presetClass="entr" presetSubtype="16" fill="hold" nodeType="withEffect">
+                                  <p:stCondLst>
+                                    <p:cond delay="0"/>
+                                  </p:stCondLst>
+                                  <p:childTnLst>
+                                    <p:set>
+                                      <p:cBhvr>
+                                        <p:cTn id="40" dur="1" fill="hold">
+                                          <p:stCondLst>
+                                            <p:cond delay="0"/>
+                                          </p:stCondLst>
+                                        </p:cTn>
+                                        <p:tgtEl>
+                                          <p:spTgt spid="3">
+                                            <p:txEl>
+                                              <p:pRg st="8" end="8"/>
+                                            </p:txEl>
+                                          </p:spTgt>
+                                        </p:tgtEl>
+                                        <p:attrNameLst>
+                                          <p:attrName>style.visibility</p:attrName>
+                                        </p:attrNameLst>
+                                      </p:cBhvr>
+                                      <p:to>
+                                        <p:strVal val="visible"/>
+                                      </p:to>
+                                    </p:set>
+                                    <p:animEffect transition="in" filter="circle(in)">
+                                      <p:cBhvr>
+                                        <p:cTn id="41" dur="2000"/>
+                                        <p:tgtEl>
+                                          <p:spTgt spid="3">
+                                            <p:txEl>
+                                              <p:pRg st="8" end="8"/>
+                                            </p:txEl>
+                                          </p:spTgt>
+                                        </p:tgtEl>
+                                      </p:cBhvr>
+                                    </p:animEffect>
+                                  </p:childTnLst>
+                                </p:cTn>
+                              </p:par>
+                            </p:childTnLst>
+                          </p:cTn>
+                        </p:par>
+                      </p:childTnLst>
+                    </p:cTn>
+                  </p:par>
+                </p:childTnLst>
+              </p:cTn>
+              <p:prevCondLst>
+                <p:cond evt="onPrev" delay="0">
+                  <p:tgtEl>
+                    <p:sldTgt/>
+                  </p:tgtEl>
+                </p:cond>
+              </p:prevCondLst>
+              <p:nextCondLst>
+                <p:cond evt="onNext" delay="0">
+                  <p:tgtEl>
+                    <p:sldTgt/>
+                  </p:tgtEl>
+                </p:cond>
+              </p:nextCondLst>
+            </p:seq>
+          </p:childTnLst>
+        </p:cTn>
       </p:par>
     </p:tnLst>
   </p:timing>
@@ -6387,22 +9476,341 @@
   <p:clrMapOvr>
     <a:masterClrMapping/>
   </p:clrMapOvr>
-  <mc:AlternateContent xmlns:mc="http://schemas.openxmlformats.org/markup-compatibility/2006">
-    <mc:Choice xmlns:p14="http://schemas.microsoft.com/office/powerpoint/2010/main" Requires="p14">
-      <p:transition spd="med" p14:dur="700">
-        <p:fade/>
-      </p:transition>
-    </mc:Choice>
-    <mc:Fallback>
-      <p:transition spd="med">
-        <p:fade/>
-      </p:transition>
-    </mc:Fallback>
-  </mc:AlternateContent>
+  <p:transition spd="slow">
+    <p:comb/>
+  </p:transition>
   <p:timing>
     <p:tnLst>
       <p:par>
-        <p:cTn id="1" dur="indefinite" restart="never" nodeType="tmRoot"/>
+        <p:cTn id="1" dur="indefinite" restart="never" nodeType="tmRoot">
+          <p:childTnLst>
+            <p:seq concurrent="1" nextAc="seek">
+              <p:cTn id="2" dur="indefinite" nodeType="mainSeq">
+                <p:childTnLst>
+                  <p:par>
+                    <p:cTn id="3" fill="hold">
+                      <p:stCondLst>
+                        <p:cond delay="indefinite"/>
+                      </p:stCondLst>
+                      <p:childTnLst>
+                        <p:par>
+                          <p:cTn id="4" fill="hold">
+                            <p:stCondLst>
+                              <p:cond delay="0"/>
+                            </p:stCondLst>
+                            <p:childTnLst>
+                              <p:par>
+                                <p:cTn id="5" presetID="42" presetClass="entr" presetSubtype="0" fill="hold" nodeType="clickEffect">
+                                  <p:stCondLst>
+                                    <p:cond delay="0"/>
+                                  </p:stCondLst>
+                                  <p:childTnLst>
+                                    <p:set>
+                                      <p:cBhvr>
+                                        <p:cTn id="6" dur="1" fill="hold">
+                                          <p:stCondLst>
+                                            <p:cond delay="0"/>
+                                          </p:stCondLst>
+                                        </p:cTn>
+                                        <p:tgtEl>
+                                          <p:spTgt spid="3">
+                                            <p:txEl>
+                                              <p:pRg st="0" end="0"/>
+                                            </p:txEl>
+                                          </p:spTgt>
+                                        </p:tgtEl>
+                                        <p:attrNameLst>
+                                          <p:attrName>style.visibility</p:attrName>
+                                        </p:attrNameLst>
+                                      </p:cBhvr>
+                                      <p:to>
+                                        <p:strVal val="visible"/>
+                                      </p:to>
+                                    </p:set>
+                                    <p:animEffect transition="in" filter="fade">
+                                      <p:cBhvr>
+                                        <p:cTn id="7" dur="1000"/>
+                                        <p:tgtEl>
+                                          <p:spTgt spid="3">
+                                            <p:txEl>
+                                              <p:pRg st="0" end="0"/>
+                                            </p:txEl>
+                                          </p:spTgt>
+                                        </p:tgtEl>
+                                      </p:cBhvr>
+                                    </p:animEffect>
+                                    <p:anim calcmode="lin" valueType="num">
+                                      <p:cBhvr>
+                                        <p:cTn id="8" dur="1000" fill="hold"/>
+                                        <p:tgtEl>
+                                          <p:spTgt spid="3">
+                                            <p:txEl>
+                                              <p:pRg st="0" end="0"/>
+                                            </p:txEl>
+                                          </p:spTgt>
+                                        </p:tgtEl>
+                                        <p:attrNameLst>
+                                          <p:attrName>ppt_x</p:attrName>
+                                        </p:attrNameLst>
+                                      </p:cBhvr>
+                                      <p:tavLst>
+                                        <p:tav tm="0">
+                                          <p:val>
+                                            <p:strVal val="#ppt_x"/>
+                                          </p:val>
+                                        </p:tav>
+                                        <p:tav tm="100000">
+                                          <p:val>
+                                            <p:strVal val="#ppt_x"/>
+                                          </p:val>
+                                        </p:tav>
+                                      </p:tavLst>
+                                    </p:anim>
+                                    <p:anim calcmode="lin" valueType="num">
+                                      <p:cBhvr>
+                                        <p:cTn id="9" dur="1000" fill="hold"/>
+                                        <p:tgtEl>
+                                          <p:spTgt spid="3">
+                                            <p:txEl>
+                                              <p:pRg st="0" end="0"/>
+                                            </p:txEl>
+                                          </p:spTgt>
+                                        </p:tgtEl>
+                                        <p:attrNameLst>
+                                          <p:attrName>ppt_y</p:attrName>
+                                        </p:attrNameLst>
+                                      </p:cBhvr>
+                                      <p:tavLst>
+                                        <p:tav tm="0">
+                                          <p:val>
+                                            <p:strVal val="#ppt_y+.1"/>
+                                          </p:val>
+                                        </p:tav>
+                                        <p:tav tm="100000">
+                                          <p:val>
+                                            <p:strVal val="#ppt_y"/>
+                                          </p:val>
+                                        </p:tav>
+                                      </p:tavLst>
+                                    </p:anim>
+                                  </p:childTnLst>
+                                </p:cTn>
+                              </p:par>
+                            </p:childTnLst>
+                          </p:cTn>
+                        </p:par>
+                      </p:childTnLst>
+                    </p:cTn>
+                  </p:par>
+                  <p:par>
+                    <p:cTn id="10" fill="hold">
+                      <p:stCondLst>
+                        <p:cond delay="indefinite"/>
+                      </p:stCondLst>
+                      <p:childTnLst>
+                        <p:par>
+                          <p:cTn id="11" fill="hold">
+                            <p:stCondLst>
+                              <p:cond delay="0"/>
+                            </p:stCondLst>
+                            <p:childTnLst>
+                              <p:par>
+                                <p:cTn id="12" presetID="16" presetClass="entr" presetSubtype="21" fill="hold" nodeType="clickEffect">
+                                  <p:stCondLst>
+                                    <p:cond delay="0"/>
+                                  </p:stCondLst>
+                                  <p:childTnLst>
+                                    <p:set>
+                                      <p:cBhvr>
+                                        <p:cTn id="13" dur="1" fill="hold">
+                                          <p:stCondLst>
+                                            <p:cond delay="0"/>
+                                          </p:stCondLst>
+                                        </p:cTn>
+                                        <p:tgtEl>
+                                          <p:spTgt spid="3">
+                                            <p:txEl>
+                                              <p:pRg st="2" end="2"/>
+                                            </p:txEl>
+                                          </p:spTgt>
+                                        </p:tgtEl>
+                                        <p:attrNameLst>
+                                          <p:attrName>style.visibility</p:attrName>
+                                        </p:attrNameLst>
+                                      </p:cBhvr>
+                                      <p:to>
+                                        <p:strVal val="visible"/>
+                                      </p:to>
+                                    </p:set>
+                                    <p:animEffect transition="in" filter="barn(inVertical)">
+                                      <p:cBhvr>
+                                        <p:cTn id="14" dur="500"/>
+                                        <p:tgtEl>
+                                          <p:spTgt spid="3">
+                                            <p:txEl>
+                                              <p:pRg st="2" end="2"/>
+                                            </p:txEl>
+                                          </p:spTgt>
+                                        </p:tgtEl>
+                                      </p:cBhvr>
+                                    </p:animEffect>
+                                  </p:childTnLst>
+                                </p:cTn>
+                              </p:par>
+                              <p:par>
+                                <p:cTn id="15" presetID="16" presetClass="entr" presetSubtype="21" fill="hold" nodeType="withEffect">
+                                  <p:stCondLst>
+                                    <p:cond delay="0"/>
+                                  </p:stCondLst>
+                                  <p:childTnLst>
+                                    <p:set>
+                                      <p:cBhvr>
+                                        <p:cTn id="16" dur="1" fill="hold">
+                                          <p:stCondLst>
+                                            <p:cond delay="0"/>
+                                          </p:stCondLst>
+                                        </p:cTn>
+                                        <p:tgtEl>
+                                          <p:spTgt spid="3">
+                                            <p:txEl>
+                                              <p:pRg st="3" end="3"/>
+                                            </p:txEl>
+                                          </p:spTgt>
+                                        </p:tgtEl>
+                                        <p:attrNameLst>
+                                          <p:attrName>style.visibility</p:attrName>
+                                        </p:attrNameLst>
+                                      </p:cBhvr>
+                                      <p:to>
+                                        <p:strVal val="visible"/>
+                                      </p:to>
+                                    </p:set>
+                                    <p:animEffect transition="in" filter="barn(inVertical)">
+                                      <p:cBhvr>
+                                        <p:cTn id="17" dur="500"/>
+                                        <p:tgtEl>
+                                          <p:spTgt spid="3">
+                                            <p:txEl>
+                                              <p:pRg st="3" end="3"/>
+                                            </p:txEl>
+                                          </p:spTgt>
+                                        </p:tgtEl>
+                                      </p:cBhvr>
+                                    </p:animEffect>
+                                  </p:childTnLst>
+                                </p:cTn>
+                              </p:par>
+                              <p:par>
+                                <p:cTn id="18" presetID="16" presetClass="entr" presetSubtype="21" fill="hold" nodeType="withEffect">
+                                  <p:stCondLst>
+                                    <p:cond delay="0"/>
+                                  </p:stCondLst>
+                                  <p:childTnLst>
+                                    <p:set>
+                                      <p:cBhvr>
+                                        <p:cTn id="19" dur="1" fill="hold">
+                                          <p:stCondLst>
+                                            <p:cond delay="0"/>
+                                          </p:stCondLst>
+                                        </p:cTn>
+                                        <p:tgtEl>
+                                          <p:spTgt spid="3">
+                                            <p:txEl>
+                                              <p:pRg st="4" end="4"/>
+                                            </p:txEl>
+                                          </p:spTgt>
+                                        </p:tgtEl>
+                                        <p:attrNameLst>
+                                          <p:attrName>style.visibility</p:attrName>
+                                        </p:attrNameLst>
+                                      </p:cBhvr>
+                                      <p:to>
+                                        <p:strVal val="visible"/>
+                                      </p:to>
+                                    </p:set>
+                                    <p:animEffect transition="in" filter="barn(inVertical)">
+                                      <p:cBhvr>
+                                        <p:cTn id="20" dur="500"/>
+                                        <p:tgtEl>
+                                          <p:spTgt spid="3">
+                                            <p:txEl>
+                                              <p:pRg st="4" end="4"/>
+                                            </p:txEl>
+                                          </p:spTgt>
+                                        </p:tgtEl>
+                                      </p:cBhvr>
+                                    </p:animEffect>
+                                  </p:childTnLst>
+                                </p:cTn>
+                              </p:par>
+                              <p:par>
+                                <p:cTn id="21" presetID="16" presetClass="entr" presetSubtype="21" fill="hold" nodeType="withEffect">
+                                  <p:stCondLst>
+                                    <p:cond delay="0"/>
+                                  </p:stCondLst>
+                                  <p:childTnLst>
+                                    <p:set>
+                                      <p:cBhvr>
+                                        <p:cTn id="22" dur="1" fill="hold">
+                                          <p:stCondLst>
+                                            <p:cond delay="0"/>
+                                          </p:stCondLst>
+                                        </p:cTn>
+                                        <p:tgtEl>
+                                          <p:spTgt spid="3">
+                                            <p:txEl>
+                                              <p:pRg st="5" end="5"/>
+                                            </p:txEl>
+                                          </p:spTgt>
+                                        </p:tgtEl>
+                                        <p:attrNameLst>
+                                          <p:attrName>style.visibility</p:attrName>
+                                        </p:attrNameLst>
+                                      </p:cBhvr>
+                                      <p:to>
+                                        <p:strVal val="visible"/>
+                                      </p:to>
+                                    </p:set>
+                                    <p:animEffect transition="in" filter="barn(inVertical)">
+                                      <p:cBhvr>
+                                        <p:cTn id="23" dur="500"/>
+                                        <p:tgtEl>
+                                          <p:spTgt spid="3">
+                                            <p:txEl>
+                                              <p:pRg st="5" end="5"/>
+                                            </p:txEl>
+                                          </p:spTgt>
+                                        </p:tgtEl>
+                                      </p:cBhvr>
+                                    </p:animEffect>
+                                  </p:childTnLst>
+                                </p:cTn>
+                              </p:par>
+                            </p:childTnLst>
+                          </p:cTn>
+                        </p:par>
+                      </p:childTnLst>
+                    </p:cTn>
+                  </p:par>
+                </p:childTnLst>
+              </p:cTn>
+              <p:prevCondLst>
+                <p:cond evt="onPrev" delay="0">
+                  <p:tgtEl>
+                    <p:sldTgt/>
+                  </p:tgtEl>
+                </p:cond>
+              </p:prevCondLst>
+              <p:nextCondLst>
+                <p:cond evt="onNext" delay="0">
+                  <p:tgtEl>
+                    <p:sldTgt/>
+                  </p:tgtEl>
+                </p:cond>
+              </p:nextCondLst>
+            </p:seq>
+          </p:childTnLst>
+        </p:cTn>
       </p:par>
     </p:tnLst>
   </p:timing>

--- a/Why Hire Me.pptx
+++ b/Why Hire Me.pptx
@@ -731,7 +731,15 @@
           <a:p>
             <a:r>
               <a:rPr lang="en-US" dirty="0" smtClean="0"/>
-              <a:t>After this presentation, you will know my background, Motivation and especially Why you should Hire me ?</a:t>
+              <a:t>After this presentation, you will know my background, Motivation and especially </a:t>
+            </a:r>
+            <a:r>
+              <a:rPr lang="en-US" dirty="0" smtClean="0"/>
+              <a:t>the reason why </a:t>
+            </a:r>
+            <a:r>
+              <a:rPr lang="en-US" dirty="0" smtClean="0"/>
+              <a:t>you should Hire me ?</a:t>
             </a:r>
           </a:p>
         </p:txBody>
@@ -1067,8 +1075,13 @@
           <a:p>
             <a:r>
               <a:rPr lang="en-US" dirty="0" smtClean="0"/>
-              <a:t>Before I apply for this job, I already read all the job requirement. You are looking for a .NET Full-Stack Developer with testing mind-set and Here Am I.</a:t>
-            </a:r>
+              <a:t>Before I apply for this job, I already read all the job requirement. </a:t>
+            </a:r>
+            <a:r>
+              <a:rPr lang="en-US" dirty="0" smtClean="0"/>
+              <a:t>I can adapt and learn new technologies if it good the your product.</a:t>
+            </a:r>
+            <a:endParaRPr lang="en-US" dirty="0" smtClean="0"/>
           </a:p>
           <a:p>
             <a:endParaRPr lang="en-US" dirty="0"/>
@@ -1500,7 +1513,25 @@
           <a:bodyPr/>
           <a:lstStyle/>
           <a:p>
-            <a:endParaRPr lang="en-US"/>
+            <a:r>
+              <a:rPr lang="en-US" dirty="0"/>
+              <a:t>Foucaud </a:t>
+            </a:r>
+            <a:r>
+              <a:rPr lang="en-US" dirty="0" smtClean="0"/>
+              <a:t>Guillaume (CEO)</a:t>
+            </a:r>
+            <a:endParaRPr lang="en-US" dirty="0"/>
+          </a:p>
+          <a:p>
+            <a:endParaRPr lang="en-US" dirty="0" smtClean="0"/>
+          </a:p>
+          <a:p>
+            <a:r>
+              <a:rPr lang="en-US" smtClean="0"/>
+              <a:t>BTO was born nearly 2 years.</a:t>
+            </a:r>
+            <a:endParaRPr lang="en-US" dirty="0"/>
           </a:p>
         </p:txBody>
       </p:sp>
@@ -5407,7 +5438,11 @@
           <a:p>
             <a:r>
               <a:rPr lang="en-US" dirty="0" smtClean="0"/>
-              <a:t>Strong knowledge and experiences in UT follow XBB method as well as using UT frameworks. </a:t>
+              <a:t>Strong knowledge and experiences in UT follow XBB method as well as using UT frameworks</a:t>
+            </a:r>
+            <a:r>
+              <a:rPr lang="en-US" dirty="0" smtClean="0"/>
+              <a:t>.</a:t>
             </a:r>
           </a:p>
         </p:txBody>
@@ -8654,7 +8689,15 @@
             </a:r>
             <a:r>
               <a:rPr lang="en-US" dirty="0" smtClean="0"/>
-              <a:t>by the contributions section, I love to contribute my knowledge and my ideas to my company by making some training, sharing or building new tool to improve the productivities.</a:t>
+              <a:t>by the contributions section, I love to contribute my knowledge and my ideas to my company by making some training, sharing or building new </a:t>
+            </a:r>
+            <a:r>
+              <a:rPr lang="en-US" dirty="0" smtClean="0"/>
+              <a:t>tools </a:t>
+            </a:r>
+            <a:r>
+              <a:rPr lang="en-US" dirty="0" smtClean="0"/>
+              <a:t>to improve the productivities.</a:t>
             </a:r>
           </a:p>
         </p:txBody>

--- a/Why Hire Me.pptx
+++ b/Why Hire Me.pptx
@@ -5,19 +5,20 @@
     <p:sldMasterId id="2147483648" r:id="rId2"/>
   </p:sldMasterIdLst>
   <p:notesMasterIdLst>
-    <p:notesMasterId r:id="rId10"/>
+    <p:notesMasterId r:id="rId11"/>
   </p:notesMasterIdLst>
   <p:handoutMasterIdLst>
-    <p:handoutMasterId r:id="rId11"/>
+    <p:handoutMasterId r:id="rId12"/>
   </p:handoutMasterIdLst>
   <p:sldIdLst>
     <p:sldId id="267" r:id="rId3"/>
-    <p:sldId id="268" r:id="rId4"/>
-    <p:sldId id="269" r:id="rId5"/>
-    <p:sldId id="270" r:id="rId6"/>
-    <p:sldId id="273" r:id="rId7"/>
-    <p:sldId id="271" r:id="rId8"/>
-    <p:sldId id="272" r:id="rId9"/>
+    <p:sldId id="274" r:id="rId4"/>
+    <p:sldId id="268" r:id="rId5"/>
+    <p:sldId id="269" r:id="rId6"/>
+    <p:sldId id="270" r:id="rId7"/>
+    <p:sldId id="273" r:id="rId8"/>
+    <p:sldId id="271" r:id="rId9"/>
+    <p:sldId id="272" r:id="rId10"/>
   </p:sldIdLst>
   <p:sldSz cx="12192000" cy="6858000"/>
   <p:notesSz cx="6858000" cy="9144000"/>
@@ -220,7 +221,7 @@
           <a:p>
             <a:fld id="{8DA0FDE8-3B80-4AAC-92F2-E3D0667D4E72}" type="datetimeFigureOut">
               <a:rPr lang="en-US" smtClean="0"/>
-              <a:t>3/1/2017</a:t>
+              <a:t>3/2/2017</a:t>
             </a:fld>
             <a:endParaRPr lang="en-US"/>
           </a:p>
@@ -385,7 +386,7 @@
           <a:p>
             <a:fld id="{C5F25FBA-1311-468D-8115-8778B0F7BEEC}" type="datetimeFigureOut">
               <a:rPr lang="en-US" smtClean="0"/>
-              <a:t>3/1/2017</a:t>
+              <a:t>3/2/2017</a:t>
             </a:fld>
             <a:endParaRPr lang="en-US"/>
           </a:p>
@@ -706,11 +707,26 @@
               <a:rPr lang="en-US" dirty="0" smtClean="0"/>
               <a:t>Hi xxx, </a:t>
             </a:r>
-          </a:p>
-          <a:p>
             <a:endParaRPr lang="en-US" dirty="0" smtClean="0"/>
           </a:p>
           <a:p>
+            <a:endParaRPr lang="en-US" dirty="0"/>
+          </a:p>
+          <a:p>
+            <a:r>
+              <a:rPr lang="en-US" dirty="0" smtClean="0"/>
+              <a:t>Thanks you for your time and giving me this </a:t>
+            </a:r>
+            <a:r>
+              <a:rPr lang="en-US" dirty="0" err="1" smtClean="0"/>
+              <a:t>opp</a:t>
+            </a:r>
+            <a:endParaRPr lang="en-US" dirty="0" smtClean="0"/>
+          </a:p>
+          <a:p>
+            <a:endParaRPr lang="en-US" dirty="0" smtClean="0"/>
+          </a:p>
+          <a:p>
             <a:r>
               <a:rPr lang="en-US" dirty="0" smtClean="0"/>
               <a:t>As you know, There are many developers around the world but to find a developer who suitable and talents isn’t easy at all. </a:t>
@@ -722,25 +738,16 @@
           <a:p>
             <a:r>
               <a:rPr lang="en-US" dirty="0" smtClean="0"/>
-              <a:t>So that why we have this interview.</a:t>
-            </a:r>
-          </a:p>
-          <a:p>
+              <a:t>So that why we have this interview</a:t>
+            </a:r>
+            <a:r>
+              <a:rPr lang="en-US" dirty="0" smtClean="0"/>
+              <a:t>.</a:t>
+            </a:r>
             <a:endParaRPr lang="en-US" dirty="0"/>
           </a:p>
           <a:p>
-            <a:r>
-              <a:rPr lang="en-US" dirty="0" smtClean="0"/>
-              <a:t>After this presentation, you will know my background, Motivation and especially </a:t>
-            </a:r>
-            <a:r>
-              <a:rPr lang="en-US" dirty="0" smtClean="0"/>
-              <a:t>the reason why </a:t>
-            </a:r>
-            <a:r>
-              <a:rPr lang="en-US" dirty="0" smtClean="0"/>
-              <a:t>you should Hire me ?</a:t>
-            </a:r>
+            <a:endParaRPr lang="en-US" dirty="0" smtClean="0"/>
           </a:p>
         </p:txBody>
       </p:sp>
@@ -825,14 +832,12 @@
           <a:lstStyle/>
           <a:p>
             <a:r>
-              <a:rPr lang="en-US" dirty="0" smtClean="0"/>
-              <a:t>Are you looking for a talent and experienced Developer? </a:t>
-            </a:r>
-          </a:p>
-          <a:p>
-            <a:r>
-              <a:rPr lang="en-US" dirty="0" smtClean="0"/>
-              <a:t>Here I am.</a:t>
+              <a:rPr lang="en-US" dirty="0"/>
+              <a:t>After this presentation, you will know my background, Motivation and especially the reason why you should Hire me </a:t>
+            </a:r>
+            <a:r>
+              <a:rPr lang="en-US" dirty="0" smtClean="0"/>
+              <a:t>?</a:t>
             </a:r>
           </a:p>
           <a:p>
@@ -841,50 +846,11 @@
           <a:p>
             <a:r>
               <a:rPr lang="en-US" dirty="0" smtClean="0"/>
-              <a:t>I have more than 4 years as a full-stack developer and developed many high quality web applications base on .NET FW.</a:t>
-            </a:r>
-          </a:p>
-          <a:p>
+              <a:t>Now we move to the first section</a:t>
+            </a:r>
             <a:endParaRPr lang="en-US" dirty="0"/>
           </a:p>
           <a:p>
-            <a:r>
-              <a:rPr lang="en-US" dirty="0" smtClean="0"/>
-              <a:t>I’m not only focus on the technologies but also algorithm and technical principles to improve my coding style. Moreover, we cant forget about communication. In my opinion communication is one of the keys to success in many aspect So I have rich </a:t>
-            </a:r>
-            <a:r>
-              <a:rPr lang="en-US" dirty="0" err="1" smtClean="0"/>
-              <a:t>exp</a:t>
-            </a:r>
-            <a:r>
-              <a:rPr lang="en-US" dirty="0" smtClean="0"/>
-              <a:t> in working and communicate with team members as well as coaching them.</a:t>
-            </a:r>
-          </a:p>
-          <a:p>
-            <a:endParaRPr lang="en-US" dirty="0"/>
-          </a:p>
-          <a:p>
-            <a:r>
-              <a:rPr lang="en-US" dirty="0" smtClean="0"/>
-              <a:t>Following my </a:t>
-            </a:r>
-            <a:r>
-              <a:rPr lang="en-US" dirty="0" err="1" smtClean="0"/>
-              <a:t>exp</a:t>
-            </a:r>
-            <a:r>
-              <a:rPr lang="en-US" dirty="0" smtClean="0"/>
-              <a:t>, I worked on many </a:t>
-            </a:r>
-            <a:r>
-              <a:rPr lang="en-US" dirty="0" err="1" smtClean="0"/>
-              <a:t>Enterise</a:t>
-            </a:r>
-            <a:r>
-              <a:rPr lang="en-US" dirty="0" smtClean="0"/>
-              <a:t> project with existing code. The problem that I always meet is maintainability and scalability  because they don’t have UT but luckily I’m a guy who knows UT as well as .NET framework</a:t>
-            </a:r>
             <a:endParaRPr lang="en-US" dirty="0"/>
           </a:p>
         </p:txBody>
@@ -915,7 +881,7 @@
     </p:spTree>
     <p:extLst>
       <p:ext uri="{BB962C8B-B14F-4D97-AF65-F5344CB8AC3E}">
-        <p14:creationId xmlns:p14="http://schemas.microsoft.com/office/powerpoint/2010/main" val="3615306853"/>
+        <p14:creationId xmlns:p14="http://schemas.microsoft.com/office/powerpoint/2010/main" val="4262224352"/>
       </p:ext>
     </p:extLst>
   </p:cSld>
@@ -971,7 +937,13 @@
           <a:p>
             <a:r>
               <a:rPr lang="en-US" dirty="0" smtClean="0"/>
-              <a:t>Firstly, I will show you my Motivation,  My desire is building the best product then deliver to the user and make them is what gets me out of the bed every morning. Beside, I love challenges  (especially start up environment ) because I can improve and collect experience from it not to mention I can learn from the others one’s problem by helping, listening and sharing with them and see people in progress.</a:t>
+              <a:t>Are you looking for a talent and experienced Developer? </a:t>
+            </a:r>
+          </a:p>
+          <a:p>
+            <a:r>
+              <a:rPr lang="en-US" dirty="0" smtClean="0"/>
+              <a:t>Here I am.</a:t>
             </a:r>
           </a:p>
           <a:p>
@@ -980,16 +952,76 @@
           <a:p>
             <a:r>
               <a:rPr lang="en-US" dirty="0" smtClean="0"/>
-              <a:t>Finally, about my Personality, I’m a positive, funny, open minds, responsible and </a:t>
-            </a:r>
-            <a:r>
-              <a:rPr lang="en-US" b="1" dirty="0" smtClean="0"/>
-              <a:t>Self-Motivated </a:t>
-            </a:r>
-            <a:r>
-              <a:rPr lang="en-US" dirty="0" smtClean="0"/>
-              <a:t>person. I love to work as team rather than work alone and my slogan is “Word Hard, Party Hard”</a:t>
-            </a:r>
+              <a:t>I have more than 4 years as a full-stack developer and developed many high quality web applications base on .NET FW.</a:t>
+            </a:r>
+          </a:p>
+          <a:p>
+            <a:endParaRPr lang="en-US" dirty="0"/>
+          </a:p>
+          <a:p>
+            <a:r>
+              <a:rPr lang="en-US" dirty="0" smtClean="0"/>
+              <a:t>I’m not only focus on the technologies but also algorithm and technical principles to improve my coding style. Moreover, we cant forget about communication. In my opinion communication is one of the keys to success in many aspect So I have rich </a:t>
+            </a:r>
+            <a:r>
+              <a:rPr lang="en-US" dirty="0" err="1" smtClean="0"/>
+              <a:t>exp</a:t>
+            </a:r>
+            <a:r>
+              <a:rPr lang="en-US" dirty="0" smtClean="0"/>
+              <a:t> in working and </a:t>
+            </a:r>
+            <a:r>
+              <a:rPr lang="en-US" dirty="0" smtClean="0"/>
+              <a:t>communicating </a:t>
+            </a:r>
+            <a:r>
+              <a:rPr lang="en-US" dirty="0" smtClean="0"/>
+              <a:t>with team members as well as coaching them.</a:t>
+            </a:r>
+          </a:p>
+          <a:p>
+            <a:endParaRPr lang="en-US" dirty="0"/>
+          </a:p>
+          <a:p>
+            <a:r>
+              <a:rPr lang="en-US" dirty="0" smtClean="0"/>
+              <a:t>Following my </a:t>
+            </a:r>
+            <a:r>
+              <a:rPr lang="en-US" dirty="0" err="1" smtClean="0"/>
+              <a:t>exp</a:t>
+            </a:r>
+            <a:r>
+              <a:rPr lang="en-US" dirty="0" smtClean="0"/>
+              <a:t>, I worked on many </a:t>
+            </a:r>
+            <a:r>
+              <a:rPr lang="en-US" dirty="0" err="1" smtClean="0"/>
+              <a:t>Enteprise</a:t>
+            </a:r>
+            <a:r>
+              <a:rPr lang="en-US" dirty="0" smtClean="0"/>
+              <a:t> </a:t>
+            </a:r>
+            <a:r>
+              <a:rPr lang="en-US" dirty="0" smtClean="0"/>
+              <a:t>project with existing code. The problem that I always meet is maintainability and scalability  because they don’t have UT but luckily I’m a guy who knows UT as well as .NET </a:t>
+            </a:r>
+            <a:r>
+              <a:rPr lang="en-US" dirty="0" smtClean="0"/>
+              <a:t>framework</a:t>
+            </a:r>
+          </a:p>
+          <a:p>
+            <a:endParaRPr lang="en-US" dirty="0"/>
+          </a:p>
+          <a:p>
+            <a:r>
+              <a:rPr lang="en-US" dirty="0" smtClean="0"/>
+              <a:t>As you know, Good at technical isn’t only things that make the best and quality product, it’s from another aspects such communication, motivation, etc… So we move to the next section is my motivation and personality</a:t>
+            </a:r>
+            <a:endParaRPr lang="en-US" dirty="0"/>
           </a:p>
         </p:txBody>
       </p:sp>
@@ -1019,7 +1051,7 @@
     </p:spTree>
     <p:extLst>
       <p:ext uri="{BB962C8B-B14F-4D97-AF65-F5344CB8AC3E}">
-        <p14:creationId xmlns:p14="http://schemas.microsoft.com/office/powerpoint/2010/main" val="2940045426"/>
+        <p14:creationId xmlns:p14="http://schemas.microsoft.com/office/powerpoint/2010/main" val="3615306853"/>
       </p:ext>
     </p:extLst>
   </p:cSld>
@@ -1075,13 +1107,32 @@
           <a:p>
             <a:r>
               <a:rPr lang="en-US" dirty="0" smtClean="0"/>
-              <a:t>Before I apply for this job, I already read all the job requirement. </a:t>
-            </a:r>
-            <a:r>
-              <a:rPr lang="en-US" dirty="0" smtClean="0"/>
-              <a:t>I can adapt and learn new technologies if it good the your product.</a:t>
-            </a:r>
-            <a:endParaRPr lang="en-US" dirty="0" smtClean="0"/>
+              <a:t>Firstly, I will show you my Motivation,  My desire is building the best product then deliver to the user and make </a:t>
+            </a:r>
+            <a:r>
+              <a:rPr lang="en-US" dirty="0" smtClean="0"/>
+              <a:t>them happy </a:t>
+            </a:r>
+            <a:r>
+              <a:rPr lang="en-US" dirty="0" smtClean="0"/>
+              <a:t>is what gets me out of the bed every morning. Beside, I love challenges  (especially start up environment ) because I can improve and collect experience from </a:t>
+            </a:r>
+            <a:r>
+              <a:rPr lang="en-US" dirty="0" smtClean="0"/>
+              <a:t>it, </a:t>
+            </a:r>
+            <a:r>
+              <a:rPr lang="en-US" dirty="0" smtClean="0"/>
+              <a:t>not to mention I can learn from the others one’s problem by helping, listening and sharing with them </a:t>
+            </a:r>
+            <a:r>
+              <a:rPr lang="en-US" dirty="0" smtClean="0"/>
+              <a:t>and to </a:t>
+            </a:r>
+            <a:r>
+              <a:rPr lang="en-US" dirty="0" smtClean="0"/>
+              <a:t>see people in progress.</a:t>
+            </a:r>
           </a:p>
           <a:p>
             <a:endParaRPr lang="en-US" dirty="0"/>
@@ -1089,23 +1140,19 @@
           <a:p>
             <a:r>
               <a:rPr lang="en-US" dirty="0" smtClean="0"/>
-              <a:t>With more than 4 years’ experience in various .NET technologies such as …… and have rich </a:t>
-            </a:r>
-            <a:r>
-              <a:rPr lang="en-US" dirty="0" err="1" smtClean="0"/>
-              <a:t>exp</a:t>
-            </a:r>
-            <a:r>
-              <a:rPr lang="en-US" dirty="0" smtClean="0"/>
-              <a:t> in working with UT FW, not to mention I have much </a:t>
-            </a:r>
-            <a:r>
-              <a:rPr lang="en-US" dirty="0" err="1" smtClean="0"/>
-              <a:t>exp</a:t>
-            </a:r>
-            <a:r>
-              <a:rPr lang="en-US" dirty="0" smtClean="0"/>
-              <a:t> in Scrum Methodology and I can become a potential Scrum Master.</a:t>
+              <a:t>Finally, about my Personality, I’m a positive, funny, open minds, responsible and </a:t>
+            </a:r>
+            <a:r>
+              <a:rPr lang="en-US" b="1" dirty="0" smtClean="0"/>
+              <a:t>Self-Motivated </a:t>
+            </a:r>
+            <a:r>
+              <a:rPr lang="en-US" dirty="0" smtClean="0"/>
+              <a:t>person. I love to work as team rather than work alone and my slogan is “Word Hard, Party Hard</a:t>
+            </a:r>
+            <a:r>
+              <a:rPr lang="en-US" dirty="0" smtClean="0"/>
+              <a:t>”</a:t>
             </a:r>
           </a:p>
           <a:p>
@@ -1114,120 +1161,8 @@
           <a:p>
             <a:r>
               <a:rPr lang="en-US" dirty="0" smtClean="0"/>
-              <a:t>As a Full-Stack Developer, I have to handle from front-end to server and Database So I’m not only good at C# but also </a:t>
-            </a:r>
-            <a:r>
-              <a:rPr lang="en-US" dirty="0" err="1" smtClean="0"/>
-              <a:t>Javascript</a:t>
-            </a:r>
-            <a:r>
-              <a:rPr lang="en-US" dirty="0" smtClean="0"/>
-              <a:t>, HTML, CSS, other JS FW &amp; Libs such as </a:t>
-            </a:r>
-            <a:r>
-              <a:rPr lang="en-US" dirty="0" err="1" smtClean="0"/>
-              <a:t>AngularJs</a:t>
-            </a:r>
-            <a:r>
-              <a:rPr lang="en-US" dirty="0" smtClean="0"/>
-              <a:t>, </a:t>
-            </a:r>
-            <a:r>
-              <a:rPr lang="en-US" dirty="0" err="1" smtClean="0"/>
-              <a:t>jquery</a:t>
-            </a:r>
-            <a:r>
-              <a:rPr lang="en-US" dirty="0" smtClean="0"/>
-              <a:t> and we cant forget some tool and </a:t>
-            </a:r>
-            <a:r>
-              <a:rPr lang="en-US" b="1" dirty="0"/>
-              <a:t>CSS </a:t>
-            </a:r>
-            <a:r>
-              <a:rPr lang="en-US" b="1" dirty="0" smtClean="0"/>
-              <a:t>preprocessor I have knowledge and </a:t>
-            </a:r>
-            <a:r>
-              <a:rPr lang="en-US" b="1" dirty="0" err="1" smtClean="0"/>
-              <a:t>exp</a:t>
-            </a:r>
-            <a:r>
-              <a:rPr lang="en-US" b="1" dirty="0" smtClean="0"/>
-              <a:t> in Gulp, </a:t>
-            </a:r>
-            <a:r>
-              <a:rPr lang="en-US" b="1" dirty="0" err="1" smtClean="0"/>
-              <a:t>Nodejs</a:t>
-            </a:r>
-            <a:r>
-              <a:rPr lang="en-US" b="1" dirty="0" smtClean="0"/>
-              <a:t>, Sass, Less, etc….</a:t>
-            </a:r>
-            <a:r>
-              <a:rPr lang="en-US" dirty="0" smtClean="0"/>
-              <a:t>   </a:t>
-            </a:r>
-          </a:p>
-          <a:p>
-            <a:endParaRPr lang="en-US" dirty="0"/>
-          </a:p>
-          <a:p>
-            <a:r>
-              <a:rPr lang="en-US" dirty="0" smtClean="0"/>
-              <a:t>As I know, you prefer the one who have a good knowledge about </a:t>
-            </a:r>
-            <a:r>
-              <a:rPr lang="en-US" dirty="0" err="1" smtClean="0"/>
-              <a:t>Sql</a:t>
-            </a:r>
-            <a:r>
-              <a:rPr lang="en-US" dirty="0" smtClean="0"/>
-              <a:t> server So I have to remind you, here Am I. I have strong </a:t>
-            </a:r>
-            <a:r>
-              <a:rPr lang="en-US" dirty="0" err="1" smtClean="0"/>
-              <a:t>exp</a:t>
-            </a:r>
-            <a:r>
-              <a:rPr lang="en-US" dirty="0" smtClean="0"/>
-              <a:t> and knowledge in </a:t>
-            </a:r>
-            <a:r>
-              <a:rPr lang="en-US" dirty="0" err="1" smtClean="0"/>
-              <a:t>Sql</a:t>
-            </a:r>
-            <a:r>
-              <a:rPr lang="en-US" dirty="0" smtClean="0"/>
-              <a:t> server….. </a:t>
-            </a:r>
-          </a:p>
-          <a:p>
-            <a:r>
-              <a:rPr lang="en-US" dirty="0" smtClean="0"/>
-              <a:t>AS evidence by the </a:t>
-            </a:r>
-            <a:r>
-              <a:rPr lang="en-US" dirty="0" err="1" smtClean="0"/>
-              <a:t>kalibrate</a:t>
-            </a:r>
-            <a:r>
-              <a:rPr lang="en-US" dirty="0" smtClean="0"/>
-              <a:t> project, I didn’t work with EF, we used pure </a:t>
-            </a:r>
-            <a:r>
-              <a:rPr lang="en-US" dirty="0" err="1" smtClean="0"/>
-              <a:t>sql</a:t>
-            </a:r>
-            <a:r>
-              <a:rPr lang="en-US" dirty="0" smtClean="0"/>
-              <a:t> query to CRUD.</a:t>
-            </a:r>
-          </a:p>
-          <a:p>
-            <a:endParaRPr lang="en-US" dirty="0" smtClean="0"/>
-          </a:p>
-          <a:p>
+              <a:t>Next we move to the Skills section, for this section I will show you my skill-set that I can adapt and my potential </a:t>
+            </a:r>
             <a:endParaRPr lang="en-US" dirty="0" smtClean="0"/>
           </a:p>
         </p:txBody>
@@ -1258,7 +1193,7 @@
     </p:spTree>
     <p:extLst>
       <p:ext uri="{BB962C8B-B14F-4D97-AF65-F5344CB8AC3E}">
-        <p14:creationId xmlns:p14="http://schemas.microsoft.com/office/powerpoint/2010/main" val="2305279096"/>
+        <p14:creationId xmlns:p14="http://schemas.microsoft.com/office/powerpoint/2010/main" val="2940045426"/>
       </p:ext>
     </p:extLst>
   </p:cSld>
@@ -1314,15 +1249,7 @@
           <a:p>
             <a:r>
               <a:rPr lang="en-US" dirty="0" smtClean="0"/>
-              <a:t>You already know my </a:t>
-            </a:r>
-            <a:r>
-              <a:rPr lang="en-US" dirty="0" err="1" smtClean="0"/>
-              <a:t>Exp</a:t>
-            </a:r>
-            <a:r>
-              <a:rPr lang="en-US" dirty="0" smtClean="0"/>
-              <a:t>, Motivation, Personality and my skill-set So know I will so you my contribution that I have done during 4 years. </a:t>
+              <a:t>Before I apply for this job, I already read all the job requirement. I can adapt and learn new technologies if it good the your product.</a:t>
             </a:r>
           </a:p>
           <a:p>
@@ -1331,7 +1258,7 @@
           <a:p>
             <a:r>
               <a:rPr lang="en-US" dirty="0" smtClean="0"/>
-              <a:t>For the first 2 years, I spent almost my time and my effort to learn new technologies because I want to have my base programming language(C#) and platform (Web application) then when I have a little </a:t>
+              <a:t>With more than 4 years’ experience in various .NET technologies such as …… and have rich </a:t>
             </a:r>
             <a:r>
               <a:rPr lang="en-US" dirty="0" err="1" smtClean="0"/>
@@ -1339,12 +1266,193 @@
             </a:r>
             <a:r>
               <a:rPr lang="en-US" dirty="0" smtClean="0"/>
-              <a:t>, I started to research and I want to contribute my knowledge to the .NET world and my second home (Company) because I want to prove my value and  to satisfy my hunger </a:t>
-            </a:r>
-            <a:r>
-              <a:rPr lang="en-US" smtClean="0"/>
-              <a:t>of knowledge.</a:t>
-            </a:r>
+              <a:t> in working with UT FW, not to mention I have much </a:t>
+            </a:r>
+            <a:r>
+              <a:rPr lang="en-US" dirty="0" err="1" smtClean="0"/>
+              <a:t>exp</a:t>
+            </a:r>
+            <a:r>
+              <a:rPr lang="en-US" dirty="0" smtClean="0"/>
+              <a:t> in Scrum Methodology and I can become a potential Scrum Master.</a:t>
+            </a:r>
+          </a:p>
+          <a:p>
+            <a:endParaRPr lang="en-US" dirty="0"/>
+          </a:p>
+          <a:p>
+            <a:r>
+              <a:rPr lang="en-US" dirty="0" smtClean="0"/>
+              <a:t>As a Full-Stack Developer, I have to handle from front-end to server and Database So I’m not only good at C# but also </a:t>
+            </a:r>
+            <a:r>
+              <a:rPr lang="en-US" dirty="0" err="1" smtClean="0"/>
+              <a:t>Javascript</a:t>
+            </a:r>
+            <a:r>
+              <a:rPr lang="en-US" dirty="0" smtClean="0"/>
+              <a:t>, HTML, CSS, other JS FW &amp; </a:t>
+            </a:r>
+            <a:r>
+              <a:rPr lang="en-US" dirty="0" smtClean="0"/>
+              <a:t>Libs, tools </a:t>
+            </a:r>
+            <a:r>
+              <a:rPr lang="en-US" dirty="0" smtClean="0"/>
+              <a:t>such as </a:t>
+            </a:r>
+            <a:r>
+              <a:rPr lang="en-US" dirty="0" err="1" smtClean="0"/>
+              <a:t>AngularJs</a:t>
+            </a:r>
+            <a:r>
+              <a:rPr lang="en-US" dirty="0" smtClean="0"/>
+              <a:t>, </a:t>
+            </a:r>
+            <a:r>
+              <a:rPr lang="en-US" dirty="0" err="1" smtClean="0"/>
+              <a:t>jquery</a:t>
+            </a:r>
+            <a:r>
+              <a:rPr lang="en-US" dirty="0" smtClean="0"/>
+              <a:t>,</a:t>
+            </a:r>
+            <a:r>
+              <a:rPr lang="en-US" b="1" dirty="0" smtClean="0"/>
+              <a:t> Gulp</a:t>
+            </a:r>
+            <a:r>
+              <a:rPr lang="en-US" b="1" dirty="0" smtClean="0"/>
+              <a:t>, </a:t>
+            </a:r>
+            <a:r>
+              <a:rPr lang="en-US" b="1" dirty="0" err="1" smtClean="0"/>
+              <a:t>Nodejs</a:t>
+            </a:r>
+            <a:r>
+              <a:rPr lang="en-US" b="1" dirty="0" smtClean="0"/>
+              <a:t>, Sass, Less, etc….</a:t>
+            </a:r>
+            <a:r>
+              <a:rPr lang="en-US" dirty="0" smtClean="0"/>
+              <a:t>   </a:t>
+            </a:r>
+          </a:p>
+          <a:p>
+            <a:endParaRPr lang="en-US" dirty="0"/>
+          </a:p>
+          <a:p>
+            <a:r>
+              <a:rPr lang="en-US" dirty="0" smtClean="0"/>
+              <a:t>As I know, you prefer the one who have a good knowledge about </a:t>
+            </a:r>
+            <a:r>
+              <a:rPr lang="en-US" dirty="0" err="1" smtClean="0"/>
+              <a:t>Sql</a:t>
+            </a:r>
+            <a:r>
+              <a:rPr lang="en-US" dirty="0" smtClean="0"/>
+              <a:t> server So I </a:t>
+            </a:r>
+            <a:r>
+              <a:rPr lang="en-US" dirty="0" smtClean="0"/>
+              <a:t>should remind </a:t>
+            </a:r>
+            <a:r>
+              <a:rPr lang="en-US" dirty="0" smtClean="0"/>
+              <a:t>you, here </a:t>
+            </a:r>
+            <a:r>
+              <a:rPr lang="en-US" dirty="0" smtClean="0"/>
+              <a:t>I am. </a:t>
+            </a:r>
+            <a:r>
+              <a:rPr lang="en-US" dirty="0" smtClean="0"/>
+              <a:t>I have strong </a:t>
+            </a:r>
+            <a:r>
+              <a:rPr lang="en-US" dirty="0" err="1" smtClean="0"/>
+              <a:t>exp</a:t>
+            </a:r>
+            <a:r>
+              <a:rPr lang="en-US" dirty="0" smtClean="0"/>
+              <a:t> and knowledge in </a:t>
+            </a:r>
+            <a:r>
+              <a:rPr lang="en-US" dirty="0" err="1" smtClean="0"/>
+              <a:t>Sql</a:t>
+            </a:r>
+            <a:r>
+              <a:rPr lang="en-US" dirty="0" smtClean="0"/>
+              <a:t> server….. </a:t>
+            </a:r>
+          </a:p>
+          <a:p>
+            <a:r>
+              <a:rPr lang="en-US" dirty="0" smtClean="0"/>
+              <a:t>AS evidence by the </a:t>
+            </a:r>
+            <a:r>
+              <a:rPr lang="en-US" dirty="0" err="1" smtClean="0"/>
+              <a:t>kalibrate</a:t>
+            </a:r>
+            <a:r>
+              <a:rPr lang="en-US" dirty="0" smtClean="0"/>
+              <a:t> project, I didn’t work with EF, we used pure </a:t>
+            </a:r>
+            <a:r>
+              <a:rPr lang="en-US" dirty="0" err="1" smtClean="0"/>
+              <a:t>sql</a:t>
+            </a:r>
+            <a:r>
+              <a:rPr lang="en-US" dirty="0" smtClean="0"/>
+              <a:t> query to CRUD</a:t>
+            </a:r>
+            <a:r>
+              <a:rPr lang="en-US" dirty="0" smtClean="0"/>
+              <a:t>.</a:t>
+            </a:r>
+          </a:p>
+          <a:p>
+            <a:endParaRPr lang="en-US" dirty="0"/>
+          </a:p>
+          <a:p>
+            <a:r>
+              <a:rPr lang="en-US" dirty="0"/>
+              <a:t>You already know my </a:t>
+            </a:r>
+            <a:r>
+              <a:rPr lang="en-US" dirty="0" err="1"/>
+              <a:t>Exp</a:t>
+            </a:r>
+            <a:r>
+              <a:rPr lang="en-US" dirty="0"/>
+              <a:t>, Motivation, Personality and my skill-set So </a:t>
+            </a:r>
+            <a:r>
+              <a:rPr lang="en-US" dirty="0" smtClean="0"/>
+              <a:t>now </a:t>
+            </a:r>
+            <a:r>
+              <a:rPr lang="en-US" dirty="0"/>
+              <a:t>I will </a:t>
+            </a:r>
+            <a:r>
+              <a:rPr lang="en-US" dirty="0" smtClean="0"/>
+              <a:t>show </a:t>
+            </a:r>
+            <a:r>
+              <a:rPr lang="en-US" dirty="0"/>
+              <a:t>you my contribution that I have done during 4 years. </a:t>
+            </a:r>
+          </a:p>
+          <a:p>
+            <a:endParaRPr lang="en-US" dirty="0" smtClean="0"/>
+          </a:p>
+          <a:p>
+            <a:endParaRPr lang="en-US" dirty="0" smtClean="0"/>
+          </a:p>
+          <a:p>
             <a:endParaRPr lang="en-US" dirty="0" smtClean="0"/>
           </a:p>
         </p:txBody>
@@ -1375,7 +1483,7 @@
     </p:spTree>
     <p:extLst>
       <p:ext uri="{BB962C8B-B14F-4D97-AF65-F5344CB8AC3E}">
-        <p14:creationId xmlns:p14="http://schemas.microsoft.com/office/powerpoint/2010/main" val="1423454194"/>
+        <p14:creationId xmlns:p14="http://schemas.microsoft.com/office/powerpoint/2010/main" val="2305279096"/>
       </p:ext>
     </p:extLst>
   </p:cSld>
@@ -1429,7 +1537,21 @@
           <a:bodyPr/>
           <a:lstStyle/>
           <a:p>
-            <a:endParaRPr lang="en-US"/>
+            <a:endParaRPr lang="en-US" dirty="0"/>
+          </a:p>
+          <a:p>
+            <a:r>
+              <a:rPr lang="en-US" dirty="0" smtClean="0"/>
+              <a:t>For the first 2 years, I spent almost my time and my effort to learn new technologies because I want to have my base programming language(C#) and platform (Web application) then when I have a little </a:t>
+            </a:r>
+            <a:r>
+              <a:rPr lang="en-US" dirty="0" err="1" smtClean="0"/>
+              <a:t>exp</a:t>
+            </a:r>
+            <a:r>
+              <a:rPr lang="en-US" dirty="0" smtClean="0"/>
+              <a:t>, I started to research and I want to contribute my knowledge to the .NET world and my second home (Company) because I want to prove my value and  to satisfy my hunger of knowledge.</a:t>
+            </a:r>
           </a:p>
         </p:txBody>
       </p:sp>
@@ -1459,7 +1581,7 @@
     </p:spTree>
     <p:extLst>
       <p:ext uri="{BB962C8B-B14F-4D97-AF65-F5344CB8AC3E}">
-        <p14:creationId xmlns:p14="http://schemas.microsoft.com/office/powerpoint/2010/main" val="2257285805"/>
+        <p14:creationId xmlns:p14="http://schemas.microsoft.com/office/powerpoint/2010/main" val="1423454194"/>
       </p:ext>
     </p:extLst>
   </p:cSld>
@@ -1513,6 +1635,90 @@
           <a:bodyPr/>
           <a:lstStyle/>
           <a:p>
+            <a:endParaRPr lang="en-US"/>
+          </a:p>
+        </p:txBody>
+      </p:sp>
+      <p:sp>
+        <p:nvSpPr>
+          <p:cNvPr id="4" name="Slide Number Placeholder 3"/>
+          <p:cNvSpPr>
+            <a:spLocks noGrp="1"/>
+          </p:cNvSpPr>
+          <p:nvPr>
+            <p:ph type="sldNum" sz="quarter" idx="10"/>
+          </p:nvPr>
+        </p:nvSpPr>
+        <p:spPr/>
+        <p:txBody>
+          <a:bodyPr/>
+          <a:lstStyle/>
+          <a:p>
+            <a:fld id="{F0E67C00-F679-4C51-9894-9E2214E5C2F1}" type="slidenum">
+              <a:rPr lang="en-US" smtClean="0"/>
+              <a:t>7</a:t>
+            </a:fld>
+            <a:endParaRPr lang="en-US"/>
+          </a:p>
+        </p:txBody>
+      </p:sp>
+    </p:spTree>
+    <p:extLst>
+      <p:ext uri="{BB962C8B-B14F-4D97-AF65-F5344CB8AC3E}">
+        <p14:creationId xmlns:p14="http://schemas.microsoft.com/office/powerpoint/2010/main" val="2257285805"/>
+      </p:ext>
+    </p:extLst>
+  </p:cSld>
+  <p:clrMapOvr>
+    <a:masterClrMapping/>
+  </p:clrMapOvr>
+</p:notes>
+</file>
+
+<file path=ppt/notesSlides/notesSlide8.xml><?xml version="1.0" encoding="utf-8"?>
+<p:notes xmlns:a="http://schemas.openxmlformats.org/drawingml/2006/main" xmlns:r="http://schemas.openxmlformats.org/officeDocument/2006/relationships" xmlns:p="http://schemas.openxmlformats.org/presentationml/2006/main">
+  <p:cSld>
+    <p:spTree>
+      <p:nvGrpSpPr>
+        <p:cNvPr id="1" name=""/>
+        <p:cNvGrpSpPr/>
+        <p:nvPr/>
+      </p:nvGrpSpPr>
+      <p:grpSpPr>
+        <a:xfrm>
+          <a:off x="0" y="0"/>
+          <a:ext cx="0" cy="0"/>
+          <a:chOff x="0" y="0"/>
+          <a:chExt cx="0" cy="0"/>
+        </a:xfrm>
+      </p:grpSpPr>
+      <p:sp>
+        <p:nvSpPr>
+          <p:cNvPr id="2" name="Slide Image Placeholder 1"/>
+          <p:cNvSpPr>
+            <a:spLocks noGrp="1" noRot="1" noChangeAspect="1"/>
+          </p:cNvSpPr>
+          <p:nvPr>
+            <p:ph type="sldImg"/>
+          </p:nvPr>
+        </p:nvSpPr>
+        <p:spPr/>
+      </p:sp>
+      <p:sp>
+        <p:nvSpPr>
+          <p:cNvPr id="3" name="Notes Placeholder 2"/>
+          <p:cNvSpPr>
+            <a:spLocks noGrp="1"/>
+          </p:cNvSpPr>
+          <p:nvPr>
+            <p:ph type="body" idx="1"/>
+          </p:nvPr>
+        </p:nvSpPr>
+        <p:spPr/>
+        <p:txBody>
+          <a:bodyPr/>
+          <a:lstStyle/>
+          <a:p>
             <a:r>
               <a:rPr lang="en-US" dirty="0"/>
               <a:t>Foucaud </a:t>
@@ -1528,8 +1734,21 @@
           </a:p>
           <a:p>
             <a:r>
-              <a:rPr lang="en-US" smtClean="0"/>
-              <a:t>BTO was born nearly 2 years.</a:t>
+              <a:rPr lang="en-US" dirty="0" smtClean="0"/>
+              <a:t>BTO was born nearly 2 years</a:t>
+            </a:r>
+            <a:r>
+              <a:rPr lang="en-US" dirty="0" smtClean="0"/>
+              <a:t>.</a:t>
+            </a:r>
+          </a:p>
+          <a:p>
+            <a:endParaRPr lang="en-US" dirty="0"/>
+          </a:p>
+          <a:p>
+            <a:r>
+              <a:rPr lang="en-US" dirty="0" smtClean="0"/>
+              <a:t>Thanks you for your time.</a:t>
             </a:r>
             <a:endParaRPr lang="en-US" dirty="0"/>
           </a:p>
@@ -1552,7 +1771,7 @@
           <a:p>
             <a:fld id="{F0E67C00-F679-4C51-9894-9E2214E5C2F1}" type="slidenum">
               <a:rPr lang="en-US" smtClean="0"/>
-              <a:t>7</a:t>
+              <a:t>8</a:t>
             </a:fld>
             <a:endParaRPr lang="en-US"/>
           </a:p>
@@ -1892,7 +2111,7 @@
           <a:p>
             <a:fld id="{13742600-E9F7-466C-8541-946554E93A49}" type="datetime1">
               <a:rPr lang="en-US" smtClean="0"/>
-              <a:t>3/1/2017</a:t>
+              <a:t>3/2/2017</a:t>
             </a:fld>
             <a:endParaRPr lang="en-US"/>
           </a:p>
@@ -2088,7 +2307,7 @@
           <a:p>
             <a:fld id="{1F61279A-C7BA-4635-9159-C91385B5DA0B}" type="datetime1">
               <a:rPr lang="en-US" smtClean="0"/>
-              <a:t>3/1/2017</a:t>
+              <a:t>3/2/2017</a:t>
             </a:fld>
             <a:endParaRPr lang="en-US"/>
           </a:p>
@@ -2274,7 +2493,7 @@
           <a:p>
             <a:fld id="{EEA75F16-E4FD-44DC-ABEF-20CBF1D994A7}" type="datetime1">
               <a:rPr lang="en-US" smtClean="0"/>
-              <a:t>3/1/2017</a:t>
+              <a:t>3/2/2017</a:t>
             </a:fld>
             <a:endParaRPr lang="en-US"/>
           </a:p>
@@ -2794,7 +3013,7 @@
           <a:p>
             <a:fld id="{E3A40731-8661-4FFF-B8F1-7CF57A4F1766}" type="datetime1">
               <a:rPr lang="en-US" smtClean="0"/>
-              <a:t>3/1/2017</a:t>
+              <a:t>3/2/2017</a:t>
             </a:fld>
             <a:endParaRPr lang="en-US"/>
           </a:p>
@@ -3236,7 +3455,7 @@
           <a:p>
             <a:fld id="{0DE50BE4-B926-4C15-BB6D-C1581FBE04A0}" type="datetime1">
               <a:rPr lang="en-US" smtClean="0"/>
-              <a:t>3/1/2017</a:t>
+              <a:t>3/2/2017</a:t>
             </a:fld>
             <a:endParaRPr lang="en-US"/>
           </a:p>
@@ -3370,7 +3589,7 @@
           <a:p>
             <a:fld id="{3269B25B-8606-4953-881D-CB3EAA35199E}" type="datetime1">
               <a:rPr lang="en-US" smtClean="0"/>
-              <a:t>3/1/2017</a:t>
+              <a:t>3/2/2017</a:t>
             </a:fld>
             <a:endParaRPr lang="en-US"/>
           </a:p>
@@ -3481,7 +3700,7 @@
           <a:p>
             <a:fld id="{608DA8D6-E31D-4D5B-8A84-3FCB4974326C}" type="datetime1">
               <a:rPr lang="en-US" smtClean="0"/>
-              <a:t>3/1/2017</a:t>
+              <a:t>3/2/2017</a:t>
             </a:fld>
             <a:endParaRPr lang="en-US"/>
           </a:p>
@@ -3841,7 +4060,7 @@
           <a:p>
             <a:fld id="{056E1295-DB2C-43BE-BA14-CDFA2BB48591}" type="datetime1">
               <a:rPr lang="en-US" smtClean="0"/>
-              <a:t>3/1/2017</a:t>
+              <a:t>3/2/2017</a:t>
             </a:fld>
             <a:endParaRPr lang="en-US"/>
           </a:p>
@@ -4191,7 +4410,7 @@
           <a:p>
             <a:fld id="{34D23F36-6146-4827-8004-A71EE2498398}" type="datetime1">
               <a:rPr lang="en-US" smtClean="0"/>
-              <a:t>3/1/2017</a:t>
+              <a:t>3/2/2017</a:t>
             </a:fld>
             <a:endParaRPr lang="en-US"/>
           </a:p>
@@ -4581,7 +4800,7 @@
           <a:p>
             <a:fld id="{5ED3E5D4-FB40-4063-82E1-8EAB01E413DD}" type="datetime1">
               <a:rPr lang="en-US" smtClean="0"/>
-              <a:t>3/1/2017</a:t>
+              <a:t>3/2/2017</a:t>
             </a:fld>
             <a:endParaRPr lang="en-US"/>
           </a:p>
@@ -5335,7 +5554,7 @@
           <a:p>
             <a:r>
               <a:rPr lang="en-US" dirty="0" smtClean="0"/>
-              <a:t>Experience</a:t>
+              <a:t>Agenda</a:t>
             </a:r>
             <a:endParaRPr lang="en-US" dirty="0"/>
           </a:p>
@@ -5358,92 +5577,44 @@
           <a:p>
             <a:r>
               <a:rPr lang="en-US" dirty="0" smtClean="0"/>
-              <a:t>Over 4 years </a:t>
-            </a:r>
-            <a:r>
-              <a:rPr lang="en-US" dirty="0"/>
-              <a:t>as a Full-Stack </a:t>
-            </a:r>
-            <a:r>
-              <a:rPr lang="en-US" dirty="0" smtClean="0"/>
-              <a:t>Developer and experience in building high traffic, quality and performance web application base on .NET Framework.</a:t>
-            </a:r>
-          </a:p>
-          <a:p>
-            <a:r>
-              <a:rPr lang="en-US" dirty="0" smtClean="0"/>
-              <a:t>Worked and </a:t>
-            </a:r>
-            <a:r>
-              <a:rPr lang="en-US" dirty="0" smtClean="0"/>
-              <a:t>maintained </a:t>
-            </a:r>
-            <a:r>
-              <a:rPr lang="en-US" dirty="0" smtClean="0"/>
-              <a:t>many existing </a:t>
-            </a:r>
-            <a:r>
-              <a:rPr lang="en-US" dirty="0" smtClean="0"/>
-              <a:t>E</a:t>
-            </a:r>
-            <a:r>
-              <a:rPr lang="en-US" dirty="0" smtClean="0"/>
-              <a:t>nteprise </a:t>
-            </a:r>
-            <a:r>
-              <a:rPr lang="en-US" dirty="0" smtClean="0"/>
-              <a:t>projects.</a:t>
-            </a:r>
-          </a:p>
-          <a:p>
-            <a:r>
-              <a:rPr lang="en-US" dirty="0" smtClean="0"/>
-              <a:t>Solid </a:t>
-            </a:r>
-            <a:r>
-              <a:rPr lang="en-US" dirty="0"/>
-              <a:t>background and knowledge in </a:t>
-            </a:r>
-            <a:r>
-              <a:rPr lang="en-US" dirty="0" smtClean="0"/>
-              <a:t>DRY, </a:t>
-            </a:r>
-            <a:r>
-              <a:rPr lang="en-US" dirty="0"/>
-              <a:t>SOLID principles and design </a:t>
-            </a:r>
-            <a:r>
-              <a:rPr lang="en-US" dirty="0" smtClean="0"/>
-              <a:t>patterns.</a:t>
-            </a:r>
-          </a:p>
-          <a:p>
-            <a:r>
-              <a:rPr lang="en-US" dirty="0"/>
-              <a:t>Have rich experience in </a:t>
-            </a:r>
-            <a:r>
-              <a:rPr lang="en-US" dirty="0" smtClean="0"/>
-              <a:t>working and communication with team members  </a:t>
-            </a:r>
-            <a:r>
-              <a:rPr lang="en-US" dirty="0"/>
-              <a:t>as well as training &amp; coaching team members</a:t>
-            </a:r>
-            <a:r>
-              <a:rPr lang="en-US" dirty="0" smtClean="0"/>
-              <a:t>.</a:t>
-            </a:r>
-          </a:p>
-          <a:p>
-            <a:r>
-              <a:rPr lang="en-US" dirty="0" smtClean="0"/>
-              <a:t>Strong knowledge and experiences in UT follow XBB method as well as using UT frameworks</a:t>
-            </a:r>
-            <a:r>
-              <a:rPr lang="en-US" dirty="0" smtClean="0"/>
-              <a:t>.</a:t>
-            </a:r>
+              <a:t>Experience</a:t>
+            </a:r>
+          </a:p>
+          <a:p>
+            <a:r>
+              <a:rPr lang="en-US" dirty="0" smtClean="0"/>
+              <a:t>Motivation … Personality …</a:t>
+            </a:r>
+          </a:p>
+          <a:p>
+            <a:r>
+              <a:rPr lang="en-US" dirty="0" smtClean="0"/>
+              <a:t>Skills</a:t>
+            </a:r>
+          </a:p>
+          <a:p>
+            <a:r>
+              <a:rPr lang="en-US" dirty="0" smtClean="0"/>
+              <a:t>Contributions</a:t>
+            </a:r>
+          </a:p>
+          <a:p>
+            <a:r>
+              <a:rPr lang="en-US" dirty="0" smtClean="0"/>
+              <a:t>How Do You Benefit?</a:t>
+            </a:r>
+          </a:p>
+          <a:p>
+            <a:r>
+              <a:rPr lang="en-US" dirty="0" smtClean="0"/>
+              <a:t>Why Am One Do You Looking For ?</a:t>
+            </a:r>
+          </a:p>
+          <a:p>
+            <a:endParaRPr lang="en-US" dirty="0" smtClean="0"/>
+          </a:p>
+          <a:p>
+            <a:endParaRPr lang="en-US" dirty="0"/>
           </a:p>
         </p:txBody>
       </p:sp>
@@ -5462,9 +5633,9 @@
           <a:bodyPr/>
           <a:lstStyle/>
           <a:p>
-            <a:fld id="{03F97C3F-B23C-4104-A04B-E7D8F73D12BD}" type="datetime1">
-              <a:rPr lang="en-US" smtClean="0"/>
-              <a:t>3/1/2017</a:t>
+            <a:fld id="{EEA75F16-E4FD-44DC-ABEF-20CBF1D994A7}" type="datetime1">
+              <a:rPr lang="en-US" smtClean="0"/>
+              <a:t>3/2/2017</a:t>
             </a:fld>
             <a:endParaRPr lang="en-US"/>
           </a:p>
@@ -5472,7 +5643,7 @@
       </p:sp>
       <p:sp>
         <p:nvSpPr>
-          <p:cNvPr id="5" name="Footer Placeholder 4"/>
+          <p:cNvPr id="6" name="Footer Placeholder 4"/>
           <p:cNvSpPr>
             <a:spLocks noGrp="1"/>
           </p:cNvSpPr>
@@ -5480,7 +5651,12 @@
             <p:ph type="ftr" sz="quarter" idx="11"/>
           </p:nvPr>
         </p:nvSpPr>
-        <p:spPr/>
+        <p:spPr>
+          <a:xfrm>
+            <a:off x="609600" y="6484777"/>
+            <a:ext cx="4123765" cy="274022"/>
+          </a:xfrm>
+        </p:spPr>
         <p:txBody>
           <a:bodyPr/>
           <a:lstStyle/>
@@ -5502,16 +5678,25 @@
     </p:spTree>
     <p:extLst>
       <p:ext uri="{BB962C8B-B14F-4D97-AF65-F5344CB8AC3E}">
-        <p14:creationId xmlns:p14="http://schemas.microsoft.com/office/powerpoint/2010/main" val="3783398451"/>
+        <p14:creationId xmlns:p14="http://schemas.microsoft.com/office/powerpoint/2010/main" val="1164460802"/>
       </p:ext>
     </p:extLst>
   </p:cSld>
   <p:clrMapOvr>
     <a:masterClrMapping/>
   </p:clrMapOvr>
-  <p:transition spd="slow">
-    <p:push dir="u"/>
-  </p:transition>
+  <mc:AlternateContent xmlns:mc="http://schemas.openxmlformats.org/markup-compatibility/2006">
+    <mc:Choice xmlns:p14="http://schemas.microsoft.com/office/powerpoint/2010/main" Requires="p14">
+      <p:transition spd="med" p14:dur="700">
+        <p:fade/>
+      </p:transition>
+    </mc:Choice>
+    <mc:Fallback>
+      <p:transition spd="med">
+        <p:fade/>
+      </p:transition>
+    </mc:Fallback>
+  </mc:AlternateContent>
   <p:timing>
     <p:tnLst>
       <p:par>
@@ -5533,7 +5718,7 @@
                             </p:stCondLst>
                             <p:childTnLst>
                               <p:par>
-                                <p:cTn id="5" presetID="2" presetClass="entr" presetSubtype="4" fill="hold" nodeType="clickEffect">
+                                <p:cTn id="5" presetID="42" presetClass="entr" presetSubtype="0" fill="hold" nodeType="clickEffect">
                                   <p:stCondLst>
                                     <p:cond delay="0"/>
                                   </p:stCondLst>
@@ -5560,9 +5745,21 @@
                                         <p:strVal val="visible"/>
                                       </p:to>
                                     </p:set>
+                                    <p:animEffect transition="in" filter="fade">
+                                      <p:cBhvr>
+                                        <p:cTn id="7" dur="1000"/>
+                                        <p:tgtEl>
+                                          <p:spTgt spid="3">
+                                            <p:txEl>
+                                              <p:pRg st="0" end="0"/>
+                                            </p:txEl>
+                                          </p:spTgt>
+                                        </p:tgtEl>
+                                      </p:cBhvr>
+                                    </p:animEffect>
                                     <p:anim calcmode="lin" valueType="num">
-                                      <p:cBhvr additive="base">
-                                        <p:cTn id="7" dur="500" fill="hold"/>
+                                      <p:cBhvr>
+                                        <p:cTn id="8" dur="1000" fill="hold"/>
                                         <p:tgtEl>
                                           <p:spTgt spid="3">
                                             <p:txEl>
@@ -5588,8 +5785,8 @@
                                       </p:tavLst>
                                     </p:anim>
                                     <p:anim calcmode="lin" valueType="num">
-                                      <p:cBhvr additive="base">
-                                        <p:cTn id="8" dur="500" fill="hold"/>
+                                      <p:cBhvr>
+                                        <p:cTn id="9" dur="1000" fill="hold"/>
                                         <p:tgtEl>
                                           <p:spTgt spid="3">
                                             <p:txEl>
@@ -5604,7 +5801,7 @@
                                       <p:tavLst>
                                         <p:tav tm="0">
                                           <p:val>
-                                            <p:strVal val="1+#ppt_h/2"/>
+                                            <p:strVal val="#ppt_y+.1"/>
                                           </p:val>
                                         </p:tav>
                                         <p:tav tm="100000">
@@ -5624,26 +5821,26 @@
                     </p:cTn>
                   </p:par>
                   <p:par>
-                    <p:cTn id="9" fill="hold">
+                    <p:cTn id="10" fill="hold">
                       <p:stCondLst>
                         <p:cond delay="indefinite"/>
                       </p:stCondLst>
                       <p:childTnLst>
                         <p:par>
-                          <p:cTn id="10" fill="hold">
+                          <p:cTn id="11" fill="hold">
                             <p:stCondLst>
                               <p:cond delay="0"/>
                             </p:stCondLst>
                             <p:childTnLst>
                               <p:par>
-                                <p:cTn id="11" presetID="2" presetClass="entr" presetSubtype="4" fill="hold" nodeType="clickEffect">
+                                <p:cTn id="12" presetID="42" presetClass="entr" presetSubtype="0" fill="hold" nodeType="clickEffect">
                                   <p:stCondLst>
                                     <p:cond delay="0"/>
                                   </p:stCondLst>
                                   <p:childTnLst>
                                     <p:set>
                                       <p:cBhvr>
-                                        <p:cTn id="12" dur="1" fill="hold">
+                                        <p:cTn id="13" dur="1" fill="hold">
                                           <p:stCondLst>
                                             <p:cond delay="0"/>
                                           </p:stCondLst>
@@ -5663,9 +5860,21 @@
                                         <p:strVal val="visible"/>
                                       </p:to>
                                     </p:set>
+                                    <p:animEffect transition="in" filter="fade">
+                                      <p:cBhvr>
+                                        <p:cTn id="14" dur="1000"/>
+                                        <p:tgtEl>
+                                          <p:spTgt spid="3">
+                                            <p:txEl>
+                                              <p:pRg st="1" end="1"/>
+                                            </p:txEl>
+                                          </p:spTgt>
+                                        </p:tgtEl>
+                                      </p:cBhvr>
+                                    </p:animEffect>
                                     <p:anim calcmode="lin" valueType="num">
-                                      <p:cBhvr additive="base">
-                                        <p:cTn id="13" dur="500" fill="hold"/>
+                                      <p:cBhvr>
+                                        <p:cTn id="15" dur="1000" fill="hold"/>
                                         <p:tgtEl>
                                           <p:spTgt spid="3">
                                             <p:txEl>
@@ -5691,8 +5900,8 @@
                                       </p:tavLst>
                                     </p:anim>
                                     <p:anim calcmode="lin" valueType="num">
-                                      <p:cBhvr additive="base">
-                                        <p:cTn id="14" dur="500" fill="hold"/>
+                                      <p:cBhvr>
+                                        <p:cTn id="16" dur="1000" fill="hold"/>
                                         <p:tgtEl>
                                           <p:spTgt spid="3">
                                             <p:txEl>
@@ -5707,7 +5916,7 @@
                                       <p:tavLst>
                                         <p:tav tm="0">
                                           <p:val>
-                                            <p:strVal val="1+#ppt_h/2"/>
+                                            <p:strVal val="#ppt_y+.1"/>
                                           </p:val>
                                         </p:tav>
                                         <p:tav tm="100000">
@@ -5727,26 +5936,26 @@
                     </p:cTn>
                   </p:par>
                   <p:par>
-                    <p:cTn id="15" fill="hold">
+                    <p:cTn id="17" fill="hold">
                       <p:stCondLst>
                         <p:cond delay="indefinite"/>
                       </p:stCondLst>
                       <p:childTnLst>
                         <p:par>
-                          <p:cTn id="16" fill="hold">
+                          <p:cTn id="18" fill="hold">
                             <p:stCondLst>
                               <p:cond delay="0"/>
                             </p:stCondLst>
                             <p:childTnLst>
                               <p:par>
-                                <p:cTn id="17" presetID="2" presetClass="entr" presetSubtype="4" fill="hold" nodeType="clickEffect">
+                                <p:cTn id="19" presetID="42" presetClass="entr" presetSubtype="0" fill="hold" nodeType="clickEffect">
                                   <p:stCondLst>
                                     <p:cond delay="0"/>
                                   </p:stCondLst>
                                   <p:childTnLst>
                                     <p:set>
                                       <p:cBhvr>
-                                        <p:cTn id="18" dur="1" fill="hold">
+                                        <p:cTn id="20" dur="1" fill="hold">
                                           <p:stCondLst>
                                             <p:cond delay="0"/>
                                           </p:stCondLst>
@@ -5766,9 +5975,21 @@
                                         <p:strVal val="visible"/>
                                       </p:to>
                                     </p:set>
+                                    <p:animEffect transition="in" filter="fade">
+                                      <p:cBhvr>
+                                        <p:cTn id="21" dur="1000"/>
+                                        <p:tgtEl>
+                                          <p:spTgt spid="3">
+                                            <p:txEl>
+                                              <p:pRg st="2" end="2"/>
+                                            </p:txEl>
+                                          </p:spTgt>
+                                        </p:tgtEl>
+                                      </p:cBhvr>
+                                    </p:animEffect>
                                     <p:anim calcmode="lin" valueType="num">
-                                      <p:cBhvr additive="base">
-                                        <p:cTn id="19" dur="500" fill="hold"/>
+                                      <p:cBhvr>
+                                        <p:cTn id="22" dur="1000" fill="hold"/>
                                         <p:tgtEl>
                                           <p:spTgt spid="3">
                                             <p:txEl>
@@ -5794,8 +6015,8 @@
                                       </p:tavLst>
                                     </p:anim>
                                     <p:anim calcmode="lin" valueType="num">
-                                      <p:cBhvr additive="base">
-                                        <p:cTn id="20" dur="500" fill="hold"/>
+                                      <p:cBhvr>
+                                        <p:cTn id="23" dur="1000" fill="hold"/>
                                         <p:tgtEl>
                                           <p:spTgt spid="3">
                                             <p:txEl>
@@ -5810,7 +6031,7 @@
                                       <p:tavLst>
                                         <p:tav tm="0">
                                           <p:val>
-                                            <p:strVal val="1+#ppt_h/2"/>
+                                            <p:strVal val="#ppt_y+.1"/>
                                           </p:val>
                                         </p:tav>
                                         <p:tav tm="100000">
@@ -5830,26 +6051,26 @@
                     </p:cTn>
                   </p:par>
                   <p:par>
-                    <p:cTn id="21" fill="hold">
+                    <p:cTn id="24" fill="hold">
                       <p:stCondLst>
                         <p:cond delay="indefinite"/>
                       </p:stCondLst>
                       <p:childTnLst>
                         <p:par>
-                          <p:cTn id="22" fill="hold">
+                          <p:cTn id="25" fill="hold">
                             <p:stCondLst>
                               <p:cond delay="0"/>
                             </p:stCondLst>
                             <p:childTnLst>
                               <p:par>
-                                <p:cTn id="23" presetID="2" presetClass="entr" presetSubtype="4" fill="hold" nodeType="clickEffect">
+                                <p:cTn id="26" presetID="42" presetClass="entr" presetSubtype="0" fill="hold" nodeType="clickEffect">
                                   <p:stCondLst>
                                     <p:cond delay="0"/>
                                   </p:stCondLst>
                                   <p:childTnLst>
                                     <p:set>
                                       <p:cBhvr>
-                                        <p:cTn id="24" dur="1" fill="hold">
+                                        <p:cTn id="27" dur="1" fill="hold">
                                           <p:stCondLst>
                                             <p:cond delay="0"/>
                                           </p:stCondLst>
@@ -5869,9 +6090,21 @@
                                         <p:strVal val="visible"/>
                                       </p:to>
                                     </p:set>
+                                    <p:animEffect transition="in" filter="fade">
+                                      <p:cBhvr>
+                                        <p:cTn id="28" dur="1000"/>
+                                        <p:tgtEl>
+                                          <p:spTgt spid="3">
+                                            <p:txEl>
+                                              <p:pRg st="3" end="3"/>
+                                            </p:txEl>
+                                          </p:spTgt>
+                                        </p:tgtEl>
+                                      </p:cBhvr>
+                                    </p:animEffect>
                                     <p:anim calcmode="lin" valueType="num">
-                                      <p:cBhvr additive="base">
-                                        <p:cTn id="25" dur="500" fill="hold"/>
+                                      <p:cBhvr>
+                                        <p:cTn id="29" dur="1000" fill="hold"/>
                                         <p:tgtEl>
                                           <p:spTgt spid="3">
                                             <p:txEl>
@@ -5897,8 +6130,8 @@
                                       </p:tavLst>
                                     </p:anim>
                                     <p:anim calcmode="lin" valueType="num">
-                                      <p:cBhvr additive="base">
-                                        <p:cTn id="26" dur="500" fill="hold"/>
+                                      <p:cBhvr>
+                                        <p:cTn id="30" dur="1000" fill="hold"/>
                                         <p:tgtEl>
                                           <p:spTgt spid="3">
                                             <p:txEl>
@@ -5913,7 +6146,7 @@
                                       <p:tavLst>
                                         <p:tav tm="0">
                                           <p:val>
-                                            <p:strVal val="1+#ppt_h/2"/>
+                                            <p:strVal val="#ppt_y+.1"/>
                                           </p:val>
                                         </p:tav>
                                         <p:tav tm="100000">
@@ -5933,26 +6166,26 @@
                     </p:cTn>
                   </p:par>
                   <p:par>
-                    <p:cTn id="27" fill="hold">
+                    <p:cTn id="31" fill="hold">
                       <p:stCondLst>
                         <p:cond delay="indefinite"/>
                       </p:stCondLst>
                       <p:childTnLst>
                         <p:par>
-                          <p:cTn id="28" fill="hold">
+                          <p:cTn id="32" fill="hold">
                             <p:stCondLst>
                               <p:cond delay="0"/>
                             </p:stCondLst>
                             <p:childTnLst>
                               <p:par>
-                                <p:cTn id="29" presetID="2" presetClass="entr" presetSubtype="4" fill="hold" nodeType="clickEffect">
+                                <p:cTn id="33" presetID="42" presetClass="entr" presetSubtype="0" fill="hold" nodeType="clickEffect">
                                   <p:stCondLst>
                                     <p:cond delay="0"/>
                                   </p:stCondLst>
                                   <p:childTnLst>
                                     <p:set>
                                       <p:cBhvr>
-                                        <p:cTn id="30" dur="1" fill="hold">
+                                        <p:cTn id="34" dur="1" fill="hold">
                                           <p:stCondLst>
                                             <p:cond delay="0"/>
                                           </p:stCondLst>
@@ -5972,9 +6205,21 @@
                                         <p:strVal val="visible"/>
                                       </p:to>
                                     </p:set>
+                                    <p:animEffect transition="in" filter="fade">
+                                      <p:cBhvr>
+                                        <p:cTn id="35" dur="1000"/>
+                                        <p:tgtEl>
+                                          <p:spTgt spid="3">
+                                            <p:txEl>
+                                              <p:pRg st="4" end="4"/>
+                                            </p:txEl>
+                                          </p:spTgt>
+                                        </p:tgtEl>
+                                      </p:cBhvr>
+                                    </p:animEffect>
                                     <p:anim calcmode="lin" valueType="num">
-                                      <p:cBhvr additive="base">
-                                        <p:cTn id="31" dur="500" fill="hold"/>
+                                      <p:cBhvr>
+                                        <p:cTn id="36" dur="1000" fill="hold"/>
                                         <p:tgtEl>
                                           <p:spTgt spid="3">
                                             <p:txEl>
@@ -6000,8 +6245,8 @@
                                       </p:tavLst>
                                     </p:anim>
                                     <p:anim calcmode="lin" valueType="num">
-                                      <p:cBhvr additive="base">
-                                        <p:cTn id="32" dur="500" fill="hold"/>
+                                      <p:cBhvr>
+                                        <p:cTn id="37" dur="1000" fill="hold"/>
                                         <p:tgtEl>
                                           <p:spTgt spid="3">
                                             <p:txEl>
@@ -6016,7 +6261,122 @@
                                       <p:tavLst>
                                         <p:tav tm="0">
                                           <p:val>
-                                            <p:strVal val="1+#ppt_h/2"/>
+                                            <p:strVal val="#ppt_y+.1"/>
+                                          </p:val>
+                                        </p:tav>
+                                        <p:tav tm="100000">
+                                          <p:val>
+                                            <p:strVal val="#ppt_y"/>
+                                          </p:val>
+                                        </p:tav>
+                                      </p:tavLst>
+                                    </p:anim>
+                                  </p:childTnLst>
+                                </p:cTn>
+                              </p:par>
+                            </p:childTnLst>
+                          </p:cTn>
+                        </p:par>
+                      </p:childTnLst>
+                    </p:cTn>
+                  </p:par>
+                  <p:par>
+                    <p:cTn id="38" fill="hold">
+                      <p:stCondLst>
+                        <p:cond delay="indefinite"/>
+                      </p:stCondLst>
+                      <p:childTnLst>
+                        <p:par>
+                          <p:cTn id="39" fill="hold">
+                            <p:stCondLst>
+                              <p:cond delay="0"/>
+                            </p:stCondLst>
+                            <p:childTnLst>
+                              <p:par>
+                                <p:cTn id="40" presetID="42" presetClass="entr" presetSubtype="0" fill="hold" nodeType="clickEffect">
+                                  <p:stCondLst>
+                                    <p:cond delay="0"/>
+                                  </p:stCondLst>
+                                  <p:childTnLst>
+                                    <p:set>
+                                      <p:cBhvr>
+                                        <p:cTn id="41" dur="1" fill="hold">
+                                          <p:stCondLst>
+                                            <p:cond delay="0"/>
+                                          </p:stCondLst>
+                                        </p:cTn>
+                                        <p:tgtEl>
+                                          <p:spTgt spid="3">
+                                            <p:txEl>
+                                              <p:pRg st="5" end="5"/>
+                                            </p:txEl>
+                                          </p:spTgt>
+                                        </p:tgtEl>
+                                        <p:attrNameLst>
+                                          <p:attrName>style.visibility</p:attrName>
+                                        </p:attrNameLst>
+                                      </p:cBhvr>
+                                      <p:to>
+                                        <p:strVal val="visible"/>
+                                      </p:to>
+                                    </p:set>
+                                    <p:animEffect transition="in" filter="fade">
+                                      <p:cBhvr>
+                                        <p:cTn id="42" dur="1000"/>
+                                        <p:tgtEl>
+                                          <p:spTgt spid="3">
+                                            <p:txEl>
+                                              <p:pRg st="5" end="5"/>
+                                            </p:txEl>
+                                          </p:spTgt>
+                                        </p:tgtEl>
+                                      </p:cBhvr>
+                                    </p:animEffect>
+                                    <p:anim calcmode="lin" valueType="num">
+                                      <p:cBhvr>
+                                        <p:cTn id="43" dur="1000" fill="hold"/>
+                                        <p:tgtEl>
+                                          <p:spTgt spid="3">
+                                            <p:txEl>
+                                              <p:pRg st="5" end="5"/>
+                                            </p:txEl>
+                                          </p:spTgt>
+                                        </p:tgtEl>
+                                        <p:attrNameLst>
+                                          <p:attrName>ppt_x</p:attrName>
+                                        </p:attrNameLst>
+                                      </p:cBhvr>
+                                      <p:tavLst>
+                                        <p:tav tm="0">
+                                          <p:val>
+                                            <p:strVal val="#ppt_x"/>
+                                          </p:val>
+                                        </p:tav>
+                                        <p:tav tm="100000">
+                                          <p:val>
+                                            <p:strVal val="#ppt_x"/>
+                                          </p:val>
+                                        </p:tav>
+                                      </p:tavLst>
+                                    </p:anim>
+                                    <p:anim calcmode="lin" valueType="num">
+                                      <p:cBhvr>
+                                        <p:cTn id="44" dur="1000" fill="hold"/>
+                                        <p:tgtEl>
+                                          <p:spTgt spid="3">
+                                            <p:txEl>
+                                              <p:pRg st="5" end="5"/>
+                                            </p:txEl>
+                                          </p:spTgt>
+                                        </p:tgtEl>
+                                        <p:attrNameLst>
+                                          <p:attrName>ppt_y</p:attrName>
+                                        </p:attrNameLst>
+                                      </p:cBhvr>
+                                      <p:tavLst>
+                                        <p:tav tm="0">
+                                          <p:val>
+                                            <p:strVal val="#ppt_y+.1"/>
                                           </p:val>
                                         </p:tav>
                                         <p:tav tm="100000">
@@ -6094,7 +6454,7 @@
           <a:p>
             <a:r>
               <a:rPr lang="en-US" dirty="0" smtClean="0"/>
-              <a:t>Motivation ... Personality ...</a:t>
+              <a:t>Experience</a:t>
             </a:r>
             <a:endParaRPr lang="en-US" dirty="0"/>
           </a:p>
@@ -6102,12 +6462,12 @@
       </p:sp>
       <p:sp>
         <p:nvSpPr>
-          <p:cNvPr id="3" name="Date Placeholder 2"/>
+          <p:cNvPr id="3" name="Content Placeholder 2"/>
           <p:cNvSpPr>
             <a:spLocks noGrp="1"/>
           </p:cNvSpPr>
           <p:nvPr>
-            <p:ph type="dt" sz="half" idx="10"/>
+            <p:ph idx="1"/>
           </p:nvPr>
         </p:nvSpPr>
         <p:spPr/>
@@ -6115,9 +6475,91 @@
           <a:bodyPr/>
           <a:lstStyle/>
           <a:p>
-            <a:fld id="{AC82F888-E352-4F14-8CA8-9773B3303DA3}" type="datetime1">
-              <a:rPr lang="en-US" smtClean="0"/>
-              <a:t>3/1/2017</a:t>
+            <a:r>
+              <a:rPr lang="en-US" dirty="0" smtClean="0"/>
+              <a:t>Over 4 years </a:t>
+            </a:r>
+            <a:r>
+              <a:rPr lang="en-US" dirty="0"/>
+              <a:t>as a Full-Stack </a:t>
+            </a:r>
+            <a:r>
+              <a:rPr lang="en-US" dirty="0" smtClean="0"/>
+              <a:t>Developer and experience in building high traffic, quality and performance web application base on .NET Framework.</a:t>
+            </a:r>
+          </a:p>
+          <a:p>
+            <a:r>
+              <a:rPr lang="en-US" dirty="0" smtClean="0"/>
+              <a:t>Worked and maintained many existing Enteprise projects.</a:t>
+            </a:r>
+          </a:p>
+          <a:p>
+            <a:r>
+              <a:rPr lang="en-US" dirty="0" smtClean="0"/>
+              <a:t>Solid </a:t>
+            </a:r>
+            <a:r>
+              <a:rPr lang="en-US" dirty="0"/>
+              <a:t>background and knowledge in </a:t>
+            </a:r>
+            <a:r>
+              <a:rPr lang="en-US" dirty="0" smtClean="0"/>
+              <a:t>DRY, </a:t>
+            </a:r>
+            <a:r>
+              <a:rPr lang="en-US" dirty="0"/>
+              <a:t>SOLID principles and design </a:t>
+            </a:r>
+            <a:r>
+              <a:rPr lang="en-US" dirty="0" smtClean="0"/>
+              <a:t>patterns.</a:t>
+            </a:r>
+          </a:p>
+          <a:p>
+            <a:r>
+              <a:rPr lang="en-US" dirty="0"/>
+              <a:t>Have rich experience in </a:t>
+            </a:r>
+            <a:r>
+              <a:rPr lang="en-US" dirty="0" smtClean="0"/>
+              <a:t>working and communication with team members  </a:t>
+            </a:r>
+            <a:r>
+              <a:rPr lang="en-US" dirty="0"/>
+              <a:t>as well as training &amp; coaching team members</a:t>
+            </a:r>
+            <a:r>
+              <a:rPr lang="en-US" dirty="0" smtClean="0"/>
+              <a:t>.</a:t>
+            </a:r>
+          </a:p>
+          <a:p>
+            <a:r>
+              <a:rPr lang="en-US" dirty="0" smtClean="0"/>
+              <a:t>Strong knowledge and experiences in UT follow XBB method as well as using UT frameworks.</a:t>
+            </a:r>
+          </a:p>
+        </p:txBody>
+      </p:sp>
+      <p:sp>
+        <p:nvSpPr>
+          <p:cNvPr id="4" name="Date Placeholder 3"/>
+          <p:cNvSpPr>
+            <a:spLocks noGrp="1"/>
+          </p:cNvSpPr>
+          <p:nvPr>
+            <p:ph type="dt" sz="half" idx="10"/>
+          </p:nvPr>
+        </p:nvSpPr>
+        <p:spPr/>
+        <p:txBody>
+          <a:bodyPr/>
+          <a:lstStyle/>
+          <a:p>
+            <a:fld id="{03F97C3F-B23C-4104-A04B-E7D8F73D12BD}" type="datetime1">
+              <a:rPr lang="en-US" smtClean="0"/>
+              <a:t>3/2/2017</a:t>
             </a:fld>
             <a:endParaRPr lang="en-US"/>
           </a:p>
@@ -6125,7 +6567,7 @@
       </p:sp>
       <p:sp>
         <p:nvSpPr>
-          <p:cNvPr id="7" name="Footer Placeholder 3"/>
+          <p:cNvPr id="5" name="Footer Placeholder 4"/>
           <p:cNvSpPr>
             <a:spLocks noGrp="1"/>
           </p:cNvSpPr>
@@ -6133,132 +6575,29 @@
             <p:ph type="ftr" sz="quarter" idx="11"/>
           </p:nvPr>
         </p:nvSpPr>
-        <p:spPr>
-          <a:xfrm>
-            <a:off x="609600" y="6484777"/>
-            <a:ext cx="4123765" cy="274022"/>
-          </a:xfrm>
-        </p:spPr>
+        <p:spPr/>
         <p:txBody>
           <a:bodyPr/>
           <a:lstStyle/>
           <a:p>
             <a:r>
-              <a:rPr lang="en-US" sz="1600" dirty="0"/>
+              <a:rPr lang="en-US" sz="1600" dirty="0" smtClean="0"/>
               <a:t>Johnny Nguyen</a:t>
             </a:r>
-            <a:endParaRPr lang="en-US" sz="1600" i="1" dirty="0"/>
-          </a:p>
-          <a:p>
-            <a:r>
-              <a:rPr lang="en-US" sz="1100" i="1" dirty="0"/>
+            <a:endParaRPr lang="en-US" sz="1600" i="1" dirty="0" smtClean="0"/>
+          </a:p>
+          <a:p>
+            <a:r>
+              <a:rPr lang="en-US" sz="1100" i="1" dirty="0" smtClean="0"/>
               <a:t>Performance, Commitment, Trust, Boldness, Independence</a:t>
             </a:r>
-          </a:p>
-        </p:txBody>
-      </p:sp>
-      <p:sp>
-        <p:nvSpPr>
-          <p:cNvPr id="4" name="Content Placeholder 3"/>
-          <p:cNvSpPr>
-            <a:spLocks noGrp="1"/>
-          </p:cNvSpPr>
-          <p:nvPr>
-            <p:ph idx="1"/>
-          </p:nvPr>
-        </p:nvSpPr>
-        <p:spPr/>
-        <p:txBody>
-          <a:bodyPr>
-            <a:normAutofit fontScale="92500" lnSpcReduction="10000"/>
-          </a:bodyPr>
-          <a:lstStyle/>
-          <a:p>
-            <a:r>
-              <a:rPr lang="en-US" dirty="0"/>
-              <a:t>Building the best product </a:t>
-            </a:r>
-            <a:r>
-              <a:rPr lang="en-US" dirty="0" smtClean="0"/>
-              <a:t>then </a:t>
-            </a:r>
-            <a:r>
-              <a:rPr lang="en-US" dirty="0"/>
-              <a:t>deliver it to user and make them happy is what </a:t>
-            </a:r>
-            <a:r>
-              <a:rPr lang="en-US" dirty="0" smtClean="0"/>
-              <a:t>gets me out of the beds every morning.</a:t>
-            </a:r>
-            <a:endParaRPr lang="en-US" dirty="0"/>
-          </a:p>
-          <a:p>
-            <a:r>
-              <a:rPr lang="en-US" dirty="0" smtClean="0"/>
-              <a:t>Direct and open discussion and prompt professional action.</a:t>
-            </a:r>
-          </a:p>
-          <a:p>
-            <a:r>
-              <a:rPr lang="en-US" dirty="0"/>
-              <a:t>I love coaching. To see people in progress</a:t>
-            </a:r>
-            <a:r>
-              <a:rPr lang="en-US" dirty="0" smtClean="0"/>
-              <a:t>.</a:t>
-            </a:r>
-          </a:p>
-          <a:p>
-            <a:r>
-              <a:rPr lang="en-US" dirty="0" smtClean="0"/>
-              <a:t>I desire to support other people who got problems because I may learn new things from it.</a:t>
-            </a:r>
-          </a:p>
-          <a:p>
-            <a:r>
-              <a:rPr lang="en-US" dirty="0" smtClean="0"/>
-              <a:t>I love learning new things and face new challenges to develop myself everyday.</a:t>
-            </a:r>
-          </a:p>
-          <a:p>
-            <a:r>
-              <a:rPr lang="en-US" dirty="0" smtClean="0"/>
-              <a:t>Communication and Motivation is the key to success.</a:t>
-            </a:r>
-          </a:p>
-          <a:p>
-            <a:r>
-              <a:rPr lang="en-US" dirty="0"/>
-              <a:t>Team player who listens and shares his ideas without reservation</a:t>
-            </a:r>
-            <a:r>
-              <a:rPr lang="en-US" dirty="0" smtClean="0"/>
-              <a:t>.</a:t>
-            </a:r>
-          </a:p>
-          <a:p>
-            <a:r>
-              <a:rPr lang="en-US" dirty="0"/>
-              <a:t>Openning minds, funny, positive </a:t>
-            </a:r>
-            <a:r>
-              <a:rPr lang="en-US" dirty="0" smtClean="0"/>
-              <a:t>attitude. </a:t>
-            </a:r>
-            <a:endParaRPr lang="en-US" dirty="0"/>
-          </a:p>
-          <a:p>
-            <a:endParaRPr lang="en-US" dirty="0" smtClean="0"/>
-          </a:p>
-          <a:p>
-            <a:endParaRPr lang="en-US" dirty="0"/>
           </a:p>
         </p:txBody>
       </p:sp>
     </p:spTree>
     <p:extLst>
       <p:ext uri="{BB962C8B-B14F-4D97-AF65-F5344CB8AC3E}">
-        <p14:creationId xmlns:p14="http://schemas.microsoft.com/office/powerpoint/2010/main" val="3446901371"/>
+        <p14:creationId xmlns:p14="http://schemas.microsoft.com/office/powerpoint/2010/main" val="3783398451"/>
       </p:ext>
     </p:extLst>
   </p:cSld>
@@ -6266,7 +6605,7 @@
     <a:masterClrMapping/>
   </p:clrMapOvr>
   <p:transition spd="slow">
-    <p:cover/>
+    <p:push dir="u"/>
   </p:transition>
   <p:timing>
     <p:tnLst>
@@ -6302,7 +6641,7 @@
                                           </p:stCondLst>
                                         </p:cTn>
                                         <p:tgtEl>
-                                          <p:spTgt spid="4">
+                                          <p:spTgt spid="3">
                                             <p:txEl>
                                               <p:pRg st="0" end="0"/>
                                             </p:txEl>
@@ -6320,7 +6659,7 @@
                                       <p:cBhvr additive="base">
                                         <p:cTn id="7" dur="500" fill="hold"/>
                                         <p:tgtEl>
-                                          <p:spTgt spid="4">
+                                          <p:spTgt spid="3">
                                             <p:txEl>
                                               <p:pRg st="0" end="0"/>
                                             </p:txEl>
@@ -6347,349 +6686,9 @@
                                       <p:cBhvr additive="base">
                                         <p:cTn id="8" dur="500" fill="hold"/>
                                         <p:tgtEl>
-                                          <p:spTgt spid="4">
+                                          <p:spTgt spid="3">
                                             <p:txEl>
                                               <p:pRg st="0" end="0"/>
-                                            </p:txEl>
-                                          </p:spTgt>
-                                        </p:tgtEl>
-                                        <p:attrNameLst>
-                                          <p:attrName>ppt_y</p:attrName>
-                                        </p:attrNameLst>
-                                      </p:cBhvr>
-                                      <p:tavLst>
-                                        <p:tav tm="0">
-                                          <p:val>
-                                            <p:strVal val="1+#ppt_h/2"/>
-                                          </p:val>
-                                        </p:tav>
-                                        <p:tav tm="100000">
-                                          <p:val>
-                                            <p:strVal val="#ppt_y"/>
-                                          </p:val>
-                                        </p:tav>
-                                      </p:tavLst>
-                                    </p:anim>
-                                  </p:childTnLst>
-                                </p:cTn>
-                              </p:par>
-                              <p:par>
-                                <p:cTn id="9" presetID="2" presetClass="entr" presetSubtype="4" fill="hold" nodeType="withEffect">
-                                  <p:stCondLst>
-                                    <p:cond delay="0"/>
-                                  </p:stCondLst>
-                                  <p:childTnLst>
-                                    <p:set>
-                                      <p:cBhvr>
-                                        <p:cTn id="10" dur="1" fill="hold">
-                                          <p:stCondLst>
-                                            <p:cond delay="0"/>
-                                          </p:stCondLst>
-                                        </p:cTn>
-                                        <p:tgtEl>
-                                          <p:spTgt spid="4">
-                                            <p:txEl>
-                                              <p:pRg st="1" end="1"/>
-                                            </p:txEl>
-                                          </p:spTgt>
-                                        </p:tgtEl>
-                                        <p:attrNameLst>
-                                          <p:attrName>style.visibility</p:attrName>
-                                        </p:attrNameLst>
-                                      </p:cBhvr>
-                                      <p:to>
-                                        <p:strVal val="visible"/>
-                                      </p:to>
-                                    </p:set>
-                                    <p:anim calcmode="lin" valueType="num">
-                                      <p:cBhvr additive="base">
-                                        <p:cTn id="11" dur="500" fill="hold"/>
-                                        <p:tgtEl>
-                                          <p:spTgt spid="4">
-                                            <p:txEl>
-                                              <p:pRg st="1" end="1"/>
-                                            </p:txEl>
-                                          </p:spTgt>
-                                        </p:tgtEl>
-                                        <p:attrNameLst>
-                                          <p:attrName>ppt_x</p:attrName>
-                                        </p:attrNameLst>
-                                      </p:cBhvr>
-                                      <p:tavLst>
-                                        <p:tav tm="0">
-                                          <p:val>
-                                            <p:strVal val="#ppt_x"/>
-                                          </p:val>
-                                        </p:tav>
-                                        <p:tav tm="100000">
-                                          <p:val>
-                                            <p:strVal val="#ppt_x"/>
-                                          </p:val>
-                                        </p:tav>
-                                      </p:tavLst>
-                                    </p:anim>
-                                    <p:anim calcmode="lin" valueType="num">
-                                      <p:cBhvr additive="base">
-                                        <p:cTn id="12" dur="500" fill="hold"/>
-                                        <p:tgtEl>
-                                          <p:spTgt spid="4">
-                                            <p:txEl>
-                                              <p:pRg st="1" end="1"/>
-                                            </p:txEl>
-                                          </p:spTgt>
-                                        </p:tgtEl>
-                                        <p:attrNameLst>
-                                          <p:attrName>ppt_y</p:attrName>
-                                        </p:attrNameLst>
-                                      </p:cBhvr>
-                                      <p:tavLst>
-                                        <p:tav tm="0">
-                                          <p:val>
-                                            <p:strVal val="1+#ppt_h/2"/>
-                                          </p:val>
-                                        </p:tav>
-                                        <p:tav tm="100000">
-                                          <p:val>
-                                            <p:strVal val="#ppt_y"/>
-                                          </p:val>
-                                        </p:tav>
-                                      </p:tavLst>
-                                    </p:anim>
-                                  </p:childTnLst>
-                                </p:cTn>
-                              </p:par>
-                              <p:par>
-                                <p:cTn id="13" presetID="2" presetClass="entr" presetSubtype="4" fill="hold" nodeType="withEffect">
-                                  <p:stCondLst>
-                                    <p:cond delay="0"/>
-                                  </p:stCondLst>
-                                  <p:childTnLst>
-                                    <p:set>
-                                      <p:cBhvr>
-                                        <p:cTn id="14" dur="1" fill="hold">
-                                          <p:stCondLst>
-                                            <p:cond delay="0"/>
-                                          </p:stCondLst>
-                                        </p:cTn>
-                                        <p:tgtEl>
-                                          <p:spTgt spid="4">
-                                            <p:txEl>
-                                              <p:pRg st="2" end="2"/>
-                                            </p:txEl>
-                                          </p:spTgt>
-                                        </p:tgtEl>
-                                        <p:attrNameLst>
-                                          <p:attrName>style.visibility</p:attrName>
-                                        </p:attrNameLst>
-                                      </p:cBhvr>
-                                      <p:to>
-                                        <p:strVal val="visible"/>
-                                      </p:to>
-                                    </p:set>
-                                    <p:anim calcmode="lin" valueType="num">
-                                      <p:cBhvr additive="base">
-                                        <p:cTn id="15" dur="500" fill="hold"/>
-                                        <p:tgtEl>
-                                          <p:spTgt spid="4">
-                                            <p:txEl>
-                                              <p:pRg st="2" end="2"/>
-                                            </p:txEl>
-                                          </p:spTgt>
-                                        </p:tgtEl>
-                                        <p:attrNameLst>
-                                          <p:attrName>ppt_x</p:attrName>
-                                        </p:attrNameLst>
-                                      </p:cBhvr>
-                                      <p:tavLst>
-                                        <p:tav tm="0">
-                                          <p:val>
-                                            <p:strVal val="#ppt_x"/>
-                                          </p:val>
-                                        </p:tav>
-                                        <p:tav tm="100000">
-                                          <p:val>
-                                            <p:strVal val="#ppt_x"/>
-                                          </p:val>
-                                        </p:tav>
-                                      </p:tavLst>
-                                    </p:anim>
-                                    <p:anim calcmode="lin" valueType="num">
-                                      <p:cBhvr additive="base">
-                                        <p:cTn id="16" dur="500" fill="hold"/>
-                                        <p:tgtEl>
-                                          <p:spTgt spid="4">
-                                            <p:txEl>
-                                              <p:pRg st="2" end="2"/>
-                                            </p:txEl>
-                                          </p:spTgt>
-                                        </p:tgtEl>
-                                        <p:attrNameLst>
-                                          <p:attrName>ppt_y</p:attrName>
-                                        </p:attrNameLst>
-                                      </p:cBhvr>
-                                      <p:tavLst>
-                                        <p:tav tm="0">
-                                          <p:val>
-                                            <p:strVal val="1+#ppt_h/2"/>
-                                          </p:val>
-                                        </p:tav>
-                                        <p:tav tm="100000">
-                                          <p:val>
-                                            <p:strVal val="#ppt_y"/>
-                                          </p:val>
-                                        </p:tav>
-                                      </p:tavLst>
-                                    </p:anim>
-                                  </p:childTnLst>
-                                </p:cTn>
-                              </p:par>
-                              <p:par>
-                                <p:cTn id="17" presetID="2" presetClass="entr" presetSubtype="4" fill="hold" nodeType="withEffect">
-                                  <p:stCondLst>
-                                    <p:cond delay="0"/>
-                                  </p:stCondLst>
-                                  <p:childTnLst>
-                                    <p:set>
-                                      <p:cBhvr>
-                                        <p:cTn id="18" dur="1" fill="hold">
-                                          <p:stCondLst>
-                                            <p:cond delay="0"/>
-                                          </p:stCondLst>
-                                        </p:cTn>
-                                        <p:tgtEl>
-                                          <p:spTgt spid="4">
-                                            <p:txEl>
-                                              <p:pRg st="3" end="3"/>
-                                            </p:txEl>
-                                          </p:spTgt>
-                                        </p:tgtEl>
-                                        <p:attrNameLst>
-                                          <p:attrName>style.visibility</p:attrName>
-                                        </p:attrNameLst>
-                                      </p:cBhvr>
-                                      <p:to>
-                                        <p:strVal val="visible"/>
-                                      </p:to>
-                                    </p:set>
-                                    <p:anim calcmode="lin" valueType="num">
-                                      <p:cBhvr additive="base">
-                                        <p:cTn id="19" dur="500" fill="hold"/>
-                                        <p:tgtEl>
-                                          <p:spTgt spid="4">
-                                            <p:txEl>
-                                              <p:pRg st="3" end="3"/>
-                                            </p:txEl>
-                                          </p:spTgt>
-                                        </p:tgtEl>
-                                        <p:attrNameLst>
-                                          <p:attrName>ppt_x</p:attrName>
-                                        </p:attrNameLst>
-                                      </p:cBhvr>
-                                      <p:tavLst>
-                                        <p:tav tm="0">
-                                          <p:val>
-                                            <p:strVal val="#ppt_x"/>
-                                          </p:val>
-                                        </p:tav>
-                                        <p:tav tm="100000">
-                                          <p:val>
-                                            <p:strVal val="#ppt_x"/>
-                                          </p:val>
-                                        </p:tav>
-                                      </p:tavLst>
-                                    </p:anim>
-                                    <p:anim calcmode="lin" valueType="num">
-                                      <p:cBhvr additive="base">
-                                        <p:cTn id="20" dur="500" fill="hold"/>
-                                        <p:tgtEl>
-                                          <p:spTgt spid="4">
-                                            <p:txEl>
-                                              <p:pRg st="3" end="3"/>
-                                            </p:txEl>
-                                          </p:spTgt>
-                                        </p:tgtEl>
-                                        <p:attrNameLst>
-                                          <p:attrName>ppt_y</p:attrName>
-                                        </p:attrNameLst>
-                                      </p:cBhvr>
-                                      <p:tavLst>
-                                        <p:tav tm="0">
-                                          <p:val>
-                                            <p:strVal val="1+#ppt_h/2"/>
-                                          </p:val>
-                                        </p:tav>
-                                        <p:tav tm="100000">
-                                          <p:val>
-                                            <p:strVal val="#ppt_y"/>
-                                          </p:val>
-                                        </p:tav>
-                                      </p:tavLst>
-                                    </p:anim>
-                                  </p:childTnLst>
-                                </p:cTn>
-                              </p:par>
-                              <p:par>
-                                <p:cTn id="21" presetID="2" presetClass="entr" presetSubtype="4" fill="hold" nodeType="withEffect">
-                                  <p:stCondLst>
-                                    <p:cond delay="0"/>
-                                  </p:stCondLst>
-                                  <p:childTnLst>
-                                    <p:set>
-                                      <p:cBhvr>
-                                        <p:cTn id="22" dur="1" fill="hold">
-                                          <p:stCondLst>
-                                            <p:cond delay="0"/>
-                                          </p:stCondLst>
-                                        </p:cTn>
-                                        <p:tgtEl>
-                                          <p:spTgt spid="4">
-                                            <p:txEl>
-                                              <p:pRg st="4" end="4"/>
-                                            </p:txEl>
-                                          </p:spTgt>
-                                        </p:tgtEl>
-                                        <p:attrNameLst>
-                                          <p:attrName>style.visibility</p:attrName>
-                                        </p:attrNameLst>
-                                      </p:cBhvr>
-                                      <p:to>
-                                        <p:strVal val="visible"/>
-                                      </p:to>
-                                    </p:set>
-                                    <p:anim calcmode="lin" valueType="num">
-                                      <p:cBhvr additive="base">
-                                        <p:cTn id="23" dur="500" fill="hold"/>
-                                        <p:tgtEl>
-                                          <p:spTgt spid="4">
-                                            <p:txEl>
-                                              <p:pRg st="4" end="4"/>
-                                            </p:txEl>
-                                          </p:spTgt>
-                                        </p:tgtEl>
-                                        <p:attrNameLst>
-                                          <p:attrName>ppt_x</p:attrName>
-                                        </p:attrNameLst>
-                                      </p:cBhvr>
-                                      <p:tavLst>
-                                        <p:tav tm="0">
-                                          <p:val>
-                                            <p:strVal val="#ppt_x"/>
-                                          </p:val>
-                                        </p:tav>
-                                        <p:tav tm="100000">
-                                          <p:val>
-                                            <p:strVal val="#ppt_x"/>
-                                          </p:val>
-                                        </p:tav>
-                                      </p:tavLst>
-                                    </p:anim>
-                                    <p:anim calcmode="lin" valueType="num">
-                                      <p:cBhvr additive="base">
-                                        <p:cTn id="24" dur="500" fill="hold"/>
-                                        <p:tgtEl>
-                                          <p:spTgt spid="4">
-                                            <p:txEl>
-                                              <p:pRg st="4" end="4"/>
                                             </p:txEl>
                                           </p:spTgt>
                                         </p:tgtEl>
@@ -6720,34 +6719,34 @@
                     </p:cTn>
                   </p:par>
                   <p:par>
-                    <p:cTn id="25" fill="hold">
+                    <p:cTn id="9" fill="hold">
                       <p:stCondLst>
                         <p:cond delay="indefinite"/>
                       </p:stCondLst>
                       <p:childTnLst>
                         <p:par>
-                          <p:cTn id="26" fill="hold">
+                          <p:cTn id="10" fill="hold">
                             <p:stCondLst>
                               <p:cond delay="0"/>
                             </p:stCondLst>
                             <p:childTnLst>
                               <p:par>
-                                <p:cTn id="27" presetID="53" presetClass="entr" presetSubtype="16" fill="hold" nodeType="clickEffect">
+                                <p:cTn id="11" presetID="2" presetClass="entr" presetSubtype="4" fill="hold" nodeType="clickEffect">
                                   <p:stCondLst>
                                     <p:cond delay="0"/>
                                   </p:stCondLst>
                                   <p:childTnLst>
                                     <p:set>
                                       <p:cBhvr>
-                                        <p:cTn id="28" dur="1" fill="hold">
+                                        <p:cTn id="12" dur="1" fill="hold">
                                           <p:stCondLst>
                                             <p:cond delay="0"/>
                                           </p:stCondLst>
                                         </p:cTn>
                                         <p:tgtEl>
-                                          <p:spTgt spid="4">
-                                            <p:txEl>
-                                              <p:pRg st="5" end="5"/>
+                                          <p:spTgt spid="3">
+                                            <p:txEl>
+                                              <p:pRg st="1" end="1"/>
                                             </p:txEl>
                                           </p:spTgt>
                                         </p:tgtEl>
@@ -6760,91 +6759,97 @@
                                       </p:to>
                                     </p:set>
                                     <p:anim calcmode="lin" valueType="num">
-                                      <p:cBhvr>
-                                        <p:cTn id="29" dur="500" fill="hold"/>
-                                        <p:tgtEl>
-                                          <p:spTgt spid="4">
-                                            <p:txEl>
-                                              <p:pRg st="5" end="5"/>
+                                      <p:cBhvr additive="base">
+                                        <p:cTn id="13" dur="500" fill="hold"/>
+                                        <p:tgtEl>
+                                          <p:spTgt spid="3">
+                                            <p:txEl>
+                                              <p:pRg st="1" end="1"/>
                                             </p:txEl>
                                           </p:spTgt>
                                         </p:tgtEl>
                                         <p:attrNameLst>
-                                          <p:attrName>ppt_w</p:attrName>
+                                          <p:attrName>ppt_x</p:attrName>
                                         </p:attrNameLst>
                                       </p:cBhvr>
                                       <p:tavLst>
                                         <p:tav tm="0">
                                           <p:val>
-                                            <p:fltVal val="0"/>
+                                            <p:strVal val="#ppt_x"/>
                                           </p:val>
                                         </p:tav>
                                         <p:tav tm="100000">
                                           <p:val>
-                                            <p:strVal val="#ppt_w"/>
+                                            <p:strVal val="#ppt_x"/>
                                           </p:val>
                                         </p:tav>
                                       </p:tavLst>
                                     </p:anim>
                                     <p:anim calcmode="lin" valueType="num">
-                                      <p:cBhvr>
-                                        <p:cTn id="30" dur="500" fill="hold"/>
-                                        <p:tgtEl>
-                                          <p:spTgt spid="4">
-                                            <p:txEl>
-                                              <p:pRg st="5" end="5"/>
+                                      <p:cBhvr additive="base">
+                                        <p:cTn id="14" dur="500" fill="hold"/>
+                                        <p:tgtEl>
+                                          <p:spTgt spid="3">
+                                            <p:txEl>
+                                              <p:pRg st="1" end="1"/>
                                             </p:txEl>
                                           </p:spTgt>
                                         </p:tgtEl>
                                         <p:attrNameLst>
-                                          <p:attrName>ppt_h</p:attrName>
+                                          <p:attrName>ppt_y</p:attrName>
                                         </p:attrNameLst>
                                       </p:cBhvr>
                                       <p:tavLst>
                                         <p:tav tm="0">
                                           <p:val>
-                                            <p:fltVal val="0"/>
+                                            <p:strVal val="1+#ppt_h/2"/>
                                           </p:val>
                                         </p:tav>
                                         <p:tav tm="100000">
                                           <p:val>
-                                            <p:strVal val="#ppt_h"/>
+                                            <p:strVal val="#ppt_y"/>
                                           </p:val>
                                         </p:tav>
                                       </p:tavLst>
                                     </p:anim>
-                                    <p:animEffect transition="in" filter="fade">
-                                      <p:cBhvr>
-                                        <p:cTn id="31" dur="500"/>
-                                        <p:tgtEl>
-                                          <p:spTgt spid="4">
-                                            <p:txEl>
-                                              <p:pRg st="5" end="5"/>
-                                            </p:txEl>
-                                          </p:spTgt>
-                                        </p:tgtEl>
-                                      </p:cBhvr>
-                                    </p:animEffect>
                                   </p:childTnLst>
                                 </p:cTn>
                               </p:par>
+                            </p:childTnLst>
+                          </p:cTn>
+                        </p:par>
+                      </p:childTnLst>
+                    </p:cTn>
+                  </p:par>
+                  <p:par>
+                    <p:cTn id="15" fill="hold">
+                      <p:stCondLst>
+                        <p:cond delay="indefinite"/>
+                      </p:stCondLst>
+                      <p:childTnLst>
+                        <p:par>
+                          <p:cTn id="16" fill="hold">
+                            <p:stCondLst>
+                              <p:cond delay="0"/>
+                            </p:stCondLst>
+                            <p:childTnLst>
                               <p:par>
-                                <p:cTn id="32" presetID="53" presetClass="entr" presetSubtype="16" fill="hold" nodeType="withEffect">
+                                <p:cTn id="17" presetID="2" presetClass="entr" presetSubtype="4" fill="hold" nodeType="clickEffect">
                                   <p:stCondLst>
                                     <p:cond delay="0"/>
                                   </p:stCondLst>
                                   <p:childTnLst>
                                     <p:set>
                                       <p:cBhvr>
-                                        <p:cTn id="33" dur="1" fill="hold">
+                                        <p:cTn id="18" dur="1" fill="hold">
                                           <p:stCondLst>
                                             <p:cond delay="0"/>
                                           </p:stCondLst>
                                         </p:cTn>
                                         <p:tgtEl>
-                                          <p:spTgt spid="4">
-                                            <p:txEl>
-                                              <p:pRg st="6" end="6"/>
+                                          <p:spTgt spid="3">
+                                            <p:txEl>
+                                              <p:pRg st="2" end="2"/>
                                             </p:txEl>
                                           </p:spTgt>
                                         </p:tgtEl>
@@ -6857,91 +6862,97 @@
                                       </p:to>
                                     </p:set>
                                     <p:anim calcmode="lin" valueType="num">
-                                      <p:cBhvr>
-                                        <p:cTn id="34" dur="500" fill="hold"/>
-                                        <p:tgtEl>
-                                          <p:spTgt spid="4">
-                                            <p:txEl>
-                                              <p:pRg st="6" end="6"/>
+                                      <p:cBhvr additive="base">
+                                        <p:cTn id="19" dur="500" fill="hold"/>
+                                        <p:tgtEl>
+                                          <p:spTgt spid="3">
+                                            <p:txEl>
+                                              <p:pRg st="2" end="2"/>
                                             </p:txEl>
                                           </p:spTgt>
                                         </p:tgtEl>
                                         <p:attrNameLst>
-                                          <p:attrName>ppt_w</p:attrName>
+                                          <p:attrName>ppt_x</p:attrName>
                                         </p:attrNameLst>
                                       </p:cBhvr>
                                       <p:tavLst>
                                         <p:tav tm="0">
                                           <p:val>
-                                            <p:fltVal val="0"/>
+                                            <p:strVal val="#ppt_x"/>
                                           </p:val>
                                         </p:tav>
                                         <p:tav tm="100000">
                                           <p:val>
-                                            <p:strVal val="#ppt_w"/>
+                                            <p:strVal val="#ppt_x"/>
                                           </p:val>
                                         </p:tav>
                                       </p:tavLst>
                                     </p:anim>
                                     <p:anim calcmode="lin" valueType="num">
-                                      <p:cBhvr>
-                                        <p:cTn id="35" dur="500" fill="hold"/>
-                                        <p:tgtEl>
-                                          <p:spTgt spid="4">
-                                            <p:txEl>
-                                              <p:pRg st="6" end="6"/>
+                                      <p:cBhvr additive="base">
+                                        <p:cTn id="20" dur="500" fill="hold"/>
+                                        <p:tgtEl>
+                                          <p:spTgt spid="3">
+                                            <p:txEl>
+                                              <p:pRg st="2" end="2"/>
                                             </p:txEl>
                                           </p:spTgt>
                                         </p:tgtEl>
                                         <p:attrNameLst>
-                                          <p:attrName>ppt_h</p:attrName>
+                                          <p:attrName>ppt_y</p:attrName>
                                         </p:attrNameLst>
                                       </p:cBhvr>
                                       <p:tavLst>
                                         <p:tav tm="0">
                                           <p:val>
-                                            <p:fltVal val="0"/>
+                                            <p:strVal val="1+#ppt_h/2"/>
                                           </p:val>
                                         </p:tav>
                                         <p:tav tm="100000">
                                           <p:val>
-                                            <p:strVal val="#ppt_h"/>
+                                            <p:strVal val="#ppt_y"/>
                                           </p:val>
                                         </p:tav>
                                       </p:tavLst>
                                     </p:anim>
-                                    <p:animEffect transition="in" filter="fade">
-                                      <p:cBhvr>
-                                        <p:cTn id="36" dur="500"/>
-                                        <p:tgtEl>
-                                          <p:spTgt spid="4">
-                                            <p:txEl>
-                                              <p:pRg st="6" end="6"/>
-                                            </p:txEl>
-                                          </p:spTgt>
-                                        </p:tgtEl>
-                                      </p:cBhvr>
-                                    </p:animEffect>
                                   </p:childTnLst>
                                 </p:cTn>
                               </p:par>
+                            </p:childTnLst>
+                          </p:cTn>
+                        </p:par>
+                      </p:childTnLst>
+                    </p:cTn>
+                  </p:par>
+                  <p:par>
+                    <p:cTn id="21" fill="hold">
+                      <p:stCondLst>
+                        <p:cond delay="indefinite"/>
+                      </p:stCondLst>
+                      <p:childTnLst>
+                        <p:par>
+                          <p:cTn id="22" fill="hold">
+                            <p:stCondLst>
+                              <p:cond delay="0"/>
+                            </p:stCondLst>
+                            <p:childTnLst>
                               <p:par>
-                                <p:cTn id="37" presetID="53" presetClass="entr" presetSubtype="16" fill="hold" nodeType="withEffect">
+                                <p:cTn id="23" presetID="2" presetClass="entr" presetSubtype="4" fill="hold" nodeType="clickEffect">
                                   <p:stCondLst>
                                     <p:cond delay="0"/>
                                   </p:stCondLst>
                                   <p:childTnLst>
                                     <p:set>
                                       <p:cBhvr>
-                                        <p:cTn id="38" dur="1" fill="hold">
+                                        <p:cTn id="24" dur="1" fill="hold">
                                           <p:stCondLst>
                                             <p:cond delay="0"/>
                                           </p:stCondLst>
                                         </p:cTn>
                                         <p:tgtEl>
-                                          <p:spTgt spid="4">
-                                            <p:txEl>
-                                              <p:pRg st="7" end="7"/>
+                                          <p:spTgt spid="3">
+                                            <p:txEl>
+                                              <p:pRg st="3" end="3"/>
                                             </p:txEl>
                                           </p:spTgt>
                                         </p:tgtEl>
@@ -6954,71 +6965,162 @@
                                       </p:to>
                                     </p:set>
                                     <p:anim calcmode="lin" valueType="num">
-                                      <p:cBhvr>
-                                        <p:cTn id="39" dur="500" fill="hold"/>
-                                        <p:tgtEl>
-                                          <p:spTgt spid="4">
-                                            <p:txEl>
-                                              <p:pRg st="7" end="7"/>
+                                      <p:cBhvr additive="base">
+                                        <p:cTn id="25" dur="500" fill="hold"/>
+                                        <p:tgtEl>
+                                          <p:spTgt spid="3">
+                                            <p:txEl>
+                                              <p:pRg st="3" end="3"/>
                                             </p:txEl>
                                           </p:spTgt>
                                         </p:tgtEl>
                                         <p:attrNameLst>
-                                          <p:attrName>ppt_w</p:attrName>
+                                          <p:attrName>ppt_x</p:attrName>
                                         </p:attrNameLst>
                                       </p:cBhvr>
                                       <p:tavLst>
                                         <p:tav tm="0">
                                           <p:val>
-                                            <p:fltVal val="0"/>
+                                            <p:strVal val="#ppt_x"/>
                                           </p:val>
                                         </p:tav>
                                         <p:tav tm="100000">
                                           <p:val>
-                                            <p:strVal val="#ppt_w"/>
+                                            <p:strVal val="#ppt_x"/>
                                           </p:val>
                                         </p:tav>
                                       </p:tavLst>
                                     </p:anim>
                                     <p:anim calcmode="lin" valueType="num">
-                                      <p:cBhvr>
-                                        <p:cTn id="40" dur="500" fill="hold"/>
-                                        <p:tgtEl>
-                                          <p:spTgt spid="4">
-                                            <p:txEl>
-                                              <p:pRg st="7" end="7"/>
+                                      <p:cBhvr additive="base">
+                                        <p:cTn id="26" dur="500" fill="hold"/>
+                                        <p:tgtEl>
+                                          <p:spTgt spid="3">
+                                            <p:txEl>
+                                              <p:pRg st="3" end="3"/>
                                             </p:txEl>
                                           </p:spTgt>
                                         </p:tgtEl>
                                         <p:attrNameLst>
-                                          <p:attrName>ppt_h</p:attrName>
+                                          <p:attrName>ppt_y</p:attrName>
                                         </p:attrNameLst>
                                       </p:cBhvr>
                                       <p:tavLst>
                                         <p:tav tm="0">
                                           <p:val>
-                                            <p:fltVal val="0"/>
+                                            <p:strVal val="1+#ppt_h/2"/>
                                           </p:val>
                                         </p:tav>
                                         <p:tav tm="100000">
                                           <p:val>
-                                            <p:strVal val="#ppt_h"/>
+                                            <p:strVal val="#ppt_y"/>
                                           </p:val>
                                         </p:tav>
                                       </p:tavLst>
                                     </p:anim>
-                                    <p:animEffect transition="in" filter="fade">
+                                  </p:childTnLst>
+                                </p:cTn>
+                              </p:par>
+                            </p:childTnLst>
+                          </p:cTn>
+                        </p:par>
+                      </p:childTnLst>
+                    </p:cTn>
+                  </p:par>
+                  <p:par>
+                    <p:cTn id="27" fill="hold">
+                      <p:stCondLst>
+                        <p:cond delay="indefinite"/>
+                      </p:stCondLst>
+                      <p:childTnLst>
+                        <p:par>
+                          <p:cTn id="28" fill="hold">
+                            <p:stCondLst>
+                              <p:cond delay="0"/>
+                            </p:stCondLst>
+                            <p:childTnLst>
+                              <p:par>
+                                <p:cTn id="29" presetID="2" presetClass="entr" presetSubtype="4" fill="hold" nodeType="clickEffect">
+                                  <p:stCondLst>
+                                    <p:cond delay="0"/>
+                                  </p:stCondLst>
+                                  <p:childTnLst>
+                                    <p:set>
                                       <p:cBhvr>
-                                        <p:cTn id="41" dur="500"/>
-                                        <p:tgtEl>
-                                          <p:spTgt spid="4">
-                                            <p:txEl>
-                                              <p:pRg st="7" end="7"/>
-                                            </p:txEl>
-                                          </p:spTgt>
-                                        </p:tgtEl>
-                                      </p:cBhvr>
-                                    </p:animEffect>
+                                        <p:cTn id="30" dur="1" fill="hold">
+                                          <p:stCondLst>
+                                            <p:cond delay="0"/>
+                                          </p:stCondLst>
+                                        </p:cTn>
+                                        <p:tgtEl>
+                                          <p:spTgt spid="3">
+                                            <p:txEl>
+                                              <p:pRg st="4" end="4"/>
+                                            </p:txEl>
+                                          </p:spTgt>
+                                        </p:tgtEl>
+                                        <p:attrNameLst>
+                                          <p:attrName>style.visibility</p:attrName>
+                                        </p:attrNameLst>
+                                      </p:cBhvr>
+                                      <p:to>
+                                        <p:strVal val="visible"/>
+                                      </p:to>
+                                    </p:set>
+                                    <p:anim calcmode="lin" valueType="num">
+                                      <p:cBhvr additive="base">
+                                        <p:cTn id="31" dur="500" fill="hold"/>
+                                        <p:tgtEl>
+                                          <p:spTgt spid="3">
+                                            <p:txEl>
+                                              <p:pRg st="4" end="4"/>
+                                            </p:txEl>
+                                          </p:spTgt>
+                                        </p:tgtEl>
+                                        <p:attrNameLst>
+                                          <p:attrName>ppt_x</p:attrName>
+                                        </p:attrNameLst>
+                                      </p:cBhvr>
+                                      <p:tavLst>
+                                        <p:tav tm="0">
+                                          <p:val>
+                                            <p:strVal val="#ppt_x"/>
+                                          </p:val>
+                                        </p:tav>
+                                        <p:tav tm="100000">
+                                          <p:val>
+                                            <p:strVal val="#ppt_x"/>
+                                          </p:val>
+                                        </p:tav>
+                                      </p:tavLst>
+                                    </p:anim>
+                                    <p:anim calcmode="lin" valueType="num">
+                                      <p:cBhvr additive="base">
+                                        <p:cTn id="32" dur="500" fill="hold"/>
+                                        <p:tgtEl>
+                                          <p:spTgt spid="3">
+                                            <p:txEl>
+                                              <p:pRg st="4" end="4"/>
+                                            </p:txEl>
+                                          </p:spTgt>
+                                        </p:tgtEl>
+                                        <p:attrNameLst>
+                                          <p:attrName>ppt_y</p:attrName>
+                                        </p:attrNameLst>
+                                      </p:cBhvr>
+                                      <p:tavLst>
+                                        <p:tav tm="0">
+                                          <p:val>
+                                            <p:strVal val="1+#ppt_h/2"/>
+                                          </p:val>
+                                        </p:tav>
+                                        <p:tav tm="100000">
+                                          <p:val>
+                                            <p:strVal val="#ppt_y"/>
+                                          </p:val>
+                                        </p:tav>
+                                      </p:tavLst>
+                                    </p:anim>
                                   </p:childTnLst>
                                 </p:cTn>
                               </p:par>
@@ -7087,7 +7189,7 @@
           <a:p>
             <a:r>
               <a:rPr lang="en-US" dirty="0" smtClean="0"/>
-              <a:t>Skills</a:t>
+              <a:t>Motivation ... Personality ...</a:t>
             </a:r>
             <a:endParaRPr lang="en-US" dirty="0"/>
           </a:p>
@@ -7110,7 +7212,7 @@
           <a:p>
             <a:fld id="{AC82F888-E352-4F14-8CA8-9773B3303DA3}" type="datetime1">
               <a:rPr lang="en-US" smtClean="0"/>
-              <a:t>3/1/2017</a:t>
+              <a:t>3/2/2017</a:t>
             </a:fld>
             <a:endParaRPr lang="en-US"/>
           </a:p>
@@ -7160,12 +7262,7 @@
             <p:ph idx="1"/>
           </p:nvPr>
         </p:nvSpPr>
-        <p:spPr>
-          <a:xfrm>
-            <a:off x="1295400" y="1943637"/>
-            <a:ext cx="9601200" cy="4267200"/>
-          </a:xfrm>
-        </p:spPr>
+        <p:spPr/>
         <p:txBody>
           <a:bodyPr>
             <a:normAutofit fontScale="92500" lnSpcReduction="10000"/>
@@ -7173,60 +7270,80 @@
           <a:lstStyle/>
           <a:p>
             <a:r>
-              <a:rPr lang="en-US" dirty="0" smtClean="0"/>
-              <a:t>Graduted from AUE University in engineering.</a:t>
-            </a:r>
-          </a:p>
-          <a:p>
-            <a:r>
-              <a:rPr lang="en-US" dirty="0" smtClean="0"/>
-              <a:t>More than 4 years’ experience in Asp.Net MVC, Web API, EF, Dapper, Sql server, etc...</a:t>
-            </a:r>
-          </a:p>
-          <a:p>
-            <a:r>
-              <a:rPr lang="en-US" dirty="0" smtClean="0"/>
-              <a:t>More than familiar with HTML, Css, Javascript. Good knowledge on UI performance and write maintainable javascript code. </a:t>
+              <a:rPr lang="en-US" dirty="0"/>
+              <a:t>Building the best product </a:t>
+            </a:r>
+            <a:r>
+              <a:rPr lang="en-US" dirty="0" smtClean="0"/>
+              <a:t>then </a:t>
+            </a:r>
+            <a:r>
+              <a:rPr lang="en-US" dirty="0"/>
+              <a:t>deliver it to user and make them happy is what </a:t>
+            </a:r>
+            <a:r>
+              <a:rPr lang="en-US" dirty="0" smtClean="0"/>
+              <a:t>gets me out of the beds every morning.</a:t>
             </a:r>
             <a:endParaRPr lang="en-US" dirty="0"/>
           </a:p>
           <a:p>
             <a:r>
               <a:rPr lang="en-US" dirty="0" smtClean="0"/>
-              <a:t>Knowledge in Gulp, NodeJs, Sass, Less.</a:t>
-            </a:r>
-          </a:p>
-          <a:p>
-            <a:r>
-              <a:rPr lang="en-US" dirty="0" smtClean="0"/>
-              <a:t>Strong experience in AngularJs and Jquery, other libs.</a:t>
-            </a:r>
-          </a:p>
-          <a:p>
-            <a:r>
-              <a:rPr lang="en-US" dirty="0" smtClean="0"/>
-              <a:t>Strong knowledge and experience in </a:t>
-            </a:r>
+              <a:t>Direct and open discussion and prompt professional action.</a:t>
+            </a:r>
+          </a:p>
+          <a:p>
             <a:r>
               <a:rPr lang="en-US" dirty="0"/>
-              <a:t>writing </a:t>
-            </a:r>
-            <a:r>
-              <a:rPr lang="en-US" dirty="0" smtClean="0"/>
-              <a:t>efficient sql query and database peformance. Investigate performance problem using sql profiler, sql execution plain, etc... </a:t>
-            </a:r>
-          </a:p>
-          <a:p>
-            <a:r>
-              <a:rPr lang="en-US" dirty="0" smtClean="0"/>
-              <a:t>Have experience in building structure for UT.</a:t>
-            </a:r>
-          </a:p>
-          <a:p>
-            <a:r>
-              <a:rPr lang="en-US" dirty="0" smtClean="0"/>
-              <a:t>Have rich knowledge and experience in Scrum/Agile. </a:t>
-            </a:r>
+              <a:t>I love coaching. To see people in progress</a:t>
+            </a:r>
+            <a:r>
+              <a:rPr lang="en-US" dirty="0" smtClean="0"/>
+              <a:t>.</a:t>
+            </a:r>
+          </a:p>
+          <a:p>
+            <a:r>
+              <a:rPr lang="en-US" dirty="0" smtClean="0"/>
+              <a:t>I desire to support other people who got problems because I may learn new things from it.</a:t>
+            </a:r>
+          </a:p>
+          <a:p>
+            <a:r>
+              <a:rPr lang="en-US" dirty="0" smtClean="0"/>
+              <a:t>I love learning new things and face new challenges to develop myself everyday.</a:t>
+            </a:r>
+          </a:p>
+          <a:p>
+            <a:r>
+              <a:rPr lang="en-US" dirty="0" smtClean="0"/>
+              <a:t>Communication and Motivation is the key to success.</a:t>
+            </a:r>
+          </a:p>
+          <a:p>
+            <a:r>
+              <a:rPr lang="en-US" dirty="0"/>
+              <a:t>Team player who listens and shares his ideas without reservation</a:t>
+            </a:r>
+            <a:r>
+              <a:rPr lang="en-US" dirty="0" smtClean="0"/>
+              <a:t>.</a:t>
+            </a:r>
+          </a:p>
+          <a:p>
+            <a:r>
+              <a:rPr lang="en-US" dirty="0"/>
+              <a:t>Openning minds, funny, positive </a:t>
+            </a:r>
+            <a:r>
+              <a:rPr lang="en-US" dirty="0" smtClean="0"/>
+              <a:t>attitude. </a:t>
+            </a:r>
+            <a:endParaRPr lang="en-US" dirty="0"/>
+          </a:p>
+          <a:p>
+            <a:endParaRPr lang="en-US" dirty="0" smtClean="0"/>
           </a:p>
           <a:p>
             <a:endParaRPr lang="en-US" dirty="0"/>
@@ -7236,25 +7353,16 @@
     </p:spTree>
     <p:extLst>
       <p:ext uri="{BB962C8B-B14F-4D97-AF65-F5344CB8AC3E}">
-        <p14:creationId xmlns:p14="http://schemas.microsoft.com/office/powerpoint/2010/main" val="2938159352"/>
+        <p14:creationId xmlns:p14="http://schemas.microsoft.com/office/powerpoint/2010/main" val="3446901371"/>
       </p:ext>
     </p:extLst>
   </p:cSld>
   <p:clrMapOvr>
     <a:masterClrMapping/>
   </p:clrMapOvr>
-  <mc:AlternateContent xmlns:mc="http://schemas.openxmlformats.org/markup-compatibility/2006">
-    <mc:Choice xmlns:p14="http://schemas.microsoft.com/office/powerpoint/2010/main" Requires="p14">
-      <p:transition spd="slow" p14:dur="1500">
-        <p:split orient="vert"/>
-      </p:transition>
-    </mc:Choice>
-    <mc:Fallback>
-      <p:transition spd="slow">
-        <p:split orient="vert"/>
-      </p:transition>
-    </mc:Fallback>
-  </mc:AlternateContent>
+  <p:transition spd="slow">
+    <p:cover/>
+  </p:transition>
   <p:timing>
     <p:tnLst>
       <p:par>
@@ -7276,7 +7384,7 @@
                             </p:stCondLst>
                             <p:childTnLst>
                               <p:par>
-                                <p:cTn id="5" presetID="16" presetClass="entr" presetSubtype="21" fill="hold" nodeType="clickEffect">
+                                <p:cTn id="5" presetID="2" presetClass="entr" presetSubtype="4" fill="hold" nodeType="clickEffect">
                                   <p:stCondLst>
                                     <p:cond delay="0"/>
                                   </p:stCondLst>
@@ -7303,9 +7411,9 @@
                                         <p:strVal val="visible"/>
                                       </p:to>
                                     </p:set>
-                                    <p:animEffect transition="in" filter="barn(inVertical)">
-                                      <p:cBhvr>
-                                        <p:cTn id="7" dur="500"/>
+                                    <p:anim calcmode="lin" valueType="num">
+                                      <p:cBhvr additive="base">
+                                        <p:cTn id="7" dur="500" fill="hold"/>
                                         <p:tgtEl>
                                           <p:spTgt spid="4">
                                             <p:txEl>
@@ -7313,38 +7421,62 @@
                                             </p:txEl>
                                           </p:spTgt>
                                         </p:tgtEl>
-                                      </p:cBhvr>
-                                    </p:animEffect>
+                                        <p:attrNameLst>
+                                          <p:attrName>ppt_x</p:attrName>
+                                        </p:attrNameLst>
+                                      </p:cBhvr>
+                                      <p:tavLst>
+                                        <p:tav tm="0">
+                                          <p:val>
+                                            <p:strVal val="#ppt_x"/>
+                                          </p:val>
+                                        </p:tav>
+                                        <p:tav tm="100000">
+                                          <p:val>
+                                            <p:strVal val="#ppt_x"/>
+                                          </p:val>
+                                        </p:tav>
+                                      </p:tavLst>
+                                    </p:anim>
+                                    <p:anim calcmode="lin" valueType="num">
+                                      <p:cBhvr additive="base">
+                                        <p:cTn id="8" dur="500" fill="hold"/>
+                                        <p:tgtEl>
+                                          <p:spTgt spid="4">
+                                            <p:txEl>
+                                              <p:pRg st="0" end="0"/>
+                                            </p:txEl>
+                                          </p:spTgt>
+                                        </p:tgtEl>
+                                        <p:attrNameLst>
+                                          <p:attrName>ppt_y</p:attrName>
+                                        </p:attrNameLst>
+                                      </p:cBhvr>
+                                      <p:tavLst>
+                                        <p:tav tm="0">
+                                          <p:val>
+                                            <p:strVal val="1+#ppt_h/2"/>
+                                          </p:val>
+                                        </p:tav>
+                                        <p:tav tm="100000">
+                                          <p:val>
+                                            <p:strVal val="#ppt_y"/>
+                                          </p:val>
+                                        </p:tav>
+                                      </p:tavLst>
+                                    </p:anim>
                                   </p:childTnLst>
                                 </p:cTn>
                               </p:par>
-                            </p:childTnLst>
-                          </p:cTn>
-                        </p:par>
-                      </p:childTnLst>
-                    </p:cTn>
-                  </p:par>
-                  <p:par>
-                    <p:cTn id="8" fill="hold">
-                      <p:stCondLst>
-                        <p:cond delay="indefinite"/>
-                      </p:stCondLst>
-                      <p:childTnLst>
-                        <p:par>
-                          <p:cTn id="9" fill="hold">
-                            <p:stCondLst>
-                              <p:cond delay="0"/>
-                            </p:stCondLst>
-                            <p:childTnLst>
                               <p:par>
-                                <p:cTn id="10" presetID="2" presetClass="entr" presetSubtype="4" fill="hold" nodeType="clickEffect">
+                                <p:cTn id="9" presetID="2" presetClass="entr" presetSubtype="4" fill="hold" nodeType="withEffect">
                                   <p:stCondLst>
                                     <p:cond delay="0"/>
                                   </p:stCondLst>
                                   <p:childTnLst>
                                     <p:set>
                                       <p:cBhvr>
-                                        <p:cTn id="11" dur="1" fill="hold">
+                                        <p:cTn id="10" dur="1" fill="hold">
                                           <p:stCondLst>
                                             <p:cond delay="0"/>
                                           </p:stCondLst>
@@ -7366,7 +7498,7 @@
                                     </p:set>
                                     <p:anim calcmode="lin" valueType="num">
                                       <p:cBhvr additive="base">
-                                        <p:cTn id="12" dur="500" fill="hold"/>
+                                        <p:cTn id="11" dur="500" fill="hold"/>
                                         <p:tgtEl>
                                           <p:spTgt spid="4">
                                             <p:txEl>
@@ -7393,7 +7525,7 @@
                                     </p:anim>
                                     <p:anim calcmode="lin" valueType="num">
                                       <p:cBhvr additive="base">
-                                        <p:cTn id="13" dur="500" fill="hold"/>
+                                        <p:cTn id="12" dur="500" fill="hold"/>
                                         <p:tgtEl>
                                           <p:spTgt spid="4">
                                             <p:txEl>
@@ -7421,33 +7553,15 @@
                                   </p:childTnLst>
                                 </p:cTn>
                               </p:par>
-                            </p:childTnLst>
-                          </p:cTn>
-                        </p:par>
-                      </p:childTnLst>
-                    </p:cTn>
-                  </p:par>
-                  <p:par>
-                    <p:cTn id="14" fill="hold">
-                      <p:stCondLst>
-                        <p:cond delay="indefinite"/>
-                      </p:stCondLst>
-                      <p:childTnLst>
-                        <p:par>
-                          <p:cTn id="15" fill="hold">
-                            <p:stCondLst>
-                              <p:cond delay="0"/>
-                            </p:stCondLst>
-                            <p:childTnLst>
                               <p:par>
-                                <p:cTn id="16" presetID="6" presetClass="entr" presetSubtype="16" fill="hold" nodeType="clickEffect">
+                                <p:cTn id="13" presetID="2" presetClass="entr" presetSubtype="4" fill="hold" nodeType="withEffect">
                                   <p:stCondLst>
                                     <p:cond delay="0"/>
                                   </p:stCondLst>
                                   <p:childTnLst>
                                     <p:set>
                                       <p:cBhvr>
-                                        <p:cTn id="17" dur="1" fill="hold">
+                                        <p:cTn id="14" dur="1" fill="hold">
                                           <p:stCondLst>
                                             <p:cond delay="0"/>
                                           </p:stCondLst>
@@ -7467,9 +7581,9 @@
                                         <p:strVal val="visible"/>
                                       </p:to>
                                     </p:set>
-                                    <p:animEffect transition="in" filter="circle(in)">
-                                      <p:cBhvr>
-                                        <p:cTn id="18" dur="2000"/>
+                                    <p:anim calcmode="lin" valueType="num">
+                                      <p:cBhvr additive="base">
+                                        <p:cTn id="15" dur="500" fill="hold"/>
                                         <p:tgtEl>
                                           <p:spTgt spid="4">
                                             <p:txEl>
@@ -7477,20 +7591,62 @@
                                             </p:txEl>
                                           </p:spTgt>
                                         </p:tgtEl>
-                                      </p:cBhvr>
-                                    </p:animEffect>
+                                        <p:attrNameLst>
+                                          <p:attrName>ppt_x</p:attrName>
+                                        </p:attrNameLst>
+                                      </p:cBhvr>
+                                      <p:tavLst>
+                                        <p:tav tm="0">
+                                          <p:val>
+                                            <p:strVal val="#ppt_x"/>
+                                          </p:val>
+                                        </p:tav>
+                                        <p:tav tm="100000">
+                                          <p:val>
+                                            <p:strVal val="#ppt_x"/>
+                                          </p:val>
+                                        </p:tav>
+                                      </p:tavLst>
+                                    </p:anim>
+                                    <p:anim calcmode="lin" valueType="num">
+                                      <p:cBhvr additive="base">
+                                        <p:cTn id="16" dur="500" fill="hold"/>
+                                        <p:tgtEl>
+                                          <p:spTgt spid="4">
+                                            <p:txEl>
+                                              <p:pRg st="2" end="2"/>
+                                            </p:txEl>
+                                          </p:spTgt>
+                                        </p:tgtEl>
+                                        <p:attrNameLst>
+                                          <p:attrName>ppt_y</p:attrName>
+                                        </p:attrNameLst>
+                                      </p:cBhvr>
+                                      <p:tavLst>
+                                        <p:tav tm="0">
+                                          <p:val>
+                                            <p:strVal val="1+#ppt_h/2"/>
+                                          </p:val>
+                                        </p:tav>
+                                        <p:tav tm="100000">
+                                          <p:val>
+                                            <p:strVal val="#ppt_y"/>
+                                          </p:val>
+                                        </p:tav>
+                                      </p:tavLst>
+                                    </p:anim>
                                   </p:childTnLst>
                                 </p:cTn>
                               </p:par>
                               <p:par>
-                                <p:cTn id="19" presetID="6" presetClass="entr" presetSubtype="16" fill="hold" nodeType="withEffect">
+                                <p:cTn id="17" presetID="2" presetClass="entr" presetSubtype="4" fill="hold" nodeType="withEffect">
                                   <p:stCondLst>
                                     <p:cond delay="0"/>
                                   </p:stCondLst>
                                   <p:childTnLst>
                                     <p:set>
                                       <p:cBhvr>
-                                        <p:cTn id="20" dur="1" fill="hold">
+                                        <p:cTn id="18" dur="1" fill="hold">
                                           <p:stCondLst>
                                             <p:cond delay="0"/>
                                           </p:stCondLst>
@@ -7510,9 +7666,9 @@
                                         <p:strVal val="visible"/>
                                       </p:to>
                                     </p:set>
-                                    <p:animEffect transition="in" filter="circle(in)">
-                                      <p:cBhvr>
-                                        <p:cTn id="21" dur="2000"/>
+                                    <p:anim calcmode="lin" valueType="num">
+                                      <p:cBhvr additive="base">
+                                        <p:cTn id="19" dur="500" fill="hold"/>
                                         <p:tgtEl>
                                           <p:spTgt spid="4">
                                             <p:txEl>
@@ -7520,20 +7676,62 @@
                                             </p:txEl>
                                           </p:spTgt>
                                         </p:tgtEl>
-                                      </p:cBhvr>
-                                    </p:animEffect>
+                                        <p:attrNameLst>
+                                          <p:attrName>ppt_x</p:attrName>
+                                        </p:attrNameLst>
+                                      </p:cBhvr>
+                                      <p:tavLst>
+                                        <p:tav tm="0">
+                                          <p:val>
+                                            <p:strVal val="#ppt_x"/>
+                                          </p:val>
+                                        </p:tav>
+                                        <p:tav tm="100000">
+                                          <p:val>
+                                            <p:strVal val="#ppt_x"/>
+                                          </p:val>
+                                        </p:tav>
+                                      </p:tavLst>
+                                    </p:anim>
+                                    <p:anim calcmode="lin" valueType="num">
+                                      <p:cBhvr additive="base">
+                                        <p:cTn id="20" dur="500" fill="hold"/>
+                                        <p:tgtEl>
+                                          <p:spTgt spid="4">
+                                            <p:txEl>
+                                              <p:pRg st="3" end="3"/>
+                                            </p:txEl>
+                                          </p:spTgt>
+                                        </p:tgtEl>
+                                        <p:attrNameLst>
+                                          <p:attrName>ppt_y</p:attrName>
+                                        </p:attrNameLst>
+                                      </p:cBhvr>
+                                      <p:tavLst>
+                                        <p:tav tm="0">
+                                          <p:val>
+                                            <p:strVal val="1+#ppt_h/2"/>
+                                          </p:val>
+                                        </p:tav>
+                                        <p:tav tm="100000">
+                                          <p:val>
+                                            <p:strVal val="#ppt_y"/>
+                                          </p:val>
+                                        </p:tav>
+                                      </p:tavLst>
+                                    </p:anim>
                                   </p:childTnLst>
                                 </p:cTn>
                               </p:par>
                               <p:par>
-                                <p:cTn id="22" presetID="6" presetClass="entr" presetSubtype="16" fill="hold" nodeType="withEffect">
+                                <p:cTn id="21" presetID="2" presetClass="entr" presetSubtype="4" fill="hold" nodeType="withEffect">
                                   <p:stCondLst>
                                     <p:cond delay="0"/>
                                   </p:stCondLst>
                                   <p:childTnLst>
                                     <p:set>
                                       <p:cBhvr>
-                                        <p:cTn id="23" dur="1" fill="hold">
+                                        <p:cTn id="22" dur="1" fill="hold">
                                           <p:stCondLst>
                                             <p:cond delay="0"/>
                                           </p:stCondLst>
@@ -7553,9 +7751,9 @@
                                         <p:strVal val="visible"/>
                                       </p:to>
                                     </p:set>
-                                    <p:animEffect transition="in" filter="circle(in)">
-                                      <p:cBhvr>
-                                        <p:cTn id="24" dur="2000"/>
+                                    <p:anim calcmode="lin" valueType="num">
+                                      <p:cBhvr additive="base">
+                                        <p:cTn id="23" dur="500" fill="hold"/>
                                         <p:tgtEl>
                                           <p:spTgt spid="4">
                                             <p:txEl>
@@ -7563,8 +7761,50 @@
                                             </p:txEl>
                                           </p:spTgt>
                                         </p:tgtEl>
-                                      </p:cBhvr>
-                                    </p:animEffect>
+                                        <p:attrNameLst>
+                                          <p:attrName>ppt_x</p:attrName>
+                                        </p:attrNameLst>
+                                      </p:cBhvr>
+                                      <p:tavLst>
+                                        <p:tav tm="0">
+                                          <p:val>
+                                            <p:strVal val="#ppt_x"/>
+                                          </p:val>
+                                        </p:tav>
+                                        <p:tav tm="100000">
+                                          <p:val>
+                                            <p:strVal val="#ppt_x"/>
+                                          </p:val>
+                                        </p:tav>
+                                      </p:tavLst>
+                                    </p:anim>
+                                    <p:anim calcmode="lin" valueType="num">
+                                      <p:cBhvr additive="base">
+                                        <p:cTn id="24" dur="500" fill="hold"/>
+                                        <p:tgtEl>
+                                          <p:spTgt spid="4">
+                                            <p:txEl>
+                                              <p:pRg st="4" end="4"/>
+                                            </p:txEl>
+                                          </p:spTgt>
+                                        </p:tgtEl>
+                                        <p:attrNameLst>
+                                          <p:attrName>ppt_y</p:attrName>
+                                        </p:attrNameLst>
+                                      </p:cBhvr>
+                                      <p:tavLst>
+                                        <p:tav tm="0">
+                                          <p:val>
+                                            <p:strVal val="1+#ppt_h/2"/>
+                                          </p:val>
+                                        </p:tav>
+                                        <p:tav tm="100000">
+                                          <p:val>
+                                            <p:strVal val="#ppt_y"/>
+                                          </p:val>
+                                        </p:tav>
+                                      </p:tavLst>
+                                    </p:anim>
                                   </p:childTnLst>
                                 </p:cTn>
                               </p:par>
@@ -7587,7 +7827,7 @@
                             </p:stCondLst>
                             <p:childTnLst>
                               <p:par>
-                                <p:cTn id="27" presetID="16" presetClass="entr" presetSubtype="21" fill="hold" nodeType="clickEffect">
+                                <p:cTn id="27" presetID="53" presetClass="entr" presetSubtype="16" fill="hold" nodeType="clickEffect">
                                   <p:stCondLst>
                                     <p:cond delay="0"/>
                                   </p:stCondLst>
@@ -7614,9 +7854,63 @@
                                         <p:strVal val="visible"/>
                                       </p:to>
                                     </p:set>
-                                    <p:animEffect transition="in" filter="barn(inVertical)">
+                                    <p:anim calcmode="lin" valueType="num">
                                       <p:cBhvr>
-                                        <p:cTn id="29" dur="500"/>
+                                        <p:cTn id="29" dur="500" fill="hold"/>
+                                        <p:tgtEl>
+                                          <p:spTgt spid="4">
+                                            <p:txEl>
+                                              <p:pRg st="5" end="5"/>
+                                            </p:txEl>
+                                          </p:spTgt>
+                                        </p:tgtEl>
+                                        <p:attrNameLst>
+                                          <p:attrName>ppt_w</p:attrName>
+                                        </p:attrNameLst>
+                                      </p:cBhvr>
+                                      <p:tavLst>
+                                        <p:tav tm="0">
+                                          <p:val>
+                                            <p:fltVal val="0"/>
+                                          </p:val>
+                                        </p:tav>
+                                        <p:tav tm="100000">
+                                          <p:val>
+                                            <p:strVal val="#ppt_w"/>
+                                          </p:val>
+                                        </p:tav>
+                                      </p:tavLst>
+                                    </p:anim>
+                                    <p:anim calcmode="lin" valueType="num">
+                                      <p:cBhvr>
+                                        <p:cTn id="30" dur="500" fill="hold"/>
+                                        <p:tgtEl>
+                                          <p:spTgt spid="4">
+                                            <p:txEl>
+                                              <p:pRg st="5" end="5"/>
+                                            </p:txEl>
+                                          </p:spTgt>
+                                        </p:tgtEl>
+                                        <p:attrNameLst>
+                                          <p:attrName>ppt_h</p:attrName>
+                                        </p:attrNameLst>
+                                      </p:cBhvr>
+                                      <p:tavLst>
+                                        <p:tav tm="0">
+                                          <p:val>
+                                            <p:fltVal val="0"/>
+                                          </p:val>
+                                        </p:tav>
+                                        <p:tav tm="100000">
+                                          <p:val>
+                                            <p:strVal val="#ppt_h"/>
+                                          </p:val>
+                                        </p:tav>
+                                      </p:tavLst>
+                                    </p:anim>
+                                    <p:animEffect transition="in" filter="fade">
+                                      <p:cBhvr>
+                                        <p:cTn id="31" dur="500"/>
                                         <p:tgtEl>
                                           <p:spTgt spid="4">
                                             <p:txEl>
@@ -7629,26 +7923,8 @@
                                   </p:childTnLst>
                                 </p:cTn>
                               </p:par>
-                            </p:childTnLst>
-                          </p:cTn>
-                        </p:par>
-                      </p:childTnLst>
-                    </p:cTn>
-                  </p:par>
-                  <p:par>
-                    <p:cTn id="30" fill="hold">
-                      <p:stCondLst>
-                        <p:cond delay="indefinite"/>
-                      </p:stCondLst>
-                      <p:childTnLst>
-                        <p:par>
-                          <p:cTn id="31" fill="hold">
-                            <p:stCondLst>
-                              <p:cond delay="0"/>
-                            </p:stCondLst>
-                            <p:childTnLst>
                               <p:par>
-                                <p:cTn id="32" presetID="2" presetClass="entr" presetSubtype="4" fill="hold" nodeType="clickEffect">
+                                <p:cTn id="32" presetID="53" presetClass="entr" presetSubtype="16" fill="hold" nodeType="withEffect">
                                   <p:stCondLst>
                                     <p:cond delay="0"/>
                                   </p:stCondLst>
@@ -7676,7 +7952,7 @@
                                       </p:to>
                                     </p:set>
                                     <p:anim calcmode="lin" valueType="num">
-                                      <p:cBhvr additive="base">
+                                      <p:cBhvr>
                                         <p:cTn id="34" dur="500" fill="hold"/>
                                         <p:tgtEl>
                                           <p:spTgt spid="4">
@@ -7686,24 +7962,24 @@
                                           </p:spTgt>
                                         </p:tgtEl>
                                         <p:attrNameLst>
-                                          <p:attrName>ppt_x</p:attrName>
+                                          <p:attrName>ppt_w</p:attrName>
                                         </p:attrNameLst>
                                       </p:cBhvr>
                                       <p:tavLst>
                                         <p:tav tm="0">
                                           <p:val>
-                                            <p:strVal val="#ppt_x"/>
+                                            <p:fltVal val="0"/>
                                           </p:val>
                                         </p:tav>
                                         <p:tav tm="100000">
                                           <p:val>
-                                            <p:strVal val="#ppt_x"/>
+                                            <p:strVal val="#ppt_w"/>
                                           </p:val>
                                         </p:tav>
                                       </p:tavLst>
                                     </p:anim>
                                     <p:anim calcmode="lin" valueType="num">
-                                      <p:cBhvr additive="base">
+                                      <p:cBhvr>
                                         <p:cTn id="35" dur="500" fill="hold"/>
                                         <p:tgtEl>
                                           <p:spTgt spid="4">
@@ -7713,34 +7989,46 @@
                                           </p:spTgt>
                                         </p:tgtEl>
                                         <p:attrNameLst>
-                                          <p:attrName>ppt_y</p:attrName>
+                                          <p:attrName>ppt_h</p:attrName>
                                         </p:attrNameLst>
                                       </p:cBhvr>
                                       <p:tavLst>
                                         <p:tav tm="0">
                                           <p:val>
-                                            <p:strVal val="1+#ppt_h/2"/>
+                                            <p:fltVal val="0"/>
                                           </p:val>
                                         </p:tav>
                                         <p:tav tm="100000">
                                           <p:val>
-                                            <p:strVal val="#ppt_y"/>
+                                            <p:strVal val="#ppt_h"/>
                                           </p:val>
                                         </p:tav>
                                       </p:tavLst>
                                     </p:anim>
+                                    <p:animEffect transition="in" filter="fade">
+                                      <p:cBhvr>
+                                        <p:cTn id="36" dur="500"/>
+                                        <p:tgtEl>
+                                          <p:spTgt spid="4">
+                                            <p:txEl>
+                                              <p:pRg st="6" end="6"/>
+                                            </p:txEl>
+                                          </p:spTgt>
+                                        </p:tgtEl>
+                                      </p:cBhvr>
+                                    </p:animEffect>
                                   </p:childTnLst>
                                 </p:cTn>
                               </p:par>
                               <p:par>
-                                <p:cTn id="36" presetID="2" presetClass="entr" presetSubtype="4" fill="hold" nodeType="withEffect">
+                                <p:cTn id="37" presetID="53" presetClass="entr" presetSubtype="16" fill="hold" nodeType="withEffect">
                                   <p:stCondLst>
                                     <p:cond delay="0"/>
                                   </p:stCondLst>
                                   <p:childTnLst>
                                     <p:set>
                                       <p:cBhvr>
-                                        <p:cTn id="37" dur="1" fill="hold">
+                                        <p:cTn id="38" dur="1" fill="hold">
                                           <p:stCondLst>
                                             <p:cond delay="0"/>
                                           </p:stCondLst>
@@ -7761,8 +8049,8 @@
                                       </p:to>
                                     </p:set>
                                     <p:anim calcmode="lin" valueType="num">
-                                      <p:cBhvr additive="base">
-                                        <p:cTn id="38" dur="500" fill="hold"/>
+                                      <p:cBhvr>
+                                        <p:cTn id="39" dur="500" fill="hold"/>
                                         <p:tgtEl>
                                           <p:spTgt spid="4">
                                             <p:txEl>
@@ -7771,25 +8059,25 @@
                                           </p:spTgt>
                                         </p:tgtEl>
                                         <p:attrNameLst>
-                                          <p:attrName>ppt_x</p:attrName>
+                                          <p:attrName>ppt_w</p:attrName>
                                         </p:attrNameLst>
                                       </p:cBhvr>
                                       <p:tavLst>
                                         <p:tav tm="0">
                                           <p:val>
-                                            <p:strVal val="#ppt_x"/>
+                                            <p:fltVal val="0"/>
                                           </p:val>
                                         </p:tav>
                                         <p:tav tm="100000">
                                           <p:val>
-                                            <p:strVal val="#ppt_x"/>
+                                            <p:strVal val="#ppt_w"/>
                                           </p:val>
                                         </p:tav>
                                       </p:tavLst>
                                     </p:anim>
                                     <p:anim calcmode="lin" valueType="num">
-                                      <p:cBhvr additive="base">
-                                        <p:cTn id="39" dur="500" fill="hold"/>
+                                      <p:cBhvr>
+                                        <p:cTn id="40" dur="500" fill="hold"/>
                                         <p:tgtEl>
                                           <p:spTgt spid="4">
                                             <p:txEl>
@@ -7798,22 +8086,34 @@
                                           </p:spTgt>
                                         </p:tgtEl>
                                         <p:attrNameLst>
-                                          <p:attrName>ppt_y</p:attrName>
+                                          <p:attrName>ppt_h</p:attrName>
                                         </p:attrNameLst>
                                       </p:cBhvr>
                                       <p:tavLst>
                                         <p:tav tm="0">
                                           <p:val>
-                                            <p:strVal val="1+#ppt_h/2"/>
+                                            <p:fltVal val="0"/>
                                           </p:val>
                                         </p:tav>
                                         <p:tav tm="100000">
                                           <p:val>
-                                            <p:strVal val="#ppt_y"/>
+                                            <p:strVal val="#ppt_h"/>
                                           </p:val>
                                         </p:tav>
                                       </p:tavLst>
                                     </p:anim>
+                                    <p:animEffect transition="in" filter="fade">
+                                      <p:cBhvr>
+                                        <p:cTn id="41" dur="500"/>
+                                        <p:tgtEl>
+                                          <p:spTgt spid="4">
+                                            <p:txEl>
+                                              <p:pRg st="7" end="7"/>
+                                            </p:txEl>
+                                          </p:spTgt>
+                                        </p:tgtEl>
+                                      </p:cBhvr>
+                                    </p:animEffect>
                                   </p:childTnLst>
                                 </p:cTn>
                               </p:par>
@@ -7882,7 +8182,7 @@
           <a:p>
             <a:r>
               <a:rPr lang="en-US" dirty="0" smtClean="0"/>
-              <a:t>Contributions</a:t>
+              <a:t>Skills</a:t>
             </a:r>
             <a:endParaRPr lang="en-US" dirty="0"/>
           </a:p>
@@ -7890,12 +8190,12 @@
       </p:sp>
       <p:sp>
         <p:nvSpPr>
-          <p:cNvPr id="3" name="Content Placeholder 2"/>
+          <p:cNvPr id="3" name="Date Placeholder 2"/>
           <p:cNvSpPr>
             <a:spLocks noGrp="1"/>
           </p:cNvSpPr>
           <p:nvPr>
-            <p:ph idx="1"/>
+            <p:ph type="dt" sz="half" idx="10"/>
           </p:nvPr>
         </p:nvSpPr>
         <p:spPr/>
@@ -7903,65 +8203,9 @@
           <a:bodyPr/>
           <a:lstStyle/>
           <a:p>
-            <a:r>
-              <a:rPr lang="en-US" dirty="0" err="1" smtClean="0"/>
-              <a:t>Dijkstra’s</a:t>
-            </a:r>
-            <a:r>
-              <a:rPr lang="en-US" dirty="0" smtClean="0"/>
-              <a:t> Algorithm.</a:t>
-            </a:r>
-          </a:p>
-          <a:p>
-            <a:r>
-              <a:rPr lang="en-US" dirty="0" smtClean="0"/>
-              <a:t>Fractional Knapsack Problem.</a:t>
-            </a:r>
-          </a:p>
-          <a:p>
-            <a:r>
-              <a:rPr lang="en-US" dirty="0" smtClean="0"/>
-              <a:t>Code-First Migration In Entity Framework. (Amaris)</a:t>
-            </a:r>
-          </a:p>
-          <a:p>
-            <a:r>
-              <a:rPr lang="en-US" dirty="0" smtClean="0"/>
-              <a:t>Unit Testing Fundamental. (Amaris)</a:t>
-            </a:r>
-          </a:p>
-          <a:p>
-            <a:r>
-              <a:rPr lang="en-US" dirty="0" smtClean="0"/>
-              <a:t>Unit Testing With TDD Method. (Amaris)</a:t>
-            </a:r>
-          </a:p>
-          <a:p>
-            <a:endParaRPr lang="en-US" dirty="0" smtClean="0"/>
-          </a:p>
-          <a:p>
-            <a:endParaRPr lang="en-US" dirty="0" smtClean="0"/>
-          </a:p>
-        </p:txBody>
-      </p:sp>
-      <p:sp>
-        <p:nvSpPr>
-          <p:cNvPr id="4" name="Date Placeholder 3"/>
-          <p:cNvSpPr>
-            <a:spLocks noGrp="1"/>
-          </p:cNvSpPr>
-          <p:nvPr>
-            <p:ph type="dt" sz="half" idx="10"/>
-          </p:nvPr>
-        </p:nvSpPr>
-        <p:spPr/>
-        <p:txBody>
-          <a:bodyPr/>
-          <a:lstStyle/>
-          <a:p>
-            <a:fld id="{EEA75F16-E4FD-44DC-ABEF-20CBF1D994A7}" type="datetime1">
-              <a:rPr lang="en-US" smtClean="0"/>
-              <a:t>3/1/2017</a:t>
+            <a:fld id="{AC82F888-E352-4F14-8CA8-9773B3303DA3}" type="datetime1">
+              <a:rPr lang="en-US" smtClean="0"/>
+              <a:t>3/2/2017</a:t>
             </a:fld>
             <a:endParaRPr lang="en-US"/>
           </a:p>
@@ -7969,7 +8213,7 @@
       </p:sp>
       <p:sp>
         <p:nvSpPr>
-          <p:cNvPr id="6" name="Footer Placeholder 3"/>
+          <p:cNvPr id="7" name="Footer Placeholder 3"/>
           <p:cNvSpPr>
             <a:spLocks noGrp="1"/>
           </p:cNvSpPr>
@@ -8001,25 +8245,108 @@
           </a:p>
         </p:txBody>
       </p:sp>
+      <p:sp>
+        <p:nvSpPr>
+          <p:cNvPr id="4" name="Content Placeholder 3"/>
+          <p:cNvSpPr>
+            <a:spLocks noGrp="1"/>
+          </p:cNvSpPr>
+          <p:nvPr>
+            <p:ph idx="1"/>
+          </p:nvPr>
+        </p:nvSpPr>
+        <p:spPr>
+          <a:xfrm>
+            <a:off x="1295400" y="1943637"/>
+            <a:ext cx="9601200" cy="4267200"/>
+          </a:xfrm>
+        </p:spPr>
+        <p:txBody>
+          <a:bodyPr>
+            <a:normAutofit fontScale="92500" lnSpcReduction="10000"/>
+          </a:bodyPr>
+          <a:lstStyle/>
+          <a:p>
+            <a:r>
+              <a:rPr lang="en-US" dirty="0" smtClean="0"/>
+              <a:t>Graduted from AUE University in engineering.</a:t>
+            </a:r>
+          </a:p>
+          <a:p>
+            <a:r>
+              <a:rPr lang="en-US" dirty="0" smtClean="0"/>
+              <a:t>More than 4 years’ experience in Asp.Net MVC, Web API, EF, Dapper, Sql server, etc...</a:t>
+            </a:r>
+          </a:p>
+          <a:p>
+            <a:r>
+              <a:rPr lang="en-US" dirty="0" smtClean="0"/>
+              <a:t>More than familiar with HTML, Css, Javascript. Good knowledge on UI performance and write maintainable javascript code. </a:t>
+            </a:r>
+            <a:endParaRPr lang="en-US" dirty="0"/>
+          </a:p>
+          <a:p>
+            <a:r>
+              <a:rPr lang="en-US" dirty="0" smtClean="0"/>
+              <a:t>Knowledge in Gulp, NodeJs, Sass, Less.</a:t>
+            </a:r>
+          </a:p>
+          <a:p>
+            <a:r>
+              <a:rPr lang="en-US" dirty="0" smtClean="0"/>
+              <a:t>Strong experience in AngularJs and Jquery, other libs.</a:t>
+            </a:r>
+          </a:p>
+          <a:p>
+            <a:r>
+              <a:rPr lang="en-US" dirty="0" smtClean="0"/>
+              <a:t>Strong knowledge and experience in </a:t>
+            </a:r>
+            <a:r>
+              <a:rPr lang="en-US" dirty="0"/>
+              <a:t>writing </a:t>
+            </a:r>
+            <a:r>
+              <a:rPr lang="en-US" dirty="0" smtClean="0"/>
+              <a:t>efficient sql query and database peformance. Investigate performance problem using sql profiler, sql execution plain, etc... </a:t>
+            </a:r>
+          </a:p>
+          <a:p>
+            <a:r>
+              <a:rPr lang="en-US" dirty="0" smtClean="0"/>
+              <a:t>Have experience in building structure for UT.</a:t>
+            </a:r>
+          </a:p>
+          <a:p>
+            <a:r>
+              <a:rPr lang="en-US" dirty="0" smtClean="0"/>
+              <a:t>Have rich knowledge and experience in Scrum/Agile. </a:t>
+            </a:r>
+          </a:p>
+          <a:p>
+            <a:endParaRPr lang="en-US" dirty="0"/>
+          </a:p>
+        </p:txBody>
+      </p:sp>
     </p:spTree>
     <p:extLst>
       <p:ext uri="{BB962C8B-B14F-4D97-AF65-F5344CB8AC3E}">
-        <p14:creationId xmlns:p14="http://schemas.microsoft.com/office/powerpoint/2010/main" val="1885086581"/>
+        <p14:creationId xmlns:p14="http://schemas.microsoft.com/office/powerpoint/2010/main" val="2938159352"/>
       </p:ext>
     </p:extLst>
   </p:cSld>
   <p:clrMapOvr>
     <a:masterClrMapping/>
   </p:clrMapOvr>
-  <mc:AlternateContent xmlns:mc="http://schemas.openxmlformats.org/markup-compatibility/2006">
-    <mc:Choice xmlns:p14="http://schemas.microsoft.com/office/powerpoint/2010/main" Requires="p14">
-      <p:transition spd="slow" p14:dur="800">
-        <p:circle/>
+  <mc:AlternateContent xmlns:mc="http://schemas.openxmlformats.org/markup-compatibility/2006" xmlns:p14="http://schemas.microsoft.com/office/powerpoint/2010/main">
+    <mc:Choice Requires="p14">
+      <p:transition spd="slow" p14:dur="1500">
+        <p:split orient="vert"/>
       </p:transition>
     </mc:Choice>
-    <mc:Fallback>
+    <mc:Fallback xmlns="">
       <p:transition spd="slow">
-        <p:circle/>
+        <p:split orient="vert"/>
       </p:transition>
     </mc:Fallback>
   </mc:AlternateContent>
@@ -8044,7 +8371,7 @@
                             </p:stCondLst>
                             <p:childTnLst>
                               <p:par>
-                                <p:cTn id="5" presetID="2" presetClass="entr" presetSubtype="4" fill="hold" nodeType="clickEffect">
+                                <p:cTn id="5" presetID="16" presetClass="entr" presetSubtype="21" fill="hold" nodeType="clickEffect">
                                   <p:stCondLst>
                                     <p:cond delay="0"/>
                                   </p:stCondLst>
@@ -8057,9 +8384,70 @@
                                           </p:stCondLst>
                                         </p:cTn>
                                         <p:tgtEl>
-                                          <p:spTgt spid="3">
+                                          <p:spTgt spid="4">
                                             <p:txEl>
                                               <p:pRg st="0" end="0"/>
+                                            </p:txEl>
+                                          </p:spTgt>
+                                        </p:tgtEl>
+                                        <p:attrNameLst>
+                                          <p:attrName>style.visibility</p:attrName>
+                                        </p:attrNameLst>
+                                      </p:cBhvr>
+                                      <p:to>
+                                        <p:strVal val="visible"/>
+                                      </p:to>
+                                    </p:set>
+                                    <p:animEffect transition="in" filter="barn(inVertical)">
+                                      <p:cBhvr>
+                                        <p:cTn id="7" dur="500"/>
+                                        <p:tgtEl>
+                                          <p:spTgt spid="4">
+                                            <p:txEl>
+                                              <p:pRg st="0" end="0"/>
+                                            </p:txEl>
+                                          </p:spTgt>
+                                        </p:tgtEl>
+                                      </p:cBhvr>
+                                    </p:animEffect>
+                                  </p:childTnLst>
+                                </p:cTn>
+                              </p:par>
+                            </p:childTnLst>
+                          </p:cTn>
+                        </p:par>
+                      </p:childTnLst>
+                    </p:cTn>
+                  </p:par>
+                  <p:par>
+                    <p:cTn id="8" fill="hold">
+                      <p:stCondLst>
+                        <p:cond delay="indefinite"/>
+                      </p:stCondLst>
+                      <p:childTnLst>
+                        <p:par>
+                          <p:cTn id="9" fill="hold">
+                            <p:stCondLst>
+                              <p:cond delay="0"/>
+                            </p:stCondLst>
+                            <p:childTnLst>
+                              <p:par>
+                                <p:cTn id="10" presetID="2" presetClass="entr" presetSubtype="4" fill="hold" nodeType="clickEffect">
+                                  <p:stCondLst>
+                                    <p:cond delay="0"/>
+                                  </p:stCondLst>
+                                  <p:childTnLst>
+                                    <p:set>
+                                      <p:cBhvr>
+                                        <p:cTn id="11" dur="1" fill="hold">
+                                          <p:stCondLst>
+                                            <p:cond delay="0"/>
+                                          </p:stCondLst>
+                                        </p:cTn>
+                                        <p:tgtEl>
+                                          <p:spTgt spid="4">
+                                            <p:txEl>
+                                              <p:pRg st="1" end="1"/>
                                             </p:txEl>
                                           </p:spTgt>
                                         </p:tgtEl>
@@ -8073,11 +8461,11 @@
                                     </p:set>
                                     <p:anim calcmode="lin" valueType="num">
                                       <p:cBhvr additive="base">
-                                        <p:cTn id="7" dur="500" fill="hold"/>
-                                        <p:tgtEl>
-                                          <p:spTgt spid="3">
-                                            <p:txEl>
-                                              <p:pRg st="0" end="0"/>
+                                        <p:cTn id="12" dur="500" fill="hold"/>
+                                        <p:tgtEl>
+                                          <p:spTgt spid="4">
+                                            <p:txEl>
+                                              <p:pRg st="1" end="1"/>
                                             </p:txEl>
                                           </p:spTgt>
                                         </p:tgtEl>
@@ -8100,11 +8488,11 @@
                                     </p:anim>
                                     <p:anim calcmode="lin" valueType="num">
                                       <p:cBhvr additive="base">
-                                        <p:cTn id="8" dur="500" fill="hold"/>
-                                        <p:tgtEl>
-                                          <p:spTgt spid="3">
-                                            <p:txEl>
-                                              <p:pRg st="0" end="0"/>
+                                        <p:cTn id="13" dur="500" fill="hold"/>
+                                        <p:tgtEl>
+                                          <p:spTgt spid="4">
+                                            <p:txEl>
+                                              <p:pRg st="1" end="1"/>
                                             </p:txEl>
                                           </p:spTgt>
                                         </p:tgtEl>
@@ -8135,34 +8523,34 @@
                     </p:cTn>
                   </p:par>
                   <p:par>
-                    <p:cTn id="9" fill="hold">
+                    <p:cTn id="14" fill="hold">
                       <p:stCondLst>
                         <p:cond delay="indefinite"/>
                       </p:stCondLst>
                       <p:childTnLst>
                         <p:par>
-                          <p:cTn id="10" fill="hold">
+                          <p:cTn id="15" fill="hold">
                             <p:stCondLst>
                               <p:cond delay="0"/>
                             </p:stCondLst>
                             <p:childTnLst>
                               <p:par>
-                                <p:cTn id="11" presetID="2" presetClass="entr" presetSubtype="4" fill="hold" nodeType="clickEffect">
+                                <p:cTn id="16" presetID="6" presetClass="entr" presetSubtype="16" fill="hold" nodeType="clickEffect">
                                   <p:stCondLst>
                                     <p:cond delay="0"/>
                                   </p:stCondLst>
                                   <p:childTnLst>
                                     <p:set>
                                       <p:cBhvr>
-                                        <p:cTn id="12" dur="1" fill="hold">
+                                        <p:cTn id="17" dur="1" fill="hold">
                                           <p:stCondLst>
                                             <p:cond delay="0"/>
                                           </p:stCondLst>
                                         </p:cTn>
                                         <p:tgtEl>
-                                          <p:spTgt spid="3">
-                                            <p:txEl>
-                                              <p:pRg st="1" end="1"/>
+                                          <p:spTgt spid="4">
+                                            <p:txEl>
+                                              <p:pRg st="2" end="2"/>
                                             </p:txEl>
                                           </p:spTgt>
                                         </p:tgtEl>
@@ -8174,60 +8562,104 @@
                                         <p:strVal val="visible"/>
                                       </p:to>
                                     </p:set>
-                                    <p:anim calcmode="lin" valueType="num">
-                                      <p:cBhvr additive="base">
-                                        <p:cTn id="13" dur="500" fill="hold"/>
-                                        <p:tgtEl>
-                                          <p:spTgt spid="3">
-                                            <p:txEl>
-                                              <p:pRg st="1" end="1"/>
+                                    <p:animEffect transition="in" filter="circle(in)">
+                                      <p:cBhvr>
+                                        <p:cTn id="18" dur="2000"/>
+                                        <p:tgtEl>
+                                          <p:spTgt spid="4">
+                                            <p:txEl>
+                                              <p:pRg st="2" end="2"/>
+                                            </p:txEl>
+                                          </p:spTgt>
+                                        </p:tgtEl>
+                                      </p:cBhvr>
+                                    </p:animEffect>
+                                  </p:childTnLst>
+                                </p:cTn>
+                              </p:par>
+                              <p:par>
+                                <p:cTn id="19" presetID="6" presetClass="entr" presetSubtype="16" fill="hold" nodeType="withEffect">
+                                  <p:stCondLst>
+                                    <p:cond delay="0"/>
+                                  </p:stCondLst>
+                                  <p:childTnLst>
+                                    <p:set>
+                                      <p:cBhvr>
+                                        <p:cTn id="20" dur="1" fill="hold">
+                                          <p:stCondLst>
+                                            <p:cond delay="0"/>
+                                          </p:stCondLst>
+                                        </p:cTn>
+                                        <p:tgtEl>
+                                          <p:spTgt spid="4">
+                                            <p:txEl>
+                                              <p:pRg st="3" end="3"/>
                                             </p:txEl>
                                           </p:spTgt>
                                         </p:tgtEl>
                                         <p:attrNameLst>
-                                          <p:attrName>ppt_x</p:attrName>
+                                          <p:attrName>style.visibility</p:attrName>
                                         </p:attrNameLst>
                                       </p:cBhvr>
-                                      <p:tavLst>
-                                        <p:tav tm="0">
-                                          <p:val>
-                                            <p:strVal val="#ppt_x"/>
-                                          </p:val>
-                                        </p:tav>
-                                        <p:tav tm="100000">
-                                          <p:val>
-                                            <p:strVal val="#ppt_x"/>
-                                          </p:val>
-                                        </p:tav>
-                                      </p:tavLst>
-                                    </p:anim>
-                                    <p:anim calcmode="lin" valueType="num">
-                                      <p:cBhvr additive="base">
-                                        <p:cTn id="14" dur="500" fill="hold"/>
-                                        <p:tgtEl>
-                                          <p:spTgt spid="3">
-                                            <p:txEl>
-                                              <p:pRg st="1" end="1"/>
+                                      <p:to>
+                                        <p:strVal val="visible"/>
+                                      </p:to>
+                                    </p:set>
+                                    <p:animEffect transition="in" filter="circle(in)">
+                                      <p:cBhvr>
+                                        <p:cTn id="21" dur="2000"/>
+                                        <p:tgtEl>
+                                          <p:spTgt spid="4">
+                                            <p:txEl>
+                                              <p:pRg st="3" end="3"/>
+                                            </p:txEl>
+                                          </p:spTgt>
+                                        </p:tgtEl>
+                                      </p:cBhvr>
+                                    </p:animEffect>
+                                  </p:childTnLst>
+                                </p:cTn>
+                              </p:par>
+                              <p:par>
+                                <p:cTn id="22" presetID="6" presetClass="entr" presetSubtype="16" fill="hold" nodeType="withEffect">
+                                  <p:stCondLst>
+                                    <p:cond delay="0"/>
+                                  </p:stCondLst>
+                                  <p:childTnLst>
+                                    <p:set>
+                                      <p:cBhvr>
+                                        <p:cTn id="23" dur="1" fill="hold">
+                                          <p:stCondLst>
+                                            <p:cond delay="0"/>
+                                          </p:stCondLst>
+                                        </p:cTn>
+                                        <p:tgtEl>
+                                          <p:spTgt spid="4">
+                                            <p:txEl>
+                                              <p:pRg st="4" end="4"/>
                                             </p:txEl>
                                           </p:spTgt>
                                         </p:tgtEl>
                                         <p:attrNameLst>
-                                          <p:attrName>ppt_y</p:attrName>
+                                          <p:attrName>style.visibility</p:attrName>
                                         </p:attrNameLst>
                                       </p:cBhvr>
-                                      <p:tavLst>
-                                        <p:tav tm="0">
-                                          <p:val>
-                                            <p:strVal val="1+#ppt_h/2"/>
-                                          </p:val>
-                                        </p:tav>
-                                        <p:tav tm="100000">
-                                          <p:val>
-                                            <p:strVal val="#ppt_y"/>
-                                          </p:val>
-                                        </p:tav>
-                                      </p:tavLst>
-                                    </p:anim>
+                                      <p:to>
+                                        <p:strVal val="visible"/>
+                                      </p:to>
+                                    </p:set>
+                                    <p:animEffect transition="in" filter="circle(in)">
+                                      <p:cBhvr>
+                                        <p:cTn id="24" dur="2000"/>
+                                        <p:tgtEl>
+                                          <p:spTgt spid="4">
+                                            <p:txEl>
+                                              <p:pRg st="4" end="4"/>
+                                            </p:txEl>
+                                          </p:spTgt>
+                                        </p:tgtEl>
+                                      </p:cBhvr>
+                                    </p:animEffect>
                                   </p:childTnLst>
                                 </p:cTn>
                               </p:par>
@@ -8238,34 +8670,34 @@
                     </p:cTn>
                   </p:par>
                   <p:par>
-                    <p:cTn id="15" fill="hold">
+                    <p:cTn id="25" fill="hold">
                       <p:stCondLst>
                         <p:cond delay="indefinite"/>
                       </p:stCondLst>
                       <p:childTnLst>
                         <p:par>
-                          <p:cTn id="16" fill="hold">
+                          <p:cTn id="26" fill="hold">
                             <p:stCondLst>
                               <p:cond delay="0"/>
                             </p:stCondLst>
                             <p:childTnLst>
                               <p:par>
-                                <p:cTn id="17" presetID="2" presetClass="entr" presetSubtype="4" fill="hold" nodeType="clickEffect">
+                                <p:cTn id="27" presetID="16" presetClass="entr" presetSubtype="21" fill="hold" nodeType="clickEffect">
                                   <p:stCondLst>
                                     <p:cond delay="0"/>
                                   </p:stCondLst>
                                   <p:childTnLst>
                                     <p:set>
                                       <p:cBhvr>
-                                        <p:cTn id="18" dur="1" fill="hold">
+                                        <p:cTn id="28" dur="1" fill="hold">
                                           <p:stCondLst>
                                             <p:cond delay="0"/>
                                           </p:stCondLst>
                                         </p:cTn>
                                         <p:tgtEl>
-                                          <p:spTgt spid="3">
-                                            <p:txEl>
-                                              <p:pRg st="2" end="2"/>
+                                          <p:spTgt spid="4">
+                                            <p:txEl>
+                                              <p:pRg st="5" end="5"/>
                                             </p:txEl>
                                           </p:spTgt>
                                         </p:tgtEl>
@@ -8277,60 +8709,18 @@
                                         <p:strVal val="visible"/>
                                       </p:to>
                                     </p:set>
-                                    <p:anim calcmode="lin" valueType="num">
-                                      <p:cBhvr additive="base">
-                                        <p:cTn id="19" dur="500" fill="hold"/>
-                                        <p:tgtEl>
-                                          <p:spTgt spid="3">
-                                            <p:txEl>
-                                              <p:pRg st="2" end="2"/>
-                                            </p:txEl>
-                                          </p:spTgt>
-                                        </p:tgtEl>
-                                        <p:attrNameLst>
-                                          <p:attrName>ppt_x</p:attrName>
-                                        </p:attrNameLst>
-                                      </p:cBhvr>
-                                      <p:tavLst>
-                                        <p:tav tm="0">
-                                          <p:val>
-                                            <p:strVal val="#ppt_x"/>
-                                          </p:val>
-                                        </p:tav>
-                                        <p:tav tm="100000">
-                                          <p:val>
-                                            <p:strVal val="#ppt_x"/>
-                                          </p:val>
-                                        </p:tav>
-                                      </p:tavLst>
-                                    </p:anim>
-                                    <p:anim calcmode="lin" valueType="num">
-                                      <p:cBhvr additive="base">
-                                        <p:cTn id="20" dur="500" fill="hold"/>
-                                        <p:tgtEl>
-                                          <p:spTgt spid="3">
-                                            <p:txEl>
-                                              <p:pRg st="2" end="2"/>
-                                            </p:txEl>
-                                          </p:spTgt>
-                                        </p:tgtEl>
-                                        <p:attrNameLst>
-                                          <p:attrName>ppt_y</p:attrName>
-                                        </p:attrNameLst>
-                                      </p:cBhvr>
-                                      <p:tavLst>
-                                        <p:tav tm="0">
-                                          <p:val>
-                                            <p:strVal val="1+#ppt_h/2"/>
-                                          </p:val>
-                                        </p:tav>
-                                        <p:tav tm="100000">
-                                          <p:val>
-                                            <p:strVal val="#ppt_y"/>
-                                          </p:val>
-                                        </p:tav>
-                                      </p:tavLst>
-                                    </p:anim>
+                                    <p:animEffect transition="in" filter="barn(inVertical)">
+                                      <p:cBhvr>
+                                        <p:cTn id="29" dur="500"/>
+                                        <p:tgtEl>
+                                          <p:spTgt spid="4">
+                                            <p:txEl>
+                                              <p:pRg st="5" end="5"/>
+                                            </p:txEl>
+                                          </p:spTgt>
+                                        </p:tgtEl>
+                                      </p:cBhvr>
+                                    </p:animEffect>
                                   </p:childTnLst>
                                 </p:cTn>
                               </p:par>
@@ -8341,34 +8731,34 @@
                     </p:cTn>
                   </p:par>
                   <p:par>
-                    <p:cTn id="21" fill="hold">
+                    <p:cTn id="30" fill="hold">
                       <p:stCondLst>
                         <p:cond delay="indefinite"/>
                       </p:stCondLst>
                       <p:childTnLst>
                         <p:par>
-                          <p:cTn id="22" fill="hold">
+                          <p:cTn id="31" fill="hold">
                             <p:stCondLst>
                               <p:cond delay="0"/>
                             </p:stCondLst>
                             <p:childTnLst>
                               <p:par>
-                                <p:cTn id="23" presetID="2" presetClass="entr" presetSubtype="4" fill="hold" nodeType="clickEffect">
+                                <p:cTn id="32" presetID="2" presetClass="entr" presetSubtype="4" fill="hold" nodeType="clickEffect">
                                   <p:stCondLst>
                                     <p:cond delay="0"/>
                                   </p:stCondLst>
                                   <p:childTnLst>
                                     <p:set>
                                       <p:cBhvr>
-                                        <p:cTn id="24" dur="1" fill="hold">
+                                        <p:cTn id="33" dur="1" fill="hold">
                                           <p:stCondLst>
                                             <p:cond delay="0"/>
                                           </p:stCondLst>
                                         </p:cTn>
                                         <p:tgtEl>
-                                          <p:spTgt spid="3">
-                                            <p:txEl>
-                                              <p:pRg st="3" end="3"/>
+                                          <p:spTgt spid="4">
+                                            <p:txEl>
+                                              <p:pRg st="6" end="6"/>
                                             </p:txEl>
                                           </p:spTgt>
                                         </p:tgtEl>
@@ -8382,11 +8772,11 @@
                                     </p:set>
                                     <p:anim calcmode="lin" valueType="num">
                                       <p:cBhvr additive="base">
-                                        <p:cTn id="25" dur="500" fill="hold"/>
-                                        <p:tgtEl>
-                                          <p:spTgt spid="3">
-                                            <p:txEl>
-                                              <p:pRg st="3" end="3"/>
+                                        <p:cTn id="34" dur="500" fill="hold"/>
+                                        <p:tgtEl>
+                                          <p:spTgt spid="4">
+                                            <p:txEl>
+                                              <p:pRg st="6" end="6"/>
                                             </p:txEl>
                                           </p:spTgt>
                                         </p:tgtEl>
@@ -8409,11 +8799,11 @@
                                     </p:anim>
                                     <p:anim calcmode="lin" valueType="num">
                                       <p:cBhvr additive="base">
-                                        <p:cTn id="26" dur="500" fill="hold"/>
-                                        <p:tgtEl>
-                                          <p:spTgt spid="3">
-                                            <p:txEl>
-                                              <p:pRg st="3" end="3"/>
+                                        <p:cTn id="35" dur="500" fill="hold"/>
+                                        <p:tgtEl>
+                                          <p:spTgt spid="4">
+                                            <p:txEl>
+                                              <p:pRg st="6" end="6"/>
                                             </p:txEl>
                                           </p:spTgt>
                                         </p:tgtEl>
@@ -8437,41 +8827,23 @@
                                   </p:childTnLst>
                                 </p:cTn>
                               </p:par>
-                            </p:childTnLst>
-                          </p:cTn>
-                        </p:par>
-                      </p:childTnLst>
-                    </p:cTn>
-                  </p:par>
-                  <p:par>
-                    <p:cTn id="27" fill="hold">
-                      <p:stCondLst>
-                        <p:cond delay="indefinite"/>
-                      </p:stCondLst>
-                      <p:childTnLst>
-                        <p:par>
-                          <p:cTn id="28" fill="hold">
-                            <p:stCondLst>
-                              <p:cond delay="0"/>
-                            </p:stCondLst>
-                            <p:childTnLst>
                               <p:par>
-                                <p:cTn id="29" presetID="2" presetClass="entr" presetSubtype="4" fill="hold" nodeType="clickEffect">
+                                <p:cTn id="36" presetID="2" presetClass="entr" presetSubtype="4" fill="hold" nodeType="withEffect">
                                   <p:stCondLst>
                                     <p:cond delay="0"/>
                                   </p:stCondLst>
                                   <p:childTnLst>
                                     <p:set>
                                       <p:cBhvr>
-                                        <p:cTn id="30" dur="1" fill="hold">
+                                        <p:cTn id="37" dur="1" fill="hold">
                                           <p:stCondLst>
                                             <p:cond delay="0"/>
                                           </p:stCondLst>
                                         </p:cTn>
                                         <p:tgtEl>
-                                          <p:spTgt spid="3">
-                                            <p:txEl>
-                                              <p:pRg st="4" end="4"/>
+                                          <p:spTgt spid="4">
+                                            <p:txEl>
+                                              <p:pRg st="7" end="7"/>
                                             </p:txEl>
                                           </p:spTgt>
                                         </p:tgtEl>
@@ -8485,11 +8857,11 @@
                                     </p:set>
                                     <p:anim calcmode="lin" valueType="num">
                                       <p:cBhvr additive="base">
-                                        <p:cTn id="31" dur="500" fill="hold"/>
-                                        <p:tgtEl>
-                                          <p:spTgt spid="3">
-                                            <p:txEl>
-                                              <p:pRg st="4" end="4"/>
+                                        <p:cTn id="38" dur="500" fill="hold"/>
+                                        <p:tgtEl>
+                                          <p:spTgt spid="4">
+                                            <p:txEl>
+                                              <p:pRg st="7" end="7"/>
                                             </p:txEl>
                                           </p:spTgt>
                                         </p:tgtEl>
@@ -8512,11 +8884,11 @@
                                     </p:anim>
                                     <p:anim calcmode="lin" valueType="num">
                                       <p:cBhvr additive="base">
-                                        <p:cTn id="32" dur="500" fill="hold"/>
-                                        <p:tgtEl>
-                                          <p:spTgt spid="3">
-                                            <p:txEl>
-                                              <p:pRg st="4" end="4"/>
+                                        <p:cTn id="39" dur="500" fill="hold"/>
+                                        <p:tgtEl>
+                                          <p:spTgt spid="4">
+                                            <p:txEl>
+                                              <p:pRg st="7" end="7"/>
                                             </p:txEl>
                                           </p:spTgt>
                                         </p:tgtEl>
@@ -8605,7 +8977,7 @@
           <a:p>
             <a:r>
               <a:rPr lang="en-US" dirty="0" smtClean="0"/>
-              <a:t>How Do You Benefit?</a:t>
+              <a:t>Contributions</a:t>
             </a:r>
             <a:endParaRPr lang="en-US" dirty="0"/>
           </a:p>
@@ -8627,78 +8999,43 @@
           <a:lstStyle/>
           <a:p>
             <a:r>
-              <a:rPr lang="en-US" dirty="0" smtClean="0"/>
-              <a:t>If you hire me, you will have a Full-Stack developer who have highly skill, highly motivated and experienced professional and who will gets the things done.</a:t>
-            </a:r>
-          </a:p>
-          <a:p>
-            <a:pPr lvl="2"/>
-            <a:r>
-              <a:rPr lang="en-US" dirty="0" smtClean="0"/>
-              <a:t>Highly Skilled Full-Stack Developer</a:t>
-            </a:r>
-          </a:p>
-          <a:p>
-            <a:pPr lvl="3"/>
-            <a:r>
-              <a:rPr lang="en-US" dirty="0" smtClean="0"/>
-              <a:t>As evidence by 4 years of outstanding worked as a Full-Stack Developer who can completely handles from the Front-end to Database.</a:t>
-            </a:r>
-          </a:p>
-          <a:p>
-            <a:pPr lvl="2"/>
-            <a:r>
-              <a:rPr lang="en-US" dirty="0" smtClean="0"/>
-              <a:t>Highly Innovative and Creative</a:t>
-            </a:r>
-          </a:p>
-          <a:p>
-            <a:pPr lvl="3"/>
-            <a:r>
-              <a:rPr lang="en-US" dirty="0" smtClean="0"/>
-              <a:t>As evidence by the quality, contribution and variety my past projects and products.</a:t>
-            </a:r>
-          </a:p>
-          <a:p>
-            <a:pPr lvl="2"/>
-            <a:r>
-              <a:rPr lang="en-US" dirty="0"/>
-              <a:t>Highly Successful Team Player</a:t>
-            </a:r>
-          </a:p>
-          <a:p>
-            <a:pPr lvl="3"/>
-            <a:r>
-              <a:rPr lang="en-US" dirty="0" smtClean="0"/>
-              <a:t>As evidence by sharing and helping other members when their have conflict or problems. Moreover, I always motivate other members by making some Tech Talk meeting to help them improve their skills.</a:t>
-            </a:r>
-          </a:p>
-          <a:p>
-            <a:pPr lvl="2"/>
-            <a:r>
-              <a:rPr lang="en-US" dirty="0" smtClean="0"/>
-              <a:t>Contribution</a:t>
-            </a:r>
-            <a:endParaRPr lang="en-US" dirty="0"/>
-          </a:p>
-          <a:p>
-            <a:pPr lvl="3"/>
-            <a:r>
-              <a:rPr lang="en-US" dirty="0"/>
-              <a:t>As evidence </a:t>
-            </a:r>
-            <a:r>
-              <a:rPr lang="en-US" dirty="0" smtClean="0"/>
-              <a:t>by the contributions section, I love to contribute my knowledge and my ideas to my company by making some training, sharing or building new </a:t>
-            </a:r>
-            <a:r>
-              <a:rPr lang="en-US" dirty="0" smtClean="0"/>
-              <a:t>tools </a:t>
-            </a:r>
-            <a:r>
-              <a:rPr lang="en-US" dirty="0" smtClean="0"/>
-              <a:t>to improve the productivities.</a:t>
-            </a:r>
+              <a:rPr lang="en-US" dirty="0" err="1" smtClean="0"/>
+              <a:t>Dijkstra’s</a:t>
+            </a:r>
+            <a:r>
+              <a:rPr lang="en-US" dirty="0" smtClean="0"/>
+              <a:t> Algorithm.</a:t>
+            </a:r>
+          </a:p>
+          <a:p>
+            <a:r>
+              <a:rPr lang="en-US" dirty="0" smtClean="0"/>
+              <a:t>Fractional Knapsack Problem.</a:t>
+            </a:r>
+          </a:p>
+          <a:p>
+            <a:r>
+              <a:rPr lang="en-US" dirty="0" smtClean="0"/>
+              <a:t>Code-First Migration In Entity Framework. (Amaris)</a:t>
+            </a:r>
+          </a:p>
+          <a:p>
+            <a:r>
+              <a:rPr lang="en-US" dirty="0" smtClean="0"/>
+              <a:t>Unit Testing Fundamental. (Amaris)</a:t>
+            </a:r>
+          </a:p>
+          <a:p>
+            <a:r>
+              <a:rPr lang="en-US" dirty="0" smtClean="0"/>
+              <a:t>Unit Testing With TDD Method. (Amaris)</a:t>
+            </a:r>
+          </a:p>
+          <a:p>
+            <a:endParaRPr lang="en-US" dirty="0" smtClean="0"/>
+          </a:p>
+          <a:p>
+            <a:endParaRPr lang="en-US" dirty="0" smtClean="0"/>
           </a:p>
         </p:txBody>
       </p:sp>
@@ -8719,7 +9056,7 @@
           <a:p>
             <a:fld id="{EEA75F16-E4FD-44DC-ABEF-20CBF1D994A7}" type="datetime1">
               <a:rPr lang="en-US" smtClean="0"/>
-              <a:t>3/1/2017</a:t>
+              <a:t>3/2/2017</a:t>
             </a:fld>
             <a:endParaRPr lang="en-US"/>
           </a:p>
@@ -8735,7 +9072,12 @@
             <p:ph type="ftr" sz="quarter" idx="11"/>
           </p:nvPr>
         </p:nvSpPr>
-        <p:spPr/>
+        <p:spPr>
+          <a:xfrm>
+            <a:off x="609600" y="6484777"/>
+            <a:ext cx="4123765" cy="274022"/>
+          </a:xfrm>
+        </p:spPr>
         <p:txBody>
           <a:bodyPr/>
           <a:lstStyle/>
@@ -8757,22 +9099,22 @@
     </p:spTree>
     <p:extLst>
       <p:ext uri="{BB962C8B-B14F-4D97-AF65-F5344CB8AC3E}">
-        <p14:creationId xmlns:p14="http://schemas.microsoft.com/office/powerpoint/2010/main" val="67219317"/>
+        <p14:creationId xmlns:p14="http://schemas.microsoft.com/office/powerpoint/2010/main" val="1885086581"/>
       </p:ext>
     </p:extLst>
   </p:cSld>
   <p:clrMapOvr>
     <a:masterClrMapping/>
   </p:clrMapOvr>
-  <mc:AlternateContent xmlns:mc="http://schemas.openxmlformats.org/markup-compatibility/2006">
-    <mc:Choice xmlns:p14="http://schemas.microsoft.com/office/powerpoint/2010/main" Requires="p14">
-      <p:transition spd="slow" p14:dur="2500">
-        <p:checker/>
+  <mc:AlternateContent xmlns:mc="http://schemas.openxmlformats.org/markup-compatibility/2006" xmlns:p14="http://schemas.microsoft.com/office/powerpoint/2010/main">
+    <mc:Choice Requires="p14">
+      <p:transition spd="slow" p14:dur="800">
+        <p:circle/>
       </p:transition>
     </mc:Choice>
-    <mc:Fallback>
+    <mc:Fallback xmlns="">
       <p:transition spd="slow">
-        <p:checker/>
+        <p:circle/>
       </p:transition>
     </mc:Fallback>
   </mc:AlternateContent>
@@ -8797,7 +9139,7 @@
                             </p:stCondLst>
                             <p:childTnLst>
                               <p:par>
-                                <p:cTn id="5" presetID="53" presetClass="entr" presetSubtype="16" fill="hold" nodeType="clickEffect">
+                                <p:cTn id="5" presetID="2" presetClass="entr" presetSubtype="4" fill="hold" nodeType="clickEffect">
                                   <p:stCondLst>
                                     <p:cond delay="0"/>
                                   </p:stCondLst>
@@ -8825,7 +9167,7 @@
                                       </p:to>
                                     </p:set>
                                     <p:anim calcmode="lin" valueType="num">
-                                      <p:cBhvr>
+                                      <p:cBhvr additive="base">
                                         <p:cTn id="7" dur="500" fill="hold"/>
                                         <p:tgtEl>
                                           <p:spTgt spid="3">
@@ -8835,24 +9177,24 @@
                                           </p:spTgt>
                                         </p:tgtEl>
                                         <p:attrNameLst>
-                                          <p:attrName>ppt_w</p:attrName>
+                                          <p:attrName>ppt_x</p:attrName>
                                         </p:attrNameLst>
                                       </p:cBhvr>
                                       <p:tavLst>
                                         <p:tav tm="0">
                                           <p:val>
-                                            <p:fltVal val="0"/>
+                                            <p:strVal val="#ppt_x"/>
                                           </p:val>
                                         </p:tav>
                                         <p:tav tm="100000">
                                           <p:val>
-                                            <p:strVal val="#ppt_w"/>
+                                            <p:strVal val="#ppt_x"/>
                                           </p:val>
                                         </p:tav>
                                       </p:tavLst>
                                     </p:anim>
                                     <p:anim calcmode="lin" valueType="num">
-                                      <p:cBhvr>
+                                      <p:cBhvr additive="base">
                                         <p:cTn id="8" dur="500" fill="hold"/>
                                         <p:tgtEl>
                                           <p:spTgt spid="3">
@@ -8862,34 +9204,22 @@
                                           </p:spTgt>
                                         </p:tgtEl>
                                         <p:attrNameLst>
-                                          <p:attrName>ppt_h</p:attrName>
+                                          <p:attrName>ppt_y</p:attrName>
                                         </p:attrNameLst>
                                       </p:cBhvr>
                                       <p:tavLst>
                                         <p:tav tm="0">
                                           <p:val>
-                                            <p:fltVal val="0"/>
+                                            <p:strVal val="1+#ppt_h/2"/>
                                           </p:val>
                                         </p:tav>
                                         <p:tav tm="100000">
                                           <p:val>
-                                            <p:strVal val="#ppt_h"/>
+                                            <p:strVal val="#ppt_y"/>
                                           </p:val>
                                         </p:tav>
                                       </p:tavLst>
                                     </p:anim>
-                                    <p:animEffect transition="in" filter="fade">
-                                      <p:cBhvr>
-                                        <p:cTn id="9" dur="500"/>
-                                        <p:tgtEl>
-                                          <p:spTgt spid="3">
-                                            <p:txEl>
-                                              <p:pRg st="0" end="0"/>
-                                            </p:txEl>
-                                          </p:spTgt>
-                                        </p:tgtEl>
-                                      </p:cBhvr>
-                                    </p:animEffect>
                                   </p:childTnLst>
                                 </p:cTn>
                               </p:par>
@@ -8900,26 +9230,26 @@
                     </p:cTn>
                   </p:par>
                   <p:par>
-                    <p:cTn id="10" fill="hold">
+                    <p:cTn id="9" fill="hold">
                       <p:stCondLst>
                         <p:cond delay="indefinite"/>
                       </p:stCondLst>
                       <p:childTnLst>
                         <p:par>
-                          <p:cTn id="11" fill="hold">
+                          <p:cTn id="10" fill="hold">
                             <p:stCondLst>
                               <p:cond delay="0"/>
                             </p:stCondLst>
                             <p:childTnLst>
                               <p:par>
-                                <p:cTn id="12" presetID="6" presetClass="entr" presetSubtype="16" fill="hold" nodeType="clickEffect">
+                                <p:cTn id="11" presetID="2" presetClass="entr" presetSubtype="4" fill="hold" nodeType="clickEffect">
                                   <p:stCondLst>
                                     <p:cond delay="0"/>
                                   </p:stCondLst>
                                   <p:childTnLst>
                                     <p:set>
                                       <p:cBhvr>
-                                        <p:cTn id="13" dur="1" fill="hold">
+                                        <p:cTn id="12" dur="1" fill="hold">
                                           <p:stCondLst>
                                             <p:cond delay="0"/>
                                           </p:stCondLst>
@@ -8939,9 +9269,9 @@
                                         <p:strVal val="visible"/>
                                       </p:to>
                                     </p:set>
-                                    <p:animEffect transition="in" filter="circle(in)">
-                                      <p:cBhvr>
-                                        <p:cTn id="14" dur="2000"/>
+                                    <p:anim calcmode="lin" valueType="num">
+                                      <p:cBhvr additive="base">
+                                        <p:cTn id="13" dur="500" fill="hold"/>
                                         <p:tgtEl>
                                           <p:spTgt spid="3">
                                             <p:txEl>
@@ -8949,51 +9279,50 @@
                                             </p:txEl>
                                           </p:spTgt>
                                         </p:tgtEl>
-                                      </p:cBhvr>
-                                    </p:animEffect>
-                                  </p:childTnLst>
-                                </p:cTn>
-                              </p:par>
-                              <p:par>
-                                <p:cTn id="15" presetID="6" presetClass="entr" presetSubtype="16" fill="hold" nodeType="withEffect">
-                                  <p:stCondLst>
-                                    <p:cond delay="0"/>
-                                  </p:stCondLst>
-                                  <p:childTnLst>
-                                    <p:set>
-                                      <p:cBhvr>
-                                        <p:cTn id="16" dur="1" fill="hold">
-                                          <p:stCondLst>
-                                            <p:cond delay="0"/>
-                                          </p:stCondLst>
-                                        </p:cTn>
+                                        <p:attrNameLst>
+                                          <p:attrName>ppt_x</p:attrName>
+                                        </p:attrNameLst>
+                                      </p:cBhvr>
+                                      <p:tavLst>
+                                        <p:tav tm="0">
+                                          <p:val>
+                                            <p:strVal val="#ppt_x"/>
+                                          </p:val>
+                                        </p:tav>
+                                        <p:tav tm="100000">
+                                          <p:val>
+                                            <p:strVal val="#ppt_x"/>
+                                          </p:val>
+                                        </p:tav>
+                                      </p:tavLst>
+                                    </p:anim>
+                                    <p:anim calcmode="lin" valueType="num">
+                                      <p:cBhvr additive="base">
+                                        <p:cTn id="14" dur="500" fill="hold"/>
                                         <p:tgtEl>
                                           <p:spTgt spid="3">
                                             <p:txEl>
-                                              <p:pRg st="2" end="2"/>
+                                              <p:pRg st="1" end="1"/>
                                             </p:txEl>
                                           </p:spTgt>
                                         </p:tgtEl>
                                         <p:attrNameLst>
-                                          <p:attrName>style.visibility</p:attrName>
+                                          <p:attrName>ppt_y</p:attrName>
                                         </p:attrNameLst>
                                       </p:cBhvr>
-                                      <p:to>
-                                        <p:strVal val="visible"/>
-                                      </p:to>
-                                    </p:set>
-                                    <p:animEffect transition="in" filter="circle(in)">
-                                      <p:cBhvr>
-                                        <p:cTn id="17" dur="2000"/>
-                                        <p:tgtEl>
-                                          <p:spTgt spid="3">
-                                            <p:txEl>
-                                              <p:pRg st="2" end="2"/>
-                                            </p:txEl>
-                                          </p:spTgt>
-                                        </p:tgtEl>
-                                      </p:cBhvr>
-                                    </p:animEffect>
+                                      <p:tavLst>
+                                        <p:tav tm="0">
+                                          <p:val>
+                                            <p:strVal val="1+#ppt_h/2"/>
+                                          </p:val>
+                                        </p:tav>
+                                        <p:tav tm="100000">
+                                          <p:val>
+                                            <p:strVal val="#ppt_y"/>
+                                          </p:val>
+                                        </p:tav>
+                                      </p:tavLst>
+                                    </p:anim>
                                   </p:childTnLst>
                                 </p:cTn>
                               </p:par>
@@ -9004,26 +9333,26 @@
                     </p:cTn>
                   </p:par>
                   <p:par>
-                    <p:cTn id="18" fill="hold">
+                    <p:cTn id="15" fill="hold">
                       <p:stCondLst>
                         <p:cond delay="indefinite"/>
                       </p:stCondLst>
                       <p:childTnLst>
                         <p:par>
-                          <p:cTn id="19" fill="hold">
+                          <p:cTn id="16" fill="hold">
                             <p:stCondLst>
                               <p:cond delay="0"/>
                             </p:stCondLst>
                             <p:childTnLst>
                               <p:par>
-                                <p:cTn id="20" presetID="6" presetClass="entr" presetSubtype="16" fill="hold" nodeType="clickEffect">
+                                <p:cTn id="17" presetID="2" presetClass="entr" presetSubtype="4" fill="hold" nodeType="clickEffect">
                                   <p:stCondLst>
                                     <p:cond delay="0"/>
                                   </p:stCondLst>
                                   <p:childTnLst>
                                     <p:set>
                                       <p:cBhvr>
-                                        <p:cTn id="21" dur="1" fill="hold">
+                                        <p:cTn id="18" dur="1" fill="hold">
                                           <p:stCondLst>
                                             <p:cond delay="0"/>
                                           </p:stCondLst>
@@ -9031,7 +9360,7 @@
                                         <p:tgtEl>
                                           <p:spTgt spid="3">
                                             <p:txEl>
-                                              <p:pRg st="3" end="3"/>
+                                              <p:pRg st="2" end="2"/>
                                             </p:txEl>
                                           </p:spTgt>
                                         </p:tgtEl>
@@ -9043,23 +9372,83 @@
                                         <p:strVal val="visible"/>
                                       </p:to>
                                     </p:set>
-                                    <p:animEffect transition="in" filter="circle(in)">
-                                      <p:cBhvr>
-                                        <p:cTn id="22" dur="2000"/>
+                                    <p:anim calcmode="lin" valueType="num">
+                                      <p:cBhvr additive="base">
+                                        <p:cTn id="19" dur="500" fill="hold"/>
                                         <p:tgtEl>
                                           <p:spTgt spid="3">
                                             <p:txEl>
-                                              <p:pRg st="3" end="3"/>
-                                            </p:txEl>
-                                          </p:spTgt>
-                                        </p:tgtEl>
-                                      </p:cBhvr>
-                                    </p:animEffect>
+                                              <p:pRg st="2" end="2"/>
+                                            </p:txEl>
+                                          </p:spTgt>
+                                        </p:tgtEl>
+                                        <p:attrNameLst>
+                                          <p:attrName>ppt_x</p:attrName>
+                                        </p:attrNameLst>
+                                      </p:cBhvr>
+                                      <p:tavLst>
+                                        <p:tav tm="0">
+                                          <p:val>
+                                            <p:strVal val="#ppt_x"/>
+                                          </p:val>
+                                        </p:tav>
+                                        <p:tav tm="100000">
+                                          <p:val>
+                                            <p:strVal val="#ppt_x"/>
+                                          </p:val>
+                                        </p:tav>
+                                      </p:tavLst>
+                                    </p:anim>
+                                    <p:anim calcmode="lin" valueType="num">
+                                      <p:cBhvr additive="base">
+                                        <p:cTn id="20" dur="500" fill="hold"/>
+                                        <p:tgtEl>
+                                          <p:spTgt spid="3">
+                                            <p:txEl>
+                                              <p:pRg st="2" end="2"/>
+                                            </p:txEl>
+                                          </p:spTgt>
+                                        </p:tgtEl>
+                                        <p:attrNameLst>
+                                          <p:attrName>ppt_y</p:attrName>
+                                        </p:attrNameLst>
+                                      </p:cBhvr>
+                                      <p:tavLst>
+                                        <p:tav tm="0">
+                                          <p:val>
+                                            <p:strVal val="1+#ppt_h/2"/>
+                                          </p:val>
+                                        </p:tav>
+                                        <p:tav tm="100000">
+                                          <p:val>
+                                            <p:strVal val="#ppt_y"/>
+                                          </p:val>
+                                        </p:tav>
+                                      </p:tavLst>
+                                    </p:anim>
                                   </p:childTnLst>
                                 </p:cTn>
                               </p:par>
+                            </p:childTnLst>
+                          </p:cTn>
+                        </p:par>
+                      </p:childTnLst>
+                    </p:cTn>
+                  </p:par>
+                  <p:par>
+                    <p:cTn id="21" fill="hold">
+                      <p:stCondLst>
+                        <p:cond delay="indefinite"/>
+                      </p:stCondLst>
+                      <p:childTnLst>
+                        <p:par>
+                          <p:cTn id="22" fill="hold">
+                            <p:stCondLst>
+                              <p:cond delay="0"/>
+                            </p:stCondLst>
+                            <p:childTnLst>
                               <p:par>
-                                <p:cTn id="23" presetID="6" presetClass="entr" presetSubtype="16" fill="hold" nodeType="withEffect">
+                                <p:cTn id="23" presetID="2" presetClass="entr" presetSubtype="4" fill="hold" nodeType="clickEffect">
                                   <p:stCondLst>
                                     <p:cond delay="0"/>
                                   </p:stCondLst>
@@ -9074,7 +9463,7 @@
                                         <p:tgtEl>
                                           <p:spTgt spid="3">
                                             <p:txEl>
-                                              <p:pRg st="4" end="4"/>
+                                              <p:pRg st="3" end="3"/>
                                             </p:txEl>
                                           </p:spTgt>
                                         </p:tgtEl>
@@ -9086,18 +9475,60 @@
                                         <p:strVal val="visible"/>
                                       </p:to>
                                     </p:set>
-                                    <p:animEffect transition="in" filter="circle(in)">
-                                      <p:cBhvr>
-                                        <p:cTn id="25" dur="2000"/>
+                                    <p:anim calcmode="lin" valueType="num">
+                                      <p:cBhvr additive="base">
+                                        <p:cTn id="25" dur="500" fill="hold"/>
                                         <p:tgtEl>
                                           <p:spTgt spid="3">
                                             <p:txEl>
-                                              <p:pRg st="4" end="4"/>
-                                            </p:txEl>
-                                          </p:spTgt>
-                                        </p:tgtEl>
-                                      </p:cBhvr>
-                                    </p:animEffect>
+                                              <p:pRg st="3" end="3"/>
+                                            </p:txEl>
+                                          </p:spTgt>
+                                        </p:tgtEl>
+                                        <p:attrNameLst>
+                                          <p:attrName>ppt_x</p:attrName>
+                                        </p:attrNameLst>
+                                      </p:cBhvr>
+                                      <p:tavLst>
+                                        <p:tav tm="0">
+                                          <p:val>
+                                            <p:strVal val="#ppt_x"/>
+                                          </p:val>
+                                        </p:tav>
+                                        <p:tav tm="100000">
+                                          <p:val>
+                                            <p:strVal val="#ppt_x"/>
+                                          </p:val>
+                                        </p:tav>
+                                      </p:tavLst>
+                                    </p:anim>
+                                    <p:anim calcmode="lin" valueType="num">
+                                      <p:cBhvr additive="base">
+                                        <p:cTn id="26" dur="500" fill="hold"/>
+                                        <p:tgtEl>
+                                          <p:spTgt spid="3">
+                                            <p:txEl>
+                                              <p:pRg st="3" end="3"/>
+                                            </p:txEl>
+                                          </p:spTgt>
+                                        </p:tgtEl>
+                                        <p:attrNameLst>
+                                          <p:attrName>ppt_y</p:attrName>
+                                        </p:attrNameLst>
+                                      </p:cBhvr>
+                                      <p:tavLst>
+                                        <p:tav tm="0">
+                                          <p:val>
+                                            <p:strVal val="1+#ppt_h/2"/>
+                                          </p:val>
+                                        </p:tav>
+                                        <p:tav tm="100000">
+                                          <p:val>
+                                            <p:strVal val="#ppt_y"/>
+                                          </p:val>
+                                        </p:tav>
+                                      </p:tavLst>
+                                    </p:anim>
                                   </p:childTnLst>
                                 </p:cTn>
                               </p:par>
@@ -9108,26 +9539,26 @@
                     </p:cTn>
                   </p:par>
                   <p:par>
-                    <p:cTn id="26" fill="hold">
+                    <p:cTn id="27" fill="hold">
                       <p:stCondLst>
                         <p:cond delay="indefinite"/>
                       </p:stCondLst>
                       <p:childTnLst>
                         <p:par>
-                          <p:cTn id="27" fill="hold">
+                          <p:cTn id="28" fill="hold">
                             <p:stCondLst>
                               <p:cond delay="0"/>
                             </p:stCondLst>
                             <p:childTnLst>
                               <p:par>
-                                <p:cTn id="28" presetID="6" presetClass="entr" presetSubtype="16" fill="hold" nodeType="clickEffect">
+                                <p:cTn id="29" presetID="2" presetClass="entr" presetSubtype="4" fill="hold" nodeType="clickEffect">
                                   <p:stCondLst>
                                     <p:cond delay="0"/>
                                   </p:stCondLst>
                                   <p:childTnLst>
                                     <p:set>
                                       <p:cBhvr>
-                                        <p:cTn id="29" dur="1" fill="hold">
+                                        <p:cTn id="30" dur="1" fill="hold">
                                           <p:stCondLst>
                                             <p:cond delay="0"/>
                                           </p:stCondLst>
@@ -9135,7 +9566,7 @@
                                         <p:tgtEl>
                                           <p:spTgt spid="3">
                                             <p:txEl>
-                                              <p:pRg st="5" end="5"/>
+                                              <p:pRg st="4" end="4"/>
                                             </p:txEl>
                                           </p:spTgt>
                                         </p:tgtEl>
@@ -9147,165 +9578,60 @@
                                         <p:strVal val="visible"/>
                                       </p:to>
                                     </p:set>
-                                    <p:animEffect transition="in" filter="circle(in)">
-                                      <p:cBhvr>
-                                        <p:cTn id="30" dur="2000"/>
+                                    <p:anim calcmode="lin" valueType="num">
+                                      <p:cBhvr additive="base">
+                                        <p:cTn id="31" dur="500" fill="hold"/>
                                         <p:tgtEl>
                                           <p:spTgt spid="3">
                                             <p:txEl>
-                                              <p:pRg st="5" end="5"/>
-                                            </p:txEl>
-                                          </p:spTgt>
-                                        </p:tgtEl>
-                                      </p:cBhvr>
-                                    </p:animEffect>
-                                  </p:childTnLst>
-                                </p:cTn>
-                              </p:par>
-                              <p:par>
-                                <p:cTn id="31" presetID="6" presetClass="entr" presetSubtype="16" fill="hold" nodeType="withEffect">
-                                  <p:stCondLst>
-                                    <p:cond delay="0"/>
-                                  </p:stCondLst>
-                                  <p:childTnLst>
-                                    <p:set>
-                                      <p:cBhvr>
-                                        <p:cTn id="32" dur="1" fill="hold">
-                                          <p:stCondLst>
-                                            <p:cond delay="0"/>
-                                          </p:stCondLst>
-                                        </p:cTn>
+                                              <p:pRg st="4" end="4"/>
+                                            </p:txEl>
+                                          </p:spTgt>
+                                        </p:tgtEl>
+                                        <p:attrNameLst>
+                                          <p:attrName>ppt_x</p:attrName>
+                                        </p:attrNameLst>
+                                      </p:cBhvr>
+                                      <p:tavLst>
+                                        <p:tav tm="0">
+                                          <p:val>
+                                            <p:strVal val="#ppt_x"/>
+                                          </p:val>
+                                        </p:tav>
+                                        <p:tav tm="100000">
+                                          <p:val>
+                                            <p:strVal val="#ppt_x"/>
+                                          </p:val>
+                                        </p:tav>
+                                      </p:tavLst>
+                                    </p:anim>
+                                    <p:anim calcmode="lin" valueType="num">
+                                      <p:cBhvr additive="base">
+                                        <p:cTn id="32" dur="500" fill="hold"/>
                                         <p:tgtEl>
                                           <p:spTgt spid="3">
                                             <p:txEl>
-                                              <p:pRg st="6" end="6"/>
+                                              <p:pRg st="4" end="4"/>
                                             </p:txEl>
                                           </p:spTgt>
                                         </p:tgtEl>
                                         <p:attrNameLst>
-                                          <p:attrName>style.visibility</p:attrName>
+                                          <p:attrName>ppt_y</p:attrName>
                                         </p:attrNameLst>
                                       </p:cBhvr>
-                                      <p:to>
-                                        <p:strVal val="visible"/>
-                                      </p:to>
-                                    </p:set>
-                                    <p:animEffect transition="in" filter="circle(in)">
-                                      <p:cBhvr>
-                                        <p:cTn id="33" dur="2000"/>
-                                        <p:tgtEl>
-                                          <p:spTgt spid="3">
-                                            <p:txEl>
-                                              <p:pRg st="6" end="6"/>
-                                            </p:txEl>
-                                          </p:spTgt>
-                                        </p:tgtEl>
-                                      </p:cBhvr>
-                                    </p:animEffect>
-                                  </p:childTnLst>
-                                </p:cTn>
-                              </p:par>
-                            </p:childTnLst>
-                          </p:cTn>
-                        </p:par>
-                      </p:childTnLst>
-                    </p:cTn>
-                  </p:par>
-                  <p:par>
-                    <p:cTn id="34" fill="hold">
-                      <p:stCondLst>
-                        <p:cond delay="indefinite"/>
-                      </p:stCondLst>
-                      <p:childTnLst>
-                        <p:par>
-                          <p:cTn id="35" fill="hold">
-                            <p:stCondLst>
-                              <p:cond delay="0"/>
-                            </p:stCondLst>
-                            <p:childTnLst>
-                              <p:par>
-                                <p:cTn id="36" presetID="6" presetClass="entr" presetSubtype="16" fill="hold" nodeType="clickEffect">
-                                  <p:stCondLst>
-                                    <p:cond delay="0"/>
-                                  </p:stCondLst>
-                                  <p:childTnLst>
-                                    <p:set>
-                                      <p:cBhvr>
-                                        <p:cTn id="37" dur="1" fill="hold">
-                                          <p:stCondLst>
-                                            <p:cond delay="0"/>
-                                          </p:stCondLst>
-                                        </p:cTn>
-                                        <p:tgtEl>
-                                          <p:spTgt spid="3">
-                                            <p:txEl>
-                                              <p:pRg st="7" end="7"/>
-                                            </p:txEl>
-                                          </p:spTgt>
-                                        </p:tgtEl>
-                                        <p:attrNameLst>
-                                          <p:attrName>style.visibility</p:attrName>
-                                        </p:attrNameLst>
-                                      </p:cBhvr>
-                                      <p:to>
-                                        <p:strVal val="visible"/>
-                                      </p:to>
-                                    </p:set>
-                                    <p:animEffect transition="in" filter="circle(in)">
-                                      <p:cBhvr>
-                                        <p:cTn id="38" dur="2000"/>
-                                        <p:tgtEl>
-                                          <p:spTgt spid="3">
-                                            <p:txEl>
-                                              <p:pRg st="7" end="7"/>
-                                            </p:txEl>
-                                          </p:spTgt>
-                                        </p:tgtEl>
-                                      </p:cBhvr>
-                                    </p:animEffect>
-                                  </p:childTnLst>
-                                </p:cTn>
-                              </p:par>
-                              <p:par>
-                                <p:cTn id="39" presetID="6" presetClass="entr" presetSubtype="16" fill="hold" nodeType="withEffect">
-                                  <p:stCondLst>
-                                    <p:cond delay="0"/>
-                                  </p:stCondLst>
-                                  <p:childTnLst>
-                                    <p:set>
-                                      <p:cBhvr>
-                                        <p:cTn id="40" dur="1" fill="hold">
-                                          <p:stCondLst>
-                                            <p:cond delay="0"/>
-                                          </p:stCondLst>
-                                        </p:cTn>
-                                        <p:tgtEl>
-                                          <p:spTgt spid="3">
-                                            <p:txEl>
-                                              <p:pRg st="8" end="8"/>
-                                            </p:txEl>
-                                          </p:spTgt>
-                                        </p:tgtEl>
-                                        <p:attrNameLst>
-                                          <p:attrName>style.visibility</p:attrName>
-                                        </p:attrNameLst>
-                                      </p:cBhvr>
-                                      <p:to>
-                                        <p:strVal val="visible"/>
-                                      </p:to>
-                                    </p:set>
-                                    <p:animEffect transition="in" filter="circle(in)">
-                                      <p:cBhvr>
-                                        <p:cTn id="41" dur="2000"/>
-                                        <p:tgtEl>
-                                          <p:spTgt spid="3">
-                                            <p:txEl>
-                                              <p:pRg st="8" end="8"/>
-                                            </p:txEl>
-                                          </p:spTgt>
-                                        </p:tgtEl>
-                                      </p:cBhvr>
-                                    </p:animEffect>
+                                      <p:tavLst>
+                                        <p:tav tm="0">
+                                          <p:val>
+                                            <p:strVal val="1+#ppt_h/2"/>
+                                          </p:val>
+                                        </p:tav>
+                                        <p:tav tm="100000">
+                                          <p:val>
+                                            <p:strVal val="#ppt_y"/>
+                                          </p:val>
+                                        </p:tav>
+                                      </p:tavLst>
+                                    </p:anim>
                                   </p:childTnLst>
                                 </p:cTn>
                               </p:par>
@@ -9374,6 +9700,767 @@
           <a:p>
             <a:r>
               <a:rPr lang="en-US" dirty="0" smtClean="0"/>
+              <a:t>How Do You Benefit?</a:t>
+            </a:r>
+            <a:endParaRPr lang="en-US" dirty="0"/>
+          </a:p>
+        </p:txBody>
+      </p:sp>
+      <p:sp>
+        <p:nvSpPr>
+          <p:cNvPr id="3" name="Content Placeholder 2"/>
+          <p:cNvSpPr>
+            <a:spLocks noGrp="1"/>
+          </p:cNvSpPr>
+          <p:nvPr>
+            <p:ph idx="1"/>
+          </p:nvPr>
+        </p:nvSpPr>
+        <p:spPr/>
+        <p:txBody>
+          <a:bodyPr/>
+          <a:lstStyle/>
+          <a:p>
+            <a:r>
+              <a:rPr lang="en-US" dirty="0" smtClean="0"/>
+              <a:t>If you hire me, you will have a Full-Stack developer who have highly skill, highly motivated and experienced professional and who will gets the things done.</a:t>
+            </a:r>
+          </a:p>
+          <a:p>
+            <a:pPr lvl="2"/>
+            <a:r>
+              <a:rPr lang="en-US" dirty="0" smtClean="0"/>
+              <a:t>Highly Skilled Full-Stack Developer</a:t>
+            </a:r>
+          </a:p>
+          <a:p>
+            <a:pPr lvl="3"/>
+            <a:r>
+              <a:rPr lang="en-US" dirty="0" smtClean="0"/>
+              <a:t>As evidence by 4 years of outstanding worked as a Full-Stack Developer who can completely handles from the Front-end to Database.</a:t>
+            </a:r>
+          </a:p>
+          <a:p>
+            <a:pPr lvl="2"/>
+            <a:r>
+              <a:rPr lang="en-US" dirty="0" smtClean="0"/>
+              <a:t>Highly Innovative and Creative</a:t>
+            </a:r>
+          </a:p>
+          <a:p>
+            <a:pPr lvl="3"/>
+            <a:r>
+              <a:rPr lang="en-US" dirty="0" smtClean="0"/>
+              <a:t>As evidence by the quality, contribution and variety my past projects and products.</a:t>
+            </a:r>
+          </a:p>
+          <a:p>
+            <a:pPr lvl="2"/>
+            <a:r>
+              <a:rPr lang="en-US" dirty="0"/>
+              <a:t>Highly Successful Team Player</a:t>
+            </a:r>
+          </a:p>
+          <a:p>
+            <a:pPr lvl="3"/>
+            <a:r>
+              <a:rPr lang="en-US" dirty="0" smtClean="0"/>
+              <a:t>As evidence by sharing and helping other members when their have conflict or problems. Moreover, I always motivate other members by making some Tech Talk meeting to help them improve their skills.</a:t>
+            </a:r>
+          </a:p>
+          <a:p>
+            <a:pPr lvl="2"/>
+            <a:r>
+              <a:rPr lang="en-US" dirty="0" smtClean="0"/>
+              <a:t>Contribution</a:t>
+            </a:r>
+            <a:endParaRPr lang="en-US" dirty="0"/>
+          </a:p>
+          <a:p>
+            <a:pPr lvl="3"/>
+            <a:r>
+              <a:rPr lang="en-US" dirty="0"/>
+              <a:t>As evidence </a:t>
+            </a:r>
+            <a:r>
+              <a:rPr lang="en-US" dirty="0" smtClean="0"/>
+              <a:t>by the contributions section, I love to contribute my knowledge and my ideas to my company by making some training, sharing or building new tools to improve the productivities.</a:t>
+            </a:r>
+          </a:p>
+        </p:txBody>
+      </p:sp>
+      <p:sp>
+        <p:nvSpPr>
+          <p:cNvPr id="4" name="Date Placeholder 3"/>
+          <p:cNvSpPr>
+            <a:spLocks noGrp="1"/>
+          </p:cNvSpPr>
+          <p:nvPr>
+            <p:ph type="dt" sz="half" idx="10"/>
+          </p:nvPr>
+        </p:nvSpPr>
+        <p:spPr/>
+        <p:txBody>
+          <a:bodyPr/>
+          <a:lstStyle/>
+          <a:p>
+            <a:fld id="{EEA75F16-E4FD-44DC-ABEF-20CBF1D994A7}" type="datetime1">
+              <a:rPr lang="en-US" smtClean="0"/>
+              <a:t>3/2/2017</a:t>
+            </a:fld>
+            <a:endParaRPr lang="en-US"/>
+          </a:p>
+        </p:txBody>
+      </p:sp>
+      <p:sp>
+        <p:nvSpPr>
+          <p:cNvPr id="6" name="Footer Placeholder 3"/>
+          <p:cNvSpPr>
+            <a:spLocks noGrp="1"/>
+          </p:cNvSpPr>
+          <p:nvPr>
+            <p:ph type="ftr" sz="quarter" idx="11"/>
+          </p:nvPr>
+        </p:nvSpPr>
+        <p:spPr/>
+        <p:txBody>
+          <a:bodyPr/>
+          <a:lstStyle/>
+          <a:p>
+            <a:r>
+              <a:rPr lang="en-US" sz="1600" dirty="0"/>
+              <a:t>Johnny Nguyen</a:t>
+            </a:r>
+            <a:endParaRPr lang="en-US" sz="1600" i="1" dirty="0"/>
+          </a:p>
+          <a:p>
+            <a:r>
+              <a:rPr lang="en-US" sz="1100" i="1" dirty="0"/>
+              <a:t>Performance, Commitment, Trust, Boldness, Independence</a:t>
+            </a:r>
+          </a:p>
+        </p:txBody>
+      </p:sp>
+    </p:spTree>
+    <p:extLst>
+      <p:ext uri="{BB962C8B-B14F-4D97-AF65-F5344CB8AC3E}">
+        <p14:creationId xmlns:p14="http://schemas.microsoft.com/office/powerpoint/2010/main" val="67219317"/>
+      </p:ext>
+    </p:extLst>
+  </p:cSld>
+  <p:clrMapOvr>
+    <a:masterClrMapping/>
+  </p:clrMapOvr>
+  <mc:AlternateContent xmlns:mc="http://schemas.openxmlformats.org/markup-compatibility/2006" xmlns:p14="http://schemas.microsoft.com/office/powerpoint/2010/main">
+    <mc:Choice Requires="p14">
+      <p:transition spd="slow" p14:dur="2500">
+        <p:checker/>
+      </p:transition>
+    </mc:Choice>
+    <mc:Fallback xmlns="">
+      <p:transition spd="slow">
+        <p:checker/>
+      </p:transition>
+    </mc:Fallback>
+  </mc:AlternateContent>
+  <p:timing>
+    <p:tnLst>
+      <p:par>
+        <p:cTn id="1" dur="indefinite" restart="never" nodeType="tmRoot">
+          <p:childTnLst>
+            <p:seq concurrent="1" nextAc="seek">
+              <p:cTn id="2" dur="indefinite" nodeType="mainSeq">
+                <p:childTnLst>
+                  <p:par>
+                    <p:cTn id="3" fill="hold">
+                      <p:stCondLst>
+                        <p:cond delay="indefinite"/>
+                      </p:stCondLst>
+                      <p:childTnLst>
+                        <p:par>
+                          <p:cTn id="4" fill="hold">
+                            <p:stCondLst>
+                              <p:cond delay="0"/>
+                            </p:stCondLst>
+                            <p:childTnLst>
+                              <p:par>
+                                <p:cTn id="5" presetID="53" presetClass="entr" presetSubtype="16" fill="hold" nodeType="clickEffect">
+                                  <p:stCondLst>
+                                    <p:cond delay="0"/>
+                                  </p:stCondLst>
+                                  <p:childTnLst>
+                                    <p:set>
+                                      <p:cBhvr>
+                                        <p:cTn id="6" dur="1" fill="hold">
+                                          <p:stCondLst>
+                                            <p:cond delay="0"/>
+                                          </p:stCondLst>
+                                        </p:cTn>
+                                        <p:tgtEl>
+                                          <p:spTgt spid="3">
+                                            <p:txEl>
+                                              <p:pRg st="0" end="0"/>
+                                            </p:txEl>
+                                          </p:spTgt>
+                                        </p:tgtEl>
+                                        <p:attrNameLst>
+                                          <p:attrName>style.visibility</p:attrName>
+                                        </p:attrNameLst>
+                                      </p:cBhvr>
+                                      <p:to>
+                                        <p:strVal val="visible"/>
+                                      </p:to>
+                                    </p:set>
+                                    <p:anim calcmode="lin" valueType="num">
+                                      <p:cBhvr>
+                                        <p:cTn id="7" dur="500" fill="hold"/>
+                                        <p:tgtEl>
+                                          <p:spTgt spid="3">
+                                            <p:txEl>
+                                              <p:pRg st="0" end="0"/>
+                                            </p:txEl>
+                                          </p:spTgt>
+                                        </p:tgtEl>
+                                        <p:attrNameLst>
+                                          <p:attrName>ppt_w</p:attrName>
+                                        </p:attrNameLst>
+                                      </p:cBhvr>
+                                      <p:tavLst>
+                                        <p:tav tm="0">
+                                          <p:val>
+                                            <p:fltVal val="0"/>
+                                          </p:val>
+                                        </p:tav>
+                                        <p:tav tm="100000">
+                                          <p:val>
+                                            <p:strVal val="#ppt_w"/>
+                                          </p:val>
+                                        </p:tav>
+                                      </p:tavLst>
+                                    </p:anim>
+                                    <p:anim calcmode="lin" valueType="num">
+                                      <p:cBhvr>
+                                        <p:cTn id="8" dur="500" fill="hold"/>
+                                        <p:tgtEl>
+                                          <p:spTgt spid="3">
+                                            <p:txEl>
+                                              <p:pRg st="0" end="0"/>
+                                            </p:txEl>
+                                          </p:spTgt>
+                                        </p:tgtEl>
+                                        <p:attrNameLst>
+                                          <p:attrName>ppt_h</p:attrName>
+                                        </p:attrNameLst>
+                                      </p:cBhvr>
+                                      <p:tavLst>
+                                        <p:tav tm="0">
+                                          <p:val>
+                                            <p:fltVal val="0"/>
+                                          </p:val>
+                                        </p:tav>
+                                        <p:tav tm="100000">
+                                          <p:val>
+                                            <p:strVal val="#ppt_h"/>
+                                          </p:val>
+                                        </p:tav>
+                                      </p:tavLst>
+                                    </p:anim>
+                                    <p:animEffect transition="in" filter="fade">
+                                      <p:cBhvr>
+                                        <p:cTn id="9" dur="500"/>
+                                        <p:tgtEl>
+                                          <p:spTgt spid="3">
+                                            <p:txEl>
+                                              <p:pRg st="0" end="0"/>
+                                            </p:txEl>
+                                          </p:spTgt>
+                                        </p:tgtEl>
+                                      </p:cBhvr>
+                                    </p:animEffect>
+                                  </p:childTnLst>
+                                </p:cTn>
+                              </p:par>
+                            </p:childTnLst>
+                          </p:cTn>
+                        </p:par>
+                      </p:childTnLst>
+                    </p:cTn>
+                  </p:par>
+                  <p:par>
+                    <p:cTn id="10" fill="hold">
+                      <p:stCondLst>
+                        <p:cond delay="indefinite"/>
+                      </p:stCondLst>
+                      <p:childTnLst>
+                        <p:par>
+                          <p:cTn id="11" fill="hold">
+                            <p:stCondLst>
+                              <p:cond delay="0"/>
+                            </p:stCondLst>
+                            <p:childTnLst>
+                              <p:par>
+                                <p:cTn id="12" presetID="6" presetClass="entr" presetSubtype="16" fill="hold" nodeType="clickEffect">
+                                  <p:stCondLst>
+                                    <p:cond delay="0"/>
+                                  </p:stCondLst>
+                                  <p:childTnLst>
+                                    <p:set>
+                                      <p:cBhvr>
+                                        <p:cTn id="13" dur="1" fill="hold">
+                                          <p:stCondLst>
+                                            <p:cond delay="0"/>
+                                          </p:stCondLst>
+                                        </p:cTn>
+                                        <p:tgtEl>
+                                          <p:spTgt spid="3">
+                                            <p:txEl>
+                                              <p:pRg st="1" end="1"/>
+                                            </p:txEl>
+                                          </p:spTgt>
+                                        </p:tgtEl>
+                                        <p:attrNameLst>
+                                          <p:attrName>style.visibility</p:attrName>
+                                        </p:attrNameLst>
+                                      </p:cBhvr>
+                                      <p:to>
+                                        <p:strVal val="visible"/>
+                                      </p:to>
+                                    </p:set>
+                                    <p:animEffect transition="in" filter="circle(in)">
+                                      <p:cBhvr>
+                                        <p:cTn id="14" dur="2000"/>
+                                        <p:tgtEl>
+                                          <p:spTgt spid="3">
+                                            <p:txEl>
+                                              <p:pRg st="1" end="1"/>
+                                            </p:txEl>
+                                          </p:spTgt>
+                                        </p:tgtEl>
+                                      </p:cBhvr>
+                                    </p:animEffect>
+                                  </p:childTnLst>
+                                </p:cTn>
+                              </p:par>
+                              <p:par>
+                                <p:cTn id="15" presetID="6" presetClass="entr" presetSubtype="16" fill="hold" nodeType="withEffect">
+                                  <p:stCondLst>
+                                    <p:cond delay="0"/>
+                                  </p:stCondLst>
+                                  <p:childTnLst>
+                                    <p:set>
+                                      <p:cBhvr>
+                                        <p:cTn id="16" dur="1" fill="hold">
+                                          <p:stCondLst>
+                                            <p:cond delay="0"/>
+                                          </p:stCondLst>
+                                        </p:cTn>
+                                        <p:tgtEl>
+                                          <p:spTgt spid="3">
+                                            <p:txEl>
+                                              <p:pRg st="2" end="2"/>
+                                            </p:txEl>
+                                          </p:spTgt>
+                                        </p:tgtEl>
+                                        <p:attrNameLst>
+                                          <p:attrName>style.visibility</p:attrName>
+                                        </p:attrNameLst>
+                                      </p:cBhvr>
+                                      <p:to>
+                                        <p:strVal val="visible"/>
+                                      </p:to>
+                                    </p:set>
+                                    <p:animEffect transition="in" filter="circle(in)">
+                                      <p:cBhvr>
+                                        <p:cTn id="17" dur="2000"/>
+                                        <p:tgtEl>
+                                          <p:spTgt spid="3">
+                                            <p:txEl>
+                                              <p:pRg st="2" end="2"/>
+                                            </p:txEl>
+                                          </p:spTgt>
+                                        </p:tgtEl>
+                                      </p:cBhvr>
+                                    </p:animEffect>
+                                  </p:childTnLst>
+                                </p:cTn>
+                              </p:par>
+                            </p:childTnLst>
+                          </p:cTn>
+                        </p:par>
+                      </p:childTnLst>
+                    </p:cTn>
+                  </p:par>
+                  <p:par>
+                    <p:cTn id="18" fill="hold">
+                      <p:stCondLst>
+                        <p:cond delay="indefinite"/>
+                      </p:stCondLst>
+                      <p:childTnLst>
+                        <p:par>
+                          <p:cTn id="19" fill="hold">
+                            <p:stCondLst>
+                              <p:cond delay="0"/>
+                            </p:stCondLst>
+                            <p:childTnLst>
+                              <p:par>
+                                <p:cTn id="20" presetID="6" presetClass="entr" presetSubtype="16" fill="hold" nodeType="clickEffect">
+                                  <p:stCondLst>
+                                    <p:cond delay="0"/>
+                                  </p:stCondLst>
+                                  <p:childTnLst>
+                                    <p:set>
+                                      <p:cBhvr>
+                                        <p:cTn id="21" dur="1" fill="hold">
+                                          <p:stCondLst>
+                                            <p:cond delay="0"/>
+                                          </p:stCondLst>
+                                        </p:cTn>
+                                        <p:tgtEl>
+                                          <p:spTgt spid="3">
+                                            <p:txEl>
+                                              <p:pRg st="3" end="3"/>
+                                            </p:txEl>
+                                          </p:spTgt>
+                                        </p:tgtEl>
+                                        <p:attrNameLst>
+                                          <p:attrName>style.visibility</p:attrName>
+                                        </p:attrNameLst>
+                                      </p:cBhvr>
+                                      <p:to>
+                                        <p:strVal val="visible"/>
+                                      </p:to>
+                                    </p:set>
+                                    <p:animEffect transition="in" filter="circle(in)">
+                                      <p:cBhvr>
+                                        <p:cTn id="22" dur="2000"/>
+                                        <p:tgtEl>
+                                          <p:spTgt spid="3">
+                                            <p:txEl>
+                                              <p:pRg st="3" end="3"/>
+                                            </p:txEl>
+                                          </p:spTgt>
+                                        </p:tgtEl>
+                                      </p:cBhvr>
+                                    </p:animEffect>
+                                  </p:childTnLst>
+                                </p:cTn>
+                              </p:par>
+                              <p:par>
+                                <p:cTn id="23" presetID="6" presetClass="entr" presetSubtype="16" fill="hold" nodeType="withEffect">
+                                  <p:stCondLst>
+                                    <p:cond delay="0"/>
+                                  </p:stCondLst>
+                                  <p:childTnLst>
+                                    <p:set>
+                                      <p:cBhvr>
+                                        <p:cTn id="24" dur="1" fill="hold">
+                                          <p:stCondLst>
+                                            <p:cond delay="0"/>
+                                          </p:stCondLst>
+                                        </p:cTn>
+                                        <p:tgtEl>
+                                          <p:spTgt spid="3">
+                                            <p:txEl>
+                                              <p:pRg st="4" end="4"/>
+                                            </p:txEl>
+                                          </p:spTgt>
+                                        </p:tgtEl>
+                                        <p:attrNameLst>
+                                          <p:attrName>style.visibility</p:attrName>
+                                        </p:attrNameLst>
+                                      </p:cBhvr>
+                                      <p:to>
+                                        <p:strVal val="visible"/>
+                                      </p:to>
+                                    </p:set>
+                                    <p:animEffect transition="in" filter="circle(in)">
+                                      <p:cBhvr>
+                                        <p:cTn id="25" dur="2000"/>
+                                        <p:tgtEl>
+                                          <p:spTgt spid="3">
+                                            <p:txEl>
+                                              <p:pRg st="4" end="4"/>
+                                            </p:txEl>
+                                          </p:spTgt>
+                                        </p:tgtEl>
+                                      </p:cBhvr>
+                                    </p:animEffect>
+                                  </p:childTnLst>
+                                </p:cTn>
+                              </p:par>
+                            </p:childTnLst>
+                          </p:cTn>
+                        </p:par>
+                      </p:childTnLst>
+                    </p:cTn>
+                  </p:par>
+                  <p:par>
+                    <p:cTn id="26" fill="hold">
+                      <p:stCondLst>
+                        <p:cond delay="indefinite"/>
+                      </p:stCondLst>
+                      <p:childTnLst>
+                        <p:par>
+                          <p:cTn id="27" fill="hold">
+                            <p:stCondLst>
+                              <p:cond delay="0"/>
+                            </p:stCondLst>
+                            <p:childTnLst>
+                              <p:par>
+                                <p:cTn id="28" presetID="6" presetClass="entr" presetSubtype="16" fill="hold" nodeType="clickEffect">
+                                  <p:stCondLst>
+                                    <p:cond delay="0"/>
+                                  </p:stCondLst>
+                                  <p:childTnLst>
+                                    <p:set>
+                                      <p:cBhvr>
+                                        <p:cTn id="29" dur="1" fill="hold">
+                                          <p:stCondLst>
+                                            <p:cond delay="0"/>
+                                          </p:stCondLst>
+                                        </p:cTn>
+                                        <p:tgtEl>
+                                          <p:spTgt spid="3">
+                                            <p:txEl>
+                                              <p:pRg st="5" end="5"/>
+                                            </p:txEl>
+                                          </p:spTgt>
+                                        </p:tgtEl>
+                                        <p:attrNameLst>
+                                          <p:attrName>style.visibility</p:attrName>
+                                        </p:attrNameLst>
+                                      </p:cBhvr>
+                                      <p:to>
+                                        <p:strVal val="visible"/>
+                                      </p:to>
+                                    </p:set>
+                                    <p:animEffect transition="in" filter="circle(in)">
+                                      <p:cBhvr>
+                                        <p:cTn id="30" dur="2000"/>
+                                        <p:tgtEl>
+                                          <p:spTgt spid="3">
+                                            <p:txEl>
+                                              <p:pRg st="5" end="5"/>
+                                            </p:txEl>
+                                          </p:spTgt>
+                                        </p:tgtEl>
+                                      </p:cBhvr>
+                                    </p:animEffect>
+                                  </p:childTnLst>
+                                </p:cTn>
+                              </p:par>
+                              <p:par>
+                                <p:cTn id="31" presetID="6" presetClass="entr" presetSubtype="16" fill="hold" nodeType="withEffect">
+                                  <p:stCondLst>
+                                    <p:cond delay="0"/>
+                                  </p:stCondLst>
+                                  <p:childTnLst>
+                                    <p:set>
+                                      <p:cBhvr>
+                                        <p:cTn id="32" dur="1" fill="hold">
+                                          <p:stCondLst>
+                                            <p:cond delay="0"/>
+                                          </p:stCondLst>
+                                        </p:cTn>
+                                        <p:tgtEl>
+                                          <p:spTgt spid="3">
+                                            <p:txEl>
+                                              <p:pRg st="6" end="6"/>
+                                            </p:txEl>
+                                          </p:spTgt>
+                                        </p:tgtEl>
+                                        <p:attrNameLst>
+                                          <p:attrName>style.visibility</p:attrName>
+                                        </p:attrNameLst>
+                                      </p:cBhvr>
+                                      <p:to>
+                                        <p:strVal val="visible"/>
+                                      </p:to>
+                                    </p:set>
+                                    <p:animEffect transition="in" filter="circle(in)">
+                                      <p:cBhvr>
+                                        <p:cTn id="33" dur="2000"/>
+                                        <p:tgtEl>
+                                          <p:spTgt spid="3">
+                                            <p:txEl>
+                                              <p:pRg st="6" end="6"/>
+                                            </p:txEl>
+                                          </p:spTgt>
+                                        </p:tgtEl>
+                                      </p:cBhvr>
+                                    </p:animEffect>
+                                  </p:childTnLst>
+                                </p:cTn>
+                              </p:par>
+                            </p:childTnLst>
+                          </p:cTn>
+                        </p:par>
+                      </p:childTnLst>
+                    </p:cTn>
+                  </p:par>
+                  <p:par>
+                    <p:cTn id="34" fill="hold">
+                      <p:stCondLst>
+                        <p:cond delay="indefinite"/>
+                      </p:stCondLst>
+                      <p:childTnLst>
+                        <p:par>
+                          <p:cTn id="35" fill="hold">
+                            <p:stCondLst>
+                              <p:cond delay="0"/>
+                            </p:stCondLst>
+                            <p:childTnLst>
+                              <p:par>
+                                <p:cTn id="36" presetID="6" presetClass="entr" presetSubtype="16" fill="hold" nodeType="clickEffect">
+                                  <p:stCondLst>
+                                    <p:cond delay="0"/>
+                                  </p:stCondLst>
+                                  <p:childTnLst>
+                                    <p:set>
+                                      <p:cBhvr>
+                                        <p:cTn id="37" dur="1" fill="hold">
+                                          <p:stCondLst>
+                                            <p:cond delay="0"/>
+                                          </p:stCondLst>
+                                        </p:cTn>
+                                        <p:tgtEl>
+                                          <p:spTgt spid="3">
+                                            <p:txEl>
+                                              <p:pRg st="7" end="7"/>
+                                            </p:txEl>
+                                          </p:spTgt>
+                                        </p:tgtEl>
+                                        <p:attrNameLst>
+                                          <p:attrName>style.visibility</p:attrName>
+                                        </p:attrNameLst>
+                                      </p:cBhvr>
+                                      <p:to>
+                                        <p:strVal val="visible"/>
+                                      </p:to>
+                                    </p:set>
+                                    <p:animEffect transition="in" filter="circle(in)">
+                                      <p:cBhvr>
+                                        <p:cTn id="38" dur="2000"/>
+                                        <p:tgtEl>
+                                          <p:spTgt spid="3">
+                                            <p:txEl>
+                                              <p:pRg st="7" end="7"/>
+                                            </p:txEl>
+                                          </p:spTgt>
+                                        </p:tgtEl>
+                                      </p:cBhvr>
+                                    </p:animEffect>
+                                  </p:childTnLst>
+                                </p:cTn>
+                              </p:par>
+                              <p:par>
+                                <p:cTn id="39" presetID="6" presetClass="entr" presetSubtype="16" fill="hold" nodeType="withEffect">
+                                  <p:stCondLst>
+                                    <p:cond delay="0"/>
+                                  </p:stCondLst>
+                                  <p:childTnLst>
+                                    <p:set>
+                                      <p:cBhvr>
+                                        <p:cTn id="40" dur="1" fill="hold">
+                                          <p:stCondLst>
+                                            <p:cond delay="0"/>
+                                          </p:stCondLst>
+                                        </p:cTn>
+                                        <p:tgtEl>
+                                          <p:spTgt spid="3">
+                                            <p:txEl>
+                                              <p:pRg st="8" end="8"/>
+                                            </p:txEl>
+                                          </p:spTgt>
+                                        </p:tgtEl>
+                                        <p:attrNameLst>
+                                          <p:attrName>style.visibility</p:attrName>
+                                        </p:attrNameLst>
+                                      </p:cBhvr>
+                                      <p:to>
+                                        <p:strVal val="visible"/>
+                                      </p:to>
+                                    </p:set>
+                                    <p:animEffect transition="in" filter="circle(in)">
+                                      <p:cBhvr>
+                                        <p:cTn id="41" dur="2000"/>
+                                        <p:tgtEl>
+                                          <p:spTgt spid="3">
+                                            <p:txEl>
+                                              <p:pRg st="8" end="8"/>
+                                            </p:txEl>
+                                          </p:spTgt>
+                                        </p:tgtEl>
+                                      </p:cBhvr>
+                                    </p:animEffect>
+                                  </p:childTnLst>
+                                </p:cTn>
+                              </p:par>
+                            </p:childTnLst>
+                          </p:cTn>
+                        </p:par>
+                      </p:childTnLst>
+                    </p:cTn>
+                  </p:par>
+                </p:childTnLst>
+              </p:cTn>
+              <p:prevCondLst>
+                <p:cond evt="onPrev" delay="0">
+                  <p:tgtEl>
+                    <p:sldTgt/>
+                  </p:tgtEl>
+                </p:cond>
+              </p:prevCondLst>
+              <p:nextCondLst>
+                <p:cond evt="onNext" delay="0">
+                  <p:tgtEl>
+                    <p:sldTgt/>
+                  </p:tgtEl>
+                </p:cond>
+              </p:nextCondLst>
+            </p:seq>
+          </p:childTnLst>
+        </p:cTn>
+      </p:par>
+    </p:tnLst>
+  </p:timing>
+</p:sld>
+</file>
+
+<file path=ppt/slides/slide8.xml><?xml version="1.0" encoding="utf-8"?>
+<p:sld xmlns:a="http://schemas.openxmlformats.org/drawingml/2006/main" xmlns:r="http://schemas.openxmlformats.org/officeDocument/2006/relationships" xmlns:p="http://schemas.openxmlformats.org/presentationml/2006/main">
+  <p:cSld>
+    <p:spTree>
+      <p:nvGrpSpPr>
+        <p:cNvPr id="1" name=""/>
+        <p:cNvGrpSpPr/>
+        <p:nvPr/>
+      </p:nvGrpSpPr>
+      <p:grpSpPr>
+        <a:xfrm>
+          <a:off x="0" y="0"/>
+          <a:ext cx="0" cy="0"/>
+          <a:chOff x="0" y="0"/>
+          <a:chExt cx="0" cy="0"/>
+        </a:xfrm>
+      </p:grpSpPr>
+      <p:sp>
+        <p:nvSpPr>
+          <p:cNvPr id="2" name="Title 1"/>
+          <p:cNvSpPr>
+            <a:spLocks noGrp="1"/>
+          </p:cNvSpPr>
+          <p:nvPr>
+            <p:ph type="title"/>
+          </p:nvPr>
+        </p:nvSpPr>
+        <p:spPr/>
+        <p:txBody>
+          <a:bodyPr/>
+          <a:lstStyle/>
+          <a:p>
+            <a:r>
+              <a:rPr lang="en-US" dirty="0" smtClean="0"/>
               <a:t>Why Am I A Full-Stack Developer</a:t>
             </a:r>
             <a:br>
@@ -9474,7 +10561,7 @@
           <a:p>
             <a:fld id="{EEA75F16-E4FD-44DC-ABEF-20CBF1D994A7}" type="datetime1">
               <a:rPr lang="en-US" smtClean="0"/>
-              <a:t>3/1/2017</a:t>
+              <a:t>3/2/2017</a:t>
             </a:fld>
             <a:endParaRPr lang="en-US"/>
           </a:p>

--- a/Why Hire Me.pptx
+++ b/Why Hire Me.pptx
@@ -5,10 +5,10 @@
     <p:sldMasterId id="2147483648" r:id="rId2"/>
   </p:sldMasterIdLst>
   <p:notesMasterIdLst>
-    <p:notesMasterId r:id="rId11"/>
+    <p:notesMasterId r:id="rId10"/>
   </p:notesMasterIdLst>
   <p:handoutMasterIdLst>
-    <p:handoutMasterId r:id="rId12"/>
+    <p:handoutMasterId r:id="rId11"/>
   </p:handoutMasterIdLst>
   <p:sldIdLst>
     <p:sldId id="267" r:id="rId3"/>
@@ -16,9 +16,8 @@
     <p:sldId id="268" r:id="rId5"/>
     <p:sldId id="269" r:id="rId6"/>
     <p:sldId id="270" r:id="rId7"/>
-    <p:sldId id="273" r:id="rId8"/>
-    <p:sldId id="271" r:id="rId9"/>
-    <p:sldId id="272" r:id="rId10"/>
+    <p:sldId id="271" r:id="rId8"/>
+    <p:sldId id="272" r:id="rId9"/>
   </p:sldIdLst>
   <p:sldSz cx="12192000" cy="6858000"/>
   <p:notesSz cx="6858000" cy="9144000"/>
@@ -707,42 +706,45 @@
               <a:rPr lang="en-US" dirty="0" smtClean="0"/>
               <a:t>Hi xxx, </a:t>
             </a:r>
+          </a:p>
+          <a:p>
+            <a:endParaRPr lang="en-US" dirty="0"/>
+          </a:p>
+          <a:p>
+            <a:r>
+              <a:rPr lang="en-US" dirty="0" smtClean="0"/>
+              <a:t>Thanks you for </a:t>
+            </a:r>
+            <a:r>
+              <a:rPr lang="en-US" dirty="0" smtClean="0"/>
+              <a:t>giving </a:t>
+            </a:r>
+            <a:r>
+              <a:rPr lang="en-US" dirty="0" smtClean="0"/>
+              <a:t>me this opp</a:t>
+            </a:r>
+          </a:p>
+          <a:p>
             <a:endParaRPr lang="en-US" dirty="0" smtClean="0"/>
           </a:p>
           <a:p>
+            <a:r>
+              <a:rPr lang="en-US" dirty="0" smtClean="0"/>
+              <a:t>As you know, There are many developers around the world but to find a developer who suitable and talents </a:t>
+            </a:r>
+            <a:r>
+              <a:rPr lang="en-US" dirty="0" smtClean="0"/>
+              <a:t>is not easy. </a:t>
+            </a:r>
+            <a:endParaRPr lang="en-US" dirty="0" smtClean="0"/>
+          </a:p>
+          <a:p>
             <a:endParaRPr lang="en-US" dirty="0"/>
           </a:p>
           <a:p>
             <a:r>
               <a:rPr lang="en-US" dirty="0" smtClean="0"/>
-              <a:t>Thanks you for your time and giving me this </a:t>
-            </a:r>
-            <a:r>
-              <a:rPr lang="en-US" dirty="0" err="1" smtClean="0"/>
-              <a:t>opp</a:t>
-            </a:r>
-            <a:endParaRPr lang="en-US" dirty="0" smtClean="0"/>
-          </a:p>
-          <a:p>
-            <a:endParaRPr lang="en-US" dirty="0" smtClean="0"/>
-          </a:p>
-          <a:p>
-            <a:r>
-              <a:rPr lang="en-US" dirty="0" smtClean="0"/>
-              <a:t>As you know, There are many developers around the world but to find a developer who suitable and talents isn’t easy at all. </a:t>
-            </a:r>
-          </a:p>
-          <a:p>
-            <a:endParaRPr lang="en-US" dirty="0"/>
-          </a:p>
-          <a:p>
-            <a:r>
-              <a:rPr lang="en-US" dirty="0" smtClean="0"/>
-              <a:t>So that why we have this interview</a:t>
-            </a:r>
-            <a:r>
-              <a:rPr lang="en-US" dirty="0" smtClean="0"/>
-              <a:t>.</a:t>
+              <a:t>So that why we have this interview.</a:t>
             </a:r>
             <a:endParaRPr lang="en-US" dirty="0"/>
           </a:p>
@@ -969,15 +971,7 @@
             </a:r>
             <a:r>
               <a:rPr lang="en-US" dirty="0" smtClean="0"/>
-              <a:t> in working and </a:t>
-            </a:r>
-            <a:r>
-              <a:rPr lang="en-US" dirty="0" smtClean="0"/>
-              <a:t>communicating </a:t>
-            </a:r>
-            <a:r>
-              <a:rPr lang="en-US" dirty="0" smtClean="0"/>
-              <a:t>with team members as well as coaching them.</a:t>
+              <a:t> in working and communicating with team members as well as coaching them.</a:t>
             </a:r>
           </a:p>
           <a:p>
@@ -1002,24 +996,16 @@
             </a:r>
             <a:r>
               <a:rPr lang="en-US" dirty="0" smtClean="0"/>
-              <a:t> </a:t>
-            </a:r>
+              <a:t> project with existing code. The problem that I always meet is maintainability and scalability  because they don’t have UT but luckily I’m a guy who knows UT as well as .NET framework</a:t>
+            </a:r>
+          </a:p>
+          <a:p>
+            <a:endParaRPr lang="en-US" dirty="0"/>
+          </a:p>
+          <a:p>
             <a:r>
               <a:rPr lang="en-US" dirty="0" smtClean="0"/>
-              <a:t>project with existing code. The problem that I always meet is maintainability and scalability  because they don’t have UT but luckily I’m a guy who knows UT as well as .NET </a:t>
-            </a:r>
-            <a:r>
-              <a:rPr lang="en-US" dirty="0" smtClean="0"/>
-              <a:t>framework</a:t>
-            </a:r>
-          </a:p>
-          <a:p>
-            <a:endParaRPr lang="en-US" dirty="0"/>
-          </a:p>
-          <a:p>
-            <a:r>
-              <a:rPr lang="en-US" dirty="0" smtClean="0"/>
-              <a:t>As you know, Good at technical isn’t only things that make the best and quality product, it’s from another aspects such communication, motivation, etc… So we move to the next section is my motivation and personality</a:t>
+              <a:t>As you know, Good at technical isn’t only things to make the best and quality product, it’s from another aspects such communication, motivation, etc… So we move to the next section is my motivation and personality</a:t>
             </a:r>
             <a:endParaRPr lang="en-US" dirty="0"/>
           </a:p>
@@ -1107,31 +1093,15 @@
           <a:p>
             <a:r>
               <a:rPr lang="en-US" dirty="0" smtClean="0"/>
-              <a:t>Firstly, I will show you my Motivation,  My desire is building the best product then deliver to the user and make </a:t>
+              <a:t>Firstly, I will show you my Motivation,  My desire is building the best product then deliver to the user and make them happy is what gets me out of the bed every morning. Beside, I love challenges  (especially start up environment ) because I can improve and collect experience from it, not to mention I can learn from the others one’s problem by helping, listening and sharing with them and to see </a:t>
             </a:r>
             <a:r>
               <a:rPr lang="en-US" dirty="0" smtClean="0"/>
-              <a:t>them happy </a:t>
+              <a:t>them in </a:t>
             </a:r>
             <a:r>
               <a:rPr lang="en-US" dirty="0" smtClean="0"/>
-              <a:t>is what gets me out of the bed every morning. Beside, I love challenges  (especially start up environment ) because I can improve and collect experience from </a:t>
-            </a:r>
-            <a:r>
-              <a:rPr lang="en-US" dirty="0" smtClean="0"/>
-              <a:t>it, </a:t>
-            </a:r>
-            <a:r>
-              <a:rPr lang="en-US" dirty="0" smtClean="0"/>
-              <a:t>not to mention I can learn from the others one’s problem by helping, listening and sharing with them </a:t>
-            </a:r>
-            <a:r>
-              <a:rPr lang="en-US" dirty="0" smtClean="0"/>
-              <a:t>and to </a:t>
-            </a:r>
-            <a:r>
-              <a:rPr lang="en-US" dirty="0" smtClean="0"/>
-              <a:t>see people in progress.</a:t>
+              <a:t>progress.</a:t>
             </a:r>
           </a:p>
           <a:p>
@@ -1148,22 +1118,25 @@
             </a:r>
             <a:r>
               <a:rPr lang="en-US" dirty="0" smtClean="0"/>
-              <a:t>person. I love to work as team rather than work alone and my slogan is “Word Hard, Party Hard</a:t>
-            </a:r>
+              <a:t>person. I love to work as team rather than work alone and my slogan is “Word Hard, Party Hard”</a:t>
+            </a:r>
+          </a:p>
+          <a:p>
+            <a:endParaRPr lang="en-US" dirty="0"/>
+          </a:p>
+          <a:p>
             <a:r>
               <a:rPr lang="en-US" dirty="0" smtClean="0"/>
-              <a:t>”</a:t>
-            </a:r>
-          </a:p>
-          <a:p>
-            <a:endParaRPr lang="en-US" dirty="0"/>
-          </a:p>
-          <a:p>
+              <a:t>Next we move to the Skills section, for this section I will show you my </a:t>
+            </a:r>
+            <a:r>
+              <a:rPr lang="en-US" dirty="0"/>
+              <a:t>skill-set, my potential </a:t>
+            </a:r>
             <a:r>
               <a:rPr lang="en-US" dirty="0" smtClean="0"/>
-              <a:t>Next we move to the Skills section, for this section I will show you my skill-set that I can adapt and my potential </a:t>
-            </a:r>
-            <a:endParaRPr lang="en-US" dirty="0" smtClean="0"/>
+              <a:t>that I can adapt</a:t>
+            </a:r>
           </a:p>
         </p:txBody>
       </p:sp>
@@ -1249,7 +1222,7 @@
           <a:p>
             <a:r>
               <a:rPr lang="en-US" dirty="0" smtClean="0"/>
-              <a:t>Before I apply for this job, I already read all the job requirement. I can adapt and learn new technologies if it good the your product.</a:t>
+              <a:t>Before I apply for this job, I already read your job requirement. I can adapt and learn new technologies if it good the your product.</a:t>
             </a:r>
           </a:p>
           <a:p>
@@ -1258,7 +1231,73 @@
           <a:p>
             <a:r>
               <a:rPr lang="en-US" dirty="0" smtClean="0"/>
-              <a:t>With more than 4 years’ experience in various .NET technologies such as …… and have rich </a:t>
+              <a:t>With more than 4 years’ experience in various .NET technologies such as …… and have rich exp in working with UT FW, not to mention I have much exp in Scrum Methodology.</a:t>
+            </a:r>
+          </a:p>
+          <a:p>
+            <a:endParaRPr lang="en-US" dirty="0"/>
+          </a:p>
+          <a:p>
+            <a:r>
+              <a:rPr lang="en-US" dirty="0" smtClean="0"/>
+              <a:t>As a Full-Stack Developer, I have to handle from front-end to server and Database So I’m not only good at C# but also </a:t>
+            </a:r>
+            <a:r>
+              <a:rPr lang="en-US" dirty="0" err="1" smtClean="0"/>
+              <a:t>Javascript</a:t>
+            </a:r>
+            <a:r>
+              <a:rPr lang="en-US" dirty="0" smtClean="0"/>
+              <a:t>, HTML, CSS, other JS FW &amp; Libs, tools such as </a:t>
+            </a:r>
+            <a:r>
+              <a:rPr lang="en-US" dirty="0" err="1" smtClean="0"/>
+              <a:t>AngularJs</a:t>
+            </a:r>
+            <a:r>
+              <a:rPr lang="en-US" dirty="0" smtClean="0"/>
+              <a:t>, </a:t>
+            </a:r>
+            <a:r>
+              <a:rPr lang="en-US" dirty="0" err="1" smtClean="0"/>
+              <a:t>jquery</a:t>
+            </a:r>
+            <a:r>
+              <a:rPr lang="en-US" dirty="0" smtClean="0"/>
+              <a:t>,</a:t>
+            </a:r>
+            <a:r>
+              <a:rPr lang="en-US" b="1" dirty="0" smtClean="0"/>
+              <a:t> Gulp, </a:t>
+            </a:r>
+            <a:r>
+              <a:rPr lang="en-US" b="1" dirty="0" err="1" smtClean="0"/>
+              <a:t>Nodejs</a:t>
+            </a:r>
+            <a:r>
+              <a:rPr lang="en-US" b="1" dirty="0" smtClean="0"/>
+              <a:t>, Sass, Less, etc….</a:t>
+            </a:r>
+            <a:r>
+              <a:rPr lang="en-US" dirty="0" smtClean="0"/>
+              <a:t>   </a:t>
+            </a:r>
+          </a:p>
+          <a:p>
+            <a:endParaRPr lang="en-US" dirty="0"/>
+          </a:p>
+          <a:p>
+            <a:r>
+              <a:rPr lang="en-US" dirty="0" smtClean="0"/>
+              <a:t>As I know, you prefer the one who have a good knowledge about </a:t>
+            </a:r>
+            <a:r>
+              <a:rPr lang="en-US" dirty="0" err="1" smtClean="0"/>
+              <a:t>Sql</a:t>
+            </a:r>
+            <a:r>
+              <a:rPr lang="en-US" dirty="0" smtClean="0"/>
+              <a:t> server So I should remind you, here I am. I have strong </a:t>
             </a:r>
             <a:r>
               <a:rPr lang="en-US" dirty="0" err="1" smtClean="0"/>
@@ -1266,85 +1305,7 @@
             </a:r>
             <a:r>
               <a:rPr lang="en-US" dirty="0" smtClean="0"/>
-              <a:t> in working with UT FW, not to mention I have much </a:t>
-            </a:r>
-            <a:r>
-              <a:rPr lang="en-US" dirty="0" err="1" smtClean="0"/>
-              <a:t>exp</a:t>
-            </a:r>
-            <a:r>
-              <a:rPr lang="en-US" dirty="0" smtClean="0"/>
-              <a:t> in Scrum Methodology and I can become a potential Scrum Master.</a:t>
-            </a:r>
-          </a:p>
-          <a:p>
-            <a:endParaRPr lang="en-US" dirty="0"/>
-          </a:p>
-          <a:p>
-            <a:r>
-              <a:rPr lang="en-US" dirty="0" smtClean="0"/>
-              <a:t>As a Full-Stack Developer, I have to handle from front-end to server and Database So I’m not only good at C# but also </a:t>
-            </a:r>
-            <a:r>
-              <a:rPr lang="en-US" dirty="0" err="1" smtClean="0"/>
-              <a:t>Javascript</a:t>
-            </a:r>
-            <a:r>
-              <a:rPr lang="en-US" dirty="0" smtClean="0"/>
-              <a:t>, HTML, CSS, other JS FW &amp; </a:t>
-            </a:r>
-            <a:r>
-              <a:rPr lang="en-US" dirty="0" smtClean="0"/>
-              <a:t>Libs, tools </a:t>
-            </a:r>
-            <a:r>
-              <a:rPr lang="en-US" dirty="0" smtClean="0"/>
-              <a:t>such as </a:t>
-            </a:r>
-            <a:r>
-              <a:rPr lang="en-US" dirty="0" err="1" smtClean="0"/>
-              <a:t>AngularJs</a:t>
-            </a:r>
-            <a:r>
-              <a:rPr lang="en-US" dirty="0" smtClean="0"/>
-              <a:t>, </a:t>
-            </a:r>
-            <a:r>
-              <a:rPr lang="en-US" dirty="0" err="1" smtClean="0"/>
-              <a:t>jquery</a:t>
-            </a:r>
-            <a:r>
-              <a:rPr lang="en-US" dirty="0" smtClean="0"/>
-              <a:t>,</a:t>
-            </a:r>
-            <a:r>
-              <a:rPr lang="en-US" b="1" dirty="0" smtClean="0"/>
-              <a:t> Gulp</a:t>
-            </a:r>
-            <a:r>
-              <a:rPr lang="en-US" b="1" dirty="0" smtClean="0"/>
-              <a:t>, </a:t>
-            </a:r>
-            <a:r>
-              <a:rPr lang="en-US" b="1" dirty="0" err="1" smtClean="0"/>
-              <a:t>Nodejs</a:t>
-            </a:r>
-            <a:r>
-              <a:rPr lang="en-US" b="1" dirty="0" smtClean="0"/>
-              <a:t>, Sass, Less, etc….</a:t>
-            </a:r>
-            <a:r>
-              <a:rPr lang="en-US" dirty="0" smtClean="0"/>
-              <a:t>   </a:t>
-            </a:r>
-          </a:p>
-          <a:p>
-            <a:endParaRPr lang="en-US" dirty="0"/>
-          </a:p>
-          <a:p>
-            <a:r>
-              <a:rPr lang="en-US" dirty="0" smtClean="0"/>
-              <a:t>As I know, you prefer the one who have a good knowledge about </a:t>
+              <a:t> and knowledge in </a:t>
             </a:r>
             <a:r>
               <a:rPr lang="en-US" dirty="0" err="1" smtClean="0"/>
@@ -1352,38 +1313,6 @@
             </a:r>
             <a:r>
               <a:rPr lang="en-US" dirty="0" smtClean="0"/>
-              <a:t> server So I </a:t>
-            </a:r>
-            <a:r>
-              <a:rPr lang="en-US" dirty="0" smtClean="0"/>
-              <a:t>should remind </a:t>
-            </a:r>
-            <a:r>
-              <a:rPr lang="en-US" dirty="0" smtClean="0"/>
-              <a:t>you, here </a:t>
-            </a:r>
-            <a:r>
-              <a:rPr lang="en-US" dirty="0" smtClean="0"/>
-              <a:t>I am. </a:t>
-            </a:r>
-            <a:r>
-              <a:rPr lang="en-US" dirty="0" smtClean="0"/>
-              <a:t>I have strong </a:t>
-            </a:r>
-            <a:r>
-              <a:rPr lang="en-US" dirty="0" err="1" smtClean="0"/>
-              <a:t>exp</a:t>
-            </a:r>
-            <a:r>
-              <a:rPr lang="en-US" dirty="0" smtClean="0"/>
-              <a:t> and knowledge in </a:t>
-            </a:r>
-            <a:r>
-              <a:rPr lang="en-US" dirty="0" err="1" smtClean="0"/>
-              <a:t>Sql</a:t>
-            </a:r>
-            <a:r>
-              <a:rPr lang="en-US" dirty="0" smtClean="0"/>
               <a:t> server….. </a:t>
             </a:r>
           </a:p>
@@ -1406,45 +1335,11 @@
             </a:r>
             <a:r>
               <a:rPr lang="en-US" dirty="0" smtClean="0"/>
-              <a:t> query to CRUD</a:t>
-            </a:r>
-            <a:r>
-              <a:rPr lang="en-US" dirty="0" smtClean="0"/>
-              <a:t>.</a:t>
+              <a:t> query to CRUD.</a:t>
             </a:r>
           </a:p>
           <a:p>
             <a:endParaRPr lang="en-US" dirty="0"/>
-          </a:p>
-          <a:p>
-            <a:r>
-              <a:rPr lang="en-US" dirty="0"/>
-              <a:t>You already know my </a:t>
-            </a:r>
-            <a:r>
-              <a:rPr lang="en-US" dirty="0" err="1"/>
-              <a:t>Exp</a:t>
-            </a:r>
-            <a:r>
-              <a:rPr lang="en-US" dirty="0"/>
-              <a:t>, Motivation, Personality and my skill-set So </a:t>
-            </a:r>
-            <a:r>
-              <a:rPr lang="en-US" dirty="0" smtClean="0"/>
-              <a:t>now </a:t>
-            </a:r>
-            <a:r>
-              <a:rPr lang="en-US" dirty="0"/>
-              <a:t>I will </a:t>
-            </a:r>
-            <a:r>
-              <a:rPr lang="en-US" dirty="0" smtClean="0"/>
-              <a:t>show </a:t>
-            </a:r>
-            <a:r>
-              <a:rPr lang="en-US" dirty="0"/>
-              <a:t>you my contribution that I have done during 4 years. </a:t>
-            </a:r>
           </a:p>
           <a:p>
             <a:endParaRPr lang="en-US" dirty="0" smtClean="0"/>
@@ -1537,20 +1432,77 @@
           <a:bodyPr/>
           <a:lstStyle/>
           <a:p>
-            <a:endParaRPr lang="en-US" dirty="0"/>
-          </a:p>
-          <a:p>
-            <a:r>
-              <a:rPr lang="en-US" dirty="0" smtClean="0"/>
-              <a:t>For the first 2 years, I spent almost my time and my effort to learn new technologies because I want to have my base programming language(C#) and platform (Web application) then when I have a little </a:t>
-            </a:r>
-            <a:r>
-              <a:rPr lang="en-US" dirty="0" err="1" smtClean="0"/>
-              <a:t>exp</a:t>
-            </a:r>
-            <a:r>
-              <a:rPr lang="en-US" dirty="0" smtClean="0"/>
-              <a:t>, I started to research and I want to contribute my knowledge to the .NET world and my second home (Company) because I want to prove my value and  to satisfy my hunger of knowledge.</a:t>
+            <a:r>
+              <a:rPr lang="en-US" dirty="0"/>
+              <a:t>1.</a:t>
+            </a:r>
+            <a:r>
+              <a:rPr lang="en-US" b="1" dirty="0"/>
+              <a:t> Capture</a:t>
+            </a:r>
+            <a:r>
+              <a:rPr lang="en-US" dirty="0"/>
+              <a:t>: Get ideas out of your head and onto your system.</a:t>
+            </a:r>
+            <a:br>
+              <a:rPr lang="en-US" dirty="0"/>
+            </a:br>
+            <a:r>
+              <a:rPr lang="en-US" dirty="0"/>
+              <a:t>2.</a:t>
+            </a:r>
+            <a:r>
+              <a:rPr lang="en-US" b="1" dirty="0"/>
+              <a:t> Process</a:t>
+            </a:r>
+            <a:r>
+              <a:rPr lang="en-US" dirty="0"/>
+              <a:t>: Decide what you want to do with this idea. What’s the goal? What’s your next action step?</a:t>
+            </a:r>
+            <a:br>
+              <a:rPr lang="en-US" dirty="0"/>
+            </a:br>
+            <a:r>
+              <a:rPr lang="en-US" dirty="0"/>
+              <a:t>3.</a:t>
+            </a:r>
+            <a:r>
+              <a:rPr lang="en-US" b="1" dirty="0"/>
+              <a:t> Organize</a:t>
+            </a:r>
+            <a:r>
+              <a:rPr lang="en-US" dirty="0"/>
+              <a:t>: Park the results in some trusted categories.</a:t>
+            </a:r>
+            <a:br>
+              <a:rPr lang="en-US" dirty="0"/>
+            </a:br>
+            <a:r>
+              <a:rPr lang="en-US" dirty="0"/>
+              <a:t>4.</a:t>
+            </a:r>
+            <a:r>
+              <a:rPr lang="en-US" b="1" dirty="0"/>
+              <a:t> Reflect</a:t>
+            </a:r>
+            <a:r>
+              <a:rPr lang="en-US" dirty="0"/>
+              <a:t>: Review your captured actions as frequently as needed.</a:t>
+            </a:r>
+            <a:br>
+              <a:rPr lang="en-US" dirty="0"/>
+            </a:br>
+            <a:r>
+              <a:rPr lang="en-US" dirty="0"/>
+              <a:t>5.</a:t>
+            </a:r>
+            <a:r>
+              <a:rPr lang="en-US" b="1" dirty="0"/>
+              <a:t> Engage</a:t>
+            </a:r>
+            <a:r>
+              <a:rPr lang="en-US" dirty="0"/>
+              <a:t>: Execute your plans. Mark tasks as done!</a:t>
             </a:r>
           </a:p>
         </p:txBody>
@@ -1581,7 +1533,7 @@
     </p:spTree>
     <p:extLst>
       <p:ext uri="{BB962C8B-B14F-4D97-AF65-F5344CB8AC3E}">
-        <p14:creationId xmlns:p14="http://schemas.microsoft.com/office/powerpoint/2010/main" val="1423454194"/>
+        <p14:creationId xmlns:p14="http://schemas.microsoft.com/office/powerpoint/2010/main" val="2257285805"/>
       </p:ext>
     </p:extLst>
   </p:cSld>
@@ -1635,7 +1587,34 @@
           <a:bodyPr/>
           <a:lstStyle/>
           <a:p>
-            <a:endParaRPr lang="en-US"/>
+            <a:r>
+              <a:rPr lang="en-US" dirty="0"/>
+              <a:t>Foucaud </a:t>
+            </a:r>
+            <a:r>
+              <a:rPr lang="en-US" dirty="0" smtClean="0"/>
+              <a:t>Guillaume (CEO)</a:t>
+            </a:r>
+            <a:endParaRPr lang="en-US" dirty="0"/>
+          </a:p>
+          <a:p>
+            <a:endParaRPr lang="en-US" dirty="0" smtClean="0"/>
+          </a:p>
+          <a:p>
+            <a:r>
+              <a:rPr lang="en-US" dirty="0" smtClean="0"/>
+              <a:t>BTO was born nearly 2 years.</a:t>
+            </a:r>
+          </a:p>
+          <a:p>
+            <a:endParaRPr lang="en-US" dirty="0"/>
+          </a:p>
+          <a:p>
+            <a:r>
+              <a:rPr lang="en-US" dirty="0" smtClean="0"/>
+              <a:t>Thanks you for your time.</a:t>
+            </a:r>
+            <a:endParaRPr lang="en-US" dirty="0"/>
           </a:p>
         </p:txBody>
       </p:sp>
@@ -1657,121 +1636,6 @@
             <a:fld id="{F0E67C00-F679-4C51-9894-9E2214E5C2F1}" type="slidenum">
               <a:rPr lang="en-US" smtClean="0"/>
               <a:t>7</a:t>
-            </a:fld>
-            <a:endParaRPr lang="en-US"/>
-          </a:p>
-        </p:txBody>
-      </p:sp>
-    </p:spTree>
-    <p:extLst>
-      <p:ext uri="{BB962C8B-B14F-4D97-AF65-F5344CB8AC3E}">
-        <p14:creationId xmlns:p14="http://schemas.microsoft.com/office/powerpoint/2010/main" val="2257285805"/>
-      </p:ext>
-    </p:extLst>
-  </p:cSld>
-  <p:clrMapOvr>
-    <a:masterClrMapping/>
-  </p:clrMapOvr>
-</p:notes>
-</file>
-
-<file path=ppt/notesSlides/notesSlide8.xml><?xml version="1.0" encoding="utf-8"?>
-<p:notes xmlns:a="http://schemas.openxmlformats.org/drawingml/2006/main" xmlns:r="http://schemas.openxmlformats.org/officeDocument/2006/relationships" xmlns:p="http://schemas.openxmlformats.org/presentationml/2006/main">
-  <p:cSld>
-    <p:spTree>
-      <p:nvGrpSpPr>
-        <p:cNvPr id="1" name=""/>
-        <p:cNvGrpSpPr/>
-        <p:nvPr/>
-      </p:nvGrpSpPr>
-      <p:grpSpPr>
-        <a:xfrm>
-          <a:off x="0" y="0"/>
-          <a:ext cx="0" cy="0"/>
-          <a:chOff x="0" y="0"/>
-          <a:chExt cx="0" cy="0"/>
-        </a:xfrm>
-      </p:grpSpPr>
-      <p:sp>
-        <p:nvSpPr>
-          <p:cNvPr id="2" name="Slide Image Placeholder 1"/>
-          <p:cNvSpPr>
-            <a:spLocks noGrp="1" noRot="1" noChangeAspect="1"/>
-          </p:cNvSpPr>
-          <p:nvPr>
-            <p:ph type="sldImg"/>
-          </p:nvPr>
-        </p:nvSpPr>
-        <p:spPr/>
-      </p:sp>
-      <p:sp>
-        <p:nvSpPr>
-          <p:cNvPr id="3" name="Notes Placeholder 2"/>
-          <p:cNvSpPr>
-            <a:spLocks noGrp="1"/>
-          </p:cNvSpPr>
-          <p:nvPr>
-            <p:ph type="body" idx="1"/>
-          </p:nvPr>
-        </p:nvSpPr>
-        <p:spPr/>
-        <p:txBody>
-          <a:bodyPr/>
-          <a:lstStyle/>
-          <a:p>
-            <a:r>
-              <a:rPr lang="en-US" dirty="0"/>
-              <a:t>Foucaud </a:t>
-            </a:r>
-            <a:r>
-              <a:rPr lang="en-US" dirty="0" smtClean="0"/>
-              <a:t>Guillaume (CEO)</a:t>
-            </a:r>
-            <a:endParaRPr lang="en-US" dirty="0"/>
-          </a:p>
-          <a:p>
-            <a:endParaRPr lang="en-US" dirty="0" smtClean="0"/>
-          </a:p>
-          <a:p>
-            <a:r>
-              <a:rPr lang="en-US" dirty="0" smtClean="0"/>
-              <a:t>BTO was born nearly 2 years</a:t>
-            </a:r>
-            <a:r>
-              <a:rPr lang="en-US" dirty="0" smtClean="0"/>
-              <a:t>.</a:t>
-            </a:r>
-          </a:p>
-          <a:p>
-            <a:endParaRPr lang="en-US" dirty="0"/>
-          </a:p>
-          <a:p>
-            <a:r>
-              <a:rPr lang="en-US" dirty="0" smtClean="0"/>
-              <a:t>Thanks you for your time.</a:t>
-            </a:r>
-            <a:endParaRPr lang="en-US" dirty="0"/>
-          </a:p>
-        </p:txBody>
-      </p:sp>
-      <p:sp>
-        <p:nvSpPr>
-          <p:cNvPr id="4" name="Slide Number Placeholder 3"/>
-          <p:cNvSpPr>
-            <a:spLocks noGrp="1"/>
-          </p:cNvSpPr>
-          <p:nvPr>
-            <p:ph type="sldNum" sz="quarter" idx="10"/>
-          </p:nvPr>
-        </p:nvSpPr>
-        <p:spPr/>
-        <p:txBody>
-          <a:bodyPr/>
-          <a:lstStyle/>
-          <a:p>
-            <a:fld id="{F0E67C00-F679-4C51-9894-9E2214E5C2F1}" type="slidenum">
-              <a:rPr lang="en-US" smtClean="0"/>
-              <a:t>8</a:t>
             </a:fld>
             <a:endParaRPr lang="en-US"/>
           </a:p>
@@ -5319,22 +5183,12 @@
               <a:rPr lang="en-US" sz="1800" i="1" dirty="0"/>
             </a:br>
             <a:r>
+              <a:rPr lang="en-US" sz="1800" i="1" dirty="0" smtClean="0"/>
+              <a:t>Commitment</a:t>
+            </a:r>
+            <a:r>
               <a:rPr lang="en-US" sz="1800" i="1" dirty="0"/>
-              <a:t>Commitment</a:t>
-            </a:r>
-            <a:br>
-              <a:rPr lang="en-US" sz="1800" i="1" dirty="0"/>
-            </a:br>
-            <a:r>
-              <a:rPr lang="en-US" sz="1800" i="1" dirty="0"/>
-              <a:t>Trust</a:t>
-            </a:r>
-            <a:br>
-              <a:rPr lang="en-US" sz="1800" i="1" dirty="0"/>
-            </a:br>
-            <a:r>
-              <a:rPr lang="en-US" sz="1800" i="1" dirty="0"/>
-              <a:t>Boldness</a:t>
+              <a:t/>
             </a:r>
             <a:br>
               <a:rPr lang="en-US" sz="1800" i="1" dirty="0"/>
@@ -5595,13 +5449,11 @@
           <a:p>
             <a:r>
               <a:rPr lang="en-US" dirty="0" smtClean="0"/>
-              <a:t>Contributions</a:t>
-            </a:r>
-          </a:p>
-          <a:p>
+              <a:t>How </a:t>
+            </a:r>
             <a:r>
               <a:rPr lang="en-US" dirty="0" smtClean="0"/>
-              <a:t>How Do You Benefit?</a:t>
+              <a:t>Do You Benefit?</a:t>
             </a:r>
           </a:p>
           <a:p>
@@ -5670,7 +5522,7 @@
           <a:p>
             <a:r>
               <a:rPr lang="en-US" sz="1100" i="1" dirty="0" smtClean="0"/>
-              <a:t>Performance, Commitment, Trust, Boldness, Independence</a:t>
+              <a:t>Performance, Commitment, Independence</a:t>
             </a:r>
           </a:p>
         </p:txBody>
@@ -5685,13 +5537,13 @@
   <p:clrMapOvr>
     <a:masterClrMapping/>
   </p:clrMapOvr>
-  <mc:AlternateContent xmlns:mc="http://schemas.openxmlformats.org/markup-compatibility/2006">
-    <mc:Choice xmlns:p14="http://schemas.microsoft.com/office/powerpoint/2010/main" Requires="p14">
+  <mc:AlternateContent xmlns:mc="http://schemas.openxmlformats.org/markup-compatibility/2006" xmlns:p14="http://schemas.microsoft.com/office/powerpoint/2010/main">
+    <mc:Choice Requires="p14">
       <p:transition spd="med" p14:dur="700">
         <p:fade/>
       </p:transition>
     </mc:Choice>
-    <mc:Fallback>
+    <mc:Fallback xmlns="">
       <p:transition spd="med">
         <p:fade/>
       </p:transition>
@@ -6251,121 +6103,6 @@
                                           <p:spTgt spid="3">
                                             <p:txEl>
                                               <p:pRg st="4" end="4"/>
-                                            </p:txEl>
-                                          </p:spTgt>
-                                        </p:tgtEl>
-                                        <p:attrNameLst>
-                                          <p:attrName>ppt_y</p:attrName>
-                                        </p:attrNameLst>
-                                      </p:cBhvr>
-                                      <p:tavLst>
-                                        <p:tav tm="0">
-                                          <p:val>
-                                            <p:strVal val="#ppt_y+.1"/>
-                                          </p:val>
-                                        </p:tav>
-                                        <p:tav tm="100000">
-                                          <p:val>
-                                            <p:strVal val="#ppt_y"/>
-                                          </p:val>
-                                        </p:tav>
-                                      </p:tavLst>
-                                    </p:anim>
-                                  </p:childTnLst>
-                                </p:cTn>
-                              </p:par>
-                            </p:childTnLst>
-                          </p:cTn>
-                        </p:par>
-                      </p:childTnLst>
-                    </p:cTn>
-                  </p:par>
-                  <p:par>
-                    <p:cTn id="38" fill="hold">
-                      <p:stCondLst>
-                        <p:cond delay="indefinite"/>
-                      </p:stCondLst>
-                      <p:childTnLst>
-                        <p:par>
-                          <p:cTn id="39" fill="hold">
-                            <p:stCondLst>
-                              <p:cond delay="0"/>
-                            </p:stCondLst>
-                            <p:childTnLst>
-                              <p:par>
-                                <p:cTn id="40" presetID="42" presetClass="entr" presetSubtype="0" fill="hold" nodeType="clickEffect">
-                                  <p:stCondLst>
-                                    <p:cond delay="0"/>
-                                  </p:stCondLst>
-                                  <p:childTnLst>
-                                    <p:set>
-                                      <p:cBhvr>
-                                        <p:cTn id="41" dur="1" fill="hold">
-                                          <p:stCondLst>
-                                            <p:cond delay="0"/>
-                                          </p:stCondLst>
-                                        </p:cTn>
-                                        <p:tgtEl>
-                                          <p:spTgt spid="3">
-                                            <p:txEl>
-                                              <p:pRg st="5" end="5"/>
-                                            </p:txEl>
-                                          </p:spTgt>
-                                        </p:tgtEl>
-                                        <p:attrNameLst>
-                                          <p:attrName>style.visibility</p:attrName>
-                                        </p:attrNameLst>
-                                      </p:cBhvr>
-                                      <p:to>
-                                        <p:strVal val="visible"/>
-                                      </p:to>
-                                    </p:set>
-                                    <p:animEffect transition="in" filter="fade">
-                                      <p:cBhvr>
-                                        <p:cTn id="42" dur="1000"/>
-                                        <p:tgtEl>
-                                          <p:spTgt spid="3">
-                                            <p:txEl>
-                                              <p:pRg st="5" end="5"/>
-                                            </p:txEl>
-                                          </p:spTgt>
-                                        </p:tgtEl>
-                                      </p:cBhvr>
-                                    </p:animEffect>
-                                    <p:anim calcmode="lin" valueType="num">
-                                      <p:cBhvr>
-                                        <p:cTn id="43" dur="1000" fill="hold"/>
-                                        <p:tgtEl>
-                                          <p:spTgt spid="3">
-                                            <p:txEl>
-                                              <p:pRg st="5" end="5"/>
-                                            </p:txEl>
-                                          </p:spTgt>
-                                        </p:tgtEl>
-                                        <p:attrNameLst>
-                                          <p:attrName>ppt_x</p:attrName>
-                                        </p:attrNameLst>
-                                      </p:cBhvr>
-                                      <p:tavLst>
-                                        <p:tav tm="0">
-                                          <p:val>
-                                            <p:strVal val="#ppt_x"/>
-                                          </p:val>
-                                        </p:tav>
-                                        <p:tav tm="100000">
-                                          <p:val>
-                                            <p:strVal val="#ppt_x"/>
-                                          </p:val>
-                                        </p:tav>
-                                      </p:tavLst>
-                                    </p:anim>
-                                    <p:anim calcmode="lin" valueType="num">
-                                      <p:cBhvr>
-                                        <p:cTn id="44" dur="1000" fill="hold"/>
-                                        <p:tgtEl>
-                                          <p:spTgt spid="3">
-                                            <p:txEl>
-                                              <p:pRg st="5" end="5"/>
                                             </p:txEl>
                                           </p:spTgt>
                                         </p:tgtEl>
@@ -6491,12 +6228,6 @@
           <a:p>
             <a:r>
               <a:rPr lang="en-US" dirty="0" smtClean="0"/>
-              <a:t>Worked and maintained many existing Enteprise projects.</a:t>
-            </a:r>
-          </a:p>
-          <a:p>
-            <a:r>
-              <a:rPr lang="en-US" dirty="0" smtClean="0"/>
               <a:t>Solid </a:t>
             </a:r>
             <a:r>
@@ -6505,11 +6236,11 @@
             </a:r>
             <a:r>
               <a:rPr lang="en-US" dirty="0" smtClean="0"/>
-              <a:t>DRY, </a:t>
+              <a:t>SOLID </a:t>
             </a:r>
             <a:r>
               <a:rPr lang="en-US" dirty="0"/>
-              <a:t>SOLID principles and design </a:t>
+              <a:t>principles and design </a:t>
             </a:r>
             <a:r>
               <a:rPr lang="en-US" dirty="0" smtClean="0"/>
@@ -6523,7 +6254,15 @@
             </a:r>
             <a:r>
               <a:rPr lang="en-US" dirty="0" smtClean="0"/>
-              <a:t>working and communication with team members  </a:t>
+              <a:t>working and </a:t>
+            </a:r>
+            <a:r>
+              <a:rPr lang="en-US" dirty="0" smtClean="0"/>
+              <a:t>communicating </a:t>
+            </a:r>
+            <a:r>
+              <a:rPr lang="en-US" dirty="0" smtClean="0"/>
+              <a:t>with team members  </a:t>
             </a:r>
             <a:r>
               <a:rPr lang="en-US" dirty="0"/>
@@ -6533,6 +6272,17 @@
               <a:rPr lang="en-US" dirty="0" smtClean="0"/>
               <a:t>.</a:t>
             </a:r>
+          </a:p>
+          <a:p>
+            <a:r>
+              <a:rPr lang="en-US" dirty="0"/>
+              <a:t>Worked and maintained many existing Enteprise projects</a:t>
+            </a:r>
+            <a:r>
+              <a:rPr lang="en-US" dirty="0" smtClean="0"/>
+              <a:t>.</a:t>
+            </a:r>
+            <a:endParaRPr lang="en-US" dirty="0" smtClean="0"/>
           </a:p>
           <a:p>
             <a:r>
@@ -6567,7 +6317,7 @@
       </p:sp>
       <p:sp>
         <p:nvSpPr>
-          <p:cNvPr id="5" name="Footer Placeholder 4"/>
+          <p:cNvPr id="6" name="Footer Placeholder 4"/>
           <p:cNvSpPr>
             <a:spLocks noGrp="1"/>
           </p:cNvSpPr>
@@ -6575,7 +6325,12 @@
             <p:ph type="ftr" sz="quarter" idx="11"/>
           </p:nvPr>
         </p:nvSpPr>
-        <p:spPr/>
+        <p:spPr>
+          <a:xfrm>
+            <a:off x="609600" y="6484777"/>
+            <a:ext cx="4123765" cy="274022"/>
+          </a:xfrm>
+        </p:spPr>
         <p:txBody>
           <a:bodyPr/>
           <a:lstStyle/>
@@ -6589,7 +6344,7 @@
           <a:p>
             <a:r>
               <a:rPr lang="en-US" sz="1100" i="1" dirty="0" smtClean="0"/>
-              <a:t>Performance, Commitment, Trust, Boldness, Independence</a:t>
+              <a:t>Performance, Commitment, Independence</a:t>
             </a:r>
           </a:p>
         </p:txBody>
@@ -7247,8 +7002,13 @@
           <a:p>
             <a:r>
               <a:rPr lang="en-US" sz="1100" i="1" dirty="0"/>
-              <a:t>Performance, Commitment, Trust, Boldness, Independence</a:t>
-            </a:r>
+              <a:t>Performance, </a:t>
+            </a:r>
+            <a:r>
+              <a:rPr lang="en-US" sz="1100" i="1" dirty="0" smtClean="0"/>
+              <a:t>Commitment, Independence</a:t>
+            </a:r>
+            <a:endParaRPr lang="en-US" sz="1100" i="1" dirty="0"/>
           </a:p>
         </p:txBody>
       </p:sp>
@@ -8240,8 +8000,13 @@
           <a:p>
             <a:r>
               <a:rPr lang="en-US" sz="1100" i="1" dirty="0"/>
-              <a:t>Performance, Commitment, Trust, Boldness, Independence</a:t>
-            </a:r>
+              <a:t>Performance, Commitment, </a:t>
+            </a:r>
+            <a:r>
+              <a:rPr lang="en-US" sz="1100" i="1" dirty="0" smtClean="0"/>
+              <a:t>Independence</a:t>
+            </a:r>
+            <a:endParaRPr lang="en-US" sz="1100" i="1" dirty="0"/>
           </a:p>
         </p:txBody>
       </p:sp>
@@ -8977,7 +8742,7 @@
           <a:p>
             <a:r>
               <a:rPr lang="en-US" dirty="0" smtClean="0"/>
-              <a:t>Contributions</a:t>
+              <a:t>How Do You Benefit?</a:t>
             </a:r>
             <a:endParaRPr lang="en-US" dirty="0"/>
           </a:p>
@@ -8999,42 +8764,55 @@
           <a:lstStyle/>
           <a:p>
             <a:r>
-              <a:rPr lang="en-US" dirty="0" err="1" smtClean="0"/>
-              <a:t>Dijkstra’s</a:t>
-            </a:r>
-            <a:r>
               <a:rPr lang="en-US" dirty="0" smtClean="0"/>
-              <a:t> Algorithm.</a:t>
-            </a:r>
-          </a:p>
-          <a:p>
+              <a:t>If you hire me, you will have a Full-Stack developer who have highly skill, highly motivated and experienced professional and who will gets the things done.</a:t>
+            </a:r>
+          </a:p>
+          <a:p>
+            <a:pPr lvl="2"/>
             <a:r>
               <a:rPr lang="en-US" dirty="0" smtClean="0"/>
-              <a:t>Fractional Knapsack Problem.</a:t>
-            </a:r>
-          </a:p>
-          <a:p>
+              <a:t>Highly Skilled Full-Stack Developer</a:t>
+            </a:r>
+          </a:p>
+          <a:p>
+            <a:pPr lvl="3"/>
             <a:r>
               <a:rPr lang="en-US" dirty="0" smtClean="0"/>
-              <a:t>Code-First Migration In Entity Framework. (Amaris)</a:t>
-            </a:r>
-          </a:p>
-          <a:p>
+              <a:t>As evidence by 4 years of outstanding worked as a Full-Stack Developer who can completely handles from the Front-end to Database.</a:t>
+            </a:r>
+          </a:p>
+          <a:p>
+            <a:pPr lvl="2"/>
             <a:r>
               <a:rPr lang="en-US" dirty="0" smtClean="0"/>
-              <a:t>Unit Testing Fundamental. (Amaris)</a:t>
-            </a:r>
-          </a:p>
-          <a:p>
+              <a:t>Highly Innovative and Creative</a:t>
+            </a:r>
+          </a:p>
+          <a:p>
+            <a:pPr lvl="3"/>
             <a:r>
               <a:rPr lang="en-US" dirty="0" smtClean="0"/>
-              <a:t>Unit Testing With TDD Method. (Amaris)</a:t>
-            </a:r>
-          </a:p>
-          <a:p>
-            <a:endParaRPr lang="en-US" dirty="0" smtClean="0"/>
-          </a:p>
-          <a:p>
+              <a:t>As evidence by the quality, contribution and variety my past projects and products.</a:t>
+            </a:r>
+          </a:p>
+          <a:p>
+            <a:pPr lvl="2"/>
+            <a:r>
+              <a:rPr lang="en-US" dirty="0"/>
+              <a:t>Highly Successful Team Player</a:t>
+            </a:r>
+          </a:p>
+          <a:p>
+            <a:pPr lvl="3"/>
+            <a:r>
+              <a:rPr lang="en-US" dirty="0" smtClean="0"/>
+              <a:t>As evidence by sharing and helping other members when their have conflict or problems. Moreover, I always motivate other members by making some Tech Talk meeting to help them improve their skills</a:t>
+            </a:r>
+            <a:r>
+              <a:rPr lang="en-US" dirty="0" smtClean="0"/>
+              <a:t>.</a:t>
+            </a:r>
             <a:endParaRPr lang="en-US" dirty="0" smtClean="0"/>
           </a:p>
         </p:txBody>
@@ -9072,12 +8850,7 @@
             <p:ph type="ftr" sz="quarter" idx="11"/>
           </p:nvPr>
         </p:nvSpPr>
-        <p:spPr>
-          <a:xfrm>
-            <a:off x="609600" y="6484777"/>
-            <a:ext cx="4123765" cy="274022"/>
-          </a:xfrm>
-        </p:spPr>
+        <p:spPr/>
         <p:txBody>
           <a:bodyPr/>
           <a:lstStyle/>
@@ -9091,752 +8864,15 @@
           <a:p>
             <a:r>
               <a:rPr lang="en-US" sz="1100" i="1" dirty="0"/>
-              <a:t>Performance, Commitment, Trust, Boldness, Independence</a:t>
-            </a:r>
-          </a:p>
-        </p:txBody>
-      </p:sp>
-    </p:spTree>
-    <p:extLst>
-      <p:ext uri="{BB962C8B-B14F-4D97-AF65-F5344CB8AC3E}">
-        <p14:creationId xmlns:p14="http://schemas.microsoft.com/office/powerpoint/2010/main" val="1885086581"/>
-      </p:ext>
-    </p:extLst>
-  </p:cSld>
-  <p:clrMapOvr>
-    <a:masterClrMapping/>
-  </p:clrMapOvr>
-  <mc:AlternateContent xmlns:mc="http://schemas.openxmlformats.org/markup-compatibility/2006" xmlns:p14="http://schemas.microsoft.com/office/powerpoint/2010/main">
-    <mc:Choice Requires="p14">
-      <p:transition spd="slow" p14:dur="800">
-        <p:circle/>
-      </p:transition>
-    </mc:Choice>
-    <mc:Fallback xmlns="">
-      <p:transition spd="slow">
-        <p:circle/>
-      </p:transition>
-    </mc:Fallback>
-  </mc:AlternateContent>
-  <p:timing>
-    <p:tnLst>
-      <p:par>
-        <p:cTn id="1" dur="indefinite" restart="never" nodeType="tmRoot">
-          <p:childTnLst>
-            <p:seq concurrent="1" nextAc="seek">
-              <p:cTn id="2" dur="indefinite" nodeType="mainSeq">
-                <p:childTnLst>
-                  <p:par>
-                    <p:cTn id="3" fill="hold">
-                      <p:stCondLst>
-                        <p:cond delay="indefinite"/>
-                      </p:stCondLst>
-                      <p:childTnLst>
-                        <p:par>
-                          <p:cTn id="4" fill="hold">
-                            <p:stCondLst>
-                              <p:cond delay="0"/>
-                            </p:stCondLst>
-                            <p:childTnLst>
-                              <p:par>
-                                <p:cTn id="5" presetID="2" presetClass="entr" presetSubtype="4" fill="hold" nodeType="clickEffect">
-                                  <p:stCondLst>
-                                    <p:cond delay="0"/>
-                                  </p:stCondLst>
-                                  <p:childTnLst>
-                                    <p:set>
-                                      <p:cBhvr>
-                                        <p:cTn id="6" dur="1" fill="hold">
-                                          <p:stCondLst>
-                                            <p:cond delay="0"/>
-                                          </p:stCondLst>
-                                        </p:cTn>
-                                        <p:tgtEl>
-                                          <p:spTgt spid="3">
-                                            <p:txEl>
-                                              <p:pRg st="0" end="0"/>
-                                            </p:txEl>
-                                          </p:spTgt>
-                                        </p:tgtEl>
-                                        <p:attrNameLst>
-                                          <p:attrName>style.visibility</p:attrName>
-                                        </p:attrNameLst>
-                                      </p:cBhvr>
-                                      <p:to>
-                                        <p:strVal val="visible"/>
-                                      </p:to>
-                                    </p:set>
-                                    <p:anim calcmode="lin" valueType="num">
-                                      <p:cBhvr additive="base">
-                                        <p:cTn id="7" dur="500" fill="hold"/>
-                                        <p:tgtEl>
-                                          <p:spTgt spid="3">
-                                            <p:txEl>
-                                              <p:pRg st="0" end="0"/>
-                                            </p:txEl>
-                                          </p:spTgt>
-                                        </p:tgtEl>
-                                        <p:attrNameLst>
-                                          <p:attrName>ppt_x</p:attrName>
-                                        </p:attrNameLst>
-                                      </p:cBhvr>
-                                      <p:tavLst>
-                                        <p:tav tm="0">
-                                          <p:val>
-                                            <p:strVal val="#ppt_x"/>
-                                          </p:val>
-                                        </p:tav>
-                                        <p:tav tm="100000">
-                                          <p:val>
-                                            <p:strVal val="#ppt_x"/>
-                                          </p:val>
-                                        </p:tav>
-                                      </p:tavLst>
-                                    </p:anim>
-                                    <p:anim calcmode="lin" valueType="num">
-                                      <p:cBhvr additive="base">
-                                        <p:cTn id="8" dur="500" fill="hold"/>
-                                        <p:tgtEl>
-                                          <p:spTgt spid="3">
-                                            <p:txEl>
-                                              <p:pRg st="0" end="0"/>
-                                            </p:txEl>
-                                          </p:spTgt>
-                                        </p:tgtEl>
-                                        <p:attrNameLst>
-                                          <p:attrName>ppt_y</p:attrName>
-                                        </p:attrNameLst>
-                                      </p:cBhvr>
-                                      <p:tavLst>
-                                        <p:tav tm="0">
-                                          <p:val>
-                                            <p:strVal val="1+#ppt_h/2"/>
-                                          </p:val>
-                                        </p:tav>
-                                        <p:tav tm="100000">
-                                          <p:val>
-                                            <p:strVal val="#ppt_y"/>
-                                          </p:val>
-                                        </p:tav>
-                                      </p:tavLst>
-                                    </p:anim>
-                                  </p:childTnLst>
-                                </p:cTn>
-                              </p:par>
-                            </p:childTnLst>
-                          </p:cTn>
-                        </p:par>
-                      </p:childTnLst>
-                    </p:cTn>
-                  </p:par>
-                  <p:par>
-                    <p:cTn id="9" fill="hold">
-                      <p:stCondLst>
-                        <p:cond delay="indefinite"/>
-                      </p:stCondLst>
-                      <p:childTnLst>
-                        <p:par>
-                          <p:cTn id="10" fill="hold">
-                            <p:stCondLst>
-                              <p:cond delay="0"/>
-                            </p:stCondLst>
-                            <p:childTnLst>
-                              <p:par>
-                                <p:cTn id="11" presetID="2" presetClass="entr" presetSubtype="4" fill="hold" nodeType="clickEffect">
-                                  <p:stCondLst>
-                                    <p:cond delay="0"/>
-                                  </p:stCondLst>
-                                  <p:childTnLst>
-                                    <p:set>
-                                      <p:cBhvr>
-                                        <p:cTn id="12" dur="1" fill="hold">
-                                          <p:stCondLst>
-                                            <p:cond delay="0"/>
-                                          </p:stCondLst>
-                                        </p:cTn>
-                                        <p:tgtEl>
-                                          <p:spTgt spid="3">
-                                            <p:txEl>
-                                              <p:pRg st="1" end="1"/>
-                                            </p:txEl>
-                                          </p:spTgt>
-                                        </p:tgtEl>
-                                        <p:attrNameLst>
-                                          <p:attrName>style.visibility</p:attrName>
-                                        </p:attrNameLst>
-                                      </p:cBhvr>
-                                      <p:to>
-                                        <p:strVal val="visible"/>
-                                      </p:to>
-                                    </p:set>
-                                    <p:anim calcmode="lin" valueType="num">
-                                      <p:cBhvr additive="base">
-                                        <p:cTn id="13" dur="500" fill="hold"/>
-                                        <p:tgtEl>
-                                          <p:spTgt spid="3">
-                                            <p:txEl>
-                                              <p:pRg st="1" end="1"/>
-                                            </p:txEl>
-                                          </p:spTgt>
-                                        </p:tgtEl>
-                                        <p:attrNameLst>
-                                          <p:attrName>ppt_x</p:attrName>
-                                        </p:attrNameLst>
-                                      </p:cBhvr>
-                                      <p:tavLst>
-                                        <p:tav tm="0">
-                                          <p:val>
-                                            <p:strVal val="#ppt_x"/>
-                                          </p:val>
-                                        </p:tav>
-                                        <p:tav tm="100000">
-                                          <p:val>
-                                            <p:strVal val="#ppt_x"/>
-                                          </p:val>
-                                        </p:tav>
-                                      </p:tavLst>
-                                    </p:anim>
-                                    <p:anim calcmode="lin" valueType="num">
-                                      <p:cBhvr additive="base">
-                                        <p:cTn id="14" dur="500" fill="hold"/>
-                                        <p:tgtEl>
-                                          <p:spTgt spid="3">
-                                            <p:txEl>
-                                              <p:pRg st="1" end="1"/>
-                                            </p:txEl>
-                                          </p:spTgt>
-                                        </p:tgtEl>
-                                        <p:attrNameLst>
-                                          <p:attrName>ppt_y</p:attrName>
-                                        </p:attrNameLst>
-                                      </p:cBhvr>
-                                      <p:tavLst>
-                                        <p:tav tm="0">
-                                          <p:val>
-                                            <p:strVal val="1+#ppt_h/2"/>
-                                          </p:val>
-                                        </p:tav>
-                                        <p:tav tm="100000">
-                                          <p:val>
-                                            <p:strVal val="#ppt_y"/>
-                                          </p:val>
-                                        </p:tav>
-                                      </p:tavLst>
-                                    </p:anim>
-                                  </p:childTnLst>
-                                </p:cTn>
-                              </p:par>
-                            </p:childTnLst>
-                          </p:cTn>
-                        </p:par>
-                      </p:childTnLst>
-                    </p:cTn>
-                  </p:par>
-                  <p:par>
-                    <p:cTn id="15" fill="hold">
-                      <p:stCondLst>
-                        <p:cond delay="indefinite"/>
-                      </p:stCondLst>
-                      <p:childTnLst>
-                        <p:par>
-                          <p:cTn id="16" fill="hold">
-                            <p:stCondLst>
-                              <p:cond delay="0"/>
-                            </p:stCondLst>
-                            <p:childTnLst>
-                              <p:par>
-                                <p:cTn id="17" presetID="2" presetClass="entr" presetSubtype="4" fill="hold" nodeType="clickEffect">
-                                  <p:stCondLst>
-                                    <p:cond delay="0"/>
-                                  </p:stCondLst>
-                                  <p:childTnLst>
-                                    <p:set>
-                                      <p:cBhvr>
-                                        <p:cTn id="18" dur="1" fill="hold">
-                                          <p:stCondLst>
-                                            <p:cond delay="0"/>
-                                          </p:stCondLst>
-                                        </p:cTn>
-                                        <p:tgtEl>
-                                          <p:spTgt spid="3">
-                                            <p:txEl>
-                                              <p:pRg st="2" end="2"/>
-                                            </p:txEl>
-                                          </p:spTgt>
-                                        </p:tgtEl>
-                                        <p:attrNameLst>
-                                          <p:attrName>style.visibility</p:attrName>
-                                        </p:attrNameLst>
-                                      </p:cBhvr>
-                                      <p:to>
-                                        <p:strVal val="visible"/>
-                                      </p:to>
-                                    </p:set>
-                                    <p:anim calcmode="lin" valueType="num">
-                                      <p:cBhvr additive="base">
-                                        <p:cTn id="19" dur="500" fill="hold"/>
-                                        <p:tgtEl>
-                                          <p:spTgt spid="3">
-                                            <p:txEl>
-                                              <p:pRg st="2" end="2"/>
-                                            </p:txEl>
-                                          </p:spTgt>
-                                        </p:tgtEl>
-                                        <p:attrNameLst>
-                                          <p:attrName>ppt_x</p:attrName>
-                                        </p:attrNameLst>
-                                      </p:cBhvr>
-                                      <p:tavLst>
-                                        <p:tav tm="0">
-                                          <p:val>
-                                            <p:strVal val="#ppt_x"/>
-                                          </p:val>
-                                        </p:tav>
-                                        <p:tav tm="100000">
-                                          <p:val>
-                                            <p:strVal val="#ppt_x"/>
-                                          </p:val>
-                                        </p:tav>
-                                      </p:tavLst>
-                                    </p:anim>
-                                    <p:anim calcmode="lin" valueType="num">
-                                      <p:cBhvr additive="base">
-                                        <p:cTn id="20" dur="500" fill="hold"/>
-                                        <p:tgtEl>
-                                          <p:spTgt spid="3">
-                                            <p:txEl>
-                                              <p:pRg st="2" end="2"/>
-                                            </p:txEl>
-                                          </p:spTgt>
-                                        </p:tgtEl>
-                                        <p:attrNameLst>
-                                          <p:attrName>ppt_y</p:attrName>
-                                        </p:attrNameLst>
-                                      </p:cBhvr>
-                                      <p:tavLst>
-                                        <p:tav tm="0">
-                                          <p:val>
-                                            <p:strVal val="1+#ppt_h/2"/>
-                                          </p:val>
-                                        </p:tav>
-                                        <p:tav tm="100000">
-                                          <p:val>
-                                            <p:strVal val="#ppt_y"/>
-                                          </p:val>
-                                        </p:tav>
-                                      </p:tavLst>
-                                    </p:anim>
-                                  </p:childTnLst>
-                                </p:cTn>
-                              </p:par>
-                            </p:childTnLst>
-                          </p:cTn>
-                        </p:par>
-                      </p:childTnLst>
-                    </p:cTn>
-                  </p:par>
-                  <p:par>
-                    <p:cTn id="21" fill="hold">
-                      <p:stCondLst>
-                        <p:cond delay="indefinite"/>
-                      </p:stCondLst>
-                      <p:childTnLst>
-                        <p:par>
-                          <p:cTn id="22" fill="hold">
-                            <p:stCondLst>
-                              <p:cond delay="0"/>
-                            </p:stCondLst>
-                            <p:childTnLst>
-                              <p:par>
-                                <p:cTn id="23" presetID="2" presetClass="entr" presetSubtype="4" fill="hold" nodeType="clickEffect">
-                                  <p:stCondLst>
-                                    <p:cond delay="0"/>
-                                  </p:stCondLst>
-                                  <p:childTnLst>
-                                    <p:set>
-                                      <p:cBhvr>
-                                        <p:cTn id="24" dur="1" fill="hold">
-                                          <p:stCondLst>
-                                            <p:cond delay="0"/>
-                                          </p:stCondLst>
-                                        </p:cTn>
-                                        <p:tgtEl>
-                                          <p:spTgt spid="3">
-                                            <p:txEl>
-                                              <p:pRg st="3" end="3"/>
-                                            </p:txEl>
-                                          </p:spTgt>
-                                        </p:tgtEl>
-                                        <p:attrNameLst>
-                                          <p:attrName>style.visibility</p:attrName>
-                                        </p:attrNameLst>
-                                      </p:cBhvr>
-                                      <p:to>
-                                        <p:strVal val="visible"/>
-                                      </p:to>
-                                    </p:set>
-                                    <p:anim calcmode="lin" valueType="num">
-                                      <p:cBhvr additive="base">
-                                        <p:cTn id="25" dur="500" fill="hold"/>
-                                        <p:tgtEl>
-                                          <p:spTgt spid="3">
-                                            <p:txEl>
-                                              <p:pRg st="3" end="3"/>
-                                            </p:txEl>
-                                          </p:spTgt>
-                                        </p:tgtEl>
-                                        <p:attrNameLst>
-                                          <p:attrName>ppt_x</p:attrName>
-                                        </p:attrNameLst>
-                                      </p:cBhvr>
-                                      <p:tavLst>
-                                        <p:tav tm="0">
-                                          <p:val>
-                                            <p:strVal val="#ppt_x"/>
-                                          </p:val>
-                                        </p:tav>
-                                        <p:tav tm="100000">
-                                          <p:val>
-                                            <p:strVal val="#ppt_x"/>
-                                          </p:val>
-                                        </p:tav>
-                                      </p:tavLst>
-                                    </p:anim>
-                                    <p:anim calcmode="lin" valueType="num">
-                                      <p:cBhvr additive="base">
-                                        <p:cTn id="26" dur="500" fill="hold"/>
-                                        <p:tgtEl>
-                                          <p:spTgt spid="3">
-                                            <p:txEl>
-                                              <p:pRg st="3" end="3"/>
-                                            </p:txEl>
-                                          </p:spTgt>
-                                        </p:tgtEl>
-                                        <p:attrNameLst>
-                                          <p:attrName>ppt_y</p:attrName>
-                                        </p:attrNameLst>
-                                      </p:cBhvr>
-                                      <p:tavLst>
-                                        <p:tav tm="0">
-                                          <p:val>
-                                            <p:strVal val="1+#ppt_h/2"/>
-                                          </p:val>
-                                        </p:tav>
-                                        <p:tav tm="100000">
-                                          <p:val>
-                                            <p:strVal val="#ppt_y"/>
-                                          </p:val>
-                                        </p:tav>
-                                      </p:tavLst>
-                                    </p:anim>
-                                  </p:childTnLst>
-                                </p:cTn>
-                              </p:par>
-                            </p:childTnLst>
-                          </p:cTn>
-                        </p:par>
-                      </p:childTnLst>
-                    </p:cTn>
-                  </p:par>
-                  <p:par>
-                    <p:cTn id="27" fill="hold">
-                      <p:stCondLst>
-                        <p:cond delay="indefinite"/>
-                      </p:stCondLst>
-                      <p:childTnLst>
-                        <p:par>
-                          <p:cTn id="28" fill="hold">
-                            <p:stCondLst>
-                              <p:cond delay="0"/>
-                            </p:stCondLst>
-                            <p:childTnLst>
-                              <p:par>
-                                <p:cTn id="29" presetID="2" presetClass="entr" presetSubtype="4" fill="hold" nodeType="clickEffect">
-                                  <p:stCondLst>
-                                    <p:cond delay="0"/>
-                                  </p:stCondLst>
-                                  <p:childTnLst>
-                                    <p:set>
-                                      <p:cBhvr>
-                                        <p:cTn id="30" dur="1" fill="hold">
-                                          <p:stCondLst>
-                                            <p:cond delay="0"/>
-                                          </p:stCondLst>
-                                        </p:cTn>
-                                        <p:tgtEl>
-                                          <p:spTgt spid="3">
-                                            <p:txEl>
-                                              <p:pRg st="4" end="4"/>
-                                            </p:txEl>
-                                          </p:spTgt>
-                                        </p:tgtEl>
-                                        <p:attrNameLst>
-                                          <p:attrName>style.visibility</p:attrName>
-                                        </p:attrNameLst>
-                                      </p:cBhvr>
-                                      <p:to>
-                                        <p:strVal val="visible"/>
-                                      </p:to>
-                                    </p:set>
-                                    <p:anim calcmode="lin" valueType="num">
-                                      <p:cBhvr additive="base">
-                                        <p:cTn id="31" dur="500" fill="hold"/>
-                                        <p:tgtEl>
-                                          <p:spTgt spid="3">
-                                            <p:txEl>
-                                              <p:pRg st="4" end="4"/>
-                                            </p:txEl>
-                                          </p:spTgt>
-                                        </p:tgtEl>
-                                        <p:attrNameLst>
-                                          <p:attrName>ppt_x</p:attrName>
-                                        </p:attrNameLst>
-                                      </p:cBhvr>
-                                      <p:tavLst>
-                                        <p:tav tm="0">
-                                          <p:val>
-                                            <p:strVal val="#ppt_x"/>
-                                          </p:val>
-                                        </p:tav>
-                                        <p:tav tm="100000">
-                                          <p:val>
-                                            <p:strVal val="#ppt_x"/>
-                                          </p:val>
-                                        </p:tav>
-                                      </p:tavLst>
-                                    </p:anim>
-                                    <p:anim calcmode="lin" valueType="num">
-                                      <p:cBhvr additive="base">
-                                        <p:cTn id="32" dur="500" fill="hold"/>
-                                        <p:tgtEl>
-                                          <p:spTgt spid="3">
-                                            <p:txEl>
-                                              <p:pRg st="4" end="4"/>
-                                            </p:txEl>
-                                          </p:spTgt>
-                                        </p:tgtEl>
-                                        <p:attrNameLst>
-                                          <p:attrName>ppt_y</p:attrName>
-                                        </p:attrNameLst>
-                                      </p:cBhvr>
-                                      <p:tavLst>
-                                        <p:tav tm="0">
-                                          <p:val>
-                                            <p:strVal val="1+#ppt_h/2"/>
-                                          </p:val>
-                                        </p:tav>
-                                        <p:tav tm="100000">
-                                          <p:val>
-                                            <p:strVal val="#ppt_y"/>
-                                          </p:val>
-                                        </p:tav>
-                                      </p:tavLst>
-                                    </p:anim>
-                                  </p:childTnLst>
-                                </p:cTn>
-                              </p:par>
-                            </p:childTnLst>
-                          </p:cTn>
-                        </p:par>
-                      </p:childTnLst>
-                    </p:cTn>
-                  </p:par>
-                </p:childTnLst>
-              </p:cTn>
-              <p:prevCondLst>
-                <p:cond evt="onPrev" delay="0">
-                  <p:tgtEl>
-                    <p:sldTgt/>
-                  </p:tgtEl>
-                </p:cond>
-              </p:prevCondLst>
-              <p:nextCondLst>
-                <p:cond evt="onNext" delay="0">
-                  <p:tgtEl>
-                    <p:sldTgt/>
-                  </p:tgtEl>
-                </p:cond>
-              </p:nextCondLst>
-            </p:seq>
-          </p:childTnLst>
-        </p:cTn>
-      </p:par>
-    </p:tnLst>
-  </p:timing>
-</p:sld>
-</file>
-
-<file path=ppt/slides/slide7.xml><?xml version="1.0" encoding="utf-8"?>
-<p:sld xmlns:a="http://schemas.openxmlformats.org/drawingml/2006/main" xmlns:r="http://schemas.openxmlformats.org/officeDocument/2006/relationships" xmlns:p="http://schemas.openxmlformats.org/presentationml/2006/main">
-  <p:cSld>
-    <p:spTree>
-      <p:nvGrpSpPr>
-        <p:cNvPr id="1" name=""/>
-        <p:cNvGrpSpPr/>
-        <p:nvPr/>
-      </p:nvGrpSpPr>
-      <p:grpSpPr>
-        <a:xfrm>
-          <a:off x="0" y="0"/>
-          <a:ext cx="0" cy="0"/>
-          <a:chOff x="0" y="0"/>
-          <a:chExt cx="0" cy="0"/>
-        </a:xfrm>
-      </p:grpSpPr>
-      <p:sp>
-        <p:nvSpPr>
-          <p:cNvPr id="2" name="Title 1"/>
-          <p:cNvSpPr>
-            <a:spLocks noGrp="1"/>
-          </p:cNvSpPr>
-          <p:nvPr>
-            <p:ph type="title"/>
-          </p:nvPr>
-        </p:nvSpPr>
-        <p:spPr/>
-        <p:txBody>
-          <a:bodyPr/>
-          <a:lstStyle/>
-          <a:p>
-            <a:r>
-              <a:rPr lang="en-US" dirty="0" smtClean="0"/>
-              <a:t>How Do You Benefit?</a:t>
-            </a:r>
-            <a:endParaRPr lang="en-US" dirty="0"/>
-          </a:p>
-        </p:txBody>
-      </p:sp>
-      <p:sp>
-        <p:nvSpPr>
-          <p:cNvPr id="3" name="Content Placeholder 2"/>
-          <p:cNvSpPr>
-            <a:spLocks noGrp="1"/>
-          </p:cNvSpPr>
-          <p:nvPr>
-            <p:ph idx="1"/>
-          </p:nvPr>
-        </p:nvSpPr>
-        <p:spPr/>
-        <p:txBody>
-          <a:bodyPr/>
-          <a:lstStyle/>
-          <a:p>
-            <a:r>
-              <a:rPr lang="en-US" dirty="0" smtClean="0"/>
-              <a:t>If you hire me, you will have a Full-Stack developer who have highly skill, highly motivated and experienced professional and who will gets the things done.</a:t>
-            </a:r>
-          </a:p>
-          <a:p>
-            <a:pPr lvl="2"/>
-            <a:r>
-              <a:rPr lang="en-US" dirty="0" smtClean="0"/>
-              <a:t>Highly Skilled Full-Stack Developer</a:t>
-            </a:r>
-          </a:p>
-          <a:p>
-            <a:pPr lvl="3"/>
-            <a:r>
-              <a:rPr lang="en-US" dirty="0" smtClean="0"/>
-              <a:t>As evidence by 4 years of outstanding worked as a Full-Stack Developer who can completely handles from the Front-end to Database.</a:t>
-            </a:r>
-          </a:p>
-          <a:p>
-            <a:pPr lvl="2"/>
-            <a:r>
-              <a:rPr lang="en-US" dirty="0" smtClean="0"/>
-              <a:t>Highly Innovative and Creative</a:t>
-            </a:r>
-          </a:p>
-          <a:p>
-            <a:pPr lvl="3"/>
-            <a:r>
-              <a:rPr lang="en-US" dirty="0" smtClean="0"/>
-              <a:t>As evidence by the quality, contribution and variety my past projects and products.</a:t>
-            </a:r>
-          </a:p>
-          <a:p>
-            <a:pPr lvl="2"/>
-            <a:r>
-              <a:rPr lang="en-US" dirty="0"/>
-              <a:t>Highly Successful Team Player</a:t>
-            </a:r>
-          </a:p>
-          <a:p>
-            <a:pPr lvl="3"/>
-            <a:r>
-              <a:rPr lang="en-US" dirty="0" smtClean="0"/>
-              <a:t>As evidence by sharing and helping other members when their have conflict or problems. Moreover, I always motivate other members by making some Tech Talk meeting to help them improve their skills.</a:t>
-            </a:r>
-          </a:p>
-          <a:p>
-            <a:pPr lvl="2"/>
-            <a:r>
-              <a:rPr lang="en-US" dirty="0" smtClean="0"/>
-              <a:t>Contribution</a:t>
-            </a:r>
-            <a:endParaRPr lang="en-US" dirty="0"/>
-          </a:p>
-          <a:p>
-            <a:pPr lvl="3"/>
-            <a:r>
-              <a:rPr lang="en-US" dirty="0"/>
-              <a:t>As evidence </a:t>
-            </a:r>
-            <a:r>
-              <a:rPr lang="en-US" dirty="0" smtClean="0"/>
-              <a:t>by the contributions section, I love to contribute my knowledge and my ideas to my company by making some training, sharing or building new tools to improve the productivities.</a:t>
-            </a:r>
-          </a:p>
-        </p:txBody>
-      </p:sp>
-      <p:sp>
-        <p:nvSpPr>
-          <p:cNvPr id="4" name="Date Placeholder 3"/>
-          <p:cNvSpPr>
-            <a:spLocks noGrp="1"/>
-          </p:cNvSpPr>
-          <p:nvPr>
-            <p:ph type="dt" sz="half" idx="10"/>
-          </p:nvPr>
-        </p:nvSpPr>
-        <p:spPr/>
-        <p:txBody>
-          <a:bodyPr/>
-          <a:lstStyle/>
-          <a:p>
-            <a:fld id="{EEA75F16-E4FD-44DC-ABEF-20CBF1D994A7}" type="datetime1">
-              <a:rPr lang="en-US" smtClean="0"/>
-              <a:t>3/2/2017</a:t>
-            </a:fld>
-            <a:endParaRPr lang="en-US"/>
-          </a:p>
-        </p:txBody>
-      </p:sp>
-      <p:sp>
-        <p:nvSpPr>
-          <p:cNvPr id="6" name="Footer Placeholder 3"/>
-          <p:cNvSpPr>
-            <a:spLocks noGrp="1"/>
-          </p:cNvSpPr>
-          <p:nvPr>
-            <p:ph type="ftr" sz="quarter" idx="11"/>
-          </p:nvPr>
-        </p:nvSpPr>
-        <p:spPr/>
-        <p:txBody>
-          <a:bodyPr/>
-          <a:lstStyle/>
-          <a:p>
-            <a:r>
-              <a:rPr lang="en-US" sz="1600" dirty="0"/>
-              <a:t>Johnny Nguyen</a:t>
-            </a:r>
-            <a:endParaRPr lang="en-US" sz="1600" i="1" dirty="0"/>
-          </a:p>
-          <a:p>
+              <a:t>Performance, </a:t>
+            </a:r>
+            <a:r>
+              <a:rPr lang="en-US" sz="1100" i="1" dirty="0" smtClean="0"/>
+              <a:t>Commitment, </a:t>
+            </a:r>
             <a:r>
               <a:rPr lang="en-US" sz="1100" i="1" dirty="0"/>
-              <a:t>Performance, Commitment, Trust, Boldness, Independence</a:t>
+              <a:t>Independence</a:t>
             </a:r>
           </a:p>
         </p:txBody>
@@ -10298,110 +9334,6 @@
                       </p:childTnLst>
                     </p:cTn>
                   </p:par>
-                  <p:par>
-                    <p:cTn id="34" fill="hold">
-                      <p:stCondLst>
-                        <p:cond delay="indefinite"/>
-                      </p:stCondLst>
-                      <p:childTnLst>
-                        <p:par>
-                          <p:cTn id="35" fill="hold">
-                            <p:stCondLst>
-                              <p:cond delay="0"/>
-                            </p:stCondLst>
-                            <p:childTnLst>
-                              <p:par>
-                                <p:cTn id="36" presetID="6" presetClass="entr" presetSubtype="16" fill="hold" nodeType="clickEffect">
-                                  <p:stCondLst>
-                                    <p:cond delay="0"/>
-                                  </p:stCondLst>
-                                  <p:childTnLst>
-                                    <p:set>
-                                      <p:cBhvr>
-                                        <p:cTn id="37" dur="1" fill="hold">
-                                          <p:stCondLst>
-                                            <p:cond delay="0"/>
-                                          </p:stCondLst>
-                                        </p:cTn>
-                                        <p:tgtEl>
-                                          <p:spTgt spid="3">
-                                            <p:txEl>
-                                              <p:pRg st="7" end="7"/>
-                                            </p:txEl>
-                                          </p:spTgt>
-                                        </p:tgtEl>
-                                        <p:attrNameLst>
-                                          <p:attrName>style.visibility</p:attrName>
-                                        </p:attrNameLst>
-                                      </p:cBhvr>
-                                      <p:to>
-                                        <p:strVal val="visible"/>
-                                      </p:to>
-                                    </p:set>
-                                    <p:animEffect transition="in" filter="circle(in)">
-                                      <p:cBhvr>
-                                        <p:cTn id="38" dur="2000"/>
-                                        <p:tgtEl>
-                                          <p:spTgt spid="3">
-                                            <p:txEl>
-                                              <p:pRg st="7" end="7"/>
-                                            </p:txEl>
-                                          </p:spTgt>
-                                        </p:tgtEl>
-                                      </p:cBhvr>
-                                    </p:animEffect>
-                                  </p:childTnLst>
-                                </p:cTn>
-                              </p:par>
-                              <p:par>
-                                <p:cTn id="39" presetID="6" presetClass="entr" presetSubtype="16" fill="hold" nodeType="withEffect">
-                                  <p:stCondLst>
-                                    <p:cond delay="0"/>
-                                  </p:stCondLst>
-                                  <p:childTnLst>
-                                    <p:set>
-                                      <p:cBhvr>
-                                        <p:cTn id="40" dur="1" fill="hold">
-                                          <p:stCondLst>
-                                            <p:cond delay="0"/>
-                                          </p:stCondLst>
-                                        </p:cTn>
-                                        <p:tgtEl>
-                                          <p:spTgt spid="3">
-                                            <p:txEl>
-                                              <p:pRg st="8" end="8"/>
-                                            </p:txEl>
-                                          </p:spTgt>
-                                        </p:tgtEl>
-                                        <p:attrNameLst>
-                                          <p:attrName>style.visibility</p:attrName>
-                                        </p:attrNameLst>
-                                      </p:cBhvr>
-                                      <p:to>
-                                        <p:strVal val="visible"/>
-                                      </p:to>
-                                    </p:set>
-                                    <p:animEffect transition="in" filter="circle(in)">
-                                      <p:cBhvr>
-                                        <p:cTn id="41" dur="2000"/>
-                                        <p:tgtEl>
-                                          <p:spTgt spid="3">
-                                            <p:txEl>
-                                              <p:pRg st="8" end="8"/>
-                                            </p:txEl>
-                                          </p:spTgt>
-                                        </p:tgtEl>
-                                      </p:cBhvr>
-                                    </p:animEffect>
-                                  </p:childTnLst>
-                                </p:cTn>
-                              </p:par>
-                            </p:childTnLst>
-                          </p:cTn>
-                        </p:par>
-                      </p:childTnLst>
-                    </p:cTn>
-                  </p:par>
                 </p:childTnLst>
               </p:cTn>
               <p:prevCondLst>
@@ -10427,7 +9359,7 @@
 </p:sld>
 </file>
 
-<file path=ppt/slides/slide8.xml><?xml version="1.0" encoding="utf-8"?>
+<file path=ppt/slides/slide7.xml><?xml version="1.0" encoding="utf-8"?>
 <p:sld xmlns:a="http://schemas.openxmlformats.org/drawingml/2006/main" xmlns:r="http://schemas.openxmlformats.org/officeDocument/2006/relationships" xmlns:p="http://schemas.openxmlformats.org/presentationml/2006/main">
   <p:cSld>
     <p:spTree>
@@ -10591,7 +9523,15 @@
           <a:p>
             <a:r>
               <a:rPr lang="en-US" sz="1100" i="1" dirty="0"/>
-              <a:t>Performance, Commitment, Trust, Boldness, Independence</a:t>
+              <a:t>Performance, </a:t>
+            </a:r>
+            <a:r>
+              <a:rPr lang="en-US" sz="1100" i="1" dirty="0" smtClean="0"/>
+              <a:t>Commitment, </a:t>
+            </a:r>
+            <a:r>
+              <a:rPr lang="en-US" sz="1100" i="1" dirty="0"/>
+              <a:t>Independence</a:t>
             </a:r>
           </a:p>
         </p:txBody>
